--- a/docs/ArchiNet Team-Milestone 6.pptx
+++ b/docs/ArchiNet Team-Milestone 6.pptx
@@ -5,7 +5,7 @@
     <p:sldMasterId id="2147483648" r:id="rId1"/>
   </p:sldMasterIdLst>
   <p:notesMasterIdLst>
-    <p:notesMasterId r:id="rId12"/>
+    <p:notesMasterId r:id="rId22"/>
   </p:notesMasterIdLst>
   <p:sldIdLst>
     <p:sldId id="256" r:id="rId2"/>
@@ -14,10 +14,20 @@
     <p:sldId id="318" r:id="rId5"/>
     <p:sldId id="319" r:id="rId6"/>
     <p:sldId id="323" r:id="rId7"/>
-    <p:sldId id="322" r:id="rId8"/>
-    <p:sldId id="320" r:id="rId9"/>
-    <p:sldId id="321" r:id="rId10"/>
-    <p:sldId id="324" r:id="rId11"/>
+    <p:sldId id="320" r:id="rId8"/>
+    <p:sldId id="330" r:id="rId9"/>
+    <p:sldId id="331" r:id="rId10"/>
+    <p:sldId id="332" r:id="rId11"/>
+    <p:sldId id="333" r:id="rId12"/>
+    <p:sldId id="334" r:id="rId13"/>
+    <p:sldId id="322" r:id="rId14"/>
+    <p:sldId id="321" r:id="rId15"/>
+    <p:sldId id="325" r:id="rId16"/>
+    <p:sldId id="324" r:id="rId17"/>
+    <p:sldId id="326" r:id="rId18"/>
+    <p:sldId id="327" r:id="rId19"/>
+    <p:sldId id="328" r:id="rId20"/>
+    <p:sldId id="329" r:id="rId21"/>
   </p:sldIdLst>
   <p:sldSz cx="12192000" cy="6858000"/>
   <p:notesSz cx="6858000" cy="9144000"/>
@@ -212,7 +222,7 @@
           <a:p>
             <a:fld id="{E3DCC2CC-EAAE-DA44-87DE-CEA1DACAC13F}" type="datetimeFigureOut">
               <a:rPr lang="en-GB" smtClean="0"/>
-              <a:t>08/01/2023</a:t>
+              <a:t>09/01/2023</a:t>
             </a:fld>
             <a:endParaRPr lang="en-GB"/>
           </a:p>
@@ -371,7 +381,7 @@
           <a:p>
             <a:fld id="{81134C7B-08A5-0143-B2DB-24883E593BD1}" type="slidenum">
               <a:rPr lang="en-GB" smtClean="0"/>
-              <a:t>‹N›</a:t>
+              <a:t>‹n.›</a:t>
             </a:fld>
             <a:endParaRPr lang="en-GB"/>
           </a:p>
@@ -502,7 +512,7 @@
           <p:cNvPr id="2" name="Titolo 1">
             <a:extLst>
               <a:ext uri="{FF2B5EF4-FFF2-40B4-BE49-F238E27FC236}">
-                <a16:creationId xmlns:a16="http://schemas.microsoft.com/office/drawing/2014/main" id="{A5856E15-36F6-B52E-4F8C-0D4E2494A137}"/>
+                <a16:creationId xmlns:a16="http://schemas.microsoft.com/office/drawing/2014/main" xmlns="" id="{A5856E15-36F6-B52E-4F8C-0D4E2494A137}"/>
               </a:ext>
             </a:extLst>
           </p:cNvPr>
@@ -539,7 +549,7 @@
           <p:cNvPr id="3" name="Sottotitolo 2">
             <a:extLst>
               <a:ext uri="{FF2B5EF4-FFF2-40B4-BE49-F238E27FC236}">
-                <a16:creationId xmlns:a16="http://schemas.microsoft.com/office/drawing/2014/main" id="{6298409D-2EC7-14D2-2521-512DE8ADBFC2}"/>
+                <a16:creationId xmlns:a16="http://schemas.microsoft.com/office/drawing/2014/main" xmlns="" id="{6298409D-2EC7-14D2-2521-512DE8ADBFC2}"/>
               </a:ext>
             </a:extLst>
           </p:cNvPr>
@@ -609,7 +619,7 @@
           <p:cNvPr id="4" name="Segnaposto data 3">
             <a:extLst>
               <a:ext uri="{FF2B5EF4-FFF2-40B4-BE49-F238E27FC236}">
-                <a16:creationId xmlns:a16="http://schemas.microsoft.com/office/drawing/2014/main" id="{D4A6DCE1-64B1-B546-A245-114581DBAAC5}"/>
+                <a16:creationId xmlns:a16="http://schemas.microsoft.com/office/drawing/2014/main" xmlns="" id="{D4A6DCE1-64B1-B546-A245-114581DBAAC5}"/>
               </a:ext>
             </a:extLst>
           </p:cNvPr>
@@ -627,7 +637,7 @@
           <a:p>
             <a:fld id="{4162ED4E-8BC0-4D11-A5C7-39002C316D74}" type="datetimeFigureOut">
               <a:rPr lang="it-IT" smtClean="0"/>
-              <a:t>08/01/2023</a:t>
+              <a:t>09/01/23</a:t>
             </a:fld>
             <a:endParaRPr lang="it-IT"/>
           </a:p>
@@ -638,7 +648,7 @@
           <p:cNvPr id="5" name="Segnaposto piè di pagina 4">
             <a:extLst>
               <a:ext uri="{FF2B5EF4-FFF2-40B4-BE49-F238E27FC236}">
-                <a16:creationId xmlns:a16="http://schemas.microsoft.com/office/drawing/2014/main" id="{91767226-9C11-3794-DA06-5749189B3C1C}"/>
+                <a16:creationId xmlns:a16="http://schemas.microsoft.com/office/drawing/2014/main" xmlns="" id="{91767226-9C11-3794-DA06-5749189B3C1C}"/>
               </a:ext>
             </a:extLst>
           </p:cNvPr>
@@ -663,7 +673,7 @@
           <p:cNvPr id="6" name="Segnaposto numero diapositiva 5">
             <a:extLst>
               <a:ext uri="{FF2B5EF4-FFF2-40B4-BE49-F238E27FC236}">
-                <a16:creationId xmlns:a16="http://schemas.microsoft.com/office/drawing/2014/main" id="{81D03395-B85A-79C2-9061-9FE5E0193D90}"/>
+                <a16:creationId xmlns:a16="http://schemas.microsoft.com/office/drawing/2014/main" xmlns="" id="{81D03395-B85A-79C2-9061-9FE5E0193D90}"/>
               </a:ext>
             </a:extLst>
           </p:cNvPr>
@@ -681,7 +691,7 @@
           <a:p>
             <a:fld id="{EDA6FB6F-2AD8-4BD0-8A2C-0F89ADB074C9}" type="slidenum">
               <a:rPr lang="it-IT" smtClean="0"/>
-              <a:t>‹N›</a:t>
+              <a:t>‹n.›</a:t>
             </a:fld>
             <a:endParaRPr lang="it-IT"/>
           </a:p>
@@ -722,7 +732,7 @@
           <p:cNvPr id="2" name="Titolo 1">
             <a:extLst>
               <a:ext uri="{FF2B5EF4-FFF2-40B4-BE49-F238E27FC236}">
-                <a16:creationId xmlns:a16="http://schemas.microsoft.com/office/drawing/2014/main" id="{89B2AE1D-BC8B-29E2-CAAF-E2F7680455E2}"/>
+                <a16:creationId xmlns:a16="http://schemas.microsoft.com/office/drawing/2014/main" xmlns="" id="{89B2AE1D-BC8B-29E2-CAAF-E2F7680455E2}"/>
               </a:ext>
             </a:extLst>
           </p:cNvPr>
@@ -750,7 +760,7 @@
           <p:cNvPr id="3" name="Segnaposto testo verticale 2">
             <a:extLst>
               <a:ext uri="{FF2B5EF4-FFF2-40B4-BE49-F238E27FC236}">
-                <a16:creationId xmlns:a16="http://schemas.microsoft.com/office/drawing/2014/main" id="{44EE1E66-B07F-343A-8330-16E4AE5DA359}"/>
+                <a16:creationId xmlns:a16="http://schemas.microsoft.com/office/drawing/2014/main" xmlns="" id="{44EE1E66-B07F-343A-8330-16E4AE5DA359}"/>
               </a:ext>
             </a:extLst>
           </p:cNvPr>
@@ -807,7 +817,7 @@
           <p:cNvPr id="4" name="Segnaposto data 3">
             <a:extLst>
               <a:ext uri="{FF2B5EF4-FFF2-40B4-BE49-F238E27FC236}">
-                <a16:creationId xmlns:a16="http://schemas.microsoft.com/office/drawing/2014/main" id="{AB2A3F00-70E5-85BB-4A9F-35044656D887}"/>
+                <a16:creationId xmlns:a16="http://schemas.microsoft.com/office/drawing/2014/main" xmlns="" id="{AB2A3F00-70E5-85BB-4A9F-35044656D887}"/>
               </a:ext>
             </a:extLst>
           </p:cNvPr>
@@ -825,7 +835,7 @@
           <a:p>
             <a:fld id="{4162ED4E-8BC0-4D11-A5C7-39002C316D74}" type="datetimeFigureOut">
               <a:rPr lang="it-IT" smtClean="0"/>
-              <a:t>08/01/2023</a:t>
+              <a:t>09/01/23</a:t>
             </a:fld>
             <a:endParaRPr lang="it-IT"/>
           </a:p>
@@ -836,7 +846,7 @@
           <p:cNvPr id="5" name="Segnaposto piè di pagina 4">
             <a:extLst>
               <a:ext uri="{FF2B5EF4-FFF2-40B4-BE49-F238E27FC236}">
-                <a16:creationId xmlns:a16="http://schemas.microsoft.com/office/drawing/2014/main" id="{7B661847-4401-86D1-D2DB-A19398D44A11}"/>
+                <a16:creationId xmlns:a16="http://schemas.microsoft.com/office/drawing/2014/main" xmlns="" id="{7B661847-4401-86D1-D2DB-A19398D44A11}"/>
               </a:ext>
             </a:extLst>
           </p:cNvPr>
@@ -861,7 +871,7 @@
           <p:cNvPr id="6" name="Segnaposto numero diapositiva 5">
             <a:extLst>
               <a:ext uri="{FF2B5EF4-FFF2-40B4-BE49-F238E27FC236}">
-                <a16:creationId xmlns:a16="http://schemas.microsoft.com/office/drawing/2014/main" id="{7A10E2AE-5CAC-7BFC-A00C-72BF83C023FB}"/>
+                <a16:creationId xmlns:a16="http://schemas.microsoft.com/office/drawing/2014/main" xmlns="" id="{7A10E2AE-5CAC-7BFC-A00C-72BF83C023FB}"/>
               </a:ext>
             </a:extLst>
           </p:cNvPr>
@@ -879,7 +889,7 @@
           <a:p>
             <a:fld id="{EDA6FB6F-2AD8-4BD0-8A2C-0F89ADB074C9}" type="slidenum">
               <a:rPr lang="it-IT" smtClean="0"/>
-              <a:t>‹N›</a:t>
+              <a:t>‹n.›</a:t>
             </a:fld>
             <a:endParaRPr lang="it-IT"/>
           </a:p>
@@ -920,7 +930,7 @@
           <p:cNvPr id="2" name="Titolo verticale 1">
             <a:extLst>
               <a:ext uri="{FF2B5EF4-FFF2-40B4-BE49-F238E27FC236}">
-                <a16:creationId xmlns:a16="http://schemas.microsoft.com/office/drawing/2014/main" id="{7B01F554-4C91-632A-2F0E-972AF3D8A515}"/>
+                <a16:creationId xmlns:a16="http://schemas.microsoft.com/office/drawing/2014/main" xmlns="" id="{7B01F554-4C91-632A-2F0E-972AF3D8A515}"/>
               </a:ext>
             </a:extLst>
           </p:cNvPr>
@@ -953,7 +963,7 @@
           <p:cNvPr id="3" name="Segnaposto testo verticale 2">
             <a:extLst>
               <a:ext uri="{FF2B5EF4-FFF2-40B4-BE49-F238E27FC236}">
-                <a16:creationId xmlns:a16="http://schemas.microsoft.com/office/drawing/2014/main" id="{6192B37F-FCB9-E79D-A43B-A6F7A168ED28}"/>
+                <a16:creationId xmlns:a16="http://schemas.microsoft.com/office/drawing/2014/main" xmlns="" id="{6192B37F-FCB9-E79D-A43B-A6F7A168ED28}"/>
               </a:ext>
             </a:extLst>
           </p:cNvPr>
@@ -1015,7 +1025,7 @@
           <p:cNvPr id="4" name="Segnaposto data 3">
             <a:extLst>
               <a:ext uri="{FF2B5EF4-FFF2-40B4-BE49-F238E27FC236}">
-                <a16:creationId xmlns:a16="http://schemas.microsoft.com/office/drawing/2014/main" id="{72F57BEB-C18C-0DCF-5673-13ABF10A0AE4}"/>
+                <a16:creationId xmlns:a16="http://schemas.microsoft.com/office/drawing/2014/main" xmlns="" id="{72F57BEB-C18C-0DCF-5673-13ABF10A0AE4}"/>
               </a:ext>
             </a:extLst>
           </p:cNvPr>
@@ -1033,7 +1043,7 @@
           <a:p>
             <a:fld id="{4162ED4E-8BC0-4D11-A5C7-39002C316D74}" type="datetimeFigureOut">
               <a:rPr lang="it-IT" smtClean="0"/>
-              <a:t>08/01/2023</a:t>
+              <a:t>09/01/23</a:t>
             </a:fld>
             <a:endParaRPr lang="it-IT"/>
           </a:p>
@@ -1044,7 +1054,7 @@
           <p:cNvPr id="5" name="Segnaposto piè di pagina 4">
             <a:extLst>
               <a:ext uri="{FF2B5EF4-FFF2-40B4-BE49-F238E27FC236}">
-                <a16:creationId xmlns:a16="http://schemas.microsoft.com/office/drawing/2014/main" id="{711E27C6-789B-6D24-E67F-E563CC848AE7}"/>
+                <a16:creationId xmlns:a16="http://schemas.microsoft.com/office/drawing/2014/main" xmlns="" id="{711E27C6-789B-6D24-E67F-E563CC848AE7}"/>
               </a:ext>
             </a:extLst>
           </p:cNvPr>
@@ -1069,7 +1079,7 @@
           <p:cNvPr id="6" name="Segnaposto numero diapositiva 5">
             <a:extLst>
               <a:ext uri="{FF2B5EF4-FFF2-40B4-BE49-F238E27FC236}">
-                <a16:creationId xmlns:a16="http://schemas.microsoft.com/office/drawing/2014/main" id="{ACDD3F04-617B-9DB7-6F9B-20FFE597CAB5}"/>
+                <a16:creationId xmlns:a16="http://schemas.microsoft.com/office/drawing/2014/main" xmlns="" id="{ACDD3F04-617B-9DB7-6F9B-20FFE597CAB5}"/>
               </a:ext>
             </a:extLst>
           </p:cNvPr>
@@ -1087,7 +1097,7 @@
           <a:p>
             <a:fld id="{EDA6FB6F-2AD8-4BD0-8A2C-0F89ADB074C9}" type="slidenum">
               <a:rPr lang="it-IT" smtClean="0"/>
-              <a:t>‹N›</a:t>
+              <a:t>‹n.›</a:t>
             </a:fld>
             <a:endParaRPr lang="it-IT"/>
           </a:p>
@@ -1128,7 +1138,7 @@
           <p:cNvPr id="2" name="Titolo 1">
             <a:extLst>
               <a:ext uri="{FF2B5EF4-FFF2-40B4-BE49-F238E27FC236}">
-                <a16:creationId xmlns:a16="http://schemas.microsoft.com/office/drawing/2014/main" id="{A4AFFF0A-8E4E-AF71-99AE-FF2FFA92567E}"/>
+                <a16:creationId xmlns:a16="http://schemas.microsoft.com/office/drawing/2014/main" xmlns="" id="{A4AFFF0A-8E4E-AF71-99AE-FF2FFA92567E}"/>
               </a:ext>
             </a:extLst>
           </p:cNvPr>
@@ -1156,7 +1166,7 @@
           <p:cNvPr id="3" name="Segnaposto contenuto 2">
             <a:extLst>
               <a:ext uri="{FF2B5EF4-FFF2-40B4-BE49-F238E27FC236}">
-                <a16:creationId xmlns:a16="http://schemas.microsoft.com/office/drawing/2014/main" id="{95AAE621-0850-4595-6F74-2328CD96CC03}"/>
+                <a16:creationId xmlns:a16="http://schemas.microsoft.com/office/drawing/2014/main" xmlns="" id="{95AAE621-0850-4595-6F74-2328CD96CC03}"/>
               </a:ext>
             </a:extLst>
           </p:cNvPr>
@@ -1213,7 +1223,7 @@
           <p:cNvPr id="4" name="Segnaposto data 3">
             <a:extLst>
               <a:ext uri="{FF2B5EF4-FFF2-40B4-BE49-F238E27FC236}">
-                <a16:creationId xmlns:a16="http://schemas.microsoft.com/office/drawing/2014/main" id="{97DAFFF8-B937-BB97-5063-D1F0DC558558}"/>
+                <a16:creationId xmlns:a16="http://schemas.microsoft.com/office/drawing/2014/main" xmlns="" id="{97DAFFF8-B937-BB97-5063-D1F0DC558558}"/>
               </a:ext>
             </a:extLst>
           </p:cNvPr>
@@ -1231,7 +1241,7 @@
           <a:p>
             <a:fld id="{4162ED4E-8BC0-4D11-A5C7-39002C316D74}" type="datetimeFigureOut">
               <a:rPr lang="it-IT" smtClean="0"/>
-              <a:t>08/01/2023</a:t>
+              <a:t>09/01/23</a:t>
             </a:fld>
             <a:endParaRPr lang="it-IT"/>
           </a:p>
@@ -1242,7 +1252,7 @@
           <p:cNvPr id="5" name="Segnaposto piè di pagina 4">
             <a:extLst>
               <a:ext uri="{FF2B5EF4-FFF2-40B4-BE49-F238E27FC236}">
-                <a16:creationId xmlns:a16="http://schemas.microsoft.com/office/drawing/2014/main" id="{AB88C178-D17C-4F9C-1EB1-E0F7D6EC237E}"/>
+                <a16:creationId xmlns:a16="http://schemas.microsoft.com/office/drawing/2014/main" xmlns="" id="{AB88C178-D17C-4F9C-1EB1-E0F7D6EC237E}"/>
               </a:ext>
             </a:extLst>
           </p:cNvPr>
@@ -1267,7 +1277,7 @@
           <p:cNvPr id="6" name="Segnaposto numero diapositiva 5">
             <a:extLst>
               <a:ext uri="{FF2B5EF4-FFF2-40B4-BE49-F238E27FC236}">
-                <a16:creationId xmlns:a16="http://schemas.microsoft.com/office/drawing/2014/main" id="{8135BB4F-2706-8ECE-8EF5-ABBFBC4037FE}"/>
+                <a16:creationId xmlns:a16="http://schemas.microsoft.com/office/drawing/2014/main" xmlns="" id="{8135BB4F-2706-8ECE-8EF5-ABBFBC4037FE}"/>
               </a:ext>
             </a:extLst>
           </p:cNvPr>
@@ -1285,7 +1295,7 @@
           <a:p>
             <a:fld id="{EDA6FB6F-2AD8-4BD0-8A2C-0F89ADB074C9}" type="slidenum">
               <a:rPr lang="it-IT" smtClean="0"/>
-              <a:t>‹N›</a:t>
+              <a:t>‹n.›</a:t>
             </a:fld>
             <a:endParaRPr lang="it-IT"/>
           </a:p>
@@ -1326,7 +1336,7 @@
           <p:cNvPr id="2" name="Titolo 1">
             <a:extLst>
               <a:ext uri="{FF2B5EF4-FFF2-40B4-BE49-F238E27FC236}">
-                <a16:creationId xmlns:a16="http://schemas.microsoft.com/office/drawing/2014/main" id="{D565DFEE-8654-9A40-1C43-4EC1940B5F4B}"/>
+                <a16:creationId xmlns:a16="http://schemas.microsoft.com/office/drawing/2014/main" xmlns="" id="{D565DFEE-8654-9A40-1C43-4EC1940B5F4B}"/>
               </a:ext>
             </a:extLst>
           </p:cNvPr>
@@ -1363,7 +1373,7 @@
           <p:cNvPr id="3" name="Segnaposto testo 2">
             <a:extLst>
               <a:ext uri="{FF2B5EF4-FFF2-40B4-BE49-F238E27FC236}">
-                <a16:creationId xmlns:a16="http://schemas.microsoft.com/office/drawing/2014/main" id="{CFB3EF10-AAB5-6CC0-28D8-924C00EAB047}"/>
+                <a16:creationId xmlns:a16="http://schemas.microsoft.com/office/drawing/2014/main" xmlns="" id="{CFB3EF10-AAB5-6CC0-28D8-924C00EAB047}"/>
               </a:ext>
             </a:extLst>
           </p:cNvPr>
@@ -1488,7 +1498,7 @@
           <p:cNvPr id="4" name="Segnaposto data 3">
             <a:extLst>
               <a:ext uri="{FF2B5EF4-FFF2-40B4-BE49-F238E27FC236}">
-                <a16:creationId xmlns:a16="http://schemas.microsoft.com/office/drawing/2014/main" id="{957EB737-F017-7269-1C37-C690C23AD1C6}"/>
+                <a16:creationId xmlns:a16="http://schemas.microsoft.com/office/drawing/2014/main" xmlns="" id="{957EB737-F017-7269-1C37-C690C23AD1C6}"/>
               </a:ext>
             </a:extLst>
           </p:cNvPr>
@@ -1506,7 +1516,7 @@
           <a:p>
             <a:fld id="{4162ED4E-8BC0-4D11-A5C7-39002C316D74}" type="datetimeFigureOut">
               <a:rPr lang="it-IT" smtClean="0"/>
-              <a:t>08/01/2023</a:t>
+              <a:t>09/01/23</a:t>
             </a:fld>
             <a:endParaRPr lang="it-IT"/>
           </a:p>
@@ -1517,7 +1527,7 @@
           <p:cNvPr id="5" name="Segnaposto piè di pagina 4">
             <a:extLst>
               <a:ext uri="{FF2B5EF4-FFF2-40B4-BE49-F238E27FC236}">
-                <a16:creationId xmlns:a16="http://schemas.microsoft.com/office/drawing/2014/main" id="{B22E2177-5CBA-69A4-F167-105BE71D1297}"/>
+                <a16:creationId xmlns:a16="http://schemas.microsoft.com/office/drawing/2014/main" xmlns="" id="{B22E2177-5CBA-69A4-F167-105BE71D1297}"/>
               </a:ext>
             </a:extLst>
           </p:cNvPr>
@@ -1542,7 +1552,7 @@
           <p:cNvPr id="6" name="Segnaposto numero diapositiva 5">
             <a:extLst>
               <a:ext uri="{FF2B5EF4-FFF2-40B4-BE49-F238E27FC236}">
-                <a16:creationId xmlns:a16="http://schemas.microsoft.com/office/drawing/2014/main" id="{8E2FE18A-40FF-9E06-E4CF-EF5C3A6F0856}"/>
+                <a16:creationId xmlns:a16="http://schemas.microsoft.com/office/drawing/2014/main" xmlns="" id="{8E2FE18A-40FF-9E06-E4CF-EF5C3A6F0856}"/>
               </a:ext>
             </a:extLst>
           </p:cNvPr>
@@ -1560,7 +1570,7 @@
           <a:p>
             <a:fld id="{EDA6FB6F-2AD8-4BD0-8A2C-0F89ADB074C9}" type="slidenum">
               <a:rPr lang="it-IT" smtClean="0"/>
-              <a:t>‹N›</a:t>
+              <a:t>‹n.›</a:t>
             </a:fld>
             <a:endParaRPr lang="it-IT"/>
           </a:p>
@@ -1601,7 +1611,7 @@
           <p:cNvPr id="2" name="Titolo 1">
             <a:extLst>
               <a:ext uri="{FF2B5EF4-FFF2-40B4-BE49-F238E27FC236}">
-                <a16:creationId xmlns:a16="http://schemas.microsoft.com/office/drawing/2014/main" id="{E5D53DDF-CFDD-750E-6882-02BFD3525532}"/>
+                <a16:creationId xmlns:a16="http://schemas.microsoft.com/office/drawing/2014/main" xmlns="" id="{E5D53DDF-CFDD-750E-6882-02BFD3525532}"/>
               </a:ext>
             </a:extLst>
           </p:cNvPr>
@@ -1629,7 +1639,7 @@
           <p:cNvPr id="3" name="Segnaposto contenuto 2">
             <a:extLst>
               <a:ext uri="{FF2B5EF4-FFF2-40B4-BE49-F238E27FC236}">
-                <a16:creationId xmlns:a16="http://schemas.microsoft.com/office/drawing/2014/main" id="{CED89CBA-AAD3-9ED1-9F82-65BBE5BCD50B}"/>
+                <a16:creationId xmlns:a16="http://schemas.microsoft.com/office/drawing/2014/main" xmlns="" id="{CED89CBA-AAD3-9ED1-9F82-65BBE5BCD50B}"/>
               </a:ext>
             </a:extLst>
           </p:cNvPr>
@@ -1691,7 +1701,7 @@
           <p:cNvPr id="4" name="Segnaposto contenuto 3">
             <a:extLst>
               <a:ext uri="{FF2B5EF4-FFF2-40B4-BE49-F238E27FC236}">
-                <a16:creationId xmlns:a16="http://schemas.microsoft.com/office/drawing/2014/main" id="{A25E8015-87FC-A1B3-B088-CFA13E2D45F2}"/>
+                <a16:creationId xmlns:a16="http://schemas.microsoft.com/office/drawing/2014/main" xmlns="" id="{A25E8015-87FC-A1B3-B088-CFA13E2D45F2}"/>
               </a:ext>
             </a:extLst>
           </p:cNvPr>
@@ -1753,7 +1763,7 @@
           <p:cNvPr id="5" name="Segnaposto data 4">
             <a:extLst>
               <a:ext uri="{FF2B5EF4-FFF2-40B4-BE49-F238E27FC236}">
-                <a16:creationId xmlns:a16="http://schemas.microsoft.com/office/drawing/2014/main" id="{E9917C88-11CD-E2CD-F933-A59125E17088}"/>
+                <a16:creationId xmlns:a16="http://schemas.microsoft.com/office/drawing/2014/main" xmlns="" id="{E9917C88-11CD-E2CD-F933-A59125E17088}"/>
               </a:ext>
             </a:extLst>
           </p:cNvPr>
@@ -1771,7 +1781,7 @@
           <a:p>
             <a:fld id="{4162ED4E-8BC0-4D11-A5C7-39002C316D74}" type="datetimeFigureOut">
               <a:rPr lang="it-IT" smtClean="0"/>
-              <a:t>08/01/2023</a:t>
+              <a:t>09/01/23</a:t>
             </a:fld>
             <a:endParaRPr lang="it-IT"/>
           </a:p>
@@ -1782,7 +1792,7 @@
           <p:cNvPr id="6" name="Segnaposto piè di pagina 5">
             <a:extLst>
               <a:ext uri="{FF2B5EF4-FFF2-40B4-BE49-F238E27FC236}">
-                <a16:creationId xmlns:a16="http://schemas.microsoft.com/office/drawing/2014/main" id="{F29F936A-94A0-5B1B-976B-03C9596875A0}"/>
+                <a16:creationId xmlns:a16="http://schemas.microsoft.com/office/drawing/2014/main" xmlns="" id="{F29F936A-94A0-5B1B-976B-03C9596875A0}"/>
               </a:ext>
             </a:extLst>
           </p:cNvPr>
@@ -1807,7 +1817,7 @@
           <p:cNvPr id="7" name="Segnaposto numero diapositiva 6">
             <a:extLst>
               <a:ext uri="{FF2B5EF4-FFF2-40B4-BE49-F238E27FC236}">
-                <a16:creationId xmlns:a16="http://schemas.microsoft.com/office/drawing/2014/main" id="{29756D61-2B90-EF8D-14BB-106DF38247E8}"/>
+                <a16:creationId xmlns:a16="http://schemas.microsoft.com/office/drawing/2014/main" xmlns="" id="{29756D61-2B90-EF8D-14BB-106DF38247E8}"/>
               </a:ext>
             </a:extLst>
           </p:cNvPr>
@@ -1825,7 +1835,7 @@
           <a:p>
             <a:fld id="{EDA6FB6F-2AD8-4BD0-8A2C-0F89ADB074C9}" type="slidenum">
               <a:rPr lang="it-IT" smtClean="0"/>
-              <a:t>‹N›</a:t>
+              <a:t>‹n.›</a:t>
             </a:fld>
             <a:endParaRPr lang="it-IT"/>
           </a:p>
@@ -1866,7 +1876,7 @@
           <p:cNvPr id="2" name="Titolo 1">
             <a:extLst>
               <a:ext uri="{FF2B5EF4-FFF2-40B4-BE49-F238E27FC236}">
-                <a16:creationId xmlns:a16="http://schemas.microsoft.com/office/drawing/2014/main" id="{F303DD3F-20DE-450B-19E2-A36F792E7AB7}"/>
+                <a16:creationId xmlns:a16="http://schemas.microsoft.com/office/drawing/2014/main" xmlns="" id="{F303DD3F-20DE-450B-19E2-A36F792E7AB7}"/>
               </a:ext>
             </a:extLst>
           </p:cNvPr>
@@ -1899,7 +1909,7 @@
           <p:cNvPr id="3" name="Segnaposto testo 2">
             <a:extLst>
               <a:ext uri="{FF2B5EF4-FFF2-40B4-BE49-F238E27FC236}">
-                <a16:creationId xmlns:a16="http://schemas.microsoft.com/office/drawing/2014/main" id="{D984E972-9192-8B8E-856E-1F5D51B28D8D}"/>
+                <a16:creationId xmlns:a16="http://schemas.microsoft.com/office/drawing/2014/main" xmlns="" id="{D984E972-9192-8B8E-856E-1F5D51B28D8D}"/>
               </a:ext>
             </a:extLst>
           </p:cNvPr>
@@ -1970,7 +1980,7 @@
           <p:cNvPr id="4" name="Segnaposto contenuto 3">
             <a:extLst>
               <a:ext uri="{FF2B5EF4-FFF2-40B4-BE49-F238E27FC236}">
-                <a16:creationId xmlns:a16="http://schemas.microsoft.com/office/drawing/2014/main" id="{508ACB5C-80E9-5E5E-780E-8A79265CA19D}"/>
+                <a16:creationId xmlns:a16="http://schemas.microsoft.com/office/drawing/2014/main" xmlns="" id="{508ACB5C-80E9-5E5E-780E-8A79265CA19D}"/>
               </a:ext>
             </a:extLst>
           </p:cNvPr>
@@ -2032,7 +2042,7 @@
           <p:cNvPr id="5" name="Segnaposto testo 4">
             <a:extLst>
               <a:ext uri="{FF2B5EF4-FFF2-40B4-BE49-F238E27FC236}">
-                <a16:creationId xmlns:a16="http://schemas.microsoft.com/office/drawing/2014/main" id="{A6269D08-C49E-5CFB-51CA-CC56CF5DC7D0}"/>
+                <a16:creationId xmlns:a16="http://schemas.microsoft.com/office/drawing/2014/main" xmlns="" id="{A6269D08-C49E-5CFB-51CA-CC56CF5DC7D0}"/>
               </a:ext>
             </a:extLst>
           </p:cNvPr>
@@ -2103,7 +2113,7 @@
           <p:cNvPr id="6" name="Segnaposto contenuto 5">
             <a:extLst>
               <a:ext uri="{FF2B5EF4-FFF2-40B4-BE49-F238E27FC236}">
-                <a16:creationId xmlns:a16="http://schemas.microsoft.com/office/drawing/2014/main" id="{4F4D26A6-9C38-8CDB-939E-3D5284324660}"/>
+                <a16:creationId xmlns:a16="http://schemas.microsoft.com/office/drawing/2014/main" xmlns="" id="{4F4D26A6-9C38-8CDB-939E-3D5284324660}"/>
               </a:ext>
             </a:extLst>
           </p:cNvPr>
@@ -2165,7 +2175,7 @@
           <p:cNvPr id="7" name="Segnaposto data 6">
             <a:extLst>
               <a:ext uri="{FF2B5EF4-FFF2-40B4-BE49-F238E27FC236}">
-                <a16:creationId xmlns:a16="http://schemas.microsoft.com/office/drawing/2014/main" id="{12112E69-56B7-C34D-9ADE-232E049BB0D1}"/>
+                <a16:creationId xmlns:a16="http://schemas.microsoft.com/office/drawing/2014/main" xmlns="" id="{12112E69-56B7-C34D-9ADE-232E049BB0D1}"/>
               </a:ext>
             </a:extLst>
           </p:cNvPr>
@@ -2183,7 +2193,7 @@
           <a:p>
             <a:fld id="{4162ED4E-8BC0-4D11-A5C7-39002C316D74}" type="datetimeFigureOut">
               <a:rPr lang="it-IT" smtClean="0"/>
-              <a:t>08/01/2023</a:t>
+              <a:t>09/01/23</a:t>
             </a:fld>
             <a:endParaRPr lang="it-IT"/>
           </a:p>
@@ -2194,7 +2204,7 @@
           <p:cNvPr id="8" name="Segnaposto piè di pagina 7">
             <a:extLst>
               <a:ext uri="{FF2B5EF4-FFF2-40B4-BE49-F238E27FC236}">
-                <a16:creationId xmlns:a16="http://schemas.microsoft.com/office/drawing/2014/main" id="{BB7C400B-34D3-8449-F3FF-B871FCF5E0B9}"/>
+                <a16:creationId xmlns:a16="http://schemas.microsoft.com/office/drawing/2014/main" xmlns="" id="{BB7C400B-34D3-8449-F3FF-B871FCF5E0B9}"/>
               </a:ext>
             </a:extLst>
           </p:cNvPr>
@@ -2219,7 +2229,7 @@
           <p:cNvPr id="9" name="Segnaposto numero diapositiva 8">
             <a:extLst>
               <a:ext uri="{FF2B5EF4-FFF2-40B4-BE49-F238E27FC236}">
-                <a16:creationId xmlns:a16="http://schemas.microsoft.com/office/drawing/2014/main" id="{B17332FE-1DD1-761F-2E9D-C6F8FBF541D5}"/>
+                <a16:creationId xmlns:a16="http://schemas.microsoft.com/office/drawing/2014/main" xmlns="" id="{B17332FE-1DD1-761F-2E9D-C6F8FBF541D5}"/>
               </a:ext>
             </a:extLst>
           </p:cNvPr>
@@ -2237,7 +2247,7 @@
           <a:p>
             <a:fld id="{EDA6FB6F-2AD8-4BD0-8A2C-0F89ADB074C9}" type="slidenum">
               <a:rPr lang="it-IT" smtClean="0"/>
-              <a:t>‹N›</a:t>
+              <a:t>‹n.›</a:t>
             </a:fld>
             <a:endParaRPr lang="it-IT"/>
           </a:p>
@@ -2278,7 +2288,7 @@
           <p:cNvPr id="2" name="Titolo 1">
             <a:extLst>
               <a:ext uri="{FF2B5EF4-FFF2-40B4-BE49-F238E27FC236}">
-                <a16:creationId xmlns:a16="http://schemas.microsoft.com/office/drawing/2014/main" id="{762EF4AD-400F-7AA1-A6AB-1D85CD24F1B7}"/>
+                <a16:creationId xmlns:a16="http://schemas.microsoft.com/office/drawing/2014/main" xmlns="" id="{762EF4AD-400F-7AA1-A6AB-1D85CD24F1B7}"/>
               </a:ext>
             </a:extLst>
           </p:cNvPr>
@@ -2306,7 +2316,7 @@
           <p:cNvPr id="3" name="Segnaposto data 2">
             <a:extLst>
               <a:ext uri="{FF2B5EF4-FFF2-40B4-BE49-F238E27FC236}">
-                <a16:creationId xmlns:a16="http://schemas.microsoft.com/office/drawing/2014/main" id="{02FA8C93-ABF7-4F22-A69C-2F2736D58324}"/>
+                <a16:creationId xmlns:a16="http://schemas.microsoft.com/office/drawing/2014/main" xmlns="" id="{02FA8C93-ABF7-4F22-A69C-2F2736D58324}"/>
               </a:ext>
             </a:extLst>
           </p:cNvPr>
@@ -2324,7 +2334,7 @@
           <a:p>
             <a:fld id="{4162ED4E-8BC0-4D11-A5C7-39002C316D74}" type="datetimeFigureOut">
               <a:rPr lang="it-IT" smtClean="0"/>
-              <a:t>08/01/2023</a:t>
+              <a:t>09/01/23</a:t>
             </a:fld>
             <a:endParaRPr lang="it-IT"/>
           </a:p>
@@ -2335,7 +2345,7 @@
           <p:cNvPr id="4" name="Segnaposto piè di pagina 3">
             <a:extLst>
               <a:ext uri="{FF2B5EF4-FFF2-40B4-BE49-F238E27FC236}">
-                <a16:creationId xmlns:a16="http://schemas.microsoft.com/office/drawing/2014/main" id="{674D15FC-EDB3-6A97-1942-33FE191C14FA}"/>
+                <a16:creationId xmlns:a16="http://schemas.microsoft.com/office/drawing/2014/main" xmlns="" id="{674D15FC-EDB3-6A97-1942-33FE191C14FA}"/>
               </a:ext>
             </a:extLst>
           </p:cNvPr>
@@ -2360,7 +2370,7 @@
           <p:cNvPr id="5" name="Segnaposto numero diapositiva 4">
             <a:extLst>
               <a:ext uri="{FF2B5EF4-FFF2-40B4-BE49-F238E27FC236}">
-                <a16:creationId xmlns:a16="http://schemas.microsoft.com/office/drawing/2014/main" id="{1CC8A165-30A5-6703-E930-9CD8A0E2363C}"/>
+                <a16:creationId xmlns:a16="http://schemas.microsoft.com/office/drawing/2014/main" xmlns="" id="{1CC8A165-30A5-6703-E930-9CD8A0E2363C}"/>
               </a:ext>
             </a:extLst>
           </p:cNvPr>
@@ -2378,7 +2388,7 @@
           <a:p>
             <a:fld id="{EDA6FB6F-2AD8-4BD0-8A2C-0F89ADB074C9}" type="slidenum">
               <a:rPr lang="it-IT" smtClean="0"/>
-              <a:t>‹N›</a:t>
+              <a:t>‹n.›</a:t>
             </a:fld>
             <a:endParaRPr lang="it-IT"/>
           </a:p>
@@ -2419,7 +2429,7 @@
           <p:cNvPr id="2" name="Segnaposto data 1">
             <a:extLst>
               <a:ext uri="{FF2B5EF4-FFF2-40B4-BE49-F238E27FC236}">
-                <a16:creationId xmlns:a16="http://schemas.microsoft.com/office/drawing/2014/main" id="{E1840BEB-09AE-9C07-2CFC-578F0256FDA4}"/>
+                <a16:creationId xmlns:a16="http://schemas.microsoft.com/office/drawing/2014/main" xmlns="" id="{E1840BEB-09AE-9C07-2CFC-578F0256FDA4}"/>
               </a:ext>
             </a:extLst>
           </p:cNvPr>
@@ -2437,7 +2447,7 @@
           <a:p>
             <a:fld id="{4162ED4E-8BC0-4D11-A5C7-39002C316D74}" type="datetimeFigureOut">
               <a:rPr lang="it-IT" smtClean="0"/>
-              <a:t>08/01/2023</a:t>
+              <a:t>09/01/23</a:t>
             </a:fld>
             <a:endParaRPr lang="it-IT"/>
           </a:p>
@@ -2448,7 +2458,7 @@
           <p:cNvPr id="3" name="Segnaposto piè di pagina 2">
             <a:extLst>
               <a:ext uri="{FF2B5EF4-FFF2-40B4-BE49-F238E27FC236}">
-                <a16:creationId xmlns:a16="http://schemas.microsoft.com/office/drawing/2014/main" id="{8CB77F97-2D36-5EE4-674B-18E59C60A48E}"/>
+                <a16:creationId xmlns:a16="http://schemas.microsoft.com/office/drawing/2014/main" xmlns="" id="{8CB77F97-2D36-5EE4-674B-18E59C60A48E}"/>
               </a:ext>
             </a:extLst>
           </p:cNvPr>
@@ -2473,7 +2483,7 @@
           <p:cNvPr id="4" name="Segnaposto numero diapositiva 3">
             <a:extLst>
               <a:ext uri="{FF2B5EF4-FFF2-40B4-BE49-F238E27FC236}">
-                <a16:creationId xmlns:a16="http://schemas.microsoft.com/office/drawing/2014/main" id="{B37B2911-B6B5-F878-FBE1-D33C40F183CF}"/>
+                <a16:creationId xmlns:a16="http://schemas.microsoft.com/office/drawing/2014/main" xmlns="" id="{B37B2911-B6B5-F878-FBE1-D33C40F183CF}"/>
               </a:ext>
             </a:extLst>
           </p:cNvPr>
@@ -2491,7 +2501,7 @@
           <a:p>
             <a:fld id="{EDA6FB6F-2AD8-4BD0-8A2C-0F89ADB074C9}" type="slidenum">
               <a:rPr lang="it-IT" smtClean="0"/>
-              <a:t>‹N›</a:t>
+              <a:t>‹n.›</a:t>
             </a:fld>
             <a:endParaRPr lang="it-IT"/>
           </a:p>
@@ -2532,7 +2542,7 @@
           <p:cNvPr id="2" name="Titolo 1">
             <a:extLst>
               <a:ext uri="{FF2B5EF4-FFF2-40B4-BE49-F238E27FC236}">
-                <a16:creationId xmlns:a16="http://schemas.microsoft.com/office/drawing/2014/main" id="{27A3741C-3A8D-5D4A-4D4E-FC98140F3D93}"/>
+                <a16:creationId xmlns:a16="http://schemas.microsoft.com/office/drawing/2014/main" xmlns="" id="{27A3741C-3A8D-5D4A-4D4E-FC98140F3D93}"/>
               </a:ext>
             </a:extLst>
           </p:cNvPr>
@@ -2569,7 +2579,7 @@
           <p:cNvPr id="3" name="Segnaposto contenuto 2">
             <a:extLst>
               <a:ext uri="{FF2B5EF4-FFF2-40B4-BE49-F238E27FC236}">
-                <a16:creationId xmlns:a16="http://schemas.microsoft.com/office/drawing/2014/main" id="{7EADCA65-38E3-C1C5-9314-0BE69A5273F5}"/>
+                <a16:creationId xmlns:a16="http://schemas.microsoft.com/office/drawing/2014/main" xmlns="" id="{7EADCA65-38E3-C1C5-9314-0BE69A5273F5}"/>
               </a:ext>
             </a:extLst>
           </p:cNvPr>
@@ -2659,7 +2669,7 @@
           <p:cNvPr id="4" name="Segnaposto testo 3">
             <a:extLst>
               <a:ext uri="{FF2B5EF4-FFF2-40B4-BE49-F238E27FC236}">
-                <a16:creationId xmlns:a16="http://schemas.microsoft.com/office/drawing/2014/main" id="{4B27DA41-DC06-9781-37B7-13AB2EAD752A}"/>
+                <a16:creationId xmlns:a16="http://schemas.microsoft.com/office/drawing/2014/main" xmlns="" id="{4B27DA41-DC06-9781-37B7-13AB2EAD752A}"/>
               </a:ext>
             </a:extLst>
           </p:cNvPr>
@@ -2730,7 +2740,7 @@
           <p:cNvPr id="5" name="Segnaposto data 4">
             <a:extLst>
               <a:ext uri="{FF2B5EF4-FFF2-40B4-BE49-F238E27FC236}">
-                <a16:creationId xmlns:a16="http://schemas.microsoft.com/office/drawing/2014/main" id="{F9F16C9A-7A24-6881-C959-DC28A936A22A}"/>
+                <a16:creationId xmlns:a16="http://schemas.microsoft.com/office/drawing/2014/main" xmlns="" id="{F9F16C9A-7A24-6881-C959-DC28A936A22A}"/>
               </a:ext>
             </a:extLst>
           </p:cNvPr>
@@ -2748,7 +2758,7 @@
           <a:p>
             <a:fld id="{4162ED4E-8BC0-4D11-A5C7-39002C316D74}" type="datetimeFigureOut">
               <a:rPr lang="it-IT" smtClean="0"/>
-              <a:t>08/01/2023</a:t>
+              <a:t>09/01/23</a:t>
             </a:fld>
             <a:endParaRPr lang="it-IT"/>
           </a:p>
@@ -2759,7 +2769,7 @@
           <p:cNvPr id="6" name="Segnaposto piè di pagina 5">
             <a:extLst>
               <a:ext uri="{FF2B5EF4-FFF2-40B4-BE49-F238E27FC236}">
-                <a16:creationId xmlns:a16="http://schemas.microsoft.com/office/drawing/2014/main" id="{506EFBD4-83BF-6684-F277-7578AAF99380}"/>
+                <a16:creationId xmlns:a16="http://schemas.microsoft.com/office/drawing/2014/main" xmlns="" id="{506EFBD4-83BF-6684-F277-7578AAF99380}"/>
               </a:ext>
             </a:extLst>
           </p:cNvPr>
@@ -2784,7 +2794,7 @@
           <p:cNvPr id="7" name="Segnaposto numero diapositiva 6">
             <a:extLst>
               <a:ext uri="{FF2B5EF4-FFF2-40B4-BE49-F238E27FC236}">
-                <a16:creationId xmlns:a16="http://schemas.microsoft.com/office/drawing/2014/main" id="{541D3594-279B-9135-7EBC-E677E3AF66C0}"/>
+                <a16:creationId xmlns:a16="http://schemas.microsoft.com/office/drawing/2014/main" xmlns="" id="{541D3594-279B-9135-7EBC-E677E3AF66C0}"/>
               </a:ext>
             </a:extLst>
           </p:cNvPr>
@@ -2802,7 +2812,7 @@
           <a:p>
             <a:fld id="{EDA6FB6F-2AD8-4BD0-8A2C-0F89ADB074C9}" type="slidenum">
               <a:rPr lang="it-IT" smtClean="0"/>
-              <a:t>‹N›</a:t>
+              <a:t>‹n.›</a:t>
             </a:fld>
             <a:endParaRPr lang="it-IT"/>
           </a:p>
@@ -2843,7 +2853,7 @@
           <p:cNvPr id="2" name="Titolo 1">
             <a:extLst>
               <a:ext uri="{FF2B5EF4-FFF2-40B4-BE49-F238E27FC236}">
-                <a16:creationId xmlns:a16="http://schemas.microsoft.com/office/drawing/2014/main" id="{3DF18DCF-0239-20D4-3F6E-AEE2405FFAD3}"/>
+                <a16:creationId xmlns:a16="http://schemas.microsoft.com/office/drawing/2014/main" xmlns="" id="{3DF18DCF-0239-20D4-3F6E-AEE2405FFAD3}"/>
               </a:ext>
             </a:extLst>
           </p:cNvPr>
@@ -2880,7 +2890,7 @@
           <p:cNvPr id="3" name="Segnaposto immagine 2">
             <a:extLst>
               <a:ext uri="{FF2B5EF4-FFF2-40B4-BE49-F238E27FC236}">
-                <a16:creationId xmlns:a16="http://schemas.microsoft.com/office/drawing/2014/main" id="{3C900F63-B01B-6567-45F1-0087D880CCD1}"/>
+                <a16:creationId xmlns:a16="http://schemas.microsoft.com/office/drawing/2014/main" xmlns="" id="{3C900F63-B01B-6567-45F1-0087D880CCD1}"/>
               </a:ext>
             </a:extLst>
           </p:cNvPr>
@@ -2947,7 +2957,7 @@
           <p:cNvPr id="4" name="Segnaposto testo 3">
             <a:extLst>
               <a:ext uri="{FF2B5EF4-FFF2-40B4-BE49-F238E27FC236}">
-                <a16:creationId xmlns:a16="http://schemas.microsoft.com/office/drawing/2014/main" id="{D518E7FB-B3D9-6D10-FACE-94DC404B8BBA}"/>
+                <a16:creationId xmlns:a16="http://schemas.microsoft.com/office/drawing/2014/main" xmlns="" id="{D518E7FB-B3D9-6D10-FACE-94DC404B8BBA}"/>
               </a:ext>
             </a:extLst>
           </p:cNvPr>
@@ -3018,7 +3028,7 @@
           <p:cNvPr id="5" name="Segnaposto data 4">
             <a:extLst>
               <a:ext uri="{FF2B5EF4-FFF2-40B4-BE49-F238E27FC236}">
-                <a16:creationId xmlns:a16="http://schemas.microsoft.com/office/drawing/2014/main" id="{CF4212F1-AAE7-7FDA-EC82-6D2A7BF94086}"/>
+                <a16:creationId xmlns:a16="http://schemas.microsoft.com/office/drawing/2014/main" xmlns="" id="{CF4212F1-AAE7-7FDA-EC82-6D2A7BF94086}"/>
               </a:ext>
             </a:extLst>
           </p:cNvPr>
@@ -3036,7 +3046,7 @@
           <a:p>
             <a:fld id="{4162ED4E-8BC0-4D11-A5C7-39002C316D74}" type="datetimeFigureOut">
               <a:rPr lang="it-IT" smtClean="0"/>
-              <a:t>08/01/2023</a:t>
+              <a:t>09/01/23</a:t>
             </a:fld>
             <a:endParaRPr lang="it-IT"/>
           </a:p>
@@ -3047,7 +3057,7 @@
           <p:cNvPr id="6" name="Segnaposto piè di pagina 5">
             <a:extLst>
               <a:ext uri="{FF2B5EF4-FFF2-40B4-BE49-F238E27FC236}">
-                <a16:creationId xmlns:a16="http://schemas.microsoft.com/office/drawing/2014/main" id="{69789B94-7132-F7B8-D0DB-BFBDB22BBC53}"/>
+                <a16:creationId xmlns:a16="http://schemas.microsoft.com/office/drawing/2014/main" xmlns="" id="{69789B94-7132-F7B8-D0DB-BFBDB22BBC53}"/>
               </a:ext>
             </a:extLst>
           </p:cNvPr>
@@ -3072,7 +3082,7 @@
           <p:cNvPr id="7" name="Segnaposto numero diapositiva 6">
             <a:extLst>
               <a:ext uri="{FF2B5EF4-FFF2-40B4-BE49-F238E27FC236}">
-                <a16:creationId xmlns:a16="http://schemas.microsoft.com/office/drawing/2014/main" id="{FE0B3F6E-2424-3630-C9B4-A6863076DD27}"/>
+                <a16:creationId xmlns:a16="http://schemas.microsoft.com/office/drawing/2014/main" xmlns="" id="{FE0B3F6E-2424-3630-C9B4-A6863076DD27}"/>
               </a:ext>
             </a:extLst>
           </p:cNvPr>
@@ -3090,7 +3100,7 @@
           <a:p>
             <a:fld id="{EDA6FB6F-2AD8-4BD0-8A2C-0F89ADB074C9}" type="slidenum">
               <a:rPr lang="it-IT" smtClean="0"/>
-              <a:t>‹N›</a:t>
+              <a:t>‹n.›</a:t>
             </a:fld>
             <a:endParaRPr lang="it-IT"/>
           </a:p>
@@ -3142,7 +3152,7 @@
           <p:cNvPr id="2" name="Segnaposto titolo 1">
             <a:extLst>
               <a:ext uri="{FF2B5EF4-FFF2-40B4-BE49-F238E27FC236}">
-                <a16:creationId xmlns:a16="http://schemas.microsoft.com/office/drawing/2014/main" id="{0A2B70B3-ABF9-6094-CBF0-56EA7FECA422}"/>
+                <a16:creationId xmlns:a16="http://schemas.microsoft.com/office/drawing/2014/main" xmlns="" id="{0A2B70B3-ABF9-6094-CBF0-56EA7FECA422}"/>
               </a:ext>
             </a:extLst>
           </p:cNvPr>
@@ -3180,7 +3190,7 @@
           <p:cNvPr id="3" name="Segnaposto testo 2">
             <a:extLst>
               <a:ext uri="{FF2B5EF4-FFF2-40B4-BE49-F238E27FC236}">
-                <a16:creationId xmlns:a16="http://schemas.microsoft.com/office/drawing/2014/main" id="{F57AC799-A14E-22D4-6164-AC9D4AE20040}"/>
+                <a16:creationId xmlns:a16="http://schemas.microsoft.com/office/drawing/2014/main" xmlns="" id="{F57AC799-A14E-22D4-6164-AC9D4AE20040}"/>
               </a:ext>
             </a:extLst>
           </p:cNvPr>
@@ -3247,7 +3257,7 @@
           <p:cNvPr id="4" name="Segnaposto data 3">
             <a:extLst>
               <a:ext uri="{FF2B5EF4-FFF2-40B4-BE49-F238E27FC236}">
-                <a16:creationId xmlns:a16="http://schemas.microsoft.com/office/drawing/2014/main" id="{2B76CA5C-F317-F6EA-9896-EA9A62AD1745}"/>
+                <a16:creationId xmlns:a16="http://schemas.microsoft.com/office/drawing/2014/main" xmlns="" id="{2B76CA5C-F317-F6EA-9896-EA9A62AD1745}"/>
               </a:ext>
             </a:extLst>
           </p:cNvPr>
@@ -3283,7 +3293,7 @@
           <a:p>
             <a:fld id="{4162ED4E-8BC0-4D11-A5C7-39002C316D74}" type="datetimeFigureOut">
               <a:rPr lang="it-IT" smtClean="0"/>
-              <a:t>08/01/2023</a:t>
+              <a:t>09/01/23</a:t>
             </a:fld>
             <a:endParaRPr lang="it-IT"/>
           </a:p>
@@ -3294,7 +3304,7 @@
           <p:cNvPr id="5" name="Segnaposto piè di pagina 4">
             <a:extLst>
               <a:ext uri="{FF2B5EF4-FFF2-40B4-BE49-F238E27FC236}">
-                <a16:creationId xmlns:a16="http://schemas.microsoft.com/office/drawing/2014/main" id="{2752C927-DAA5-ACDA-A68C-CCC400FD3240}"/>
+                <a16:creationId xmlns:a16="http://schemas.microsoft.com/office/drawing/2014/main" xmlns="" id="{2752C927-DAA5-ACDA-A68C-CCC400FD3240}"/>
               </a:ext>
             </a:extLst>
           </p:cNvPr>
@@ -3337,7 +3347,7 @@
           <p:cNvPr id="6" name="Segnaposto numero diapositiva 5">
             <a:extLst>
               <a:ext uri="{FF2B5EF4-FFF2-40B4-BE49-F238E27FC236}">
-                <a16:creationId xmlns:a16="http://schemas.microsoft.com/office/drawing/2014/main" id="{00CF403D-700C-3154-4614-0E81EB1E48FD}"/>
+                <a16:creationId xmlns:a16="http://schemas.microsoft.com/office/drawing/2014/main" xmlns="" id="{00CF403D-700C-3154-4614-0E81EB1E48FD}"/>
               </a:ext>
             </a:extLst>
           </p:cNvPr>
@@ -3373,7 +3383,7 @@
           <a:p>
             <a:fld id="{EDA6FB6F-2AD8-4BD0-8A2C-0F89ADB074C9}" type="slidenum">
               <a:rPr lang="it-IT" smtClean="0"/>
-              <a:t>‹N›</a:t>
+              <a:t>‹n.›</a:t>
             </a:fld>
             <a:endParaRPr lang="it-IT"/>
           </a:p>
@@ -3705,7 +3715,7 @@
           <p:cNvPr id="2" name="Titolo 1">
             <a:extLst>
               <a:ext uri="{FF2B5EF4-FFF2-40B4-BE49-F238E27FC236}">
-                <a16:creationId xmlns:a16="http://schemas.microsoft.com/office/drawing/2014/main" id="{926F256F-EA2A-4D40-1644-C8837C345BBB}"/>
+                <a16:creationId xmlns:a16="http://schemas.microsoft.com/office/drawing/2014/main" xmlns="" id="{926F256F-EA2A-4D40-1644-C8837C345BBB}"/>
               </a:ext>
             </a:extLst>
           </p:cNvPr>
@@ -3735,17 +3745,34 @@
                     <a:lumMod val="75000"/>
                   </a:schemeClr>
                 </a:solidFill>
-                <a:latin typeface="CMR17"/>
+                <a:latin typeface="Calibri" charset="0"/>
+                <a:ea typeface="Calibri" charset="0"/>
+                <a:cs typeface="Calibri" charset="0"/>
               </a:rPr>
               <a:t>Milestone 6: Monitoring</a:t>
+            </a:r>
+            <a:r>
+              <a:rPr lang="en-US" b="1" i="0" dirty="0">
+                <a:effectLst/>
+                <a:latin typeface="Calibri" charset="0"/>
+                <a:ea typeface="Calibri" charset="0"/>
+                <a:cs typeface="Calibri" charset="0"/>
+              </a:rPr>
+              <a:t/>
             </a:r>
             <a:br>
               <a:rPr lang="en-US" b="1" i="0" dirty="0">
                 <a:effectLst/>
-                <a:latin typeface="zeitung"/>
+                <a:latin typeface="Calibri" charset="0"/>
+                <a:ea typeface="Calibri" charset="0"/>
+                <a:cs typeface="Calibri" charset="0"/>
               </a:rPr>
             </a:br>
-            <a:endParaRPr lang="it-IT" dirty="0"/>
+            <a:endParaRPr lang="it-IT" dirty="0">
+              <a:latin typeface="Calibri" charset="0"/>
+              <a:ea typeface="Calibri" charset="0"/>
+              <a:cs typeface="Calibri" charset="0"/>
+            </a:endParaRPr>
           </a:p>
         </p:txBody>
       </p:sp>
@@ -3754,7 +3781,7 @@
           <p:cNvPr id="3" name="Sottotitolo 2">
             <a:extLst>
               <a:ext uri="{FF2B5EF4-FFF2-40B4-BE49-F238E27FC236}">
-                <a16:creationId xmlns:a16="http://schemas.microsoft.com/office/drawing/2014/main" id="{6C752F3B-C461-1F68-35A6-D85D34D4DCBC}"/>
+                <a16:creationId xmlns:a16="http://schemas.microsoft.com/office/drawing/2014/main" xmlns="" id="{6C752F3B-C461-1F68-35A6-D85D34D4DCBC}"/>
               </a:ext>
             </a:extLst>
           </p:cNvPr>
@@ -3780,7 +3807,9 @@
             <a:r>
               <a:rPr lang="en-US" i="0" dirty="0">
                 <a:effectLst/>
-                <a:latin typeface="Inter"/>
+                <a:latin typeface="Calibri" charset="0"/>
+                <a:ea typeface="Calibri" charset="0"/>
+                <a:cs typeface="Calibri" charset="0"/>
               </a:rPr>
               <a:t>Software Engineering</a:t>
             </a:r>
@@ -3789,41 +3818,55 @@
             <a:r>
               <a:rPr lang="en-US" i="0" dirty="0">
                 <a:effectLst/>
-                <a:latin typeface="Inter"/>
+                <a:latin typeface="Calibri" charset="0"/>
+                <a:ea typeface="Calibri" charset="0"/>
+                <a:cs typeface="Calibri" charset="0"/>
               </a:rPr>
               <a:t>for AI Enabled Systems</a:t>
             </a:r>
           </a:p>
           <a:p>
             <a:endParaRPr lang="en-US" dirty="0">
-              <a:latin typeface="Inter"/>
+              <a:latin typeface="Calibri" charset="0"/>
+              <a:ea typeface="Calibri" charset="0"/>
+              <a:cs typeface="Calibri" charset="0"/>
             </a:endParaRPr>
           </a:p>
           <a:p>
             <a:endParaRPr lang="en-US" i="0" dirty="0">
               <a:effectLst/>
-              <a:latin typeface="Inter"/>
+              <a:latin typeface="Calibri" charset="0"/>
+              <a:ea typeface="Calibri" charset="0"/>
+              <a:cs typeface="Calibri" charset="0"/>
             </a:endParaRPr>
           </a:p>
           <a:p>
             <a:endParaRPr lang="en-US" dirty="0">
-              <a:latin typeface="Inter"/>
+              <a:latin typeface="Calibri" charset="0"/>
+              <a:ea typeface="Calibri" charset="0"/>
+              <a:cs typeface="Calibri" charset="0"/>
             </a:endParaRPr>
           </a:p>
           <a:p>
             <a:endParaRPr lang="en-US" dirty="0">
-              <a:latin typeface="Inter"/>
+              <a:latin typeface="Calibri" charset="0"/>
+              <a:ea typeface="Calibri" charset="0"/>
+              <a:cs typeface="Calibri" charset="0"/>
             </a:endParaRPr>
           </a:p>
           <a:p>
             <a:endParaRPr lang="en-US" dirty="0">
-              <a:latin typeface="Inter"/>
+              <a:latin typeface="Calibri" charset="0"/>
+              <a:ea typeface="Calibri" charset="0"/>
+              <a:cs typeface="Calibri" charset="0"/>
             </a:endParaRPr>
           </a:p>
           <a:p>
             <a:endParaRPr lang="en-US" i="0" dirty="0">
               <a:effectLst/>
-              <a:latin typeface="Inter"/>
+              <a:latin typeface="Calibri" charset="0"/>
+              <a:ea typeface="Calibri" charset="0"/>
+              <a:cs typeface="Calibri" charset="0"/>
             </a:endParaRPr>
           </a:p>
           <a:p>
@@ -3832,11 +3875,17 @@
                 <a:solidFill>
                   <a:srgbClr val="212121"/>
                 </a:solidFill>
-                <a:latin typeface="Inter"/>
+                <a:latin typeface="Calibri" charset="0"/>
+                <a:ea typeface="Calibri" charset="0"/>
+                <a:cs typeface="Calibri" charset="0"/>
               </a:rPr>
               <a:t>Students: Basile Andrea, Iacovazzi Antonio Raffaele, Lorusso Roberto</a:t>
             </a:r>
-            <a:endParaRPr lang="it-IT" dirty="0"/>
+            <a:endParaRPr lang="it-IT" dirty="0">
+              <a:latin typeface="Calibri" charset="0"/>
+              <a:ea typeface="Calibri" charset="0"/>
+              <a:cs typeface="Calibri" charset="0"/>
+            </a:endParaRPr>
           </a:p>
         </p:txBody>
       </p:sp>
@@ -3845,7 +3894,7 @@
           <p:cNvPr id="5" name="Immagine 4">
             <a:extLst>
               <a:ext uri="{FF2B5EF4-FFF2-40B4-BE49-F238E27FC236}">
-                <a16:creationId xmlns:a16="http://schemas.microsoft.com/office/drawing/2014/main" id="{17570CE4-C826-9688-0784-D218197D3D1B}"/>
+                <a16:creationId xmlns:a16="http://schemas.microsoft.com/office/drawing/2014/main" xmlns="" id="{17570CE4-C826-9688-0784-D218197D3D1B}"/>
               </a:ext>
             </a:extLst>
           </p:cNvPr>
@@ -3911,7 +3960,7 @@
           <p:cNvPr id="2" name="Titolo 1">
             <a:extLst>
               <a:ext uri="{FF2B5EF4-FFF2-40B4-BE49-F238E27FC236}">
-                <a16:creationId xmlns:a16="http://schemas.microsoft.com/office/drawing/2014/main" id="{E84D6F7A-C5C5-40C7-0FD8-F1C4CD4F3D65}"/>
+                <a16:creationId xmlns:a16="http://schemas.microsoft.com/office/drawing/2014/main" xmlns="" id="{E84D6F7A-C5C5-40C7-0FD8-F1C4CD4F3D65}"/>
               </a:ext>
             </a:extLst>
           </p:cNvPr>
@@ -3924,7 +3973,7 @@
         </p:nvSpPr>
         <p:spPr>
           <a:xfrm>
-            <a:off x="886459" y="0"/>
+            <a:off x="1218967" y="-113141"/>
             <a:ext cx="10419078" cy="1325563"/>
           </a:xfrm>
         </p:spPr>
@@ -3936,230 +3985,3125 @@
           <a:p>
             <a:pPr algn="ctr"/>
             <a:r>
-              <a:rPr lang="en-US" sz="4400" b="1" i="0" u="none" strike="noStrike" baseline="0">
+              <a:rPr lang="it-IT" b="1" dirty="0">
                 <a:solidFill>
                   <a:schemeClr val="accent2">
                     <a:lumMod val="75000"/>
                   </a:schemeClr>
                 </a:solidFill>
-                <a:latin typeface="CMR17"/>
-              </a:rPr>
-              <a:t>Grafana Dashboard</a:t>
-            </a:r>
+                <a:latin typeface="Calibri" charset="0"/>
+                <a:ea typeface="Calibri" charset="0"/>
+                <a:cs typeface="Calibri" charset="0"/>
+              </a:rPr>
+              <a:t>Grafana dashboard</a:t>
+            </a:r>
+          </a:p>
+        </p:txBody>
+      </p:sp>
+      <p:sp>
+        <p:nvSpPr>
+          <p:cNvPr id="5" name="Rettangolo 4"/>
+          <p:cNvSpPr/>
+          <p:nvPr/>
+        </p:nvSpPr>
+        <p:spPr>
+          <a:xfrm>
+            <a:off x="4229648" y="833407"/>
+            <a:ext cx="4321055" cy="369332"/>
+          </a:xfrm>
+          <a:prstGeom prst="rect">
+            <a:avLst/>
+          </a:prstGeom>
+        </p:spPr>
+        <p:txBody>
+          <a:bodyPr wrap="none">
+            <a:spAutoFit/>
+          </a:bodyPr>
+          <a:lstStyle/>
+          <a:p>
+            <a:r>
+              <a:rPr lang="it-IT" b="1" dirty="0">
+                <a:solidFill>
+                  <a:schemeClr val="accent2">
+                    <a:lumMod val="75000"/>
+                  </a:schemeClr>
+                </a:solidFill>
+                <a:latin typeface="Helvetica Neue" charset="0"/>
+                <a:ea typeface="Helvetica Neue" charset="0"/>
+                <a:cs typeface="Helvetica Neue" charset="0"/>
+              </a:rPr>
+              <a:t>PromQL queries for data visualization</a:t>
+            </a:r>
+          </a:p>
+        </p:txBody>
+      </p:sp>
+      <p:sp>
+        <p:nvSpPr>
+          <p:cNvPr id="6" name="CasellaDiTesto 5"/>
+          <p:cNvSpPr txBox="1"/>
+          <p:nvPr/>
+        </p:nvSpPr>
+        <p:spPr>
+          <a:xfrm>
+            <a:off x="4981938" y="1606427"/>
+            <a:ext cx="3219953" cy="461665"/>
+          </a:xfrm>
+          <a:prstGeom prst="rect">
+            <a:avLst/>
+          </a:prstGeom>
+          <a:solidFill>
+            <a:schemeClr val="tx1">
+              <a:lumMod val="85000"/>
+              <a:lumOff val="15000"/>
+            </a:schemeClr>
+          </a:solidFill>
+        </p:spPr>
+        <p:txBody>
+          <a:bodyPr wrap="square" rtlCol="0">
+            <a:spAutoFit/>
+          </a:bodyPr>
+          <a:lstStyle/>
+          <a:p>
+            <a:r>
+              <a:rPr lang="it-IT" sz="2400" b="0" i="0" u="none" strike="noStrike">
+                <a:solidFill>
+                  <a:srgbClr val="CCCCDC"/>
+                </a:solidFill>
+                <a:effectLst/>
+                <a:latin typeface="Calibri" charset="0"/>
+                <a:ea typeface="Calibri" charset="0"/>
+                <a:cs typeface="Calibri" charset="0"/>
+              </a:rPr>
+              <a:t>counter_feedback_total</a:t>
+            </a:r>
+            <a:endParaRPr lang="it-IT" sz="2400" b="0" i="0" u="none" strike="noStrike">
+              <a:solidFill>
+                <a:srgbClr val="DCDCDC"/>
+              </a:solidFill>
+              <a:effectLst/>
+              <a:latin typeface="Calibri" charset="0"/>
+              <a:ea typeface="Calibri" charset="0"/>
+              <a:cs typeface="Calibri" charset="0"/>
+            </a:endParaRPr>
+          </a:p>
+        </p:txBody>
+      </p:sp>
+      <p:pic>
+        <p:nvPicPr>
+          <p:cNvPr id="4" name="Immagine 3"/>
+          <p:cNvPicPr>
+            <a:picLocks noChangeAspect="1"/>
+          </p:cNvPicPr>
+          <p:nvPr/>
+        </p:nvPicPr>
+        <p:blipFill>
+          <a:blip r:embed="rId2">
+            <a:extLst>
+              <a:ext uri="{28A0092B-C50C-407E-A947-70E740481C1C}">
+                <a14:useLocalDpi xmlns:a14="http://schemas.microsoft.com/office/drawing/2010/main" val="0"/>
+              </a:ext>
+            </a:extLst>
+          </a:blip>
+          <a:stretch>
+            <a:fillRect/>
+          </a:stretch>
+        </p:blipFill>
+        <p:spPr>
+          <a:xfrm>
+            <a:off x="2046775" y="2400542"/>
+            <a:ext cx="8686800" cy="2870200"/>
+          </a:xfrm>
+          <a:prstGeom prst="rect">
+            <a:avLst/>
+          </a:prstGeom>
+        </p:spPr>
+      </p:pic>
+    </p:spTree>
+    <p:extLst>
+      <p:ext uri="{BB962C8B-B14F-4D97-AF65-F5344CB8AC3E}">
+        <p14:creationId xmlns:p14="http://schemas.microsoft.com/office/powerpoint/2010/main" val="1152174216"/>
+      </p:ext>
+    </p:extLst>
+  </p:cSld>
+  <p:clrMapOvr>
+    <a:masterClrMapping/>
+  </p:clrMapOvr>
+</p:sld>
+</file>
+
+<file path=ppt/slides/slide11.xml><?xml version="1.0" encoding="utf-8"?>
+<p:sld xmlns:a="http://schemas.openxmlformats.org/drawingml/2006/main" xmlns:r="http://schemas.openxmlformats.org/officeDocument/2006/relationships" xmlns:p="http://schemas.openxmlformats.org/presentationml/2006/main">
+  <p:cSld>
+    <p:spTree>
+      <p:nvGrpSpPr>
+        <p:cNvPr id="1" name=""/>
+        <p:cNvGrpSpPr/>
+        <p:nvPr/>
+      </p:nvGrpSpPr>
+      <p:grpSpPr>
+        <a:xfrm>
+          <a:off x="0" y="0"/>
+          <a:ext cx="0" cy="0"/>
+          <a:chOff x="0" y="0"/>
+          <a:chExt cx="0" cy="0"/>
+        </a:xfrm>
+      </p:grpSpPr>
+      <p:sp>
+        <p:nvSpPr>
+          <p:cNvPr id="2" name="Titolo 1">
+            <a:extLst>
+              <a:ext uri="{FF2B5EF4-FFF2-40B4-BE49-F238E27FC236}">
+                <a16:creationId xmlns:a16="http://schemas.microsoft.com/office/drawing/2014/main" xmlns="" id="{E84D6F7A-C5C5-40C7-0FD8-F1C4CD4F3D65}"/>
+              </a:ext>
+            </a:extLst>
+          </p:cNvPr>
+          <p:cNvSpPr>
+            <a:spLocks noGrp="1"/>
+          </p:cNvSpPr>
+          <p:nvPr>
+            <p:ph type="title"/>
+          </p:nvPr>
+        </p:nvSpPr>
+        <p:spPr>
+          <a:xfrm>
+            <a:off x="1218967" y="-113141"/>
+            <a:ext cx="10419078" cy="1325563"/>
+          </a:xfrm>
+        </p:spPr>
+        <p:txBody>
+          <a:bodyPr>
+            <a:normAutofit/>
+          </a:bodyPr>
+          <a:lstStyle/>
+          <a:p>
+            <a:pPr algn="ctr"/>
+            <a:r>
+              <a:rPr lang="it-IT" b="1" dirty="0">
+                <a:solidFill>
+                  <a:schemeClr val="accent2">
+                    <a:lumMod val="75000"/>
+                  </a:schemeClr>
+                </a:solidFill>
+                <a:latin typeface="Calibri" charset="0"/>
+                <a:ea typeface="Calibri" charset="0"/>
+                <a:cs typeface="Calibri" charset="0"/>
+              </a:rPr>
+              <a:t>Grafana dashboard</a:t>
+            </a:r>
+          </a:p>
+        </p:txBody>
+      </p:sp>
+      <p:sp>
+        <p:nvSpPr>
+          <p:cNvPr id="5" name="Rettangolo 4"/>
+          <p:cNvSpPr/>
+          <p:nvPr/>
+        </p:nvSpPr>
+        <p:spPr>
+          <a:xfrm>
+            <a:off x="4229648" y="833407"/>
+            <a:ext cx="4321055" cy="369332"/>
+          </a:xfrm>
+          <a:prstGeom prst="rect">
+            <a:avLst/>
+          </a:prstGeom>
+        </p:spPr>
+        <p:txBody>
+          <a:bodyPr wrap="none">
+            <a:spAutoFit/>
+          </a:bodyPr>
+          <a:lstStyle/>
+          <a:p>
+            <a:r>
+              <a:rPr lang="it-IT" b="1" dirty="0">
+                <a:solidFill>
+                  <a:schemeClr val="accent2">
+                    <a:lumMod val="75000"/>
+                  </a:schemeClr>
+                </a:solidFill>
+                <a:latin typeface="Helvetica Neue" charset="0"/>
+                <a:ea typeface="Helvetica Neue" charset="0"/>
+                <a:cs typeface="Helvetica Neue" charset="0"/>
+              </a:rPr>
+              <a:t>PromQL queries for data visualization</a:t>
+            </a:r>
+          </a:p>
+        </p:txBody>
+      </p:sp>
+      <p:sp>
+        <p:nvSpPr>
+          <p:cNvPr id="6" name="CasellaDiTesto 5"/>
+          <p:cNvSpPr txBox="1"/>
+          <p:nvPr/>
+        </p:nvSpPr>
+        <p:spPr>
+          <a:xfrm>
+            <a:off x="4940374" y="1592573"/>
+            <a:ext cx="2457953" cy="461665"/>
+          </a:xfrm>
+          <a:prstGeom prst="rect">
+            <a:avLst/>
+          </a:prstGeom>
+          <a:solidFill>
+            <a:schemeClr val="tx1">
+              <a:lumMod val="85000"/>
+              <a:lumOff val="15000"/>
+            </a:schemeClr>
+          </a:solidFill>
+        </p:spPr>
+        <p:txBody>
+          <a:bodyPr wrap="square" rtlCol="0">
+            <a:spAutoFit/>
+          </a:bodyPr>
+          <a:lstStyle/>
+          <a:p>
+            <a:r>
+              <a:rPr lang="it-IT" sz="2400" b="0" i="0" u="none" strike="noStrike">
+                <a:solidFill>
+                  <a:srgbClr val="CCCCDC"/>
+                </a:solidFill>
+                <a:effectLst/>
+                <a:latin typeface="Calibri" charset="0"/>
+                <a:ea typeface="Calibri" charset="0"/>
+                <a:cs typeface="Calibri" charset="0"/>
+              </a:rPr>
+              <a:t>img_size_bucket</a:t>
+            </a:r>
+            <a:endParaRPr lang="it-IT" sz="2400" b="0" i="0" u="none" strike="noStrike">
+              <a:solidFill>
+                <a:srgbClr val="DCDCDC"/>
+              </a:solidFill>
+              <a:effectLst/>
+              <a:latin typeface="Calibri" charset="0"/>
+              <a:ea typeface="Calibri" charset="0"/>
+              <a:cs typeface="Calibri" charset="0"/>
+            </a:endParaRPr>
+          </a:p>
+        </p:txBody>
+      </p:sp>
+      <p:pic>
+        <p:nvPicPr>
+          <p:cNvPr id="3" name="Immagine 2"/>
+          <p:cNvPicPr>
+            <a:picLocks noChangeAspect="1"/>
+          </p:cNvPicPr>
+          <p:nvPr/>
+        </p:nvPicPr>
+        <p:blipFill>
+          <a:blip r:embed="rId2">
+            <a:extLst>
+              <a:ext uri="{28A0092B-C50C-407E-A947-70E740481C1C}">
+                <a14:useLocalDpi xmlns:a14="http://schemas.microsoft.com/office/drawing/2010/main" val="0"/>
+              </a:ext>
+            </a:extLst>
+          </a:blip>
+          <a:stretch>
+            <a:fillRect/>
+          </a:stretch>
+        </p:blipFill>
+        <p:spPr>
+          <a:xfrm>
+            <a:off x="0" y="3019136"/>
+            <a:ext cx="12192000" cy="1937626"/>
+          </a:xfrm>
+          <a:prstGeom prst="rect">
+            <a:avLst/>
+          </a:prstGeom>
+        </p:spPr>
+      </p:pic>
+    </p:spTree>
+    <p:extLst>
+      <p:ext uri="{BB962C8B-B14F-4D97-AF65-F5344CB8AC3E}">
+        <p14:creationId xmlns:p14="http://schemas.microsoft.com/office/powerpoint/2010/main" val="884715582"/>
+      </p:ext>
+    </p:extLst>
+  </p:cSld>
+  <p:clrMapOvr>
+    <a:masterClrMapping/>
+  </p:clrMapOvr>
+</p:sld>
+</file>
+
+<file path=ppt/slides/slide12.xml><?xml version="1.0" encoding="utf-8"?>
+<p:sld xmlns:a="http://schemas.openxmlformats.org/drawingml/2006/main" xmlns:r="http://schemas.openxmlformats.org/officeDocument/2006/relationships" xmlns:p="http://schemas.openxmlformats.org/presentationml/2006/main">
+  <p:cSld>
+    <p:spTree>
+      <p:nvGrpSpPr>
+        <p:cNvPr id="1" name=""/>
+        <p:cNvGrpSpPr/>
+        <p:nvPr/>
+      </p:nvGrpSpPr>
+      <p:grpSpPr>
+        <a:xfrm>
+          <a:off x="0" y="0"/>
+          <a:ext cx="0" cy="0"/>
+          <a:chOff x="0" y="0"/>
+          <a:chExt cx="0" cy="0"/>
+        </a:xfrm>
+      </p:grpSpPr>
+      <p:sp>
+        <p:nvSpPr>
+          <p:cNvPr id="2" name="Titolo 1">
+            <a:extLst>
+              <a:ext uri="{FF2B5EF4-FFF2-40B4-BE49-F238E27FC236}">
+                <a16:creationId xmlns:a16="http://schemas.microsoft.com/office/drawing/2014/main" xmlns="" id="{E84D6F7A-C5C5-40C7-0FD8-F1C4CD4F3D65}"/>
+              </a:ext>
+            </a:extLst>
+          </p:cNvPr>
+          <p:cNvSpPr>
+            <a:spLocks noGrp="1"/>
+          </p:cNvSpPr>
+          <p:nvPr>
+            <p:ph type="title"/>
+          </p:nvPr>
+        </p:nvSpPr>
+        <p:spPr>
+          <a:xfrm>
+            <a:off x="1218967" y="-113141"/>
+            <a:ext cx="10419078" cy="1325563"/>
+          </a:xfrm>
+        </p:spPr>
+        <p:txBody>
+          <a:bodyPr>
+            <a:normAutofit/>
+          </a:bodyPr>
+          <a:lstStyle/>
+          <a:p>
+            <a:pPr algn="ctr"/>
+            <a:r>
+              <a:rPr lang="it-IT" b="1" dirty="0">
+                <a:solidFill>
+                  <a:schemeClr val="accent2">
+                    <a:lumMod val="75000"/>
+                  </a:schemeClr>
+                </a:solidFill>
+                <a:latin typeface="Calibri" charset="0"/>
+                <a:ea typeface="Calibri" charset="0"/>
+                <a:cs typeface="Calibri" charset="0"/>
+              </a:rPr>
+              <a:t>Grafana dashboard</a:t>
+            </a:r>
+          </a:p>
+        </p:txBody>
+      </p:sp>
+      <p:sp>
+        <p:nvSpPr>
+          <p:cNvPr id="5" name="Rettangolo 4"/>
+          <p:cNvSpPr/>
+          <p:nvPr/>
+        </p:nvSpPr>
+        <p:spPr>
+          <a:xfrm>
+            <a:off x="5639066" y="889256"/>
+            <a:ext cx="1952956" cy="646331"/>
+          </a:xfrm>
+          <a:prstGeom prst="rect">
+            <a:avLst/>
+          </a:prstGeom>
+        </p:spPr>
+        <p:txBody>
+          <a:bodyPr wrap="square">
+            <a:spAutoFit/>
+          </a:bodyPr>
+          <a:lstStyle/>
+          <a:p>
+            <a:r>
+              <a:rPr lang="it-IT" b="1" dirty="0">
+                <a:solidFill>
+                  <a:schemeClr val="accent2">
+                    <a:lumMod val="75000"/>
+                  </a:schemeClr>
+                </a:solidFill>
+                <a:latin typeface="Helvetica Neue" charset="0"/>
+                <a:ea typeface="Helvetica Neue" charset="0"/>
+                <a:cs typeface="Helvetica Neue" charset="0"/>
+              </a:rPr>
+              <a:t>API Usage</a:t>
+            </a:r>
+          </a:p>
+          <a:p>
             <a:endParaRPr lang="it-IT" b="1" dirty="0">
               <a:solidFill>
                 <a:schemeClr val="accent2">
                   <a:lumMod val="75000"/>
                 </a:schemeClr>
               </a:solidFill>
+              <a:latin typeface="Helvetica Neue" charset="0"/>
+              <a:ea typeface="Helvetica Neue" charset="0"/>
+              <a:cs typeface="Helvetica Neue" charset="0"/>
             </a:endParaRPr>
           </a:p>
         </p:txBody>
       </p:sp>
-      <p:sp>
-        <p:nvSpPr>
-          <p:cNvPr id="8" name="Segnaposto contenuto 2">
+      <p:pic>
+        <p:nvPicPr>
+          <p:cNvPr id="7" name="Immagine 6"/>
+          <p:cNvPicPr>
+            <a:picLocks noChangeAspect="1"/>
+          </p:cNvPicPr>
+          <p:nvPr/>
+        </p:nvPicPr>
+        <p:blipFill>
+          <a:blip r:embed="rId2">
             <a:extLst>
-              <a:ext uri="{FF2B5EF4-FFF2-40B4-BE49-F238E27FC236}">
-                <a16:creationId xmlns:a16="http://schemas.microsoft.com/office/drawing/2014/main" id="{BDBB7D20-3AC2-51C8-AA8A-A5491FCD4726}"/>
+              <a:ext uri="{28A0092B-C50C-407E-A947-70E740481C1C}">
+                <a14:useLocalDpi xmlns:a14="http://schemas.microsoft.com/office/drawing/2010/main" val="0"/>
               </a:ext>
             </a:extLst>
-          </p:cNvPr>
-          <p:cNvSpPr txBox="1">
-            <a:spLocks/>
-          </p:cNvSpPr>
-          <p:nvPr/>
-        </p:nvSpPr>
+          </a:blip>
+          <a:stretch>
+            <a:fillRect/>
+          </a:stretch>
+        </p:blipFill>
         <p:spPr>
           <a:xfrm>
-            <a:off x="838198" y="5199397"/>
-            <a:ext cx="10515600" cy="766573"/>
+            <a:off x="1569027" y="1265572"/>
+            <a:ext cx="10093033" cy="5356555"/>
           </a:xfrm>
           <a:prstGeom prst="rect">
             <a:avLst/>
           </a:prstGeom>
         </p:spPr>
-        <p:txBody>
-          <a:bodyPr vert="horz" lIns="91440" tIns="45720" rIns="91440" bIns="45720" rtlCol="0">
-            <a:normAutofit/>
-          </a:bodyPr>
-          <a:lstStyle>
-            <a:lvl1pPr marL="228600" indent="-228600" algn="l" defTabSz="914400" rtl="0" eaLnBrk="1" latinLnBrk="0" hangingPunct="1">
-              <a:lnSpc>
-                <a:spcPct val="90000"/>
-              </a:lnSpc>
-              <a:spcBef>
-                <a:spcPts val="1000"/>
-              </a:spcBef>
-              <a:buFont typeface="Arial" panose="020B0604020202020204" pitchFamily="34" charset="0"/>
-              <a:buChar char="•"/>
-              <a:defRPr sz="2800" kern="1200">
-                <a:solidFill>
-                  <a:schemeClr val="tx1"/>
-                </a:solidFill>
-                <a:latin typeface="+mn-lt"/>
-                <a:ea typeface="+mn-ea"/>
-                <a:cs typeface="+mn-cs"/>
-              </a:defRPr>
-            </a:lvl1pPr>
-            <a:lvl2pPr marL="685800" indent="-228600" algn="l" defTabSz="914400" rtl="0" eaLnBrk="1" latinLnBrk="0" hangingPunct="1">
-              <a:lnSpc>
-                <a:spcPct val="90000"/>
-              </a:lnSpc>
-              <a:spcBef>
-                <a:spcPts val="500"/>
-              </a:spcBef>
-              <a:buFont typeface="Arial" panose="020B0604020202020204" pitchFamily="34" charset="0"/>
-              <a:buChar char="•"/>
-              <a:defRPr sz="2400" kern="1200">
-                <a:solidFill>
-                  <a:schemeClr val="tx1"/>
-                </a:solidFill>
-                <a:latin typeface="+mn-lt"/>
-                <a:ea typeface="+mn-ea"/>
-                <a:cs typeface="+mn-cs"/>
-              </a:defRPr>
-            </a:lvl2pPr>
-            <a:lvl3pPr marL="1143000" indent="-228600" algn="l" defTabSz="914400" rtl="0" eaLnBrk="1" latinLnBrk="0" hangingPunct="1">
-              <a:lnSpc>
-                <a:spcPct val="90000"/>
-              </a:lnSpc>
-              <a:spcBef>
-                <a:spcPts val="500"/>
-              </a:spcBef>
-              <a:buFont typeface="Arial" panose="020B0604020202020204" pitchFamily="34" charset="0"/>
-              <a:buChar char="•"/>
-              <a:defRPr sz="2000" kern="1200">
-                <a:solidFill>
-                  <a:schemeClr val="tx1"/>
-                </a:solidFill>
-                <a:latin typeface="+mn-lt"/>
-                <a:ea typeface="+mn-ea"/>
-                <a:cs typeface="+mn-cs"/>
-              </a:defRPr>
-            </a:lvl3pPr>
-            <a:lvl4pPr marL="1600200" indent="-228600" algn="l" defTabSz="914400" rtl="0" eaLnBrk="1" latinLnBrk="0" hangingPunct="1">
-              <a:lnSpc>
-                <a:spcPct val="90000"/>
-              </a:lnSpc>
-              <a:spcBef>
-                <a:spcPts val="500"/>
-              </a:spcBef>
-              <a:buFont typeface="Arial" panose="020B0604020202020204" pitchFamily="34" charset="0"/>
-              <a:buChar char="•"/>
-              <a:defRPr sz="1800" kern="1200">
-                <a:solidFill>
-                  <a:schemeClr val="tx1"/>
-                </a:solidFill>
-                <a:latin typeface="+mn-lt"/>
-                <a:ea typeface="+mn-ea"/>
-                <a:cs typeface="+mn-cs"/>
-              </a:defRPr>
-            </a:lvl4pPr>
-            <a:lvl5pPr marL="2057400" indent="-228600" algn="l" defTabSz="914400" rtl="0" eaLnBrk="1" latinLnBrk="0" hangingPunct="1">
-              <a:lnSpc>
-                <a:spcPct val="90000"/>
-              </a:lnSpc>
-              <a:spcBef>
-                <a:spcPts val="500"/>
-              </a:spcBef>
-              <a:buFont typeface="Arial" panose="020B0604020202020204" pitchFamily="34" charset="0"/>
-              <a:buChar char="•"/>
-              <a:defRPr sz="1800" kern="1200">
-                <a:solidFill>
-                  <a:schemeClr val="tx1"/>
-                </a:solidFill>
-                <a:latin typeface="+mn-lt"/>
-                <a:ea typeface="+mn-ea"/>
-                <a:cs typeface="+mn-cs"/>
-              </a:defRPr>
-            </a:lvl5pPr>
-            <a:lvl6pPr marL="2514600" indent="-228600" algn="l" defTabSz="914400" rtl="0" eaLnBrk="1" latinLnBrk="0" hangingPunct="1">
-              <a:lnSpc>
-                <a:spcPct val="90000"/>
-              </a:lnSpc>
-              <a:spcBef>
-                <a:spcPts val="500"/>
-              </a:spcBef>
-              <a:buFont typeface="Arial" panose="020B0604020202020204" pitchFamily="34" charset="0"/>
-              <a:buChar char="•"/>
-              <a:defRPr sz="1800" kern="1200">
-                <a:solidFill>
-                  <a:schemeClr val="tx1"/>
-                </a:solidFill>
-                <a:latin typeface="+mn-lt"/>
-                <a:ea typeface="+mn-ea"/>
-                <a:cs typeface="+mn-cs"/>
-              </a:defRPr>
-            </a:lvl6pPr>
-            <a:lvl7pPr marL="2971800" indent="-228600" algn="l" defTabSz="914400" rtl="0" eaLnBrk="1" latinLnBrk="0" hangingPunct="1">
-              <a:lnSpc>
-                <a:spcPct val="90000"/>
-              </a:lnSpc>
-              <a:spcBef>
-                <a:spcPts val="500"/>
-              </a:spcBef>
-              <a:buFont typeface="Arial" panose="020B0604020202020204" pitchFamily="34" charset="0"/>
-              <a:buChar char="•"/>
-              <a:defRPr sz="1800" kern="1200">
-                <a:solidFill>
-                  <a:schemeClr val="tx1"/>
-                </a:solidFill>
-                <a:latin typeface="+mn-lt"/>
-                <a:ea typeface="+mn-ea"/>
-                <a:cs typeface="+mn-cs"/>
-              </a:defRPr>
-            </a:lvl7pPr>
-            <a:lvl8pPr marL="3429000" indent="-228600" algn="l" defTabSz="914400" rtl="0" eaLnBrk="1" latinLnBrk="0" hangingPunct="1">
-              <a:lnSpc>
-                <a:spcPct val="90000"/>
-              </a:lnSpc>
-              <a:spcBef>
-                <a:spcPts val="500"/>
-              </a:spcBef>
-              <a:buFont typeface="Arial" panose="020B0604020202020204" pitchFamily="34" charset="0"/>
-              <a:buChar char="•"/>
-              <a:defRPr sz="1800" kern="1200">
-                <a:solidFill>
-                  <a:schemeClr val="tx1"/>
-                </a:solidFill>
-                <a:latin typeface="+mn-lt"/>
-                <a:ea typeface="+mn-ea"/>
-                <a:cs typeface="+mn-cs"/>
-              </a:defRPr>
-            </a:lvl8pPr>
-            <a:lvl9pPr marL="3886200" indent="-228600" algn="l" defTabSz="914400" rtl="0" eaLnBrk="1" latinLnBrk="0" hangingPunct="1">
-              <a:lnSpc>
-                <a:spcPct val="90000"/>
-              </a:lnSpc>
-              <a:spcBef>
-                <a:spcPts val="500"/>
-              </a:spcBef>
-              <a:buFont typeface="Arial" panose="020B0604020202020204" pitchFamily="34" charset="0"/>
-              <a:buChar char="•"/>
-              <a:defRPr sz="1800" kern="1200">
-                <a:solidFill>
-                  <a:schemeClr val="tx1"/>
-                </a:solidFill>
-                <a:latin typeface="+mn-lt"/>
-                <a:ea typeface="+mn-ea"/>
-                <a:cs typeface="+mn-cs"/>
-              </a:defRPr>
-            </a:lvl9pPr>
-          </a:lstStyle>
-          <a:p>
-            <a:pPr marL="0" indent="0">
-              <a:buFont typeface="Arial" panose="020B0604020202020204" pitchFamily="34" charset="0"/>
-              <a:buNone/>
-            </a:pPr>
-            <a:endParaRPr lang="it-IT" dirty="0"/>
-          </a:p>
-        </p:txBody>
-      </p:sp>
+      </p:pic>
     </p:spTree>
     <p:extLst>
       <p:ext uri="{BB962C8B-B14F-4D97-AF65-F5344CB8AC3E}">
-        <p14:creationId xmlns:p14="http://schemas.microsoft.com/office/powerpoint/2010/main" val="480465183"/>
+        <p14:creationId xmlns:p14="http://schemas.microsoft.com/office/powerpoint/2010/main" val="556544501"/>
+      </p:ext>
+    </p:extLst>
+  </p:cSld>
+  <p:clrMapOvr>
+    <a:masterClrMapping/>
+  </p:clrMapOvr>
+</p:sld>
+</file>
+
+<file path=ppt/slides/slide13.xml><?xml version="1.0" encoding="utf-8"?>
+<p:sld xmlns:a="http://schemas.openxmlformats.org/drawingml/2006/main" xmlns:r="http://schemas.openxmlformats.org/officeDocument/2006/relationships" xmlns:p="http://schemas.openxmlformats.org/presentationml/2006/main">
+  <p:cSld>
+    <p:spTree>
+      <p:nvGrpSpPr>
+        <p:cNvPr id="1" name=""/>
+        <p:cNvGrpSpPr/>
+        <p:nvPr/>
+      </p:nvGrpSpPr>
+      <p:grpSpPr>
+        <a:xfrm>
+          <a:off x="0" y="0"/>
+          <a:ext cx="0" cy="0"/>
+          <a:chOff x="0" y="0"/>
+          <a:chExt cx="0" cy="0"/>
+        </a:xfrm>
+      </p:grpSpPr>
+      <p:sp>
+        <p:nvSpPr>
+          <p:cNvPr id="2" name="Titolo 1">
+            <a:extLst>
+              <a:ext uri="{FF2B5EF4-FFF2-40B4-BE49-F238E27FC236}">
+                <a16:creationId xmlns:a16="http://schemas.microsoft.com/office/drawing/2014/main" xmlns="" id="{E84D6F7A-C5C5-40C7-0FD8-F1C4CD4F3D65}"/>
+              </a:ext>
+            </a:extLst>
+          </p:cNvPr>
+          <p:cNvSpPr>
+            <a:spLocks noGrp="1"/>
+          </p:cNvSpPr>
+          <p:nvPr>
+            <p:ph type="title"/>
+          </p:nvPr>
+        </p:nvSpPr>
+        <p:spPr>
+          <a:xfrm>
+            <a:off x="886459" y="0"/>
+            <a:ext cx="10419078" cy="1325563"/>
+          </a:xfrm>
+        </p:spPr>
+        <p:txBody>
+          <a:bodyPr>
+            <a:normAutofit/>
+          </a:bodyPr>
+          <a:lstStyle/>
+          <a:p>
+            <a:pPr algn="ctr"/>
+            <a:r>
+              <a:rPr lang="en-US" sz="4400" b="1" i="0" u="none" strike="noStrike" baseline="0">
+                <a:solidFill>
+                  <a:schemeClr val="accent2">
+                    <a:lumMod val="75000"/>
+                  </a:schemeClr>
+                </a:solidFill>
+                <a:latin typeface="Calibri" charset="0"/>
+                <a:ea typeface="Calibri" charset="0"/>
+                <a:cs typeface="Calibri" charset="0"/>
+              </a:rPr>
+              <a:t>Prometheus Metrics</a:t>
+            </a:r>
+            <a:endParaRPr lang="it-IT" b="1" dirty="0">
+              <a:solidFill>
+                <a:schemeClr val="accent2">
+                  <a:lumMod val="75000"/>
+                </a:schemeClr>
+              </a:solidFill>
+              <a:latin typeface="Calibri" charset="0"/>
+              <a:ea typeface="Calibri" charset="0"/>
+              <a:cs typeface="Calibri" charset="0"/>
+            </a:endParaRPr>
+          </a:p>
+        </p:txBody>
+      </p:sp>
+      <p:sp>
+        <p:nvSpPr>
+          <p:cNvPr id="9" name="Segnaposto contenuto 2">
+            <a:extLst>
+              <a:ext uri="{FF2B5EF4-FFF2-40B4-BE49-F238E27FC236}">
+                <a16:creationId xmlns:a16="http://schemas.microsoft.com/office/drawing/2014/main" xmlns="" id="{8DF74287-8199-C54D-5B1C-6FF6A0E99B42}"/>
+              </a:ext>
+            </a:extLst>
+          </p:cNvPr>
+          <p:cNvSpPr>
+            <a:spLocks noGrp="1"/>
+          </p:cNvSpPr>
+          <p:nvPr>
+            <p:ph idx="1"/>
+          </p:nvPr>
+        </p:nvSpPr>
+        <p:spPr>
+          <a:xfrm>
+            <a:off x="610319" y="1012427"/>
+            <a:ext cx="10741325" cy="4833145"/>
+          </a:xfrm>
+        </p:spPr>
+        <p:txBody>
+          <a:bodyPr>
+            <a:normAutofit/>
+          </a:bodyPr>
+          <a:lstStyle/>
+          <a:p>
+            <a:pPr marL="0" indent="0">
+              <a:buNone/>
+            </a:pPr>
+            <a:r>
+              <a:rPr lang="en-US" sz="2400"/>
+              <a:t>In order to monitor our system we decided to use:</a:t>
+            </a:r>
+          </a:p>
+          <a:p>
+            <a:pPr marL="0" indent="0">
+              <a:buNone/>
+            </a:pPr>
+            <a:r>
+              <a:rPr lang="it-IT" sz="2400" b="0">
+                <a:solidFill>
+                  <a:srgbClr val="4EC9B0"/>
+                </a:solidFill>
+                <a:effectLst/>
+                <a:latin typeface="Consolas" panose="020B0609020204030204" pitchFamily="49" charset="0"/>
+              </a:rPr>
+              <a:t>prometheus_fastapi_instrumentator</a:t>
+            </a:r>
+          </a:p>
+          <a:p>
+            <a:pPr marL="0" indent="0">
+              <a:buNone/>
+            </a:pPr>
+            <a:r>
+              <a:rPr lang="en-US" sz="2000" b="0" i="0">
+                <a:effectLst/>
+                <a:latin typeface="Calibri" charset="0"/>
+                <a:ea typeface="Calibri" charset="0"/>
+                <a:cs typeface="Calibri" charset="0"/>
+              </a:rPr>
+              <a:t>A configurable and modular Prometheus Instrumentator for your FastAPI</a:t>
+            </a:r>
+            <a:r>
+              <a:rPr lang="en-US" sz="2400" b="0" i="0">
+                <a:effectLst/>
+                <a:latin typeface="Calibri" charset="0"/>
+                <a:ea typeface="Calibri" charset="0"/>
+                <a:cs typeface="Calibri" charset="0"/>
+              </a:rPr>
+              <a:t>.</a:t>
+            </a:r>
+          </a:p>
+          <a:p>
+            <a:pPr marL="0" indent="0">
+              <a:buNone/>
+            </a:pPr>
+            <a:endParaRPr lang="it-IT" sz="2400" b="0">
+              <a:effectLst/>
+              <a:latin typeface="Roboto" panose="02000000000000000000" pitchFamily="2" charset="0"/>
+              <a:ea typeface="Roboto" panose="02000000000000000000" pitchFamily="2" charset="0"/>
+            </a:endParaRPr>
+          </a:p>
+          <a:p>
+            <a:pPr marL="0" indent="0">
+              <a:buNone/>
+            </a:pPr>
+            <a:endParaRPr lang="en-US" dirty="0"/>
+          </a:p>
+        </p:txBody>
+      </p:sp>
+      <p:sp>
+        <p:nvSpPr>
+          <p:cNvPr id="3" name="Rectangle 1">
+            <a:extLst>
+              <a:ext uri="{FF2B5EF4-FFF2-40B4-BE49-F238E27FC236}">
+                <a16:creationId xmlns:a16="http://schemas.microsoft.com/office/drawing/2014/main" xmlns="" id="{D0B8A63D-66FB-78CA-5452-631EA1C95E61}"/>
+              </a:ext>
+            </a:extLst>
+          </p:cNvPr>
+          <p:cNvSpPr>
+            <a:spLocks noChangeArrowheads="1"/>
+          </p:cNvSpPr>
+          <p:nvPr/>
+        </p:nvSpPr>
+        <p:spPr bwMode="auto">
+          <a:xfrm>
+            <a:off x="706844" y="2702183"/>
+            <a:ext cx="9458230" cy="1846659"/>
+          </a:xfrm>
+          <a:prstGeom prst="rect">
+            <a:avLst/>
+          </a:prstGeom>
+          <a:noFill/>
+          <a:ln>
+            <a:noFill/>
+          </a:ln>
+          <a:effectLst/>
+        </p:spPr>
+        <p:txBody>
+          <a:bodyPr vert="horz" wrap="none" lIns="0" tIns="0" rIns="0" bIns="0" numCol="1" anchor="ctr" anchorCtr="0" compatLnSpc="1">
+            <a:prstTxWarp prst="textNoShape">
+              <a:avLst/>
+            </a:prstTxWarp>
+            <a:spAutoFit/>
+          </a:bodyPr>
+          <a:lstStyle/>
+          <a:p>
+            <a:pPr marL="0" marR="0" lvl="0" indent="0" algn="l" defTabSz="914400" rtl="0" eaLnBrk="0" fontAlgn="base" latinLnBrk="0" hangingPunct="0">
+              <a:lnSpc>
+                <a:spcPct val="100000"/>
+              </a:lnSpc>
+              <a:spcBef>
+                <a:spcPct val="0"/>
+              </a:spcBef>
+              <a:spcAft>
+                <a:spcPct val="0"/>
+              </a:spcAft>
+              <a:buClrTx/>
+              <a:buSzTx/>
+              <a:buFontTx/>
+              <a:buNone/>
+              <a:tabLst/>
+            </a:pPr>
+            <a:r>
+              <a:rPr kumimoji="0" lang="it-IT" altLang="it-IT" sz="2400" i="0" u="none" strike="noStrike" cap="none" normalizeH="0" baseline="0">
+                <a:ln>
+                  <a:noFill/>
+                </a:ln>
+                <a:effectLst/>
+                <a:latin typeface="Calibri" charset="0"/>
+                <a:ea typeface="Calibri" charset="0"/>
+                <a:cs typeface="Calibri" charset="0"/>
+              </a:rPr>
+              <a:t>With this, your FastAPI is instrumented and metrics are ready to be scraped. </a:t>
+            </a:r>
+          </a:p>
+          <a:p>
+            <a:pPr marL="0" marR="0" lvl="0" indent="0" algn="l" defTabSz="914400" rtl="0" eaLnBrk="0" fontAlgn="base" latinLnBrk="0" hangingPunct="0">
+              <a:lnSpc>
+                <a:spcPct val="100000"/>
+              </a:lnSpc>
+              <a:spcBef>
+                <a:spcPct val="0"/>
+              </a:spcBef>
+              <a:spcAft>
+                <a:spcPct val="0"/>
+              </a:spcAft>
+              <a:buClrTx/>
+              <a:buSzTx/>
+              <a:buFontTx/>
+              <a:buNone/>
+              <a:tabLst/>
+            </a:pPr>
+            <a:r>
+              <a:rPr kumimoji="0" lang="it-IT" altLang="it-IT" sz="2400" i="0" u="none" strike="noStrike" cap="none" normalizeH="0" baseline="0">
+                <a:ln>
+                  <a:noFill/>
+                </a:ln>
+                <a:effectLst/>
+                <a:latin typeface="Calibri" charset="0"/>
+                <a:ea typeface="Calibri" charset="0"/>
+                <a:cs typeface="Calibri" charset="0"/>
+              </a:rPr>
+              <a:t>The defaults give you:</a:t>
+            </a:r>
+          </a:p>
+          <a:p>
+            <a:pPr marL="0" marR="0" lvl="0" indent="0" algn="l" defTabSz="914400" rtl="0" eaLnBrk="0" fontAlgn="base" latinLnBrk="0" hangingPunct="0">
+              <a:lnSpc>
+                <a:spcPct val="100000"/>
+              </a:lnSpc>
+              <a:spcBef>
+                <a:spcPct val="0"/>
+              </a:spcBef>
+              <a:spcAft>
+                <a:spcPct val="0"/>
+              </a:spcAft>
+              <a:buClrTx/>
+              <a:buSzTx/>
+              <a:buFontTx/>
+              <a:buChar char="•"/>
+              <a:tabLst/>
+            </a:pPr>
+            <a:r>
+              <a:rPr kumimoji="0" lang="it-IT" altLang="it-IT" i="0" u="none" strike="noStrike" cap="none" normalizeH="0" baseline="0">
+                <a:ln>
+                  <a:noFill/>
+                </a:ln>
+                <a:effectLst/>
+                <a:latin typeface="Calibri" charset="0"/>
+                <a:ea typeface="Calibri" charset="0"/>
+                <a:cs typeface="Calibri" charset="0"/>
+              </a:rPr>
+              <a:t> Counter </a:t>
+            </a:r>
+            <a:r>
+              <a:rPr kumimoji="0" lang="it-IT" altLang="it-IT" b="1" i="0" u="none" strike="noStrike" cap="none" normalizeH="0" baseline="0">
+                <a:ln>
+                  <a:noFill/>
+                </a:ln>
+                <a:effectLst/>
+                <a:latin typeface="Calibri" charset="0"/>
+                <a:ea typeface="Calibri" charset="0"/>
+                <a:cs typeface="Calibri" charset="0"/>
+              </a:rPr>
+              <a:t>http_requests_total </a:t>
+            </a:r>
+            <a:endParaRPr kumimoji="0" lang="it-IT" altLang="it-IT" i="0" u="none" strike="noStrike" cap="none" normalizeH="0" baseline="0">
+              <a:ln>
+                <a:noFill/>
+              </a:ln>
+              <a:effectLst/>
+              <a:latin typeface="Calibri" charset="0"/>
+              <a:ea typeface="Calibri" charset="0"/>
+              <a:cs typeface="Calibri" charset="0"/>
+            </a:endParaRPr>
+          </a:p>
+          <a:p>
+            <a:pPr marL="0" marR="0" lvl="0" indent="0" algn="l" defTabSz="914400" rtl="0" eaLnBrk="0" fontAlgn="base" latinLnBrk="0" hangingPunct="0">
+              <a:lnSpc>
+                <a:spcPct val="100000"/>
+              </a:lnSpc>
+              <a:spcBef>
+                <a:spcPct val="0"/>
+              </a:spcBef>
+              <a:spcAft>
+                <a:spcPct val="0"/>
+              </a:spcAft>
+              <a:buClrTx/>
+              <a:buSzTx/>
+              <a:buFontTx/>
+              <a:buChar char="•"/>
+              <a:tabLst/>
+            </a:pPr>
+            <a:r>
+              <a:rPr lang="it-IT" altLang="it-IT">
+                <a:latin typeface="Calibri" charset="0"/>
+                <a:ea typeface="Calibri" charset="0"/>
+                <a:cs typeface="Calibri" charset="0"/>
+              </a:rPr>
+              <a:t> Counter </a:t>
+            </a:r>
+            <a:r>
+              <a:rPr lang="it-IT" altLang="it-IT" b="1">
+                <a:latin typeface="Calibri" charset="0"/>
+                <a:ea typeface="Calibri" charset="0"/>
+                <a:cs typeface="Calibri" charset="0"/>
+              </a:rPr>
+              <a:t>process_cpu_second_total </a:t>
+            </a:r>
+          </a:p>
+          <a:p>
+            <a:pPr marL="0" marR="0" lvl="0" indent="0" algn="l" defTabSz="914400" rtl="0" eaLnBrk="0" fontAlgn="base" latinLnBrk="0" hangingPunct="0">
+              <a:lnSpc>
+                <a:spcPct val="100000"/>
+              </a:lnSpc>
+              <a:spcBef>
+                <a:spcPct val="0"/>
+              </a:spcBef>
+              <a:spcAft>
+                <a:spcPct val="0"/>
+              </a:spcAft>
+              <a:buClrTx/>
+              <a:buSzTx/>
+              <a:buFontTx/>
+              <a:buChar char="•"/>
+              <a:tabLst/>
+            </a:pPr>
+            <a:r>
+              <a:rPr kumimoji="0" lang="it-IT" altLang="it-IT" b="1" i="0" u="none" strike="noStrike" cap="none" normalizeH="0">
+                <a:ln>
+                  <a:noFill/>
+                </a:ln>
+                <a:effectLst/>
+                <a:latin typeface="Calibri" charset="0"/>
+                <a:ea typeface="Calibri" charset="0"/>
+                <a:cs typeface="Calibri" charset="0"/>
+              </a:rPr>
+              <a:t> </a:t>
+            </a:r>
+            <a:r>
+              <a:rPr kumimoji="0" lang="it-IT" altLang="it-IT" i="0" u="none" strike="noStrike" cap="none" normalizeH="0">
+                <a:ln>
+                  <a:noFill/>
+                </a:ln>
+                <a:effectLst/>
+                <a:latin typeface="Calibri" charset="0"/>
+                <a:ea typeface="Calibri" charset="0"/>
+                <a:cs typeface="Calibri" charset="0"/>
+              </a:rPr>
+              <a:t>Counter </a:t>
+            </a:r>
+            <a:r>
+              <a:rPr kumimoji="0" lang="it-IT" altLang="it-IT" b="1" i="0" u="none" strike="noStrike" cap="none" normalizeH="0">
+                <a:ln>
+                  <a:noFill/>
+                </a:ln>
+                <a:effectLst/>
+                <a:latin typeface="Calibri" charset="0"/>
+                <a:ea typeface="Calibri" charset="0"/>
+                <a:cs typeface="Calibri" charset="0"/>
+              </a:rPr>
+              <a:t>process_virtual_memory_bytes</a:t>
+            </a:r>
+            <a:endParaRPr kumimoji="0" lang="it-IT" altLang="it-IT" i="0" u="none" strike="noStrike" cap="none" normalizeH="0" baseline="0">
+              <a:ln>
+                <a:noFill/>
+              </a:ln>
+              <a:effectLst/>
+              <a:latin typeface="Calibri" charset="0"/>
+              <a:ea typeface="Calibri" charset="0"/>
+              <a:cs typeface="Calibri" charset="0"/>
+            </a:endParaRPr>
+          </a:p>
+          <a:p>
+            <a:pPr marL="0" marR="0" lvl="0" indent="0" algn="l" defTabSz="914400" rtl="0" eaLnBrk="0" fontAlgn="base" latinLnBrk="0" hangingPunct="0">
+              <a:lnSpc>
+                <a:spcPct val="100000"/>
+              </a:lnSpc>
+              <a:spcBef>
+                <a:spcPct val="0"/>
+              </a:spcBef>
+              <a:spcAft>
+                <a:spcPct val="0"/>
+              </a:spcAft>
+              <a:buClrTx/>
+              <a:buSzTx/>
+              <a:buFontTx/>
+              <a:buNone/>
+              <a:tabLst/>
+            </a:pPr>
+            <a:endParaRPr kumimoji="0" lang="it-IT" altLang="it-IT" sz="1800" b="0" i="0" u="none" strike="noStrike" cap="none" normalizeH="0" baseline="0">
+              <a:ln>
+                <a:noFill/>
+              </a:ln>
+              <a:solidFill>
+                <a:schemeClr val="tx1"/>
+              </a:solidFill>
+              <a:effectLst/>
+              <a:latin typeface="Arial" panose="020B0604020202020204" pitchFamily="34" charset="0"/>
+            </a:endParaRPr>
+          </a:p>
+        </p:txBody>
+      </p:sp>
+      <p:sp>
+        <p:nvSpPr>
+          <p:cNvPr id="5" name="CasellaDiTesto 4">
+            <a:extLst>
+              <a:ext uri="{FF2B5EF4-FFF2-40B4-BE49-F238E27FC236}">
+                <a16:creationId xmlns:a16="http://schemas.microsoft.com/office/drawing/2014/main" xmlns="" id="{E811C739-0698-972D-5E2A-D41A4C87AA25}"/>
+              </a:ext>
+            </a:extLst>
+          </p:cNvPr>
+          <p:cNvSpPr txBox="1"/>
+          <p:nvPr/>
+        </p:nvSpPr>
+        <p:spPr>
+          <a:xfrm>
+            <a:off x="2226790" y="4825841"/>
+            <a:ext cx="7738416" cy="1754326"/>
+          </a:xfrm>
+          <a:prstGeom prst="rect">
+            <a:avLst/>
+          </a:prstGeom>
+          <a:solidFill>
+            <a:schemeClr val="tx1">
+              <a:lumMod val="85000"/>
+              <a:lumOff val="15000"/>
+            </a:schemeClr>
+          </a:solidFill>
+        </p:spPr>
+        <p:txBody>
+          <a:bodyPr wrap="square">
+            <a:spAutoFit/>
+          </a:bodyPr>
+          <a:lstStyle/>
+          <a:p>
+            <a:r>
+              <a:rPr lang="en-US" b="0">
+                <a:solidFill>
+                  <a:srgbClr val="C586C0"/>
+                </a:solidFill>
+                <a:effectLst/>
+                <a:latin typeface="Consolas" panose="020B0609020204030204" pitchFamily="49" charset="0"/>
+              </a:rPr>
+              <a:t>from</a:t>
+            </a:r>
+            <a:r>
+              <a:rPr lang="en-US" b="0">
+                <a:solidFill>
+                  <a:srgbClr val="D4D4D4"/>
+                </a:solidFill>
+                <a:effectLst/>
+                <a:latin typeface="Consolas" panose="020B0609020204030204" pitchFamily="49" charset="0"/>
+              </a:rPr>
+              <a:t> </a:t>
+            </a:r>
+            <a:r>
+              <a:rPr lang="en-US" b="0">
+                <a:solidFill>
+                  <a:srgbClr val="4EC9B0"/>
+                </a:solidFill>
+                <a:effectLst/>
+                <a:latin typeface="Consolas" panose="020B0609020204030204" pitchFamily="49" charset="0"/>
+              </a:rPr>
+              <a:t>prometheus_fastapi_instrumentator</a:t>
+            </a:r>
+            <a:r>
+              <a:rPr lang="en-US" b="0">
+                <a:solidFill>
+                  <a:srgbClr val="D4D4D4"/>
+                </a:solidFill>
+                <a:effectLst/>
+                <a:latin typeface="Consolas" panose="020B0609020204030204" pitchFamily="49" charset="0"/>
+              </a:rPr>
+              <a:t> </a:t>
+            </a:r>
+            <a:r>
+              <a:rPr lang="en-US" b="0">
+                <a:solidFill>
+                  <a:srgbClr val="C586C0"/>
+                </a:solidFill>
+                <a:effectLst/>
+                <a:latin typeface="Consolas" panose="020B0609020204030204" pitchFamily="49" charset="0"/>
+              </a:rPr>
+              <a:t>import</a:t>
+            </a:r>
+            <a:r>
+              <a:rPr lang="en-US" b="0">
+                <a:solidFill>
+                  <a:srgbClr val="D4D4D4"/>
+                </a:solidFill>
+                <a:effectLst/>
+                <a:latin typeface="Consolas" panose="020B0609020204030204" pitchFamily="49" charset="0"/>
+              </a:rPr>
+              <a:t> </a:t>
+            </a:r>
+            <a:r>
+              <a:rPr lang="en-US" b="0">
+                <a:solidFill>
+                  <a:srgbClr val="9CDCFE"/>
+                </a:solidFill>
+                <a:effectLst/>
+                <a:latin typeface="Consolas" panose="020B0609020204030204" pitchFamily="49" charset="0"/>
+              </a:rPr>
+              <a:t>Instrumentator</a:t>
+            </a:r>
+            <a:r>
+              <a:rPr lang="en-US" b="0">
+                <a:solidFill>
+                  <a:srgbClr val="D4D4D4"/>
+                </a:solidFill>
+                <a:effectLst/>
+                <a:latin typeface="Consolas" panose="020B0609020204030204" pitchFamily="49" charset="0"/>
+              </a:rPr>
+              <a:t/>
+            </a:r>
+            <a:br>
+              <a:rPr lang="en-US" b="0">
+                <a:solidFill>
+                  <a:srgbClr val="D4D4D4"/>
+                </a:solidFill>
+                <a:effectLst/>
+                <a:latin typeface="Consolas" panose="020B0609020204030204" pitchFamily="49" charset="0"/>
+              </a:rPr>
+            </a:br>
+            <a:r>
+              <a:rPr lang="en-US" b="0">
+                <a:solidFill>
+                  <a:srgbClr val="C586C0"/>
+                </a:solidFill>
+                <a:effectLst/>
+                <a:latin typeface="Consolas" panose="020B0609020204030204" pitchFamily="49" charset="0"/>
+              </a:rPr>
+              <a:t>from</a:t>
+            </a:r>
+            <a:r>
+              <a:rPr lang="en-US" b="0">
+                <a:solidFill>
+                  <a:srgbClr val="D4D4D4"/>
+                </a:solidFill>
+                <a:effectLst/>
+                <a:latin typeface="Consolas" panose="020B0609020204030204" pitchFamily="49" charset="0"/>
+              </a:rPr>
+              <a:t> </a:t>
+            </a:r>
+            <a:r>
+              <a:rPr lang="en-US" b="0">
+                <a:solidFill>
+                  <a:srgbClr val="4EC9B0"/>
+                </a:solidFill>
+                <a:effectLst/>
+                <a:latin typeface="Consolas" panose="020B0609020204030204" pitchFamily="49" charset="0"/>
+              </a:rPr>
+              <a:t>prometheus_client</a:t>
+            </a:r>
+            <a:r>
+              <a:rPr lang="en-US" b="0">
+                <a:solidFill>
+                  <a:srgbClr val="D4D4D4"/>
+                </a:solidFill>
+                <a:effectLst/>
+                <a:latin typeface="Consolas" panose="020B0609020204030204" pitchFamily="49" charset="0"/>
+              </a:rPr>
+              <a:t> </a:t>
+            </a:r>
+            <a:r>
+              <a:rPr lang="en-US" b="0">
+                <a:solidFill>
+                  <a:srgbClr val="C586C0"/>
+                </a:solidFill>
+                <a:effectLst/>
+                <a:latin typeface="Consolas" panose="020B0609020204030204" pitchFamily="49" charset="0"/>
+              </a:rPr>
+              <a:t>import</a:t>
+            </a:r>
+            <a:r>
+              <a:rPr lang="en-US" b="0">
+                <a:solidFill>
+                  <a:srgbClr val="D4D4D4"/>
+                </a:solidFill>
+                <a:effectLst/>
+                <a:latin typeface="Consolas" panose="020B0609020204030204" pitchFamily="49" charset="0"/>
+              </a:rPr>
+              <a:t> (</a:t>
+            </a:r>
+          </a:p>
+          <a:p>
+            <a:r>
+              <a:rPr lang="en-US" b="0">
+                <a:solidFill>
+                  <a:srgbClr val="D4D4D4"/>
+                </a:solidFill>
+                <a:effectLst/>
+                <a:latin typeface="Consolas" panose="020B0609020204030204" pitchFamily="49" charset="0"/>
+              </a:rPr>
+              <a:t>    </a:t>
+            </a:r>
+            <a:r>
+              <a:rPr lang="en-US" b="0">
+                <a:solidFill>
+                  <a:srgbClr val="4EC9B0"/>
+                </a:solidFill>
+                <a:effectLst/>
+                <a:latin typeface="Consolas" panose="020B0609020204030204" pitchFamily="49" charset="0"/>
+              </a:rPr>
+              <a:t>Counter</a:t>
+            </a:r>
+            <a:r>
+              <a:rPr lang="en-US" b="0">
+                <a:solidFill>
+                  <a:srgbClr val="D4D4D4"/>
+                </a:solidFill>
+                <a:effectLst/>
+                <a:latin typeface="Consolas" panose="020B0609020204030204" pitchFamily="49" charset="0"/>
+              </a:rPr>
+              <a:t>,</a:t>
+            </a:r>
+          </a:p>
+          <a:p>
+            <a:r>
+              <a:rPr lang="en-US" b="0">
+                <a:solidFill>
+                  <a:srgbClr val="D4D4D4"/>
+                </a:solidFill>
+                <a:effectLst/>
+                <a:latin typeface="Consolas" panose="020B0609020204030204" pitchFamily="49" charset="0"/>
+              </a:rPr>
+              <a:t>    </a:t>
+            </a:r>
+            <a:r>
+              <a:rPr lang="en-US" b="0">
+                <a:solidFill>
+                  <a:srgbClr val="4EC9B0"/>
+                </a:solidFill>
+                <a:effectLst/>
+                <a:latin typeface="Consolas" panose="020B0609020204030204" pitchFamily="49" charset="0"/>
+              </a:rPr>
+              <a:t>Gauge</a:t>
+            </a:r>
+            <a:r>
+              <a:rPr lang="en-US" b="0">
+                <a:solidFill>
+                  <a:srgbClr val="D4D4D4"/>
+                </a:solidFill>
+                <a:effectLst/>
+                <a:latin typeface="Consolas" panose="020B0609020204030204" pitchFamily="49" charset="0"/>
+              </a:rPr>
+              <a:t>,</a:t>
+            </a:r>
+          </a:p>
+          <a:p>
+            <a:r>
+              <a:rPr lang="en-US" b="0">
+                <a:solidFill>
+                  <a:srgbClr val="D4D4D4"/>
+                </a:solidFill>
+                <a:effectLst/>
+                <a:latin typeface="Consolas" panose="020B0609020204030204" pitchFamily="49" charset="0"/>
+              </a:rPr>
+              <a:t>    </a:t>
+            </a:r>
+            <a:r>
+              <a:rPr lang="en-US" b="0">
+                <a:solidFill>
+                  <a:srgbClr val="4EC9B0"/>
+                </a:solidFill>
+                <a:effectLst/>
+                <a:latin typeface="Consolas" panose="020B0609020204030204" pitchFamily="49" charset="0"/>
+              </a:rPr>
+              <a:t>Histogram</a:t>
+            </a:r>
+            <a:r>
+              <a:rPr lang="en-US" b="0">
+                <a:solidFill>
+                  <a:srgbClr val="D4D4D4"/>
+                </a:solidFill>
+                <a:effectLst/>
+                <a:latin typeface="Consolas" panose="020B0609020204030204" pitchFamily="49" charset="0"/>
+              </a:rPr>
+              <a:t>,</a:t>
+            </a:r>
+          </a:p>
+          <a:p>
+            <a:r>
+              <a:rPr lang="en-US" b="0">
+                <a:solidFill>
+                  <a:srgbClr val="D4D4D4"/>
+                </a:solidFill>
+                <a:effectLst/>
+                <a:latin typeface="Consolas" panose="020B0609020204030204" pitchFamily="49" charset="0"/>
+              </a:rPr>
+              <a:t>)</a:t>
+            </a:r>
+          </a:p>
+        </p:txBody>
+      </p:sp>
+    </p:spTree>
+    <p:extLst>
+      <p:ext uri="{BB962C8B-B14F-4D97-AF65-F5344CB8AC3E}">
+        <p14:creationId xmlns:p14="http://schemas.microsoft.com/office/powerpoint/2010/main" val="1309629287"/>
+      </p:ext>
+    </p:extLst>
+  </p:cSld>
+  <p:clrMapOvr>
+    <a:masterClrMapping/>
+  </p:clrMapOvr>
+</p:sld>
+</file>
+
+<file path=ppt/slides/slide14.xml><?xml version="1.0" encoding="utf-8"?>
+<p:sld xmlns:a="http://schemas.openxmlformats.org/drawingml/2006/main" xmlns:r="http://schemas.openxmlformats.org/officeDocument/2006/relationships" xmlns:p="http://schemas.openxmlformats.org/presentationml/2006/main">
+  <p:cSld>
+    <p:spTree>
+      <p:nvGrpSpPr>
+        <p:cNvPr id="1" name=""/>
+        <p:cNvGrpSpPr/>
+        <p:nvPr/>
+      </p:nvGrpSpPr>
+      <p:grpSpPr>
+        <a:xfrm>
+          <a:off x="0" y="0"/>
+          <a:ext cx="0" cy="0"/>
+          <a:chOff x="0" y="0"/>
+          <a:chExt cx="0" cy="0"/>
+        </a:xfrm>
+      </p:grpSpPr>
+      <p:sp>
+        <p:nvSpPr>
+          <p:cNvPr id="2" name="Titolo 1">
+            <a:extLst>
+              <a:ext uri="{FF2B5EF4-FFF2-40B4-BE49-F238E27FC236}">
+                <a16:creationId xmlns:a16="http://schemas.microsoft.com/office/drawing/2014/main" xmlns="" id="{E84D6F7A-C5C5-40C7-0FD8-F1C4CD4F3D65}"/>
+              </a:ext>
+            </a:extLst>
+          </p:cNvPr>
+          <p:cNvSpPr>
+            <a:spLocks noGrp="1"/>
+          </p:cNvSpPr>
+          <p:nvPr>
+            <p:ph type="title"/>
+          </p:nvPr>
+        </p:nvSpPr>
+        <p:spPr>
+          <a:xfrm>
+            <a:off x="886458" y="-122824"/>
+            <a:ext cx="10419078" cy="1325563"/>
+          </a:xfrm>
+        </p:spPr>
+        <p:txBody>
+          <a:bodyPr>
+            <a:normAutofit/>
+          </a:bodyPr>
+          <a:lstStyle/>
+          <a:p>
+            <a:pPr algn="ctr"/>
+            <a:r>
+              <a:rPr lang="en-US" sz="4400" b="1" i="0" u="none" strike="noStrike" baseline="0">
+                <a:solidFill>
+                  <a:schemeClr val="accent2">
+                    <a:lumMod val="75000"/>
+                  </a:schemeClr>
+                </a:solidFill>
+                <a:latin typeface="Calibri" charset="0"/>
+                <a:ea typeface="Calibri" charset="0"/>
+                <a:cs typeface="Calibri" charset="0"/>
+              </a:rPr>
+              <a:t>Prometheus Metrics</a:t>
+            </a:r>
+            <a:endParaRPr lang="it-IT" b="1" dirty="0">
+              <a:solidFill>
+                <a:schemeClr val="accent2">
+                  <a:lumMod val="75000"/>
+                </a:schemeClr>
+              </a:solidFill>
+              <a:latin typeface="Calibri" charset="0"/>
+              <a:ea typeface="Calibri" charset="0"/>
+              <a:cs typeface="Calibri" charset="0"/>
+            </a:endParaRPr>
+          </a:p>
+        </p:txBody>
+      </p:sp>
+      <p:sp>
+        <p:nvSpPr>
+          <p:cNvPr id="5" name="Rettangolo 4"/>
+          <p:cNvSpPr/>
+          <p:nvPr/>
+        </p:nvSpPr>
+        <p:spPr>
+          <a:xfrm>
+            <a:off x="4940487" y="833407"/>
+            <a:ext cx="1898277" cy="369332"/>
+          </a:xfrm>
+          <a:prstGeom prst="rect">
+            <a:avLst/>
+          </a:prstGeom>
+        </p:spPr>
+        <p:txBody>
+          <a:bodyPr wrap="none">
+            <a:spAutoFit/>
+          </a:bodyPr>
+          <a:lstStyle/>
+          <a:p>
+            <a:r>
+              <a:rPr lang="it-IT" b="1" dirty="0">
+                <a:solidFill>
+                  <a:schemeClr val="accent2">
+                    <a:lumMod val="75000"/>
+                  </a:schemeClr>
+                </a:solidFill>
+                <a:latin typeface="Helvetica Neue" charset="0"/>
+                <a:ea typeface="Helvetica Neue" charset="0"/>
+                <a:cs typeface="Helvetica Neue" charset="0"/>
+              </a:rPr>
+              <a:t>Pulling strategy</a:t>
+            </a:r>
+          </a:p>
+        </p:txBody>
+      </p:sp>
+      <p:sp>
+        <p:nvSpPr>
+          <p:cNvPr id="7" name="CasellaDiTesto 6"/>
+          <p:cNvSpPr txBox="1"/>
+          <p:nvPr/>
+        </p:nvSpPr>
+        <p:spPr>
+          <a:xfrm>
+            <a:off x="886458" y="1271225"/>
+            <a:ext cx="10940686" cy="461665"/>
+          </a:xfrm>
+          <a:prstGeom prst="rect">
+            <a:avLst/>
+          </a:prstGeom>
+          <a:noFill/>
+        </p:spPr>
+        <p:txBody>
+          <a:bodyPr wrap="square" rtlCol="0">
+            <a:spAutoFit/>
+          </a:bodyPr>
+          <a:lstStyle/>
+          <a:p>
+            <a:r>
+              <a:rPr lang="en-GB" sz="2400"/>
+              <a:t>The metrics are made available at </a:t>
+            </a:r>
+            <a:r>
+              <a:rPr lang="en-GB" sz="2400">
+                <a:solidFill>
+                  <a:srgbClr val="00B0F0"/>
+                </a:solidFill>
+                <a:hlinkClick r:id="rId2"/>
+              </a:rPr>
+              <a:t>/metrics</a:t>
+            </a:r>
+            <a:r>
+              <a:rPr lang="en-GB" sz="2400">
+                <a:solidFill>
+                  <a:srgbClr val="00B0F0"/>
+                </a:solidFill>
+              </a:rPr>
+              <a:t> </a:t>
+            </a:r>
+            <a:r>
+              <a:rPr lang="en-GB" sz="2400"/>
+              <a:t>endpoint</a:t>
+            </a:r>
+            <a:r>
+              <a:rPr lang="en-GB" sz="2400">
+                <a:solidFill>
+                  <a:srgbClr val="00B0F0"/>
+                </a:solidFill>
+              </a:rPr>
+              <a:t> </a:t>
+            </a:r>
+            <a:r>
+              <a:rPr lang="en-GB" sz="2400"/>
+              <a:t>using the </a:t>
+            </a:r>
+            <a:r>
+              <a:rPr lang="en-GB" sz="2400" b="1"/>
+              <a:t>Pull </a:t>
+            </a:r>
+            <a:r>
+              <a:rPr lang="en-GB" sz="2400"/>
+              <a:t>strategy </a:t>
+            </a:r>
+          </a:p>
+        </p:txBody>
+      </p:sp>
+      <p:sp>
+        <p:nvSpPr>
+          <p:cNvPr id="11" name="CasellaDiTesto 10"/>
+          <p:cNvSpPr txBox="1"/>
+          <p:nvPr/>
+        </p:nvSpPr>
+        <p:spPr>
+          <a:xfrm>
+            <a:off x="1921428" y="1914501"/>
+            <a:ext cx="8349137" cy="1015663"/>
+          </a:xfrm>
+          <a:prstGeom prst="rect">
+            <a:avLst/>
+          </a:prstGeom>
+          <a:solidFill>
+            <a:schemeClr val="tx1">
+              <a:lumMod val="85000"/>
+              <a:lumOff val="15000"/>
+            </a:schemeClr>
+          </a:solidFill>
+        </p:spPr>
+        <p:txBody>
+          <a:bodyPr wrap="square" rtlCol="0">
+            <a:spAutoFit/>
+          </a:bodyPr>
+          <a:lstStyle/>
+          <a:p>
+            <a:r>
+              <a:rPr lang="it-IT" sz="2000" b="0">
+                <a:solidFill>
+                  <a:srgbClr val="D4D4D4"/>
+                </a:solidFill>
+                <a:effectLst/>
+                <a:latin typeface="Menlo" charset="0"/>
+              </a:rPr>
+              <a:t>@app.on_event(</a:t>
+            </a:r>
+            <a:r>
+              <a:rPr lang="it-IT" sz="2000" b="0">
+                <a:solidFill>
+                  <a:srgbClr val="CE9178"/>
+                </a:solidFill>
+                <a:effectLst/>
+                <a:latin typeface="Menlo" charset="0"/>
+              </a:rPr>
+              <a:t>"startup"</a:t>
+            </a:r>
+            <a:r>
+              <a:rPr lang="it-IT" sz="2000" b="0">
+                <a:solidFill>
+                  <a:srgbClr val="D4D4D4"/>
+                </a:solidFill>
+                <a:effectLst/>
+                <a:latin typeface="Menlo" charset="0"/>
+              </a:rPr>
+              <a:t>)</a:t>
+            </a:r>
+          </a:p>
+          <a:p>
+            <a:r>
+              <a:rPr lang="it-IT" sz="2000" b="0">
+                <a:solidFill>
+                  <a:srgbClr val="569CD6"/>
+                </a:solidFill>
+                <a:effectLst/>
+                <a:latin typeface="Menlo" charset="0"/>
+              </a:rPr>
+              <a:t>async</a:t>
+            </a:r>
+            <a:r>
+              <a:rPr lang="it-IT" sz="2000" b="0">
+                <a:solidFill>
+                  <a:srgbClr val="D4D4D4"/>
+                </a:solidFill>
+                <a:effectLst/>
+                <a:latin typeface="Menlo" charset="0"/>
+              </a:rPr>
+              <a:t> </a:t>
+            </a:r>
+            <a:r>
+              <a:rPr lang="it-IT" sz="2000" b="0">
+                <a:solidFill>
+                  <a:srgbClr val="569CD6"/>
+                </a:solidFill>
+                <a:effectLst/>
+                <a:latin typeface="Menlo" charset="0"/>
+              </a:rPr>
+              <a:t>def</a:t>
+            </a:r>
+            <a:r>
+              <a:rPr lang="it-IT" sz="2000" b="0">
+                <a:solidFill>
+                  <a:srgbClr val="D4D4D4"/>
+                </a:solidFill>
+                <a:effectLst/>
+                <a:latin typeface="Menlo" charset="0"/>
+              </a:rPr>
+              <a:t> startup():</a:t>
+            </a:r>
+          </a:p>
+          <a:p>
+            <a:r>
+              <a:rPr lang="it-IT" sz="2000" b="0">
+                <a:solidFill>
+                  <a:srgbClr val="D4D4D4"/>
+                </a:solidFill>
+                <a:effectLst/>
+                <a:latin typeface="Menlo" charset="0"/>
+              </a:rPr>
+              <a:t>Instrumentator().instrument(app).expose(app)</a:t>
+            </a:r>
+          </a:p>
+        </p:txBody>
+      </p:sp>
+      <p:pic>
+        <p:nvPicPr>
+          <p:cNvPr id="12" name="Immagine 11"/>
+          <p:cNvPicPr>
+            <a:picLocks noChangeAspect="1"/>
+          </p:cNvPicPr>
+          <p:nvPr/>
+        </p:nvPicPr>
+        <p:blipFill>
+          <a:blip r:embed="rId3"/>
+          <a:stretch>
+            <a:fillRect/>
+          </a:stretch>
+        </p:blipFill>
+        <p:spPr>
+          <a:xfrm>
+            <a:off x="3583077" y="4568875"/>
+            <a:ext cx="4613096" cy="2021113"/>
+          </a:xfrm>
+          <a:prstGeom prst="rect">
+            <a:avLst/>
+          </a:prstGeom>
+        </p:spPr>
+      </p:pic>
+      <p:sp>
+        <p:nvSpPr>
+          <p:cNvPr id="20" name="Arco 19"/>
+          <p:cNvSpPr/>
+          <p:nvPr/>
+        </p:nvSpPr>
+        <p:spPr>
+          <a:xfrm>
+            <a:off x="2626976" y="3371601"/>
+            <a:ext cx="6608618" cy="1703189"/>
+          </a:xfrm>
+          <a:prstGeom prst="arc">
+            <a:avLst>
+              <a:gd name="adj1" fmla="val 9662816"/>
+              <a:gd name="adj2" fmla="val 732526"/>
+            </a:avLst>
+          </a:prstGeom>
+          <a:ln w="63500">
+            <a:tailEnd type="triangle"/>
+          </a:ln>
+        </p:spPr>
+        <p:style>
+          <a:lnRef idx="1">
+            <a:schemeClr val="accent2"/>
+          </a:lnRef>
+          <a:fillRef idx="0">
+            <a:schemeClr val="accent2"/>
+          </a:fillRef>
+          <a:effectRef idx="0">
+            <a:schemeClr val="accent2"/>
+          </a:effectRef>
+          <a:fontRef idx="minor">
+            <a:schemeClr val="tx1"/>
+          </a:fontRef>
+        </p:style>
+        <p:txBody>
+          <a:bodyPr rtlCol="0" anchor="ctr"/>
+          <a:lstStyle/>
+          <a:p>
+            <a:pPr algn="ctr"/>
+            <a:endParaRPr lang="en-GB"/>
+          </a:p>
+        </p:txBody>
+      </p:sp>
+      <p:sp>
+        <p:nvSpPr>
+          <p:cNvPr id="21" name="CasellaDiTesto 20"/>
+          <p:cNvSpPr txBox="1"/>
+          <p:nvPr/>
+        </p:nvSpPr>
+        <p:spPr>
+          <a:xfrm>
+            <a:off x="4352201" y="3600906"/>
+            <a:ext cx="3140090" cy="400110"/>
+          </a:xfrm>
+          <a:prstGeom prst="rect">
+            <a:avLst/>
+          </a:prstGeom>
+          <a:noFill/>
+        </p:spPr>
+        <p:txBody>
+          <a:bodyPr wrap="none" rtlCol="0">
+            <a:spAutoFit/>
+          </a:bodyPr>
+          <a:lstStyle/>
+          <a:p>
+            <a:r>
+              <a:rPr lang="en-GB" sz="2000" b="1"/>
+              <a:t>Pull from endpoint /metrics</a:t>
+            </a:r>
+          </a:p>
+        </p:txBody>
+      </p:sp>
+    </p:spTree>
+    <p:extLst>
+      <p:ext uri="{BB962C8B-B14F-4D97-AF65-F5344CB8AC3E}">
+        <p14:creationId xmlns:p14="http://schemas.microsoft.com/office/powerpoint/2010/main" val="3738617923"/>
+      </p:ext>
+    </p:extLst>
+  </p:cSld>
+  <p:clrMapOvr>
+    <a:masterClrMapping/>
+  </p:clrMapOvr>
+</p:sld>
+</file>
+
+<file path=ppt/slides/slide15.xml><?xml version="1.0" encoding="utf-8"?>
+<p:sld xmlns:a="http://schemas.openxmlformats.org/drawingml/2006/main" xmlns:r="http://schemas.openxmlformats.org/officeDocument/2006/relationships" xmlns:p="http://schemas.openxmlformats.org/presentationml/2006/main">
+  <p:cSld>
+    <p:spTree>
+      <p:nvGrpSpPr>
+        <p:cNvPr id="1" name=""/>
+        <p:cNvGrpSpPr/>
+        <p:nvPr/>
+      </p:nvGrpSpPr>
+      <p:grpSpPr>
+        <a:xfrm>
+          <a:off x="0" y="0"/>
+          <a:ext cx="0" cy="0"/>
+          <a:chOff x="0" y="0"/>
+          <a:chExt cx="0" cy="0"/>
+        </a:xfrm>
+      </p:grpSpPr>
+      <p:sp>
+        <p:nvSpPr>
+          <p:cNvPr id="2" name="Titolo 1">
+            <a:extLst>
+              <a:ext uri="{FF2B5EF4-FFF2-40B4-BE49-F238E27FC236}">
+                <a16:creationId xmlns:a16="http://schemas.microsoft.com/office/drawing/2014/main" xmlns="" id="{E84D6F7A-C5C5-40C7-0FD8-F1C4CD4F3D65}"/>
+              </a:ext>
+            </a:extLst>
+          </p:cNvPr>
+          <p:cNvSpPr>
+            <a:spLocks noGrp="1"/>
+          </p:cNvSpPr>
+          <p:nvPr>
+            <p:ph type="title"/>
+          </p:nvPr>
+        </p:nvSpPr>
+        <p:spPr>
+          <a:xfrm>
+            <a:off x="886457" y="-353657"/>
+            <a:ext cx="10419078" cy="1325563"/>
+          </a:xfrm>
+        </p:spPr>
+        <p:txBody>
+          <a:bodyPr>
+            <a:normAutofit/>
+          </a:bodyPr>
+          <a:lstStyle/>
+          <a:p>
+            <a:pPr algn="ctr"/>
+            <a:r>
+              <a:rPr lang="en-US" sz="4400" b="1" i="0" u="none" strike="noStrike" baseline="0">
+                <a:solidFill>
+                  <a:schemeClr val="accent2">
+                    <a:lumMod val="75000"/>
+                  </a:schemeClr>
+                </a:solidFill>
+                <a:latin typeface="Calibri" charset="0"/>
+                <a:ea typeface="Calibri" charset="0"/>
+                <a:cs typeface="Calibri" charset="0"/>
+              </a:rPr>
+              <a:t>Prometheus Metrics</a:t>
+            </a:r>
+            <a:endParaRPr lang="it-IT" b="1" dirty="0">
+              <a:solidFill>
+                <a:schemeClr val="accent2">
+                  <a:lumMod val="75000"/>
+                </a:schemeClr>
+              </a:solidFill>
+              <a:latin typeface="Calibri" charset="0"/>
+              <a:ea typeface="Calibri" charset="0"/>
+              <a:cs typeface="Calibri" charset="0"/>
+            </a:endParaRPr>
+          </a:p>
+        </p:txBody>
+      </p:sp>
+      <p:sp>
+        <p:nvSpPr>
+          <p:cNvPr id="5" name="Rettangolo 4"/>
+          <p:cNvSpPr/>
+          <p:nvPr/>
+        </p:nvSpPr>
+        <p:spPr>
+          <a:xfrm>
+            <a:off x="4940485" y="602574"/>
+            <a:ext cx="1898277" cy="369332"/>
+          </a:xfrm>
+          <a:prstGeom prst="rect">
+            <a:avLst/>
+          </a:prstGeom>
+        </p:spPr>
+        <p:txBody>
+          <a:bodyPr wrap="none">
+            <a:spAutoFit/>
+          </a:bodyPr>
+          <a:lstStyle/>
+          <a:p>
+            <a:r>
+              <a:rPr lang="it-IT" b="1" dirty="0">
+                <a:solidFill>
+                  <a:schemeClr val="accent2">
+                    <a:lumMod val="75000"/>
+                  </a:schemeClr>
+                </a:solidFill>
+                <a:latin typeface="Helvetica Neue" charset="0"/>
+                <a:ea typeface="Helvetica Neue" charset="0"/>
+                <a:cs typeface="Helvetica Neue" charset="0"/>
+              </a:rPr>
+              <a:t>Pulling strategy</a:t>
+            </a:r>
+          </a:p>
+        </p:txBody>
+      </p:sp>
+      <p:sp>
+        <p:nvSpPr>
+          <p:cNvPr id="9" name="CasellaDiTesto 8"/>
+          <p:cNvSpPr txBox="1"/>
+          <p:nvPr/>
+        </p:nvSpPr>
+        <p:spPr>
+          <a:xfrm>
+            <a:off x="637309" y="1015557"/>
+            <a:ext cx="11263745" cy="5632311"/>
+          </a:xfrm>
+          <a:prstGeom prst="rect">
+            <a:avLst/>
+          </a:prstGeom>
+          <a:solidFill>
+            <a:schemeClr val="bg1"/>
+          </a:solidFill>
+        </p:spPr>
+        <p:txBody>
+          <a:bodyPr wrap="square" rtlCol="0">
+            <a:spAutoFit/>
+          </a:bodyPr>
+          <a:lstStyle/>
+          <a:p>
+            <a:r>
+              <a:rPr lang="en-US" sz="2000" b="1"/>
+              <a:t># HELP </a:t>
+            </a:r>
+            <a:r>
+              <a:rPr lang="en-US" sz="2000"/>
+              <a:t>img_size Histogram for tracking the size of the images</a:t>
+            </a:r>
+          </a:p>
+          <a:p>
+            <a:r>
+              <a:rPr lang="en-US" sz="2000" b="1"/>
+              <a:t># TYPE </a:t>
+            </a:r>
+            <a:r>
+              <a:rPr lang="en-US" sz="2000"/>
+              <a:t>img_size histogram</a:t>
+            </a:r>
+          </a:p>
+          <a:p>
+            <a:r>
+              <a:rPr lang="en-US" sz="2000"/>
+              <a:t>img_size_bucket{le="100.0"} </a:t>
+            </a:r>
+            <a:r>
+              <a:rPr lang="en-US" sz="2000" b="1"/>
+              <a:t>10882.0</a:t>
+            </a:r>
+          </a:p>
+          <a:p>
+            <a:r>
+              <a:rPr lang="en-US" sz="2000"/>
+              <a:t>img_size_count </a:t>
+            </a:r>
+            <a:r>
+              <a:rPr lang="en-US" sz="2000" b="1"/>
+              <a:t>10882.0</a:t>
+            </a:r>
+          </a:p>
+          <a:p>
+            <a:r>
+              <a:rPr lang="en-US" sz="2000"/>
+              <a:t>img_size_sum </a:t>
+            </a:r>
+            <a:r>
+              <a:rPr lang="en-US" sz="2000" b="1"/>
+              <a:t>39175.2</a:t>
+            </a:r>
+          </a:p>
+          <a:p>
+            <a:endParaRPr lang="en-US" sz="2000" b="1"/>
+          </a:p>
+          <a:p>
+            <a:r>
+              <a:rPr lang="en-GB" sz="2000" b="1"/>
+              <a:t># HELP </a:t>
+            </a:r>
+            <a:r>
+              <a:rPr lang="en-GB" sz="2000"/>
+              <a:t>counter_predictions_total Counter for predictions that have been made</a:t>
+            </a:r>
+          </a:p>
+          <a:p>
+            <a:r>
+              <a:rPr lang="en-GB" sz="2000" b="1"/>
+              <a:t># TYPE </a:t>
+            </a:r>
+            <a:r>
+              <a:rPr lang="en-GB" sz="2000"/>
+              <a:t>counter_predictions_total counter</a:t>
+            </a:r>
+          </a:p>
+          <a:p>
+            <a:r>
+              <a:rPr lang="en-GB" sz="2000"/>
+              <a:t>counter_predictions_total </a:t>
+            </a:r>
+            <a:r>
+              <a:rPr lang="en-GB" sz="2000" b="1"/>
+              <a:t>10882.0</a:t>
+            </a:r>
+          </a:p>
+          <a:p>
+            <a:endParaRPr lang="en-GB" sz="2000" b="1"/>
+          </a:p>
+          <a:p>
+            <a:r>
+              <a:rPr lang="en-GB" sz="2000" b="1"/>
+              <a:t># HELP </a:t>
+            </a:r>
+            <a:r>
+              <a:rPr lang="en-GB" sz="2000"/>
+              <a:t>http_requests_total Total number of requests by method, status and handler.</a:t>
+            </a:r>
+          </a:p>
+          <a:p>
+            <a:r>
+              <a:rPr lang="en-GB" sz="2000" b="1"/>
+              <a:t># TYPE </a:t>
+            </a:r>
+            <a:r>
+              <a:rPr lang="en-GB" sz="2000"/>
+              <a:t>http_requests_total counter</a:t>
+            </a:r>
+          </a:p>
+          <a:p>
+            <a:endParaRPr lang="en-US" sz="2000" b="1"/>
+          </a:p>
+          <a:p>
+            <a:r>
+              <a:rPr lang="en-US" sz="2000"/>
+              <a:t>http_requests_total{</a:t>
+            </a:r>
+            <a:r>
+              <a:rPr lang="en-US" sz="2000" b="1"/>
+              <a:t>handler</a:t>
+            </a:r>
+            <a:r>
+              <a:rPr lang="en-US" sz="2000"/>
+              <a:t>="/metrics",</a:t>
+            </a:r>
+            <a:r>
+              <a:rPr lang="en-US" sz="2000" b="1"/>
+              <a:t>method</a:t>
+            </a:r>
+            <a:r>
+              <a:rPr lang="en-US" sz="2000"/>
+              <a:t>="GET",</a:t>
+            </a:r>
+            <a:r>
+              <a:rPr lang="en-US" sz="2000" b="1"/>
+              <a:t>status</a:t>
+            </a:r>
+            <a:r>
+              <a:rPr lang="en-US" sz="2000"/>
+              <a:t>="2xx"} 127.0 http_requests_total{</a:t>
+            </a:r>
+            <a:r>
+              <a:rPr lang="en-US" sz="2000" b="1"/>
+              <a:t>handler</a:t>
+            </a:r>
+            <a:r>
+              <a:rPr lang="en-US" sz="2000"/>
+              <a:t>="/docs",</a:t>
+            </a:r>
+            <a:r>
+              <a:rPr lang="en-US" sz="2000" b="1"/>
+              <a:t>method</a:t>
+            </a:r>
+            <a:r>
+              <a:rPr lang="en-US" sz="2000"/>
+              <a:t>="GET",</a:t>
+            </a:r>
+            <a:r>
+              <a:rPr lang="en-US" sz="2000" b="1"/>
+              <a:t>status</a:t>
+            </a:r>
+            <a:r>
+              <a:rPr lang="en-US" sz="2000"/>
+              <a:t>="2xx"} 13.0 http_requests_total{</a:t>
+            </a:r>
+            <a:r>
+              <a:rPr lang="en-US" sz="2000" b="1"/>
+              <a:t>handler</a:t>
+            </a:r>
+            <a:r>
+              <a:rPr lang="en-US" sz="2000"/>
+              <a:t>="none",</a:t>
+            </a:r>
+            <a:r>
+              <a:rPr lang="en-US" sz="2000" b="1"/>
+              <a:t>method</a:t>
+            </a:r>
+            <a:r>
+              <a:rPr lang="en-US" sz="2000"/>
+              <a:t>="GET",</a:t>
+            </a:r>
+            <a:r>
+              <a:rPr lang="en-US" sz="2000" b="1"/>
+              <a:t>status</a:t>
+            </a:r>
+            <a:r>
+              <a:rPr lang="en-US" sz="2000"/>
+              <a:t>="4xx"} 4.0 http_requests_total{</a:t>
+            </a:r>
+            <a:r>
+              <a:rPr lang="en-US" sz="2000" b="1"/>
+              <a:t>handler</a:t>
+            </a:r>
+            <a:r>
+              <a:rPr lang="en-US" sz="2000"/>
+              <a:t>="/classify_image/",</a:t>
+            </a:r>
+            <a:r>
+              <a:rPr lang="en-US" sz="2000" b="1"/>
+              <a:t>method</a:t>
+            </a:r>
+            <a:r>
+              <a:rPr lang="en-US" sz="2000"/>
+              <a:t>="POST",</a:t>
+            </a:r>
+            <a:r>
+              <a:rPr lang="en-US" sz="2000" b="1"/>
+              <a:t>status</a:t>
+            </a:r>
+            <a:r>
+              <a:rPr lang="en-US" sz="2000"/>
+              <a:t>="2xx"} 874.0 http_requests_total{</a:t>
+            </a:r>
+            <a:r>
+              <a:rPr lang="en-US" sz="2000" b="1"/>
+              <a:t>handler</a:t>
+            </a:r>
+            <a:r>
+              <a:rPr lang="en-US" sz="2000"/>
+              <a:t>="/classify_image/",</a:t>
+            </a:r>
+            <a:r>
+              <a:rPr lang="en-US" sz="2000" b="1"/>
+              <a:t>method</a:t>
+            </a:r>
+            <a:r>
+              <a:rPr lang="en-US" sz="2000"/>
+              <a:t>="POST",</a:t>
+            </a:r>
+            <a:r>
+              <a:rPr lang="en-US" sz="2000" b="1"/>
+              <a:t>status</a:t>
+            </a:r>
+            <a:r>
+              <a:rPr lang="en-US" sz="2000"/>
+              <a:t>="4xx"} 87.0</a:t>
+            </a:r>
+            <a:endParaRPr lang="en-US" sz="2000" b="1"/>
+          </a:p>
+        </p:txBody>
+      </p:sp>
+    </p:spTree>
+    <p:extLst>
+      <p:ext uri="{BB962C8B-B14F-4D97-AF65-F5344CB8AC3E}">
+        <p14:creationId xmlns:p14="http://schemas.microsoft.com/office/powerpoint/2010/main" val="2025065257"/>
+      </p:ext>
+    </p:extLst>
+  </p:cSld>
+  <p:clrMapOvr>
+    <a:masterClrMapping/>
+  </p:clrMapOvr>
+</p:sld>
+</file>
+
+<file path=ppt/slides/slide16.xml><?xml version="1.0" encoding="utf-8"?>
+<p:sld xmlns:a="http://schemas.openxmlformats.org/drawingml/2006/main" xmlns:r="http://schemas.openxmlformats.org/officeDocument/2006/relationships" xmlns:p="http://schemas.openxmlformats.org/presentationml/2006/main">
+  <p:cSld>
+    <p:spTree>
+      <p:nvGrpSpPr>
+        <p:cNvPr id="1" name=""/>
+        <p:cNvGrpSpPr/>
+        <p:nvPr/>
+      </p:nvGrpSpPr>
+      <p:grpSpPr>
+        <a:xfrm>
+          <a:off x="0" y="0"/>
+          <a:ext cx="0" cy="0"/>
+          <a:chOff x="0" y="0"/>
+          <a:chExt cx="0" cy="0"/>
+        </a:xfrm>
+      </p:grpSpPr>
+      <p:sp>
+        <p:nvSpPr>
+          <p:cNvPr id="2" name="Titolo 1">
+            <a:extLst>
+              <a:ext uri="{FF2B5EF4-FFF2-40B4-BE49-F238E27FC236}">
+                <a16:creationId xmlns:a16="http://schemas.microsoft.com/office/drawing/2014/main" xmlns="" id="{E84D6F7A-C5C5-40C7-0FD8-F1C4CD4F3D65}"/>
+              </a:ext>
+            </a:extLst>
+          </p:cNvPr>
+          <p:cNvSpPr>
+            <a:spLocks noGrp="1"/>
+          </p:cNvSpPr>
+          <p:nvPr>
+            <p:ph type="title"/>
+          </p:nvPr>
+        </p:nvSpPr>
+        <p:spPr>
+          <a:xfrm>
+            <a:off x="886457" y="-122824"/>
+            <a:ext cx="10419078" cy="1325563"/>
+          </a:xfrm>
+        </p:spPr>
+        <p:txBody>
+          <a:bodyPr>
+            <a:normAutofit/>
+          </a:bodyPr>
+          <a:lstStyle/>
+          <a:p>
+            <a:pPr algn="ctr"/>
+            <a:r>
+              <a:rPr lang="en-US" sz="4400" b="1" i="0" u="none" strike="noStrike" baseline="0">
+                <a:solidFill>
+                  <a:schemeClr val="accent2">
+                    <a:lumMod val="75000"/>
+                  </a:schemeClr>
+                </a:solidFill>
+                <a:latin typeface="Calibri" charset="0"/>
+                <a:ea typeface="Calibri" charset="0"/>
+                <a:cs typeface="Calibri" charset="0"/>
+              </a:rPr>
+              <a:t>Prometheus Metrics</a:t>
+            </a:r>
+            <a:endParaRPr lang="it-IT" b="1" dirty="0">
+              <a:solidFill>
+                <a:schemeClr val="accent2">
+                  <a:lumMod val="75000"/>
+                </a:schemeClr>
+              </a:solidFill>
+              <a:latin typeface="Calibri" charset="0"/>
+              <a:ea typeface="Calibri" charset="0"/>
+              <a:cs typeface="Calibri" charset="0"/>
+            </a:endParaRPr>
+          </a:p>
+        </p:txBody>
+      </p:sp>
+      <p:sp>
+        <p:nvSpPr>
+          <p:cNvPr id="5" name="Rettangolo 4"/>
+          <p:cNvSpPr/>
+          <p:nvPr/>
+        </p:nvSpPr>
+        <p:spPr>
+          <a:xfrm>
+            <a:off x="5146858" y="833407"/>
+            <a:ext cx="1898277" cy="369332"/>
+          </a:xfrm>
+          <a:prstGeom prst="rect">
+            <a:avLst/>
+          </a:prstGeom>
+        </p:spPr>
+        <p:txBody>
+          <a:bodyPr wrap="none">
+            <a:spAutoFit/>
+          </a:bodyPr>
+          <a:lstStyle/>
+          <a:p>
+            <a:r>
+              <a:rPr lang="it-IT" b="1" dirty="0">
+                <a:solidFill>
+                  <a:schemeClr val="accent2">
+                    <a:lumMod val="75000"/>
+                  </a:schemeClr>
+                </a:solidFill>
+                <a:latin typeface="Helvetica Neue" charset="0"/>
+                <a:ea typeface="Helvetica Neue" charset="0"/>
+                <a:cs typeface="Helvetica Neue" charset="0"/>
+              </a:rPr>
+              <a:t>Pulling strategy</a:t>
+            </a:r>
+          </a:p>
+        </p:txBody>
+      </p:sp>
+      <p:pic>
+        <p:nvPicPr>
+          <p:cNvPr id="3" name="Immagine 2"/>
+          <p:cNvPicPr>
+            <a:picLocks noChangeAspect="1"/>
+          </p:cNvPicPr>
+          <p:nvPr/>
+        </p:nvPicPr>
+        <p:blipFill>
+          <a:blip r:embed="rId2">
+            <a:extLst>
+              <a:ext uri="{28A0092B-C50C-407E-A947-70E740481C1C}">
+                <a14:useLocalDpi xmlns:a14="http://schemas.microsoft.com/office/drawing/2010/main" val="0"/>
+              </a:ext>
+            </a:extLst>
+          </a:blip>
+          <a:stretch>
+            <a:fillRect/>
+          </a:stretch>
+        </p:blipFill>
+        <p:spPr>
+          <a:xfrm>
+            <a:off x="962888" y="1315211"/>
+            <a:ext cx="10266218" cy="5355664"/>
+          </a:xfrm>
+          <a:prstGeom prst="rect">
+            <a:avLst/>
+          </a:prstGeom>
+        </p:spPr>
+      </p:pic>
+    </p:spTree>
+    <p:extLst>
+      <p:ext uri="{BB962C8B-B14F-4D97-AF65-F5344CB8AC3E}">
+        <p14:creationId xmlns:p14="http://schemas.microsoft.com/office/powerpoint/2010/main" val="1693052946"/>
+      </p:ext>
+    </p:extLst>
+  </p:cSld>
+  <p:clrMapOvr>
+    <a:masterClrMapping/>
+  </p:clrMapOvr>
+</p:sld>
+</file>
+
+<file path=ppt/slides/slide17.xml><?xml version="1.0" encoding="utf-8"?>
+<p:sld xmlns:a="http://schemas.openxmlformats.org/drawingml/2006/main" xmlns:r="http://schemas.openxmlformats.org/officeDocument/2006/relationships" xmlns:p="http://schemas.openxmlformats.org/presentationml/2006/main">
+  <p:cSld>
+    <p:spTree>
+      <p:nvGrpSpPr>
+        <p:cNvPr id="1" name=""/>
+        <p:cNvGrpSpPr/>
+        <p:nvPr/>
+      </p:nvGrpSpPr>
+      <p:grpSpPr>
+        <a:xfrm>
+          <a:off x="0" y="0"/>
+          <a:ext cx="0" cy="0"/>
+          <a:chOff x="0" y="0"/>
+          <a:chExt cx="0" cy="0"/>
+        </a:xfrm>
+      </p:grpSpPr>
+      <p:sp>
+        <p:nvSpPr>
+          <p:cNvPr id="2" name="Titolo 1">
+            <a:extLst>
+              <a:ext uri="{FF2B5EF4-FFF2-40B4-BE49-F238E27FC236}">
+                <a16:creationId xmlns:a16="http://schemas.microsoft.com/office/drawing/2014/main" xmlns="" id="{E84D6F7A-C5C5-40C7-0FD8-F1C4CD4F3D65}"/>
+              </a:ext>
+            </a:extLst>
+          </p:cNvPr>
+          <p:cNvSpPr>
+            <a:spLocks noGrp="1"/>
+          </p:cNvSpPr>
+          <p:nvPr>
+            <p:ph type="title"/>
+          </p:nvPr>
+        </p:nvSpPr>
+        <p:spPr>
+          <a:xfrm>
+            <a:off x="1218967" y="-113141"/>
+            <a:ext cx="10419078" cy="1325563"/>
+          </a:xfrm>
+        </p:spPr>
+        <p:txBody>
+          <a:bodyPr>
+            <a:normAutofit/>
+          </a:bodyPr>
+          <a:lstStyle/>
+          <a:p>
+            <a:pPr algn="ctr"/>
+            <a:r>
+              <a:rPr lang="it-IT" b="1" dirty="0">
+                <a:solidFill>
+                  <a:schemeClr val="accent2">
+                    <a:lumMod val="75000"/>
+                  </a:schemeClr>
+                </a:solidFill>
+                <a:latin typeface="Calibri" charset="0"/>
+                <a:ea typeface="Calibri" charset="0"/>
+                <a:cs typeface="Calibri" charset="0"/>
+              </a:rPr>
+              <a:t>Grafana dashboard</a:t>
+            </a:r>
+          </a:p>
+        </p:txBody>
+      </p:sp>
+      <p:sp>
+        <p:nvSpPr>
+          <p:cNvPr id="5" name="Rettangolo 4"/>
+          <p:cNvSpPr/>
+          <p:nvPr/>
+        </p:nvSpPr>
+        <p:spPr>
+          <a:xfrm>
+            <a:off x="4229648" y="833407"/>
+            <a:ext cx="4321055" cy="369332"/>
+          </a:xfrm>
+          <a:prstGeom prst="rect">
+            <a:avLst/>
+          </a:prstGeom>
+        </p:spPr>
+        <p:txBody>
+          <a:bodyPr wrap="none">
+            <a:spAutoFit/>
+          </a:bodyPr>
+          <a:lstStyle/>
+          <a:p>
+            <a:r>
+              <a:rPr lang="it-IT" b="1" dirty="0">
+                <a:solidFill>
+                  <a:schemeClr val="accent2">
+                    <a:lumMod val="75000"/>
+                  </a:schemeClr>
+                </a:solidFill>
+                <a:latin typeface="Helvetica Neue" charset="0"/>
+                <a:ea typeface="Helvetica Neue" charset="0"/>
+                <a:cs typeface="Helvetica Neue" charset="0"/>
+              </a:rPr>
+              <a:t>PromQL queries for data visualization</a:t>
+            </a:r>
+          </a:p>
+        </p:txBody>
+      </p:sp>
+      <p:sp>
+        <p:nvSpPr>
+          <p:cNvPr id="6" name="CasellaDiTesto 5"/>
+          <p:cNvSpPr txBox="1"/>
+          <p:nvPr/>
+        </p:nvSpPr>
+        <p:spPr>
+          <a:xfrm>
+            <a:off x="865864" y="1306498"/>
+            <a:ext cx="10731433" cy="400110"/>
+          </a:xfrm>
+          <a:prstGeom prst="rect">
+            <a:avLst/>
+          </a:prstGeom>
+          <a:solidFill>
+            <a:schemeClr val="tx1">
+              <a:lumMod val="85000"/>
+              <a:lumOff val="15000"/>
+            </a:schemeClr>
+          </a:solidFill>
+        </p:spPr>
+        <p:txBody>
+          <a:bodyPr wrap="square" rtlCol="0">
+            <a:spAutoFit/>
+          </a:bodyPr>
+          <a:lstStyle/>
+          <a:p>
+            <a:r>
+              <a:rPr lang="it-IT" sz="2000" b="0" i="0" u="none" strike="noStrike">
+                <a:solidFill>
+                  <a:srgbClr val="3DC9B0"/>
+                </a:solidFill>
+                <a:effectLst/>
+                <a:latin typeface="Menlo" charset="0"/>
+              </a:rPr>
+              <a:t>rate</a:t>
+            </a:r>
+            <a:r>
+              <a:rPr lang="it-IT" sz="2000" b="0" i="0" u="none" strike="noStrike">
+                <a:solidFill>
+                  <a:srgbClr val="DCDCDC"/>
+                </a:solidFill>
+                <a:effectLst/>
+                <a:latin typeface="Menlo" charset="0"/>
+              </a:rPr>
+              <a:t>(</a:t>
+            </a:r>
+            <a:r>
+              <a:rPr lang="it-IT" sz="2000" b="0" i="0" u="none" strike="noStrike">
+                <a:solidFill>
+                  <a:srgbClr val="D4D4D4"/>
+                </a:solidFill>
+                <a:effectLst/>
+                <a:latin typeface="Menlo" charset="0"/>
+              </a:rPr>
+              <a:t>http_requests_total</a:t>
+            </a:r>
+            <a:r>
+              <a:rPr lang="it-IT" sz="2000" b="0" i="0" u="none" strike="noStrike">
+                <a:solidFill>
+                  <a:srgbClr val="DCDCDC"/>
+                </a:solidFill>
+                <a:effectLst/>
+                <a:latin typeface="Menlo" charset="0"/>
+              </a:rPr>
+              <a:t>{</a:t>
+            </a:r>
+            <a:r>
+              <a:rPr lang="it-IT" sz="2000" b="0" i="0" u="none" strike="noStrike">
+                <a:solidFill>
+                  <a:srgbClr val="73BF69"/>
+                </a:solidFill>
+                <a:effectLst/>
+                <a:latin typeface="Menlo" charset="0"/>
+              </a:rPr>
+              <a:t>handler</a:t>
+            </a:r>
+            <a:r>
+              <a:rPr lang="it-IT" sz="2000" b="0" i="0" u="none" strike="noStrike">
+                <a:solidFill>
+                  <a:srgbClr val="DCDCDC"/>
+                </a:solidFill>
+                <a:effectLst/>
+                <a:latin typeface="Menlo" charset="0"/>
+              </a:rPr>
+              <a:t>!=</a:t>
+            </a:r>
+            <a:r>
+              <a:rPr lang="it-IT" sz="2000" b="0" i="0" u="none" strike="noStrike">
+                <a:solidFill>
+                  <a:srgbClr val="CE9178"/>
+                </a:solidFill>
+                <a:effectLst/>
+                <a:latin typeface="Menlo" charset="0"/>
+              </a:rPr>
+              <a:t>"/metrics"</a:t>
+            </a:r>
+            <a:r>
+              <a:rPr lang="it-IT" sz="2000" b="0" i="0" u="none" strike="noStrike">
+                <a:solidFill>
+                  <a:srgbClr val="D4D4D4"/>
+                </a:solidFill>
+                <a:effectLst/>
+                <a:latin typeface="Menlo" charset="0"/>
+              </a:rPr>
+              <a:t>, </a:t>
+            </a:r>
+            <a:r>
+              <a:rPr lang="it-IT" sz="2000" b="0" i="0" u="none" strike="noStrike">
+                <a:solidFill>
+                  <a:srgbClr val="73BF69"/>
+                </a:solidFill>
+                <a:effectLst/>
+                <a:latin typeface="Menlo" charset="0"/>
+              </a:rPr>
+              <a:t>method</a:t>
+            </a:r>
+            <a:r>
+              <a:rPr lang="it-IT" sz="2000" b="0" i="0" u="none" strike="noStrike">
+                <a:solidFill>
+                  <a:srgbClr val="DCDCDC"/>
+                </a:solidFill>
+                <a:effectLst/>
+                <a:latin typeface="Menlo" charset="0"/>
+              </a:rPr>
+              <a:t>!=</a:t>
+            </a:r>
+            <a:r>
+              <a:rPr lang="it-IT" sz="2000" b="0" i="0" u="none" strike="noStrike">
+                <a:solidFill>
+                  <a:srgbClr val="CE9178"/>
+                </a:solidFill>
+                <a:effectLst/>
+                <a:latin typeface="Menlo" charset="0"/>
+              </a:rPr>
+              <a:t>"OPTIONS"</a:t>
+            </a:r>
+            <a:r>
+              <a:rPr lang="it-IT" sz="2000" b="0" i="0" u="none" strike="noStrike">
+                <a:solidFill>
+                  <a:srgbClr val="DCDCDC"/>
+                </a:solidFill>
+                <a:effectLst/>
+                <a:latin typeface="Menlo" charset="0"/>
+              </a:rPr>
+              <a:t>}[</a:t>
+            </a:r>
+            <a:r>
+              <a:rPr lang="it-IT" sz="2000" b="0" i="0" u="none" strike="noStrike">
+                <a:solidFill>
+                  <a:srgbClr val="B5CEA8"/>
+                </a:solidFill>
+                <a:effectLst/>
+                <a:latin typeface="Menlo" charset="0"/>
+              </a:rPr>
+              <a:t>1m</a:t>
+            </a:r>
+            <a:r>
+              <a:rPr lang="it-IT" sz="2000" b="0" i="0" u="none" strike="noStrike">
+                <a:solidFill>
+                  <a:srgbClr val="DCDCDC"/>
+                </a:solidFill>
+                <a:effectLst/>
+                <a:latin typeface="Menlo" charset="0"/>
+              </a:rPr>
+              <a:t>])</a:t>
+            </a:r>
+          </a:p>
+        </p:txBody>
+      </p:sp>
+      <p:pic>
+        <p:nvPicPr>
+          <p:cNvPr id="10" name="Immagine 9"/>
+          <p:cNvPicPr>
+            <a:picLocks noChangeAspect="1"/>
+          </p:cNvPicPr>
+          <p:nvPr/>
+        </p:nvPicPr>
+        <p:blipFill>
+          <a:blip r:embed="rId2">
+            <a:extLst>
+              <a:ext uri="{28A0092B-C50C-407E-A947-70E740481C1C}">
+                <a14:useLocalDpi xmlns:a14="http://schemas.microsoft.com/office/drawing/2010/main" val="0"/>
+              </a:ext>
+            </a:extLst>
+          </a:blip>
+          <a:stretch>
+            <a:fillRect/>
+          </a:stretch>
+        </p:blipFill>
+        <p:spPr>
+          <a:xfrm>
+            <a:off x="865864" y="1913423"/>
+            <a:ext cx="10731433" cy="4636768"/>
+          </a:xfrm>
+          <a:prstGeom prst="rect">
+            <a:avLst/>
+          </a:prstGeom>
+        </p:spPr>
+      </p:pic>
+    </p:spTree>
+    <p:extLst>
+      <p:ext uri="{BB962C8B-B14F-4D97-AF65-F5344CB8AC3E}">
+        <p14:creationId xmlns:p14="http://schemas.microsoft.com/office/powerpoint/2010/main" val="2082545394"/>
+      </p:ext>
+    </p:extLst>
+  </p:cSld>
+  <p:clrMapOvr>
+    <a:masterClrMapping/>
+  </p:clrMapOvr>
+</p:sld>
+</file>
+
+<file path=ppt/slides/slide18.xml><?xml version="1.0" encoding="utf-8"?>
+<p:sld xmlns:a="http://schemas.openxmlformats.org/drawingml/2006/main" xmlns:r="http://schemas.openxmlformats.org/officeDocument/2006/relationships" xmlns:p="http://schemas.openxmlformats.org/presentationml/2006/main">
+  <p:cSld>
+    <p:spTree>
+      <p:nvGrpSpPr>
+        <p:cNvPr id="1" name=""/>
+        <p:cNvGrpSpPr/>
+        <p:nvPr/>
+      </p:nvGrpSpPr>
+      <p:grpSpPr>
+        <a:xfrm>
+          <a:off x="0" y="0"/>
+          <a:ext cx="0" cy="0"/>
+          <a:chOff x="0" y="0"/>
+          <a:chExt cx="0" cy="0"/>
+        </a:xfrm>
+      </p:grpSpPr>
+      <p:sp>
+        <p:nvSpPr>
+          <p:cNvPr id="2" name="Titolo 1">
+            <a:extLst>
+              <a:ext uri="{FF2B5EF4-FFF2-40B4-BE49-F238E27FC236}">
+                <a16:creationId xmlns:a16="http://schemas.microsoft.com/office/drawing/2014/main" xmlns="" id="{E84D6F7A-C5C5-40C7-0FD8-F1C4CD4F3D65}"/>
+              </a:ext>
+            </a:extLst>
+          </p:cNvPr>
+          <p:cNvSpPr>
+            <a:spLocks noGrp="1"/>
+          </p:cNvSpPr>
+          <p:nvPr>
+            <p:ph type="title"/>
+          </p:nvPr>
+        </p:nvSpPr>
+        <p:spPr>
+          <a:xfrm>
+            <a:off x="1218967" y="-122824"/>
+            <a:ext cx="10419078" cy="1325563"/>
+          </a:xfrm>
+        </p:spPr>
+        <p:txBody>
+          <a:bodyPr>
+            <a:normAutofit/>
+          </a:bodyPr>
+          <a:lstStyle/>
+          <a:p>
+            <a:pPr algn="ctr"/>
+            <a:r>
+              <a:rPr lang="it-IT" b="1" dirty="0">
+                <a:solidFill>
+                  <a:schemeClr val="accent2">
+                    <a:lumMod val="75000"/>
+                  </a:schemeClr>
+                </a:solidFill>
+                <a:latin typeface="Calibri" charset="0"/>
+                <a:ea typeface="Calibri" charset="0"/>
+                <a:cs typeface="Calibri" charset="0"/>
+              </a:rPr>
+              <a:t>Grafana dashboard</a:t>
+            </a:r>
+          </a:p>
+        </p:txBody>
+      </p:sp>
+      <p:sp>
+        <p:nvSpPr>
+          <p:cNvPr id="5" name="Rettangolo 4"/>
+          <p:cNvSpPr/>
+          <p:nvPr/>
+        </p:nvSpPr>
+        <p:spPr>
+          <a:xfrm>
+            <a:off x="4267977" y="833406"/>
+            <a:ext cx="4321055" cy="369332"/>
+          </a:xfrm>
+          <a:prstGeom prst="rect">
+            <a:avLst/>
+          </a:prstGeom>
+        </p:spPr>
+        <p:txBody>
+          <a:bodyPr wrap="none">
+            <a:spAutoFit/>
+          </a:bodyPr>
+          <a:lstStyle/>
+          <a:p>
+            <a:r>
+              <a:rPr lang="it-IT" b="1" dirty="0">
+                <a:solidFill>
+                  <a:schemeClr val="accent2">
+                    <a:lumMod val="75000"/>
+                  </a:schemeClr>
+                </a:solidFill>
+                <a:latin typeface="Helvetica Neue" charset="0"/>
+                <a:ea typeface="Helvetica Neue" charset="0"/>
+                <a:cs typeface="Helvetica Neue" charset="0"/>
+              </a:rPr>
+              <a:t>PromQL queries for data visualization</a:t>
+            </a:r>
+          </a:p>
+        </p:txBody>
+      </p:sp>
+      <p:sp>
+        <p:nvSpPr>
+          <p:cNvPr id="6" name="CasellaDiTesto 5"/>
+          <p:cNvSpPr txBox="1"/>
+          <p:nvPr/>
+        </p:nvSpPr>
+        <p:spPr>
+          <a:xfrm>
+            <a:off x="443344" y="1466470"/>
+            <a:ext cx="11407481" cy="461665"/>
+          </a:xfrm>
+          <a:prstGeom prst="rect">
+            <a:avLst/>
+          </a:prstGeom>
+          <a:solidFill>
+            <a:schemeClr val="tx1">
+              <a:lumMod val="85000"/>
+              <a:lumOff val="15000"/>
+            </a:schemeClr>
+          </a:solidFill>
+        </p:spPr>
+        <p:txBody>
+          <a:bodyPr wrap="square" rtlCol="0">
+            <a:spAutoFit/>
+          </a:bodyPr>
+          <a:lstStyle/>
+          <a:p>
+            <a:r>
+              <a:rPr lang="it-IT" sz="2400" b="0" i="0" u="none" strike="noStrike">
+                <a:solidFill>
+                  <a:srgbClr val="6E9FFF"/>
+                </a:solidFill>
+                <a:effectLst/>
+                <a:latin typeface="Calibri" charset="0"/>
+                <a:ea typeface="Calibri" charset="0"/>
+                <a:cs typeface="Calibri" charset="0"/>
+              </a:rPr>
+              <a:t>			rate</a:t>
+            </a:r>
+            <a:r>
+              <a:rPr lang="it-IT" sz="2400" b="0" i="0" u="none" strike="noStrike">
+                <a:solidFill>
+                  <a:srgbClr val="EB7B18"/>
+                </a:solidFill>
+                <a:effectLst/>
+                <a:latin typeface="Calibri" charset="0"/>
+                <a:ea typeface="Calibri" charset="0"/>
+                <a:cs typeface="Calibri" charset="0"/>
+              </a:rPr>
+              <a:t>(</a:t>
+            </a:r>
+            <a:r>
+              <a:rPr lang="it-IT" sz="2400" b="0" i="0" u="none" strike="noStrike">
+                <a:solidFill>
+                  <a:srgbClr val="CCCCDC"/>
+                </a:solidFill>
+                <a:effectLst/>
+                <a:latin typeface="Calibri" charset="0"/>
+                <a:ea typeface="Calibri" charset="0"/>
+                <a:cs typeface="Calibri" charset="0"/>
+              </a:rPr>
+              <a:t>process_cpu_seconds_total</a:t>
+            </a:r>
+            <a:r>
+              <a:rPr lang="it-IT" sz="2400" b="0" i="0" u="none" strike="noStrike">
+                <a:solidFill>
+                  <a:srgbClr val="EB7B18"/>
+                </a:solidFill>
+                <a:effectLst/>
+                <a:latin typeface="Calibri" charset="0"/>
+                <a:ea typeface="Calibri" charset="0"/>
+                <a:cs typeface="Calibri" charset="0"/>
+              </a:rPr>
+              <a:t>{</a:t>
+            </a:r>
+            <a:r>
+              <a:rPr lang="it-IT" sz="2400" b="0" i="0" u="none" strike="noStrike">
+                <a:solidFill>
+                  <a:srgbClr val="6E9FFF"/>
+                </a:solidFill>
+                <a:effectLst/>
+                <a:latin typeface="Calibri" charset="0"/>
+                <a:ea typeface="Calibri" charset="0"/>
+                <a:cs typeface="Calibri" charset="0"/>
+              </a:rPr>
+              <a:t>job</a:t>
+            </a:r>
+            <a:r>
+              <a:rPr lang="it-IT" sz="2400" b="0" i="0" u="none" strike="noStrike">
+                <a:solidFill>
+                  <a:srgbClr val="CCCCDC"/>
+                </a:solidFill>
+                <a:effectLst/>
+                <a:latin typeface="Calibri" charset="0"/>
+                <a:ea typeface="Calibri" charset="0"/>
+                <a:cs typeface="Calibri" charset="0"/>
+              </a:rPr>
+              <a:t>=</a:t>
+            </a:r>
+            <a:r>
+              <a:rPr lang="it-IT" sz="2400" b="0" i="0" u="none" strike="noStrike">
+                <a:solidFill>
+                  <a:srgbClr val="6CCF8E"/>
+                </a:solidFill>
+                <a:effectLst/>
+                <a:latin typeface="Calibri" charset="0"/>
+                <a:ea typeface="Calibri" charset="0"/>
+                <a:cs typeface="Calibri" charset="0"/>
+              </a:rPr>
+              <a:t>"fastapi"</a:t>
+            </a:r>
+            <a:r>
+              <a:rPr lang="it-IT" sz="2400" b="0" i="0" u="none" strike="noStrike">
+                <a:solidFill>
+                  <a:srgbClr val="EB7B18"/>
+                </a:solidFill>
+                <a:effectLst/>
+                <a:latin typeface="Calibri" charset="0"/>
+                <a:ea typeface="Calibri" charset="0"/>
+                <a:cs typeface="Calibri" charset="0"/>
+              </a:rPr>
+              <a:t>}</a:t>
+            </a:r>
+            <a:r>
+              <a:rPr lang="it-IT" sz="2400" b="0" i="0" u="none" strike="noStrike">
+                <a:solidFill>
+                  <a:srgbClr val="CCCCDC"/>
+                </a:solidFill>
+                <a:effectLst/>
+                <a:latin typeface="Calibri" charset="0"/>
+                <a:ea typeface="Calibri" charset="0"/>
+                <a:cs typeface="Calibri" charset="0"/>
+              </a:rPr>
+              <a:t>[</a:t>
+            </a:r>
+            <a:r>
+              <a:rPr lang="it-IT" sz="2400" b="0" i="0" u="none" strike="noStrike">
+                <a:solidFill>
+                  <a:srgbClr val="FE85FC"/>
+                </a:solidFill>
+                <a:effectLst/>
+                <a:latin typeface="Calibri" charset="0"/>
+                <a:ea typeface="Calibri" charset="0"/>
+                <a:cs typeface="Calibri" charset="0"/>
+              </a:rPr>
+              <a:t>1m</a:t>
+            </a:r>
+            <a:r>
+              <a:rPr lang="it-IT" sz="2400" b="0" i="0" u="none" strike="noStrike">
+                <a:solidFill>
+                  <a:srgbClr val="CCCCDC"/>
+                </a:solidFill>
+                <a:effectLst/>
+                <a:latin typeface="Calibri" charset="0"/>
+                <a:ea typeface="Calibri" charset="0"/>
+                <a:cs typeface="Calibri" charset="0"/>
+              </a:rPr>
+              <a:t>]</a:t>
+            </a:r>
+            <a:r>
+              <a:rPr lang="it-IT" sz="2400" b="0" i="0" u="none" strike="noStrike">
+                <a:solidFill>
+                  <a:srgbClr val="EB7B18"/>
+                </a:solidFill>
+                <a:effectLst/>
+                <a:latin typeface="Calibri" charset="0"/>
+                <a:ea typeface="Calibri" charset="0"/>
+                <a:cs typeface="Calibri" charset="0"/>
+              </a:rPr>
+              <a:t>)	</a:t>
+            </a:r>
+          </a:p>
+        </p:txBody>
+      </p:sp>
+      <p:pic>
+        <p:nvPicPr>
+          <p:cNvPr id="4" name="Immagine 3"/>
+          <p:cNvPicPr>
+            <a:picLocks noChangeAspect="1"/>
+          </p:cNvPicPr>
+          <p:nvPr/>
+        </p:nvPicPr>
+        <p:blipFill>
+          <a:blip r:embed="rId2">
+            <a:extLst>
+              <a:ext uri="{28A0092B-C50C-407E-A947-70E740481C1C}">
+                <a14:useLocalDpi xmlns:a14="http://schemas.microsoft.com/office/drawing/2010/main" val="0"/>
+              </a:ext>
+            </a:extLst>
+          </a:blip>
+          <a:stretch>
+            <a:fillRect/>
+          </a:stretch>
+        </p:blipFill>
+        <p:spPr>
+          <a:xfrm>
+            <a:off x="443344" y="2445714"/>
+            <a:ext cx="11407481" cy="3180772"/>
+          </a:xfrm>
+          <a:prstGeom prst="rect">
+            <a:avLst/>
+          </a:prstGeom>
+        </p:spPr>
+      </p:pic>
+    </p:spTree>
+    <p:extLst>
+      <p:ext uri="{BB962C8B-B14F-4D97-AF65-F5344CB8AC3E}">
+        <p14:creationId xmlns:p14="http://schemas.microsoft.com/office/powerpoint/2010/main" val="1597542424"/>
+      </p:ext>
+    </p:extLst>
+  </p:cSld>
+  <p:clrMapOvr>
+    <a:masterClrMapping/>
+  </p:clrMapOvr>
+</p:sld>
+</file>
+
+<file path=ppt/slides/slide19.xml><?xml version="1.0" encoding="utf-8"?>
+<p:sld xmlns:a="http://schemas.openxmlformats.org/drawingml/2006/main" xmlns:r="http://schemas.openxmlformats.org/officeDocument/2006/relationships" xmlns:p="http://schemas.openxmlformats.org/presentationml/2006/main">
+  <p:cSld>
+    <p:spTree>
+      <p:nvGrpSpPr>
+        <p:cNvPr id="1" name=""/>
+        <p:cNvGrpSpPr/>
+        <p:nvPr/>
+      </p:nvGrpSpPr>
+      <p:grpSpPr>
+        <a:xfrm>
+          <a:off x="0" y="0"/>
+          <a:ext cx="0" cy="0"/>
+          <a:chOff x="0" y="0"/>
+          <a:chExt cx="0" cy="0"/>
+        </a:xfrm>
+      </p:grpSpPr>
+      <p:sp>
+        <p:nvSpPr>
+          <p:cNvPr id="2" name="Titolo 1">
+            <a:extLst>
+              <a:ext uri="{FF2B5EF4-FFF2-40B4-BE49-F238E27FC236}">
+                <a16:creationId xmlns:a16="http://schemas.microsoft.com/office/drawing/2014/main" xmlns="" id="{E84D6F7A-C5C5-40C7-0FD8-F1C4CD4F3D65}"/>
+              </a:ext>
+            </a:extLst>
+          </p:cNvPr>
+          <p:cNvSpPr>
+            <a:spLocks noGrp="1"/>
+          </p:cNvSpPr>
+          <p:nvPr>
+            <p:ph type="title"/>
+          </p:nvPr>
+        </p:nvSpPr>
+        <p:spPr>
+          <a:xfrm>
+            <a:off x="1218967" y="-122824"/>
+            <a:ext cx="10419078" cy="1325563"/>
+          </a:xfrm>
+        </p:spPr>
+        <p:txBody>
+          <a:bodyPr>
+            <a:normAutofit/>
+          </a:bodyPr>
+          <a:lstStyle/>
+          <a:p>
+            <a:pPr algn="ctr"/>
+            <a:r>
+              <a:rPr lang="it-IT" b="1" dirty="0">
+                <a:solidFill>
+                  <a:schemeClr val="accent2">
+                    <a:lumMod val="75000"/>
+                  </a:schemeClr>
+                </a:solidFill>
+                <a:latin typeface="Calibri" charset="0"/>
+                <a:ea typeface="Calibri" charset="0"/>
+                <a:cs typeface="Calibri" charset="0"/>
+              </a:rPr>
+              <a:t>Grafana dashboard</a:t>
+            </a:r>
+          </a:p>
+        </p:txBody>
+      </p:sp>
+      <p:sp>
+        <p:nvSpPr>
+          <p:cNvPr id="5" name="Rettangolo 4"/>
+          <p:cNvSpPr/>
+          <p:nvPr/>
+        </p:nvSpPr>
+        <p:spPr>
+          <a:xfrm>
+            <a:off x="4267977" y="833406"/>
+            <a:ext cx="4321055" cy="369332"/>
+          </a:xfrm>
+          <a:prstGeom prst="rect">
+            <a:avLst/>
+          </a:prstGeom>
+        </p:spPr>
+        <p:txBody>
+          <a:bodyPr wrap="none">
+            <a:spAutoFit/>
+          </a:bodyPr>
+          <a:lstStyle/>
+          <a:p>
+            <a:r>
+              <a:rPr lang="it-IT" b="1" dirty="0">
+                <a:solidFill>
+                  <a:schemeClr val="accent2">
+                    <a:lumMod val="75000"/>
+                  </a:schemeClr>
+                </a:solidFill>
+                <a:latin typeface="Helvetica Neue" charset="0"/>
+                <a:ea typeface="Helvetica Neue" charset="0"/>
+                <a:cs typeface="Helvetica Neue" charset="0"/>
+              </a:rPr>
+              <a:t>PromQL queries for data visualization</a:t>
+            </a:r>
+          </a:p>
+        </p:txBody>
+      </p:sp>
+      <p:sp>
+        <p:nvSpPr>
+          <p:cNvPr id="6" name="CasellaDiTesto 5"/>
+          <p:cNvSpPr txBox="1"/>
+          <p:nvPr/>
+        </p:nvSpPr>
+        <p:spPr>
+          <a:xfrm>
+            <a:off x="398604" y="1461776"/>
+            <a:ext cx="11706518" cy="461665"/>
+          </a:xfrm>
+          <a:prstGeom prst="rect">
+            <a:avLst/>
+          </a:prstGeom>
+          <a:solidFill>
+            <a:schemeClr val="tx1">
+              <a:lumMod val="85000"/>
+              <a:lumOff val="15000"/>
+            </a:schemeClr>
+          </a:solidFill>
+        </p:spPr>
+        <p:txBody>
+          <a:bodyPr wrap="square" rtlCol="0">
+            <a:spAutoFit/>
+          </a:bodyPr>
+          <a:lstStyle/>
+          <a:p>
+            <a:r>
+              <a:rPr lang="it-IT" sz="2400" b="0" i="0" u="none" strike="noStrike">
+                <a:solidFill>
+                  <a:srgbClr val="6E9FFF"/>
+                </a:solidFill>
+                <a:effectLst/>
+                <a:latin typeface="Calibri" charset="0"/>
+                <a:ea typeface="Calibri" charset="0"/>
+                <a:cs typeface="Calibri" charset="0"/>
+              </a:rPr>
+              <a:t>rate</a:t>
+            </a:r>
+            <a:r>
+              <a:rPr lang="it-IT" sz="2400" b="0" i="0" u="none" strike="noStrike">
+                <a:solidFill>
+                  <a:srgbClr val="EB7B18"/>
+                </a:solidFill>
+                <a:effectLst/>
+                <a:latin typeface="Calibri" charset="0"/>
+                <a:ea typeface="Calibri" charset="0"/>
+                <a:cs typeface="Calibri" charset="0"/>
+              </a:rPr>
+              <a:t>(</a:t>
+            </a:r>
+            <a:r>
+              <a:rPr lang="it-IT" sz="2400" b="0" i="0" u="none" strike="noStrike">
+                <a:solidFill>
+                  <a:srgbClr val="CCCCDC"/>
+                </a:solidFill>
+                <a:effectLst/>
+                <a:latin typeface="Calibri" charset="0"/>
+                <a:ea typeface="Calibri" charset="0"/>
+                <a:cs typeface="Calibri" charset="0"/>
+              </a:rPr>
+              <a:t>process_virtual_memory_bytes</a:t>
+            </a:r>
+            <a:r>
+              <a:rPr lang="it-IT" sz="2400" b="0" i="0" u="none" strike="noStrike">
+                <a:solidFill>
+                  <a:srgbClr val="EB7B18"/>
+                </a:solidFill>
+                <a:effectLst/>
+                <a:latin typeface="Calibri" charset="0"/>
+                <a:ea typeface="Calibri" charset="0"/>
+                <a:cs typeface="Calibri" charset="0"/>
+              </a:rPr>
+              <a:t>{</a:t>
+            </a:r>
+            <a:r>
+              <a:rPr lang="it-IT" sz="2400" b="0" i="0" u="none" strike="noStrike">
+                <a:solidFill>
+                  <a:srgbClr val="6E9FFF"/>
+                </a:solidFill>
+                <a:effectLst/>
+                <a:latin typeface="Calibri" charset="0"/>
+                <a:ea typeface="Calibri" charset="0"/>
+                <a:cs typeface="Calibri" charset="0"/>
+              </a:rPr>
+              <a:t>instance</a:t>
+            </a:r>
+            <a:r>
+              <a:rPr lang="it-IT" sz="2400" b="0" i="0" u="none" strike="noStrike">
+                <a:solidFill>
+                  <a:srgbClr val="CCCCDC"/>
+                </a:solidFill>
+                <a:effectLst/>
+                <a:latin typeface="Calibri" charset="0"/>
+                <a:ea typeface="Calibri" charset="0"/>
+                <a:cs typeface="Calibri" charset="0"/>
+              </a:rPr>
+              <a:t>=</a:t>
+            </a:r>
+            <a:r>
+              <a:rPr lang="it-IT" sz="2400" b="0" i="0" u="none" strike="noStrike">
+                <a:solidFill>
+                  <a:srgbClr val="6CCF8E"/>
+                </a:solidFill>
+                <a:effectLst/>
+                <a:latin typeface="Calibri" charset="0"/>
+                <a:ea typeface="Calibri" charset="0"/>
+                <a:cs typeface="Calibri" charset="0"/>
+              </a:rPr>
+              <a:t>"docker.for.mac.localhost:9100"</a:t>
+            </a:r>
+            <a:r>
+              <a:rPr lang="it-IT" sz="2400" b="0" i="0" u="none" strike="noStrike">
+                <a:solidFill>
+                  <a:srgbClr val="EB7B18"/>
+                </a:solidFill>
+                <a:effectLst/>
+                <a:latin typeface="Calibri" charset="0"/>
+                <a:ea typeface="Calibri" charset="0"/>
+                <a:cs typeface="Calibri" charset="0"/>
+              </a:rPr>
+              <a:t>}</a:t>
+            </a:r>
+            <a:r>
+              <a:rPr lang="it-IT" sz="2400" b="0" i="0" u="none" strike="noStrike">
+                <a:solidFill>
+                  <a:srgbClr val="CCCCDC"/>
+                </a:solidFill>
+                <a:effectLst/>
+                <a:latin typeface="Calibri" charset="0"/>
+                <a:ea typeface="Calibri" charset="0"/>
+                <a:cs typeface="Calibri" charset="0"/>
+              </a:rPr>
+              <a:t>[</a:t>
+            </a:r>
+            <a:r>
+              <a:rPr lang="it-IT" sz="2400" b="0" i="0" u="none" strike="noStrike">
+                <a:solidFill>
+                  <a:srgbClr val="FE85FC"/>
+                </a:solidFill>
+                <a:effectLst/>
+                <a:latin typeface="Calibri" charset="0"/>
+                <a:ea typeface="Calibri" charset="0"/>
+                <a:cs typeface="Calibri" charset="0"/>
+              </a:rPr>
+              <a:t>1m</a:t>
+            </a:r>
+            <a:r>
+              <a:rPr lang="it-IT" sz="2400" b="0" i="0" u="none" strike="noStrike">
+                <a:solidFill>
+                  <a:srgbClr val="CCCCDC"/>
+                </a:solidFill>
+                <a:effectLst/>
+                <a:latin typeface="Calibri" charset="0"/>
+                <a:ea typeface="Calibri" charset="0"/>
+                <a:cs typeface="Calibri" charset="0"/>
+              </a:rPr>
+              <a:t>]</a:t>
+            </a:r>
+            <a:r>
+              <a:rPr lang="it-IT" sz="2400" b="0" i="0" u="none" strike="noStrike">
+                <a:solidFill>
+                  <a:srgbClr val="EB7B18"/>
+                </a:solidFill>
+                <a:effectLst/>
+                <a:latin typeface="Calibri" charset="0"/>
+                <a:ea typeface="Calibri" charset="0"/>
+                <a:cs typeface="Calibri" charset="0"/>
+              </a:rPr>
+              <a:t>)</a:t>
+            </a:r>
+            <a:endParaRPr lang="it-IT" sz="2400" b="0" i="0" u="none" strike="noStrike">
+              <a:solidFill>
+                <a:srgbClr val="DCDCDC"/>
+              </a:solidFill>
+              <a:effectLst/>
+              <a:latin typeface="Calibri" charset="0"/>
+              <a:ea typeface="Calibri" charset="0"/>
+              <a:cs typeface="Calibri" charset="0"/>
+            </a:endParaRPr>
+          </a:p>
+        </p:txBody>
+      </p:sp>
+      <p:pic>
+        <p:nvPicPr>
+          <p:cNvPr id="3" name="Immagine 2"/>
+          <p:cNvPicPr>
+            <a:picLocks noChangeAspect="1"/>
+          </p:cNvPicPr>
+          <p:nvPr/>
+        </p:nvPicPr>
+        <p:blipFill>
+          <a:blip r:embed="rId2">
+            <a:extLst>
+              <a:ext uri="{28A0092B-C50C-407E-A947-70E740481C1C}">
+                <a14:useLocalDpi xmlns:a14="http://schemas.microsoft.com/office/drawing/2010/main" val="0"/>
+              </a:ext>
+            </a:extLst>
+          </a:blip>
+          <a:stretch>
+            <a:fillRect/>
+          </a:stretch>
+        </p:blipFill>
+        <p:spPr>
+          <a:xfrm>
+            <a:off x="398604" y="2321790"/>
+            <a:ext cx="11706518" cy="3303155"/>
+          </a:xfrm>
+          <a:prstGeom prst="rect">
+            <a:avLst/>
+          </a:prstGeom>
+        </p:spPr>
+      </p:pic>
+    </p:spTree>
+    <p:extLst>
+      <p:ext uri="{BB962C8B-B14F-4D97-AF65-F5344CB8AC3E}">
+        <p14:creationId xmlns:p14="http://schemas.microsoft.com/office/powerpoint/2010/main" val="781466776"/>
       </p:ext>
     </p:extLst>
   </p:cSld>
@@ -4191,7 +7135,7 @@
           <p:cNvPr id="2" name="Titolo 1">
             <a:extLst>
               <a:ext uri="{FF2B5EF4-FFF2-40B4-BE49-F238E27FC236}">
-                <a16:creationId xmlns:a16="http://schemas.microsoft.com/office/drawing/2014/main" id="{E84D6F7A-C5C5-40C7-0FD8-F1C4CD4F3D65}"/>
+                <a16:creationId xmlns:a16="http://schemas.microsoft.com/office/drawing/2014/main" xmlns="" id="{E84D6F7A-C5C5-40C7-0FD8-F1C4CD4F3D65}"/>
               </a:ext>
             </a:extLst>
           </p:cNvPr>
@@ -4220,7 +7164,9 @@
                     <a:lumMod val="75000"/>
                   </a:schemeClr>
                 </a:solidFill>
-                <a:latin typeface="CMR17"/>
+                <a:latin typeface="Calibri" charset="0"/>
+                <a:ea typeface="Calibri" charset="0"/>
+                <a:cs typeface="Calibri" charset="0"/>
               </a:rPr>
               <a:t>Agenda</a:t>
             </a:r>
@@ -4230,6 +7176,9 @@
                   <a:lumMod val="75000"/>
                 </a:schemeClr>
               </a:solidFill>
+              <a:latin typeface="Calibri" charset="0"/>
+              <a:ea typeface="Calibri" charset="0"/>
+              <a:cs typeface="Calibri" charset="0"/>
             </a:endParaRPr>
           </a:p>
         </p:txBody>
@@ -4239,7 +7188,7 @@
           <p:cNvPr id="3" name="Segnaposto contenuto 2">
             <a:extLst>
               <a:ext uri="{FF2B5EF4-FFF2-40B4-BE49-F238E27FC236}">
-                <a16:creationId xmlns:a16="http://schemas.microsoft.com/office/drawing/2014/main" id="{BF6317FD-0060-35A3-A9F2-27B937DE131C}"/>
+                <a16:creationId xmlns:a16="http://schemas.microsoft.com/office/drawing/2014/main" xmlns="" id="{BF6317FD-0060-35A3-A9F2-27B937DE131C}"/>
               </a:ext>
             </a:extLst>
           </p:cNvPr>
@@ -4253,11 +7202,13 @@
         <p:spPr>
           <a:xfrm>
             <a:off x="838200" y="1825625"/>
-            <a:ext cx="10358887" cy="3091432"/>
+            <a:ext cx="10827327" cy="3591502"/>
           </a:xfrm>
         </p:spPr>
         <p:txBody>
-          <a:bodyPr/>
+          <a:bodyPr>
+            <a:normAutofit/>
+          </a:bodyPr>
           <a:lstStyle/>
           <a:p>
             <a:pPr marL="514350" indent="-514350">
@@ -4266,9 +7217,9 @@
             </a:pPr>
             <a:r>
               <a:rPr lang="it-IT" b="1" u="sng">
-                <a:latin typeface="Roboto" panose="02000000000000000000" pitchFamily="2" charset="0"/>
-                <a:ea typeface="Roboto" panose="02000000000000000000" pitchFamily="2" charset="0"/>
-                <a:cs typeface="Quire Sans" panose="020B0502040204020203" pitchFamily="34" charset="0"/>
+                <a:latin typeface="Calibri" charset="0"/>
+                <a:ea typeface="Calibri" charset="0"/>
+                <a:cs typeface="Calibri" charset="0"/>
               </a:rPr>
               <a:t>Monitoring at Resource Level</a:t>
             </a:r>
@@ -4280,9 +7231,9 @@
             </a:pPr>
             <a:r>
               <a:rPr lang="it-IT">
-                <a:latin typeface="Roboto" panose="02000000000000000000" pitchFamily="2" charset="0"/>
-                <a:ea typeface="Roboto" panose="02000000000000000000" pitchFamily="2" charset="0"/>
-                <a:cs typeface="Quire Sans" panose="020B0502040204020203" pitchFamily="34" charset="0"/>
+                <a:latin typeface="Calibri" charset="0"/>
+                <a:ea typeface="Calibri" charset="0"/>
+                <a:cs typeface="Calibri" charset="0"/>
               </a:rPr>
               <a:t>Prometheus</a:t>
             </a:r>
@@ -4294,9 +7245,9 @@
             </a:pPr>
             <a:r>
               <a:rPr lang="it-IT">
-                <a:latin typeface="Roboto" panose="02000000000000000000" pitchFamily="2" charset="0"/>
-                <a:ea typeface="Roboto" panose="02000000000000000000" pitchFamily="2" charset="0"/>
-                <a:cs typeface="Quire Sans" panose="020B0502040204020203" pitchFamily="34" charset="0"/>
+                <a:latin typeface="Calibri" charset="0"/>
+                <a:ea typeface="Calibri" charset="0"/>
+                <a:cs typeface="Calibri" charset="0"/>
               </a:rPr>
               <a:t>Grafana</a:t>
             </a:r>
@@ -4308,12 +7259,31 @@
             </a:pPr>
             <a:r>
               <a:rPr lang="it-IT">
-                <a:latin typeface="Roboto" panose="02000000000000000000" pitchFamily="2" charset="0"/>
-                <a:ea typeface="Roboto" panose="02000000000000000000" pitchFamily="2" charset="0"/>
-                <a:cs typeface="Quire Sans" panose="020B0502040204020203" pitchFamily="34" charset="0"/>
+                <a:latin typeface="Calibri" charset="0"/>
+                <a:ea typeface="Calibri" charset="0"/>
+                <a:cs typeface="Calibri" charset="0"/>
               </a:rPr>
               <a:t>Better-Uptime</a:t>
             </a:r>
+          </a:p>
+          <a:p>
+            <a:pPr marL="971550" lvl="1" indent="-514350">
+              <a:buFont typeface="+mj-lt"/>
+              <a:buAutoNum type="arabicPeriod"/>
+            </a:pPr>
+            <a:r>
+              <a:rPr lang="it-IT">
+                <a:latin typeface="Calibri" charset="0"/>
+                <a:ea typeface="Calibri" charset="0"/>
+                <a:cs typeface="Calibri" charset="0"/>
+              </a:rPr>
+              <a:t>Locust</a:t>
+            </a:r>
+            <a:endParaRPr lang="it-IT">
+              <a:latin typeface="Calibri" charset="0"/>
+              <a:ea typeface="Calibri" charset="0"/>
+              <a:cs typeface="Calibri" charset="0"/>
+            </a:endParaRPr>
           </a:p>
           <a:p>
             <a:pPr marL="514350" indent="-514350">
@@ -4322,12 +7292,17 @@
             </a:pPr>
             <a:r>
               <a:rPr lang="it-IT" b="1" u="sng">
-                <a:latin typeface="Roboto" panose="02000000000000000000" pitchFamily="2" charset="0"/>
-                <a:ea typeface="Roboto" panose="02000000000000000000" pitchFamily="2" charset="0"/>
-                <a:cs typeface="Quire Sans" panose="020B0502040204020203" pitchFamily="34" charset="0"/>
+                <a:latin typeface="Calibri" charset="0"/>
+                <a:ea typeface="Calibri" charset="0"/>
+                <a:cs typeface="Calibri" charset="0"/>
               </a:rPr>
               <a:t>Monitoring at Performance Level</a:t>
             </a:r>
+            <a:endParaRPr lang="it-IT">
+              <a:latin typeface="Calibri" charset="0"/>
+              <a:ea typeface="Calibri" charset="0"/>
+              <a:cs typeface="Calibri" charset="0"/>
+            </a:endParaRPr>
           </a:p>
           <a:p>
             <a:pPr marL="971550" lvl="1" indent="-514350">
@@ -4336,23 +7311,9 @@
             </a:pPr>
             <a:r>
               <a:rPr lang="it-IT">
-                <a:latin typeface="Roboto" panose="02000000000000000000" pitchFamily="2" charset="0"/>
-                <a:ea typeface="Roboto" panose="02000000000000000000" pitchFamily="2" charset="0"/>
-                <a:cs typeface="Quire Sans" panose="020B0502040204020203" pitchFamily="34" charset="0"/>
-              </a:rPr>
-              <a:t>Locust</a:t>
-            </a:r>
-          </a:p>
-          <a:p>
-            <a:pPr marL="971550" lvl="1" indent="-514350">
-              <a:buFont typeface="+mj-lt"/>
-              <a:buAutoNum type="arabicPeriod"/>
-            </a:pPr>
-            <a:r>
-              <a:rPr lang="it-IT">
-                <a:latin typeface="Roboto" panose="02000000000000000000" pitchFamily="2" charset="0"/>
-                <a:ea typeface="Roboto" panose="02000000000000000000" pitchFamily="2" charset="0"/>
-                <a:cs typeface="Quire Sans" panose="020B0502040204020203" pitchFamily="34" charset="0"/>
+                <a:latin typeface="Calibri" charset="0"/>
+                <a:ea typeface="Calibri" charset="0"/>
+                <a:cs typeface="Calibri" charset="0"/>
               </a:rPr>
               <a:t>Alibi-detector</a:t>
             </a:r>
@@ -4363,6 +7324,148 @@
     <p:extLst>
       <p:ext uri="{BB962C8B-B14F-4D97-AF65-F5344CB8AC3E}">
         <p14:creationId xmlns:p14="http://schemas.microsoft.com/office/powerpoint/2010/main" val="660823721"/>
+      </p:ext>
+    </p:extLst>
+  </p:cSld>
+  <p:clrMapOvr>
+    <a:masterClrMapping/>
+  </p:clrMapOvr>
+</p:sld>
+</file>
+
+<file path=ppt/slides/slide20.xml><?xml version="1.0" encoding="utf-8"?>
+<p:sld xmlns:a="http://schemas.openxmlformats.org/drawingml/2006/main" xmlns:r="http://schemas.openxmlformats.org/officeDocument/2006/relationships" xmlns:p="http://schemas.openxmlformats.org/presentationml/2006/main">
+  <p:cSld>
+    <p:spTree>
+      <p:nvGrpSpPr>
+        <p:cNvPr id="1" name=""/>
+        <p:cNvGrpSpPr/>
+        <p:nvPr/>
+      </p:nvGrpSpPr>
+      <p:grpSpPr>
+        <a:xfrm>
+          <a:off x="0" y="0"/>
+          <a:ext cx="0" cy="0"/>
+          <a:chOff x="0" y="0"/>
+          <a:chExt cx="0" cy="0"/>
+        </a:xfrm>
+      </p:grpSpPr>
+      <p:sp>
+        <p:nvSpPr>
+          <p:cNvPr id="2" name="Titolo 1">
+            <a:extLst>
+              <a:ext uri="{FF2B5EF4-FFF2-40B4-BE49-F238E27FC236}">
+                <a16:creationId xmlns:a16="http://schemas.microsoft.com/office/drawing/2014/main" xmlns="" id="{E84D6F7A-C5C5-40C7-0FD8-F1C4CD4F3D65}"/>
+              </a:ext>
+            </a:extLst>
+          </p:cNvPr>
+          <p:cNvSpPr>
+            <a:spLocks noGrp="1"/>
+          </p:cNvSpPr>
+          <p:nvPr>
+            <p:ph type="title"/>
+          </p:nvPr>
+        </p:nvSpPr>
+        <p:spPr>
+          <a:xfrm>
+            <a:off x="1051639" y="-307491"/>
+            <a:ext cx="10419078" cy="1325563"/>
+          </a:xfrm>
+        </p:spPr>
+        <p:txBody>
+          <a:bodyPr>
+            <a:normAutofit/>
+          </a:bodyPr>
+          <a:lstStyle/>
+          <a:p>
+            <a:pPr algn="ctr"/>
+            <a:r>
+              <a:rPr lang="it-IT" b="1" dirty="0">
+                <a:solidFill>
+                  <a:schemeClr val="accent2">
+                    <a:lumMod val="75000"/>
+                  </a:schemeClr>
+                </a:solidFill>
+                <a:latin typeface="Calibri" charset="0"/>
+                <a:ea typeface="Calibri" charset="0"/>
+                <a:cs typeface="Calibri" charset="0"/>
+              </a:rPr>
+              <a:t>Grafana dashboard</a:t>
+            </a:r>
+          </a:p>
+        </p:txBody>
+      </p:sp>
+      <p:sp>
+        <p:nvSpPr>
+          <p:cNvPr id="5" name="Rettangolo 4"/>
+          <p:cNvSpPr/>
+          <p:nvPr/>
+        </p:nvSpPr>
+        <p:spPr>
+          <a:xfrm>
+            <a:off x="5259622" y="648740"/>
+            <a:ext cx="2003112" cy="369332"/>
+          </a:xfrm>
+          <a:prstGeom prst="rect">
+            <a:avLst/>
+          </a:prstGeom>
+        </p:spPr>
+        <p:txBody>
+          <a:bodyPr wrap="none">
+            <a:spAutoFit/>
+          </a:bodyPr>
+          <a:lstStyle/>
+          <a:p>
+            <a:r>
+              <a:rPr lang="it-IT" b="1" dirty="0">
+                <a:solidFill>
+                  <a:schemeClr val="accent2">
+                    <a:lumMod val="75000"/>
+                  </a:schemeClr>
+                </a:solidFill>
+                <a:latin typeface="Helvetica Neue" charset="0"/>
+                <a:ea typeface="Helvetica Neue" charset="0"/>
+                <a:cs typeface="Helvetica Neue" charset="0"/>
+              </a:rPr>
+              <a:t>Resource Usage</a:t>
+            </a:r>
+          </a:p>
+        </p:txBody>
+      </p:sp>
+      <p:pic>
+        <p:nvPicPr>
+          <p:cNvPr id="7" name="Immagine 6"/>
+          <p:cNvPicPr>
+            <a:picLocks noChangeAspect="1"/>
+          </p:cNvPicPr>
+          <p:nvPr/>
+        </p:nvPicPr>
+        <p:blipFill>
+          <a:blip r:embed="rId2">
+            <a:extLst>
+              <a:ext uri="{28A0092B-C50C-407E-A947-70E740481C1C}">
+                <a14:useLocalDpi xmlns:a14="http://schemas.microsoft.com/office/drawing/2010/main" val="0"/>
+              </a:ext>
+            </a:extLst>
+          </a:blip>
+          <a:stretch>
+            <a:fillRect/>
+          </a:stretch>
+        </p:blipFill>
+        <p:spPr>
+          <a:xfrm>
+            <a:off x="718284" y="1133466"/>
+            <a:ext cx="11155062" cy="5545198"/>
+          </a:xfrm>
+          <a:prstGeom prst="rect">
+            <a:avLst/>
+          </a:prstGeom>
+        </p:spPr>
+      </p:pic>
+    </p:spTree>
+    <p:extLst>
+      <p:ext uri="{BB962C8B-B14F-4D97-AF65-F5344CB8AC3E}">
+        <p14:creationId xmlns:p14="http://schemas.microsoft.com/office/powerpoint/2010/main" val="29387160"/>
       </p:ext>
     </p:extLst>
   </p:cSld>
@@ -4394,7 +7497,7 @@
           <p:cNvPr id="2" name="Titolo 1">
             <a:extLst>
               <a:ext uri="{FF2B5EF4-FFF2-40B4-BE49-F238E27FC236}">
-                <a16:creationId xmlns:a16="http://schemas.microsoft.com/office/drawing/2014/main" id="{E84D6F7A-C5C5-40C7-0FD8-F1C4CD4F3D65}"/>
+                <a16:creationId xmlns:a16="http://schemas.microsoft.com/office/drawing/2014/main" xmlns="" id="{E84D6F7A-C5C5-40C7-0FD8-F1C4CD4F3D65}"/>
               </a:ext>
             </a:extLst>
           </p:cNvPr>
@@ -4425,7 +7528,9 @@
                     <a:lumMod val="75000"/>
                   </a:schemeClr>
                 </a:solidFill>
-                <a:latin typeface="CMR17"/>
+                <a:latin typeface="Calibri" charset="0"/>
+                <a:ea typeface="Calibri" charset="0"/>
+                <a:cs typeface="Calibri" charset="0"/>
               </a:rPr>
               <a:t>Prometheus-setup</a:t>
             </a:r>
@@ -4435,6 +7540,9 @@
                   <a:lumMod val="75000"/>
                 </a:schemeClr>
               </a:solidFill>
+              <a:latin typeface="Calibri" charset="0"/>
+              <a:ea typeface="Calibri" charset="0"/>
+              <a:cs typeface="Calibri" charset="0"/>
             </a:endParaRPr>
           </a:p>
         </p:txBody>
@@ -4444,7 +7552,7 @@
           <p:cNvPr id="8" name="Segnaposto contenuto 2">
             <a:extLst>
               <a:ext uri="{FF2B5EF4-FFF2-40B4-BE49-F238E27FC236}">
-                <a16:creationId xmlns:a16="http://schemas.microsoft.com/office/drawing/2014/main" id="{BDBB7D20-3AC2-51C8-AA8A-A5491FCD4726}"/>
+                <a16:creationId xmlns:a16="http://schemas.microsoft.com/office/drawing/2014/main" xmlns="" id="{BDBB7D20-3AC2-51C8-AA8A-A5491FCD4726}"/>
               </a:ext>
             </a:extLst>
           </p:cNvPr>
@@ -4644,7 +7752,7 @@
           <p:cNvPr id="4" name="Immagine 3">
             <a:extLst>
               <a:ext uri="{FF2B5EF4-FFF2-40B4-BE49-F238E27FC236}">
-                <a16:creationId xmlns:a16="http://schemas.microsoft.com/office/drawing/2014/main" id="{803720C4-C405-5C45-E049-B36E21AE1D77}"/>
+                <a16:creationId xmlns:a16="http://schemas.microsoft.com/office/drawing/2014/main" xmlns="" id="{803720C4-C405-5C45-E049-B36E21AE1D77}"/>
               </a:ext>
             </a:extLst>
           </p:cNvPr>
@@ -4680,7 +7788,7 @@
           <p:cNvPr id="11" name="CasellaDiTesto 10">
             <a:extLst>
               <a:ext uri="{FF2B5EF4-FFF2-40B4-BE49-F238E27FC236}">
-                <a16:creationId xmlns:a16="http://schemas.microsoft.com/office/drawing/2014/main" id="{6EBF9A7B-45A4-D22B-1850-DC7B27412B96}"/>
+                <a16:creationId xmlns:a16="http://schemas.microsoft.com/office/drawing/2014/main" xmlns="" id="{6EBF9A7B-45A4-D22B-1850-DC7B27412B96}"/>
               </a:ext>
             </a:extLst>
           </p:cNvPr>
@@ -4715,7 +7823,7 @@
           <p:cNvPr id="12" name="CasellaDiTesto 11">
             <a:extLst>
               <a:ext uri="{FF2B5EF4-FFF2-40B4-BE49-F238E27FC236}">
-                <a16:creationId xmlns:a16="http://schemas.microsoft.com/office/drawing/2014/main" id="{D2A6240A-3722-BD96-28A7-B160162F0E76}"/>
+                <a16:creationId xmlns:a16="http://schemas.microsoft.com/office/drawing/2014/main" xmlns="" id="{D2A6240A-3722-BD96-28A7-B160162F0E76}"/>
               </a:ext>
             </a:extLst>
           </p:cNvPr>
@@ -4862,6 +7970,16 @@
             </a:endParaRPr>
           </a:p>
           <a:p>
+            <a:r>
+              <a:rPr lang="it-IT" sz="1600" b="0">
+                <a:solidFill>
+                  <a:srgbClr val="D4D4D4"/>
+                </a:solidFill>
+                <a:effectLst/>
+                <a:latin typeface="Consolas" panose="020B0609020204030204" pitchFamily="49" charset="0"/>
+              </a:rPr>
+              <a:t/>
+            </a:r>
             <a:br>
               <a:rPr lang="it-IT" sz="1600" b="0">
                 <a:solidFill>
@@ -5142,7 +8260,7 @@
           <p:cNvPr id="14" name="CasellaDiTesto 13">
             <a:extLst>
               <a:ext uri="{FF2B5EF4-FFF2-40B4-BE49-F238E27FC236}">
-                <a16:creationId xmlns:a16="http://schemas.microsoft.com/office/drawing/2014/main" id="{D0342880-C78A-F491-330A-C83E9BFA1ED6}"/>
+                <a16:creationId xmlns:a16="http://schemas.microsoft.com/office/drawing/2014/main" xmlns="" id="{D0342880-C78A-F491-330A-C83E9BFA1ED6}"/>
               </a:ext>
             </a:extLst>
           </p:cNvPr>
@@ -5274,7 +8392,7 @@
           <p:cNvPr id="15" name="CasellaDiTesto 14">
             <a:extLst>
               <a:ext uri="{FF2B5EF4-FFF2-40B4-BE49-F238E27FC236}">
-                <a16:creationId xmlns:a16="http://schemas.microsoft.com/office/drawing/2014/main" id="{B079CF19-44DB-C712-C30B-1B2518EEF825}"/>
+                <a16:creationId xmlns:a16="http://schemas.microsoft.com/office/drawing/2014/main" xmlns="" id="{B079CF19-44DB-C712-C30B-1B2518EEF825}"/>
               </a:ext>
             </a:extLst>
           </p:cNvPr>
@@ -5314,7 +8432,7 @@
           <p:cNvPr id="16" name="CasellaDiTesto 15">
             <a:extLst>
               <a:ext uri="{FF2B5EF4-FFF2-40B4-BE49-F238E27FC236}">
-                <a16:creationId xmlns:a16="http://schemas.microsoft.com/office/drawing/2014/main" id="{4F5F1B63-E38B-874A-39BB-B93C186D1564}"/>
+                <a16:creationId xmlns:a16="http://schemas.microsoft.com/office/drawing/2014/main" xmlns="" id="{4F5F1B63-E38B-874A-39BB-B93C186D1564}"/>
               </a:ext>
             </a:extLst>
           </p:cNvPr>
@@ -5349,7 +8467,7 @@
           <p:cNvPr id="18" name="Connettore curvo 17">
             <a:extLst>
               <a:ext uri="{FF2B5EF4-FFF2-40B4-BE49-F238E27FC236}">
-                <a16:creationId xmlns:a16="http://schemas.microsoft.com/office/drawing/2014/main" id="{96BE19F7-67A6-58E2-DD6A-754BB8D2A64C}"/>
+                <a16:creationId xmlns:a16="http://schemas.microsoft.com/office/drawing/2014/main" xmlns="" id="{96BE19F7-67A6-58E2-DD6A-754BB8D2A64C}"/>
               </a:ext>
             </a:extLst>
           </p:cNvPr>
@@ -5395,7 +8513,7 @@
           <p:cNvPr id="35" name="Connettore curvo 34">
             <a:extLst>
               <a:ext uri="{FF2B5EF4-FFF2-40B4-BE49-F238E27FC236}">
-                <a16:creationId xmlns:a16="http://schemas.microsoft.com/office/drawing/2014/main" id="{E468E31E-8BBF-D47B-AC60-C90E89D841C6}"/>
+                <a16:creationId xmlns:a16="http://schemas.microsoft.com/office/drawing/2014/main" xmlns="" id="{E468E31E-8BBF-D47B-AC60-C90E89D841C6}"/>
               </a:ext>
             </a:extLst>
           </p:cNvPr>
@@ -5471,7 +8589,7 @@
           <p:cNvPr id="2" name="Titolo 1">
             <a:extLst>
               <a:ext uri="{FF2B5EF4-FFF2-40B4-BE49-F238E27FC236}">
-                <a16:creationId xmlns:a16="http://schemas.microsoft.com/office/drawing/2014/main" id="{E84D6F7A-C5C5-40C7-0FD8-F1C4CD4F3D65}"/>
+                <a16:creationId xmlns:a16="http://schemas.microsoft.com/office/drawing/2014/main" xmlns="" id="{E84D6F7A-C5C5-40C7-0FD8-F1C4CD4F3D65}"/>
               </a:ext>
             </a:extLst>
           </p:cNvPr>
@@ -5502,7 +8620,9 @@
                     <a:lumMod val="75000"/>
                   </a:schemeClr>
                 </a:solidFill>
-                <a:latin typeface="CMR17"/>
+                <a:latin typeface="Calibri" charset="0"/>
+                <a:ea typeface="Calibri" charset="0"/>
+                <a:cs typeface="Calibri" charset="0"/>
               </a:rPr>
               <a:t>Grafana-setup</a:t>
             </a:r>
@@ -5512,6 +8632,9 @@
                   <a:lumMod val="75000"/>
                 </a:schemeClr>
               </a:solidFill>
+              <a:latin typeface="Calibri" charset="0"/>
+              <a:ea typeface="Calibri" charset="0"/>
+              <a:cs typeface="Calibri" charset="0"/>
             </a:endParaRPr>
           </a:p>
         </p:txBody>
@@ -5521,7 +8644,7 @@
           <p:cNvPr id="8" name="Segnaposto contenuto 2">
             <a:extLst>
               <a:ext uri="{FF2B5EF4-FFF2-40B4-BE49-F238E27FC236}">
-                <a16:creationId xmlns:a16="http://schemas.microsoft.com/office/drawing/2014/main" id="{BDBB7D20-3AC2-51C8-AA8A-A5491FCD4726}"/>
+                <a16:creationId xmlns:a16="http://schemas.microsoft.com/office/drawing/2014/main" xmlns="" id="{BDBB7D20-3AC2-51C8-AA8A-A5491FCD4726}"/>
               </a:ext>
             </a:extLst>
           </p:cNvPr>
@@ -5721,7 +8844,7 @@
           <p:cNvPr id="5" name="Immagine 4" descr="Immagine che contiene testo&#10;&#10;Descrizione generata automaticamente">
             <a:extLst>
               <a:ext uri="{FF2B5EF4-FFF2-40B4-BE49-F238E27FC236}">
-                <a16:creationId xmlns:a16="http://schemas.microsoft.com/office/drawing/2014/main" id="{37E5ADEB-7CB1-ED8C-D350-B03DA5240D1F}"/>
+                <a16:creationId xmlns:a16="http://schemas.microsoft.com/office/drawing/2014/main" xmlns="" id="{37E5ADEB-7CB1-ED8C-D350-B03DA5240D1F}"/>
               </a:ext>
             </a:extLst>
           </p:cNvPr>
@@ -5757,7 +8880,7 @@
           <p:cNvPr id="6" name="CasellaDiTesto 5">
             <a:extLst>
               <a:ext uri="{FF2B5EF4-FFF2-40B4-BE49-F238E27FC236}">
-                <a16:creationId xmlns:a16="http://schemas.microsoft.com/office/drawing/2014/main" id="{E9B6E659-DDA5-786D-0EE7-AFFC00C27981}"/>
+                <a16:creationId xmlns:a16="http://schemas.microsoft.com/office/drawing/2014/main" xmlns="" id="{E9B6E659-DDA5-786D-0EE7-AFFC00C27981}"/>
               </a:ext>
             </a:extLst>
           </p:cNvPr>
@@ -5792,7 +8915,7 @@
           <p:cNvPr id="7" name="CasellaDiTesto 6">
             <a:extLst>
               <a:ext uri="{FF2B5EF4-FFF2-40B4-BE49-F238E27FC236}">
-                <a16:creationId xmlns:a16="http://schemas.microsoft.com/office/drawing/2014/main" id="{66D98821-338C-4282-E3EE-7B053E8A6CB9}"/>
+                <a16:creationId xmlns:a16="http://schemas.microsoft.com/office/drawing/2014/main" xmlns="" id="{66D98821-338C-4282-E3EE-7B053E8A6CB9}"/>
               </a:ext>
             </a:extLst>
           </p:cNvPr>
@@ -5818,32 +8941,44 @@
             <a:r>
               <a:rPr lang="en-US" b="1" i="0">
                 <a:effectLst/>
-                <a:latin typeface="Söhne"/>
+                <a:latin typeface="Calibri" charset="0"/>
+                <a:ea typeface="Calibri" charset="0"/>
+                <a:cs typeface="Calibri" charset="0"/>
               </a:rPr>
               <a:t>Grafana OSS </a:t>
             </a:r>
             <a:r>
               <a:rPr lang="en-US" b="0" i="0">
                 <a:effectLst/>
-                <a:latin typeface="Söhne"/>
+                <a:latin typeface="Calibri" charset="0"/>
+                <a:ea typeface="Calibri" charset="0"/>
+                <a:cs typeface="Calibri" charset="0"/>
               </a:rPr>
               <a:t>(Open Source Software) is the open-source version of Grafana, while Grafana is also available in a paid version called Grafana Enterprise. The Enterprise version offers some additional features compared to the OSS version, such as support for enterprise authentication and integration with other business intelligence tools. In general, </a:t>
             </a:r>
             <a:r>
               <a:rPr lang="en-US" b="0" i="0" u="sng">
                 <a:effectLst/>
-                <a:latin typeface="Söhne"/>
+                <a:latin typeface="Calibri" charset="0"/>
+                <a:ea typeface="Calibri" charset="0"/>
+                <a:cs typeface="Calibri" charset="0"/>
               </a:rPr>
               <a:t>Grafana OSS is used by organizations that want a advanced monitoring solution but do not need the features offered by the Enterprise version</a:t>
             </a:r>
             <a:r>
               <a:rPr lang="en-US" b="0" i="0">
                 <a:effectLst/>
-                <a:latin typeface="Söhne"/>
+                <a:latin typeface="Calibri" charset="0"/>
+                <a:ea typeface="Calibri" charset="0"/>
+                <a:cs typeface="Calibri" charset="0"/>
               </a:rPr>
               <a:t>.</a:t>
             </a:r>
-            <a:endParaRPr lang="it-IT"/>
+            <a:endParaRPr lang="it-IT">
+              <a:latin typeface="Calibri" charset="0"/>
+              <a:ea typeface="Calibri" charset="0"/>
+              <a:cs typeface="Calibri" charset="0"/>
+            </a:endParaRPr>
           </a:p>
         </p:txBody>
       </p:sp>
@@ -5882,7 +9017,7 @@
           <p:cNvPr id="2" name="Titolo 1">
             <a:extLst>
               <a:ext uri="{FF2B5EF4-FFF2-40B4-BE49-F238E27FC236}">
-                <a16:creationId xmlns:a16="http://schemas.microsoft.com/office/drawing/2014/main" id="{E84D6F7A-C5C5-40C7-0FD8-F1C4CD4F3D65}"/>
+                <a16:creationId xmlns:a16="http://schemas.microsoft.com/office/drawing/2014/main" xmlns="" id="{E84D6F7A-C5C5-40C7-0FD8-F1C4CD4F3D65}"/>
               </a:ext>
             </a:extLst>
           </p:cNvPr>
@@ -5913,7 +9048,9 @@
                     <a:lumMod val="75000"/>
                   </a:schemeClr>
                 </a:solidFill>
-                <a:latin typeface="CMR17"/>
+                <a:latin typeface="Calibri" charset="0"/>
+                <a:ea typeface="Calibri" charset="0"/>
+                <a:cs typeface="Calibri" charset="0"/>
               </a:rPr>
               <a:t>Connect Prometheus &amp; Grafana</a:t>
             </a:r>
@@ -5923,6 +9060,9 @@
                   <a:lumMod val="75000"/>
                 </a:schemeClr>
               </a:solidFill>
+              <a:latin typeface="Calibri" charset="0"/>
+              <a:ea typeface="Calibri" charset="0"/>
+              <a:cs typeface="Calibri" charset="0"/>
             </a:endParaRPr>
           </a:p>
         </p:txBody>
@@ -5932,7 +9072,7 @@
           <p:cNvPr id="8" name="Segnaposto contenuto 2">
             <a:extLst>
               <a:ext uri="{FF2B5EF4-FFF2-40B4-BE49-F238E27FC236}">
-                <a16:creationId xmlns:a16="http://schemas.microsoft.com/office/drawing/2014/main" id="{BDBB7D20-3AC2-51C8-AA8A-A5491FCD4726}"/>
+                <a16:creationId xmlns:a16="http://schemas.microsoft.com/office/drawing/2014/main" xmlns="" id="{BDBB7D20-3AC2-51C8-AA8A-A5491FCD4726}"/>
               </a:ext>
             </a:extLst>
           </p:cNvPr>
@@ -6132,7 +9272,7 @@
           <p:cNvPr id="3" name="CasellaDiTesto 2">
             <a:extLst>
               <a:ext uri="{FF2B5EF4-FFF2-40B4-BE49-F238E27FC236}">
-                <a16:creationId xmlns:a16="http://schemas.microsoft.com/office/drawing/2014/main" id="{030A41CB-42A9-F076-CFD9-6A60618ECDBD}"/>
+                <a16:creationId xmlns:a16="http://schemas.microsoft.com/office/drawing/2014/main" xmlns="" id="{030A41CB-42A9-F076-CFD9-6A60618ECDBD}"/>
               </a:ext>
             </a:extLst>
           </p:cNvPr>
@@ -6142,7 +9282,7 @@
         <p:spPr>
           <a:xfrm>
             <a:off x="989854" y="1256997"/>
-            <a:ext cx="10267426" cy="400110"/>
+            <a:ext cx="9657837" cy="400110"/>
           </a:xfrm>
           <a:prstGeom prst="rect">
             <a:avLst/>
@@ -6157,16 +9297,25 @@
           <a:p>
             <a:r>
               <a:rPr lang="en-US">
-                <a:latin typeface="Roboto" panose="02000000000000000000" pitchFamily="2" charset="0"/>
-                <a:ea typeface="Roboto" panose="02000000000000000000" pitchFamily="2" charset="0"/>
+                <a:latin typeface="Calibri" charset="0"/>
+                <a:ea typeface="Calibri" charset="0"/>
+                <a:cs typeface="Calibri" charset="0"/>
               </a:rPr>
               <a:t>Once the docker images have been downloaded, it is possible to modify the </a:t>
             </a:r>
             <a:r>
-              <a:rPr lang="en-US" sz="2000" b="1"/>
+              <a:rPr lang="en-US" sz="2000" b="1">
+                <a:latin typeface="Calibri" charset="0"/>
+                <a:ea typeface="Calibri" charset="0"/>
+                <a:cs typeface="Calibri" charset="0"/>
+              </a:rPr>
               <a:t>docker-compose.yaml</a:t>
             </a:r>
-            <a:endParaRPr lang="it-IT" sz="2000" b="1"/>
+            <a:endParaRPr lang="it-IT" sz="2000" b="1">
+              <a:latin typeface="Calibri" charset="0"/>
+              <a:ea typeface="Calibri" charset="0"/>
+              <a:cs typeface="Calibri" charset="0"/>
+            </a:endParaRPr>
           </a:p>
         </p:txBody>
       </p:sp>
@@ -6175,7 +9324,7 @@
           <p:cNvPr id="9" name="CasellaDiTesto 8">
             <a:extLst>
               <a:ext uri="{FF2B5EF4-FFF2-40B4-BE49-F238E27FC236}">
-                <a16:creationId xmlns:a16="http://schemas.microsoft.com/office/drawing/2014/main" id="{476D823A-D27D-A1C3-9802-8B9638902132}"/>
+                <a16:creationId xmlns:a16="http://schemas.microsoft.com/office/drawing/2014/main" xmlns="" id="{476D823A-D27D-A1C3-9802-8B9638902132}"/>
               </a:ext>
             </a:extLst>
           </p:cNvPr>
@@ -6596,6 +9745,16 @@
               </a:rPr>
               <a:t>backend</a:t>
             </a:r>
+            <a:r>
+              <a:rPr lang="it-IT" b="0">
+                <a:solidFill>
+                  <a:srgbClr val="D4D4D4"/>
+                </a:solidFill>
+                <a:effectLst/>
+                <a:latin typeface="Consolas" panose="020B0609020204030204" pitchFamily="49" charset="0"/>
+              </a:rPr>
+              <a:t/>
+            </a:r>
             <a:br>
               <a:rPr lang="it-IT" b="0">
                 <a:solidFill>
@@ -6639,7 +9798,7 @@
           <p:cNvPr id="11" name="CasellaDiTesto 10">
             <a:extLst>
               <a:ext uri="{FF2B5EF4-FFF2-40B4-BE49-F238E27FC236}">
-                <a16:creationId xmlns:a16="http://schemas.microsoft.com/office/drawing/2014/main" id="{76CF8EA9-25A2-40E3-752A-6B7DBA9B03F1}"/>
+                <a16:creationId xmlns:a16="http://schemas.microsoft.com/office/drawing/2014/main" xmlns="" id="{76CF8EA9-25A2-40E3-752A-6B7DBA9B03F1}"/>
               </a:ext>
             </a:extLst>
           </p:cNvPr>
@@ -7058,7 +10217,7 @@
           <p:cNvPr id="12" name="CasellaDiTesto 11">
             <a:extLst>
               <a:ext uri="{FF2B5EF4-FFF2-40B4-BE49-F238E27FC236}">
-                <a16:creationId xmlns:a16="http://schemas.microsoft.com/office/drawing/2014/main" id="{178AB428-EAAC-B27F-9B2C-B7FE13A087A3}"/>
+                <a16:creationId xmlns:a16="http://schemas.microsoft.com/office/drawing/2014/main" xmlns="" id="{178AB428-EAAC-B27F-9B2C-B7FE13A087A3}"/>
               </a:ext>
             </a:extLst>
           </p:cNvPr>
@@ -7083,25 +10242,33 @@
           <a:p>
             <a:r>
               <a:rPr lang="en-US">
-                <a:latin typeface="Roboto" panose="02000000000000000000" pitchFamily="2" charset="0"/>
-                <a:ea typeface="Roboto" panose="02000000000000000000" pitchFamily="2" charset="0"/>
+                <a:latin typeface="Calibri" charset="0"/>
+                <a:ea typeface="Calibri" charset="0"/>
+                <a:cs typeface="Calibri" charset="0"/>
               </a:rPr>
               <a:t>The network </a:t>
             </a:r>
             <a:r>
               <a:rPr lang="en-US" b="1">
-                <a:ea typeface="Roboto" panose="02000000000000000000" pitchFamily="2" charset="0"/>
+                <a:latin typeface="Calibri" charset="0"/>
+                <a:ea typeface="Calibri" charset="0"/>
+                <a:cs typeface="Calibri" charset="0"/>
               </a:rPr>
               <a:t>“Prometheus_Grafana” </a:t>
             </a:r>
             <a:r>
               <a:rPr lang="en-US">
-                <a:latin typeface="Roboto" panose="02000000000000000000" pitchFamily="2" charset="0"/>
-                <a:ea typeface="Roboto" panose="02000000000000000000" pitchFamily="2" charset="0"/>
+                <a:latin typeface="Calibri" charset="0"/>
+                <a:ea typeface="Calibri" charset="0"/>
+                <a:cs typeface="Calibri" charset="0"/>
               </a:rPr>
               <a:t>is addes in order to let the two container to communicate each other.</a:t>
             </a:r>
-            <a:endParaRPr lang="it-IT"/>
+            <a:endParaRPr lang="it-IT">
+              <a:latin typeface="Calibri" charset="0"/>
+              <a:ea typeface="Calibri" charset="0"/>
+              <a:cs typeface="Calibri" charset="0"/>
+            </a:endParaRPr>
           </a:p>
         </p:txBody>
       </p:sp>
@@ -7140,7 +10307,7 @@
           <p:cNvPr id="2" name="Titolo 1">
             <a:extLst>
               <a:ext uri="{FF2B5EF4-FFF2-40B4-BE49-F238E27FC236}">
-                <a16:creationId xmlns:a16="http://schemas.microsoft.com/office/drawing/2014/main" id="{E84D6F7A-C5C5-40C7-0FD8-F1C4CD4F3D65}"/>
+                <a16:creationId xmlns:a16="http://schemas.microsoft.com/office/drawing/2014/main" xmlns="" id="{E84D6F7A-C5C5-40C7-0FD8-F1C4CD4F3D65}"/>
               </a:ext>
             </a:extLst>
           </p:cNvPr>
@@ -7171,7 +10338,9 @@
                     <a:lumMod val="75000"/>
                   </a:schemeClr>
                 </a:solidFill>
-                <a:latin typeface="CMR17"/>
+                <a:latin typeface="Calibri" charset="0"/>
+                <a:ea typeface="Calibri" charset="0"/>
+                <a:cs typeface="Calibri" charset="0"/>
               </a:rPr>
               <a:t>Connect Prometheus &amp; Grafana</a:t>
             </a:r>
@@ -7181,6 +10350,9 @@
                   <a:lumMod val="75000"/>
                 </a:schemeClr>
               </a:solidFill>
+              <a:latin typeface="Calibri" charset="0"/>
+              <a:ea typeface="Calibri" charset="0"/>
+              <a:cs typeface="Calibri" charset="0"/>
             </a:endParaRPr>
           </a:p>
         </p:txBody>
@@ -7190,7 +10362,7 @@
           <p:cNvPr id="8" name="Segnaposto contenuto 2">
             <a:extLst>
               <a:ext uri="{FF2B5EF4-FFF2-40B4-BE49-F238E27FC236}">
-                <a16:creationId xmlns:a16="http://schemas.microsoft.com/office/drawing/2014/main" id="{BDBB7D20-3AC2-51C8-AA8A-A5491FCD4726}"/>
+                <a16:creationId xmlns:a16="http://schemas.microsoft.com/office/drawing/2014/main" xmlns="" id="{BDBB7D20-3AC2-51C8-AA8A-A5491FCD4726}"/>
               </a:ext>
             </a:extLst>
           </p:cNvPr>
@@ -7390,7 +10562,7 @@
           <p:cNvPr id="3" name="CasellaDiTesto 2">
             <a:extLst>
               <a:ext uri="{FF2B5EF4-FFF2-40B4-BE49-F238E27FC236}">
-                <a16:creationId xmlns:a16="http://schemas.microsoft.com/office/drawing/2014/main" id="{030A41CB-42A9-F076-CFD9-6A60618ECDBD}"/>
+                <a16:creationId xmlns:a16="http://schemas.microsoft.com/office/drawing/2014/main" xmlns="" id="{030A41CB-42A9-F076-CFD9-6A60618ECDBD}"/>
               </a:ext>
             </a:extLst>
           </p:cNvPr>
@@ -7400,7 +10572,7 @@
         <p:spPr>
           <a:xfrm>
             <a:off x="989854" y="1256997"/>
-            <a:ext cx="10267426" cy="400110"/>
+            <a:ext cx="9657837" cy="400110"/>
           </a:xfrm>
           <a:prstGeom prst="rect">
             <a:avLst/>
@@ -7415,8 +10587,9 @@
           <a:p>
             <a:r>
               <a:rPr lang="en-US">
-                <a:latin typeface="Roboto" panose="02000000000000000000" pitchFamily="2" charset="0"/>
-                <a:ea typeface="Roboto" panose="02000000000000000000" pitchFamily="2" charset="0"/>
+                <a:latin typeface="Calibri" charset="0"/>
+                <a:ea typeface="Calibri" charset="0"/>
+                <a:cs typeface="Calibri" charset="0"/>
               </a:rPr>
               <a:t>Once the docker images have been downloaded, it is possible to modify the </a:t>
             </a:r>
@@ -7433,7 +10606,7 @@
           <p:cNvPr id="12" name="CasellaDiTesto 11">
             <a:extLst>
               <a:ext uri="{FF2B5EF4-FFF2-40B4-BE49-F238E27FC236}">
-                <a16:creationId xmlns:a16="http://schemas.microsoft.com/office/drawing/2014/main" id="{178AB428-EAAC-B27F-9B2C-B7FE13A087A3}"/>
+                <a16:creationId xmlns:a16="http://schemas.microsoft.com/office/drawing/2014/main" xmlns="" id="{178AB428-EAAC-B27F-9B2C-B7FE13A087A3}"/>
               </a:ext>
             </a:extLst>
           </p:cNvPr>
@@ -7458,25 +10631,33 @@
           <a:p>
             <a:r>
               <a:rPr lang="en-US">
-                <a:latin typeface="Roboto" panose="02000000000000000000" pitchFamily="2" charset="0"/>
-                <a:ea typeface="Roboto" panose="02000000000000000000" pitchFamily="2" charset="0"/>
+                <a:latin typeface="Calibri" charset="0"/>
+                <a:ea typeface="Calibri" charset="0"/>
+                <a:cs typeface="Calibri" charset="0"/>
               </a:rPr>
               <a:t>The network </a:t>
             </a:r>
             <a:r>
               <a:rPr lang="en-US" b="1">
-                <a:ea typeface="Roboto" panose="02000000000000000000" pitchFamily="2" charset="0"/>
+                <a:latin typeface="Calibri" charset="0"/>
+                <a:ea typeface="Calibri" charset="0"/>
+                <a:cs typeface="Calibri" charset="0"/>
               </a:rPr>
               <a:t>“Prometheus_Grafana” </a:t>
             </a:r>
             <a:r>
               <a:rPr lang="en-US">
-                <a:latin typeface="Roboto" panose="02000000000000000000" pitchFamily="2" charset="0"/>
-                <a:ea typeface="Roboto" panose="02000000000000000000" pitchFamily="2" charset="0"/>
+                <a:latin typeface="Calibri" charset="0"/>
+                <a:ea typeface="Calibri" charset="0"/>
+                <a:cs typeface="Calibri" charset="0"/>
               </a:rPr>
               <a:t>is addes in order to let the two container to communicate each other.</a:t>
             </a:r>
-            <a:endParaRPr lang="it-IT"/>
+            <a:endParaRPr lang="it-IT">
+              <a:latin typeface="Calibri" charset="0"/>
+              <a:ea typeface="Calibri" charset="0"/>
+              <a:cs typeface="Calibri" charset="0"/>
+            </a:endParaRPr>
           </a:p>
         </p:txBody>
       </p:sp>
@@ -7485,7 +10666,7 @@
           <p:cNvPr id="5" name="Immagine 4">
             <a:extLst>
               <a:ext uri="{FF2B5EF4-FFF2-40B4-BE49-F238E27FC236}">
-                <a16:creationId xmlns:a16="http://schemas.microsoft.com/office/drawing/2014/main" id="{80BD50AA-3F2D-AB96-D553-88F601CFB7A2}"/>
+                <a16:creationId xmlns:a16="http://schemas.microsoft.com/office/drawing/2014/main" xmlns="" id="{80BD50AA-3F2D-AB96-D553-88F601CFB7A2}"/>
               </a:ext>
             </a:extLst>
           </p:cNvPr>
@@ -7551,7 +10732,7 @@
           <p:cNvPr id="2" name="Titolo 1">
             <a:extLst>
               <a:ext uri="{FF2B5EF4-FFF2-40B4-BE49-F238E27FC236}">
-                <a16:creationId xmlns:a16="http://schemas.microsoft.com/office/drawing/2014/main" id="{E84D6F7A-C5C5-40C7-0FD8-F1C4CD4F3D65}"/>
+                <a16:creationId xmlns:a16="http://schemas.microsoft.com/office/drawing/2014/main" xmlns="" id="{E84D6F7A-C5C5-40C7-0FD8-F1C4CD4F3D65}"/>
               </a:ext>
             </a:extLst>
           </p:cNvPr>
@@ -7582,7 +10763,9 @@
                     <a:lumMod val="75000"/>
                   </a:schemeClr>
                 </a:solidFill>
-                <a:latin typeface="CMR17"/>
+                <a:latin typeface="Calibri" charset="0"/>
+                <a:ea typeface="Calibri" charset="0"/>
+                <a:cs typeface="Calibri" charset="0"/>
               </a:rPr>
               <a:t>Prometheus Metrics</a:t>
             </a:r>
@@ -7592,7 +10775,210 @@
                   <a:lumMod val="75000"/>
                 </a:schemeClr>
               </a:solidFill>
+              <a:latin typeface="Calibri" charset="0"/>
+              <a:ea typeface="Calibri" charset="0"/>
+              <a:cs typeface="Calibri" charset="0"/>
             </a:endParaRPr>
+          </a:p>
+        </p:txBody>
+      </p:sp>
+      <p:sp>
+        <p:nvSpPr>
+          <p:cNvPr id="8" name="Segnaposto contenuto 2">
+            <a:extLst>
+              <a:ext uri="{FF2B5EF4-FFF2-40B4-BE49-F238E27FC236}">
+                <a16:creationId xmlns:a16="http://schemas.microsoft.com/office/drawing/2014/main" xmlns="" id="{BDBB7D20-3AC2-51C8-AA8A-A5491FCD4726}"/>
+              </a:ext>
+            </a:extLst>
+          </p:cNvPr>
+          <p:cNvSpPr txBox="1">
+            <a:spLocks/>
+          </p:cNvSpPr>
+          <p:nvPr/>
+        </p:nvSpPr>
+        <p:spPr>
+          <a:xfrm>
+            <a:off x="838198" y="5199397"/>
+            <a:ext cx="10515600" cy="766573"/>
+          </a:xfrm>
+          <a:prstGeom prst="rect">
+            <a:avLst/>
+          </a:prstGeom>
+        </p:spPr>
+        <p:txBody>
+          <a:bodyPr vert="horz" lIns="91440" tIns="45720" rIns="91440" bIns="45720" rtlCol="0">
+            <a:normAutofit/>
+          </a:bodyPr>
+          <a:lstStyle>
+            <a:lvl1pPr marL="228600" indent="-228600" algn="l" defTabSz="914400" rtl="0" eaLnBrk="1" latinLnBrk="0" hangingPunct="1">
+              <a:lnSpc>
+                <a:spcPct val="90000"/>
+              </a:lnSpc>
+              <a:spcBef>
+                <a:spcPts val="1000"/>
+              </a:spcBef>
+              <a:buFont typeface="Arial" panose="020B0604020202020204" pitchFamily="34" charset="0"/>
+              <a:buChar char="•"/>
+              <a:defRPr sz="2800" kern="1200">
+                <a:solidFill>
+                  <a:schemeClr val="tx1"/>
+                </a:solidFill>
+                <a:latin typeface="+mn-lt"/>
+                <a:ea typeface="+mn-ea"/>
+                <a:cs typeface="+mn-cs"/>
+              </a:defRPr>
+            </a:lvl1pPr>
+            <a:lvl2pPr marL="685800" indent="-228600" algn="l" defTabSz="914400" rtl="0" eaLnBrk="1" latinLnBrk="0" hangingPunct="1">
+              <a:lnSpc>
+                <a:spcPct val="90000"/>
+              </a:lnSpc>
+              <a:spcBef>
+                <a:spcPts val="500"/>
+              </a:spcBef>
+              <a:buFont typeface="Arial" panose="020B0604020202020204" pitchFamily="34" charset="0"/>
+              <a:buChar char="•"/>
+              <a:defRPr sz="2400" kern="1200">
+                <a:solidFill>
+                  <a:schemeClr val="tx1"/>
+                </a:solidFill>
+                <a:latin typeface="+mn-lt"/>
+                <a:ea typeface="+mn-ea"/>
+                <a:cs typeface="+mn-cs"/>
+              </a:defRPr>
+            </a:lvl2pPr>
+            <a:lvl3pPr marL="1143000" indent="-228600" algn="l" defTabSz="914400" rtl="0" eaLnBrk="1" latinLnBrk="0" hangingPunct="1">
+              <a:lnSpc>
+                <a:spcPct val="90000"/>
+              </a:lnSpc>
+              <a:spcBef>
+                <a:spcPts val="500"/>
+              </a:spcBef>
+              <a:buFont typeface="Arial" panose="020B0604020202020204" pitchFamily="34" charset="0"/>
+              <a:buChar char="•"/>
+              <a:defRPr sz="2000" kern="1200">
+                <a:solidFill>
+                  <a:schemeClr val="tx1"/>
+                </a:solidFill>
+                <a:latin typeface="+mn-lt"/>
+                <a:ea typeface="+mn-ea"/>
+                <a:cs typeface="+mn-cs"/>
+              </a:defRPr>
+            </a:lvl3pPr>
+            <a:lvl4pPr marL="1600200" indent="-228600" algn="l" defTabSz="914400" rtl="0" eaLnBrk="1" latinLnBrk="0" hangingPunct="1">
+              <a:lnSpc>
+                <a:spcPct val="90000"/>
+              </a:lnSpc>
+              <a:spcBef>
+                <a:spcPts val="500"/>
+              </a:spcBef>
+              <a:buFont typeface="Arial" panose="020B0604020202020204" pitchFamily="34" charset="0"/>
+              <a:buChar char="•"/>
+              <a:defRPr sz="1800" kern="1200">
+                <a:solidFill>
+                  <a:schemeClr val="tx1"/>
+                </a:solidFill>
+                <a:latin typeface="+mn-lt"/>
+                <a:ea typeface="+mn-ea"/>
+                <a:cs typeface="+mn-cs"/>
+              </a:defRPr>
+            </a:lvl4pPr>
+            <a:lvl5pPr marL="2057400" indent="-228600" algn="l" defTabSz="914400" rtl="0" eaLnBrk="1" latinLnBrk="0" hangingPunct="1">
+              <a:lnSpc>
+                <a:spcPct val="90000"/>
+              </a:lnSpc>
+              <a:spcBef>
+                <a:spcPts val="500"/>
+              </a:spcBef>
+              <a:buFont typeface="Arial" panose="020B0604020202020204" pitchFamily="34" charset="0"/>
+              <a:buChar char="•"/>
+              <a:defRPr sz="1800" kern="1200">
+                <a:solidFill>
+                  <a:schemeClr val="tx1"/>
+                </a:solidFill>
+                <a:latin typeface="+mn-lt"/>
+                <a:ea typeface="+mn-ea"/>
+                <a:cs typeface="+mn-cs"/>
+              </a:defRPr>
+            </a:lvl5pPr>
+            <a:lvl6pPr marL="2514600" indent="-228600" algn="l" defTabSz="914400" rtl="0" eaLnBrk="1" latinLnBrk="0" hangingPunct="1">
+              <a:lnSpc>
+                <a:spcPct val="90000"/>
+              </a:lnSpc>
+              <a:spcBef>
+                <a:spcPts val="500"/>
+              </a:spcBef>
+              <a:buFont typeface="Arial" panose="020B0604020202020204" pitchFamily="34" charset="0"/>
+              <a:buChar char="•"/>
+              <a:defRPr sz="1800" kern="1200">
+                <a:solidFill>
+                  <a:schemeClr val="tx1"/>
+                </a:solidFill>
+                <a:latin typeface="+mn-lt"/>
+                <a:ea typeface="+mn-ea"/>
+                <a:cs typeface="+mn-cs"/>
+              </a:defRPr>
+            </a:lvl6pPr>
+            <a:lvl7pPr marL="2971800" indent="-228600" algn="l" defTabSz="914400" rtl="0" eaLnBrk="1" latinLnBrk="0" hangingPunct="1">
+              <a:lnSpc>
+                <a:spcPct val="90000"/>
+              </a:lnSpc>
+              <a:spcBef>
+                <a:spcPts val="500"/>
+              </a:spcBef>
+              <a:buFont typeface="Arial" panose="020B0604020202020204" pitchFamily="34" charset="0"/>
+              <a:buChar char="•"/>
+              <a:defRPr sz="1800" kern="1200">
+                <a:solidFill>
+                  <a:schemeClr val="tx1"/>
+                </a:solidFill>
+                <a:latin typeface="+mn-lt"/>
+                <a:ea typeface="+mn-ea"/>
+                <a:cs typeface="+mn-cs"/>
+              </a:defRPr>
+            </a:lvl7pPr>
+            <a:lvl8pPr marL="3429000" indent="-228600" algn="l" defTabSz="914400" rtl="0" eaLnBrk="1" latinLnBrk="0" hangingPunct="1">
+              <a:lnSpc>
+                <a:spcPct val="90000"/>
+              </a:lnSpc>
+              <a:spcBef>
+                <a:spcPts val="500"/>
+              </a:spcBef>
+              <a:buFont typeface="Arial" panose="020B0604020202020204" pitchFamily="34" charset="0"/>
+              <a:buChar char="•"/>
+              <a:defRPr sz="1800" kern="1200">
+                <a:solidFill>
+                  <a:schemeClr val="tx1"/>
+                </a:solidFill>
+                <a:latin typeface="+mn-lt"/>
+                <a:ea typeface="+mn-ea"/>
+                <a:cs typeface="+mn-cs"/>
+              </a:defRPr>
+            </a:lvl8pPr>
+            <a:lvl9pPr marL="3886200" indent="-228600" algn="l" defTabSz="914400" rtl="0" eaLnBrk="1" latinLnBrk="0" hangingPunct="1">
+              <a:lnSpc>
+                <a:spcPct val="90000"/>
+              </a:lnSpc>
+              <a:spcBef>
+                <a:spcPts val="500"/>
+              </a:spcBef>
+              <a:buFont typeface="Arial" panose="020B0604020202020204" pitchFamily="34" charset="0"/>
+              <a:buChar char="•"/>
+              <a:defRPr sz="1800" kern="1200">
+                <a:solidFill>
+                  <a:schemeClr val="tx1"/>
+                </a:solidFill>
+                <a:latin typeface="+mn-lt"/>
+                <a:ea typeface="+mn-ea"/>
+                <a:cs typeface="+mn-cs"/>
+              </a:defRPr>
+            </a:lvl9pPr>
+          </a:lstStyle>
+          <a:p>
+            <a:pPr marL="0" indent="0">
+              <a:buFont typeface="Arial" panose="020B0604020202020204" pitchFamily="34" charset="0"/>
+              <a:buNone/>
+            </a:pPr>
+            <a:endParaRPr lang="it-IT" dirty="0"/>
           </a:p>
         </p:txBody>
       </p:sp>
@@ -7601,7 +10987,7 @@
           <p:cNvPr id="9" name="Segnaposto contenuto 2">
             <a:extLst>
               <a:ext uri="{FF2B5EF4-FFF2-40B4-BE49-F238E27FC236}">
-                <a16:creationId xmlns:a16="http://schemas.microsoft.com/office/drawing/2014/main" id="{8DF74287-8199-C54D-5B1C-6FF6A0E99B42}"/>
+                <a16:creationId xmlns:a16="http://schemas.microsoft.com/office/drawing/2014/main" xmlns="" id="{8DF74287-8199-C54D-5B1C-6FF6A0E99B42}"/>
               </a:ext>
             </a:extLst>
           </p:cNvPr>
@@ -7614,13 +11000,19 @@
         </p:nvSpPr>
         <p:spPr>
           <a:xfrm>
-            <a:off x="610319" y="1012427"/>
-            <a:ext cx="10741325" cy="4833145"/>
+            <a:off x="583720" y="1314032"/>
+            <a:ext cx="5350533" cy="5023480"/>
           </a:xfrm>
+          <a:solidFill>
+            <a:schemeClr val="tx1">
+              <a:lumMod val="85000"/>
+              <a:lumOff val="15000"/>
+            </a:schemeClr>
+          </a:solidFill>
         </p:spPr>
         <p:txBody>
           <a:bodyPr>
-            <a:normAutofit/>
+            <a:normAutofit fontScale="92500" lnSpcReduction="20000"/>
           </a:bodyPr>
           <a:lstStyle/>
           <a:p>
@@ -7628,8 +11020,44 @@
               <a:buNone/>
             </a:pPr>
             <a:r>
-              <a:rPr lang="en-US" sz="2400"/>
-              <a:t>In order to monitor our system we decided to use:</a:t>
+              <a:rPr lang="en-US" sz="1600" b="0">
+                <a:solidFill>
+                  <a:srgbClr val="4FC1FF"/>
+                </a:solidFill>
+                <a:effectLst/>
+                <a:latin typeface="Consolas" panose="020B0609020204030204" pitchFamily="49" charset="0"/>
+              </a:rPr>
+              <a:t>REQUEST_TIME</a:t>
+            </a:r>
+            <a:r>
+              <a:rPr lang="en-US" sz="1600" b="0">
+                <a:solidFill>
+                  <a:srgbClr val="D4D4D4"/>
+                </a:solidFill>
+                <a:effectLst/>
+                <a:latin typeface="Consolas" panose="020B0609020204030204" pitchFamily="49" charset="0"/>
+              </a:rPr>
+              <a:t> = </a:t>
+            </a:r>
+            <a:r>
+              <a:rPr lang="en-US" sz="1600" b="0">
+                <a:solidFill>
+                  <a:srgbClr val="4EC9B0"/>
+                </a:solidFill>
+                <a:effectLst/>
+                <a:latin typeface="Consolas" panose="020B0609020204030204" pitchFamily="49" charset="0"/>
+              </a:rPr>
+              <a:t>Gauge</a:t>
+            </a:r>
+            <a:r>
+              <a:rPr lang="en-US" sz="1600" b="0">
+                <a:solidFill>
+                  <a:srgbClr val="D4D4D4"/>
+                </a:solidFill>
+                <a:effectLst/>
+                <a:latin typeface="Consolas" panose="020B0609020204030204" pitchFamily="49" charset="0"/>
+              </a:rPr>
+              <a:t>(</a:t>
             </a:r>
           </a:p>
           <a:p>
@@ -7637,14 +11065,34 @@
               <a:buNone/>
             </a:pPr>
             <a:r>
-              <a:rPr lang="it-IT" sz="2400" b="0">
-                <a:solidFill>
-                  <a:srgbClr val="4EC9B0"/>
-                </a:solidFill>
-                <a:effectLst/>
-                <a:latin typeface="Consolas" panose="020B0609020204030204" pitchFamily="49" charset="0"/>
-              </a:rPr>
-              <a:t>prometheus_fastapi_instrumentator</a:t>
+              <a:rPr lang="en-US" sz="1600" b="0">
+                <a:solidFill>
+                  <a:srgbClr val="D4D4D4"/>
+                </a:solidFill>
+                <a:effectLst/>
+                <a:latin typeface="Consolas" panose="020B0609020204030204" pitchFamily="49" charset="0"/>
+              </a:rPr>
+              <a:t>    </a:t>
+            </a:r>
+            <a:r>
+              <a:rPr lang="en-US" sz="1600" b="0">
+                <a:solidFill>
+                  <a:srgbClr val="CE9178"/>
+                </a:solidFill>
+                <a:effectLst/>
+                <a:latin typeface="Consolas" panose="020B0609020204030204" pitchFamily="49" charset="0"/>
+              </a:rPr>
+              <a:t>"request_processing_seconds"</a:t>
+            </a:r>
+            <a:r>
+              <a:rPr lang="en-US" sz="1600" b="0">
+                <a:solidFill>
+                  <a:srgbClr val="D4D4D4"/>
+                </a:solidFill>
+                <a:effectLst/>
+                <a:latin typeface="Consolas" panose="020B0609020204030204" pitchFamily="49" charset="0"/>
+              </a:rPr>
+              <a:t>,</a:t>
             </a:r>
           </a:p>
           <a:p>
@@ -7652,26 +11100,635 @@
               <a:buNone/>
             </a:pPr>
             <a:r>
-              <a:rPr lang="en-US" sz="2000" b="0" i="0">
-                <a:effectLst/>
-                <a:latin typeface="Roboto" panose="02000000000000000000" pitchFamily="2" charset="0"/>
-                <a:ea typeface="Roboto" panose="02000000000000000000" pitchFamily="2" charset="0"/>
-              </a:rPr>
-              <a:t>A configurable and modular Prometheus Instrumentator for your FastAPI</a:t>
-            </a:r>
-            <a:r>
-              <a:rPr lang="en-US" sz="2400" b="0" i="0">
-                <a:effectLst/>
-                <a:latin typeface="Roboto" panose="02000000000000000000" pitchFamily="2" charset="0"/>
-                <a:ea typeface="Roboto" panose="02000000000000000000" pitchFamily="2" charset="0"/>
-              </a:rPr>
-              <a:t>.</a:t>
+              <a:rPr lang="en-US" sz="1600" b="0">
+                <a:solidFill>
+                  <a:srgbClr val="D4D4D4"/>
+                </a:solidFill>
+                <a:effectLst/>
+                <a:latin typeface="Consolas" panose="020B0609020204030204" pitchFamily="49" charset="0"/>
+              </a:rPr>
+              <a:t>    </a:t>
+            </a:r>
+            <a:r>
+              <a:rPr lang="en-US" sz="1600" b="0">
+                <a:solidFill>
+                  <a:srgbClr val="CE9178"/>
+                </a:solidFill>
+                <a:effectLst/>
+                <a:latin typeface="Consolas" panose="020B0609020204030204" pitchFamily="49" charset="0"/>
+              </a:rPr>
+              <a:t>"Time spent processing request"</a:t>
+            </a:r>
+            <a:r>
+              <a:rPr lang="en-US" sz="1600" b="0">
+                <a:solidFill>
+                  <a:srgbClr val="D4D4D4"/>
+                </a:solidFill>
+                <a:effectLst/>
+                <a:latin typeface="Consolas" panose="020B0609020204030204" pitchFamily="49" charset="0"/>
+              </a:rPr>
+              <a:t>,</a:t>
             </a:r>
           </a:p>
           <a:p>
             <a:pPr marL="0" indent="0">
               <a:buNone/>
             </a:pPr>
+            <a:r>
+              <a:rPr lang="en-US" sz="1600" b="0">
+                <a:solidFill>
+                  <a:srgbClr val="D4D4D4"/>
+                </a:solidFill>
+                <a:effectLst/>
+                <a:latin typeface="Consolas" panose="020B0609020204030204" pitchFamily="49" charset="0"/>
+              </a:rPr>
+              <a:t>    [</a:t>
+            </a:r>
+            <a:r>
+              <a:rPr lang="en-US" sz="1600" b="0">
+                <a:solidFill>
+                  <a:srgbClr val="CE9178"/>
+                </a:solidFill>
+                <a:effectLst/>
+                <a:latin typeface="Consolas" panose="020B0609020204030204" pitchFamily="49" charset="0"/>
+              </a:rPr>
+              <a:t>"method"</a:t>
+            </a:r>
+            <a:r>
+              <a:rPr lang="en-US" sz="1600" b="0">
+                <a:solidFill>
+                  <a:srgbClr val="D4D4D4"/>
+                </a:solidFill>
+                <a:effectLst/>
+                <a:latin typeface="Consolas" panose="020B0609020204030204" pitchFamily="49" charset="0"/>
+              </a:rPr>
+              <a:t>, </a:t>
+            </a:r>
+            <a:r>
+              <a:rPr lang="en-US" sz="1600" b="0">
+                <a:solidFill>
+                  <a:srgbClr val="CE9178"/>
+                </a:solidFill>
+                <a:effectLst/>
+                <a:latin typeface="Consolas" panose="020B0609020204030204" pitchFamily="49" charset="0"/>
+              </a:rPr>
+              <a:t>"endpoint"</a:t>
+            </a:r>
+            <a:r>
+              <a:rPr lang="en-US" sz="1600" b="0">
+                <a:solidFill>
+                  <a:srgbClr val="D4D4D4"/>
+                </a:solidFill>
+                <a:effectLst/>
+                <a:latin typeface="Consolas" panose="020B0609020204030204" pitchFamily="49" charset="0"/>
+              </a:rPr>
+              <a:t>],</a:t>
+            </a:r>
+          </a:p>
+          <a:p>
+            <a:pPr marL="0" indent="0">
+              <a:buNone/>
+            </a:pPr>
+            <a:r>
+              <a:rPr lang="en-US" sz="1600" b="0">
+                <a:solidFill>
+                  <a:srgbClr val="D4D4D4"/>
+                </a:solidFill>
+                <a:effectLst/>
+                <a:latin typeface="Consolas" panose="020B0609020204030204" pitchFamily="49" charset="0"/>
+              </a:rPr>
+              <a:t>)</a:t>
+            </a:r>
+          </a:p>
+          <a:p>
+            <a:pPr marL="0" indent="0">
+              <a:buNone/>
+            </a:pPr>
+            <a:r>
+              <a:rPr lang="en-US" sz="1600" b="0">
+                <a:solidFill>
+                  <a:srgbClr val="D4D4D4"/>
+                </a:solidFill>
+                <a:effectLst/>
+                <a:latin typeface="Consolas" panose="020B0609020204030204" pitchFamily="49" charset="0"/>
+              </a:rPr>
+              <a:t/>
+            </a:r>
+            <a:br>
+              <a:rPr lang="en-US" sz="1600" b="0">
+                <a:solidFill>
+                  <a:srgbClr val="D4D4D4"/>
+                </a:solidFill>
+                <a:effectLst/>
+                <a:latin typeface="Consolas" panose="020B0609020204030204" pitchFamily="49" charset="0"/>
+              </a:rPr>
+            </a:br>
+            <a:r>
+              <a:rPr lang="en-US" sz="1600" b="0">
+                <a:solidFill>
+                  <a:srgbClr val="4FC1FF"/>
+                </a:solidFill>
+                <a:effectLst/>
+                <a:latin typeface="Consolas" panose="020B0609020204030204" pitchFamily="49" charset="0"/>
+              </a:rPr>
+              <a:t>AVG_DDFC</a:t>
+            </a:r>
+            <a:r>
+              <a:rPr lang="en-US" sz="1600" b="0">
+                <a:solidFill>
+                  <a:srgbClr val="D4D4D4"/>
+                </a:solidFill>
+                <a:effectLst/>
+                <a:latin typeface="Consolas" panose="020B0609020204030204" pitchFamily="49" charset="0"/>
+              </a:rPr>
+              <a:t> = </a:t>
+            </a:r>
+            <a:r>
+              <a:rPr lang="en-US" sz="1600" b="0">
+                <a:solidFill>
+                  <a:srgbClr val="4EC9B0"/>
+                </a:solidFill>
+                <a:effectLst/>
+                <a:latin typeface="Consolas" panose="020B0609020204030204" pitchFamily="49" charset="0"/>
+              </a:rPr>
+              <a:t>Gauge</a:t>
+            </a:r>
+            <a:r>
+              <a:rPr lang="en-US" sz="1600" b="0">
+                <a:solidFill>
+                  <a:srgbClr val="D4D4D4"/>
+                </a:solidFill>
+                <a:effectLst/>
+                <a:latin typeface="Consolas" panose="020B0609020204030204" pitchFamily="49" charset="0"/>
+              </a:rPr>
+              <a:t>(</a:t>
+            </a:r>
+          </a:p>
+          <a:p>
+            <a:pPr marL="0" indent="0">
+              <a:buNone/>
+            </a:pPr>
+            <a:r>
+              <a:rPr lang="en-US" sz="1600" b="0">
+                <a:solidFill>
+                  <a:srgbClr val="D4D4D4"/>
+                </a:solidFill>
+                <a:effectLst/>
+                <a:latin typeface="Consolas" panose="020B0609020204030204" pitchFamily="49" charset="0"/>
+              </a:rPr>
+              <a:t>    </a:t>
+            </a:r>
+            <a:r>
+              <a:rPr lang="en-US" sz="1600" b="0">
+                <a:solidFill>
+                  <a:srgbClr val="CE9178"/>
+                </a:solidFill>
+                <a:effectLst/>
+                <a:latin typeface="Consolas" panose="020B0609020204030204" pitchFamily="49" charset="0"/>
+              </a:rPr>
+              <a:t>"avg_ddfc"</a:t>
+            </a:r>
+            <a:r>
+              <a:rPr lang="en-US" sz="1600" b="0">
+                <a:solidFill>
+                  <a:srgbClr val="D4D4D4"/>
+                </a:solidFill>
+                <a:effectLst/>
+                <a:latin typeface="Consolas" panose="020B0609020204030204" pitchFamily="49" charset="0"/>
+              </a:rPr>
+              <a:t>,</a:t>
+            </a:r>
+          </a:p>
+          <a:p>
+            <a:pPr marL="0" indent="0">
+              <a:buNone/>
+            </a:pPr>
+            <a:r>
+              <a:rPr lang="en-US" sz="1600" b="0">
+                <a:solidFill>
+                  <a:srgbClr val="D4D4D4"/>
+                </a:solidFill>
+                <a:effectLst/>
+                <a:latin typeface="Consolas" panose="020B0609020204030204" pitchFamily="49" charset="0"/>
+              </a:rPr>
+              <a:t>    </a:t>
+            </a:r>
+            <a:r>
+              <a:rPr lang="en-US" sz="1600" b="0">
+                <a:solidFill>
+                  <a:srgbClr val="CE9178"/>
+                </a:solidFill>
+                <a:effectLst/>
+                <a:latin typeface="Consolas" panose="020B0609020204030204" pitchFamily="49" charset="0"/>
+              </a:rPr>
+              <a:t>"Average of last 5 'delay detection following change' of the drift detector."</a:t>
+            </a:r>
+            <a:endParaRPr lang="en-US" sz="1600" b="0">
+              <a:solidFill>
+                <a:srgbClr val="D4D4D4"/>
+              </a:solidFill>
+              <a:effectLst/>
+              <a:latin typeface="Consolas" panose="020B0609020204030204" pitchFamily="49" charset="0"/>
+            </a:endParaRPr>
+          </a:p>
+          <a:p>
+            <a:pPr marL="0" indent="0">
+              <a:buNone/>
+            </a:pPr>
+            <a:r>
+              <a:rPr lang="en-US" sz="1600" b="0">
+                <a:solidFill>
+                  <a:srgbClr val="D4D4D4"/>
+                </a:solidFill>
+                <a:effectLst/>
+                <a:latin typeface="Consolas" panose="020B0609020204030204" pitchFamily="49" charset="0"/>
+              </a:rPr>
+              <a:t>)</a:t>
+            </a:r>
+          </a:p>
+          <a:p>
+            <a:pPr marL="0" indent="0">
+              <a:buNone/>
+            </a:pPr>
+            <a:r>
+              <a:rPr lang="en-US" sz="1600" b="0">
+                <a:solidFill>
+                  <a:srgbClr val="D4D4D4"/>
+                </a:solidFill>
+                <a:effectLst/>
+                <a:latin typeface="Consolas" panose="020B0609020204030204" pitchFamily="49" charset="0"/>
+              </a:rPr>
+              <a:t/>
+            </a:r>
+            <a:br>
+              <a:rPr lang="en-US" sz="1600" b="0">
+                <a:solidFill>
+                  <a:srgbClr val="D4D4D4"/>
+                </a:solidFill>
+                <a:effectLst/>
+                <a:latin typeface="Consolas" panose="020B0609020204030204" pitchFamily="49" charset="0"/>
+              </a:rPr>
+            </a:br>
+            <a:r>
+              <a:rPr lang="en-US" sz="1600" b="0">
+                <a:solidFill>
+                  <a:srgbClr val="9CDCFE"/>
+                </a:solidFill>
+                <a:effectLst/>
+                <a:latin typeface="Consolas" panose="020B0609020204030204" pitchFamily="49" charset="0"/>
+              </a:rPr>
+              <a:t>hist_img</a:t>
+            </a:r>
+            <a:r>
+              <a:rPr lang="en-US" sz="1600" b="0">
+                <a:solidFill>
+                  <a:srgbClr val="D4D4D4"/>
+                </a:solidFill>
+                <a:effectLst/>
+                <a:latin typeface="Consolas" panose="020B0609020204030204" pitchFamily="49" charset="0"/>
+              </a:rPr>
+              <a:t> = </a:t>
+            </a:r>
+            <a:r>
+              <a:rPr lang="en-US" sz="1600" b="0">
+                <a:solidFill>
+                  <a:srgbClr val="4EC9B0"/>
+                </a:solidFill>
+                <a:effectLst/>
+                <a:latin typeface="Consolas" panose="020B0609020204030204" pitchFamily="49" charset="0"/>
+              </a:rPr>
+              <a:t>Histogram</a:t>
+            </a:r>
+            <a:r>
+              <a:rPr lang="en-US" sz="1600" b="0">
+                <a:solidFill>
+                  <a:srgbClr val="D4D4D4"/>
+                </a:solidFill>
+                <a:effectLst/>
+                <a:latin typeface="Consolas" panose="020B0609020204030204" pitchFamily="49" charset="0"/>
+              </a:rPr>
+              <a:t>(</a:t>
+            </a:r>
+          </a:p>
+          <a:p>
+            <a:pPr marL="0" indent="0">
+              <a:buNone/>
+            </a:pPr>
+            <a:r>
+              <a:rPr lang="en-US" sz="1600" b="0">
+                <a:solidFill>
+                  <a:srgbClr val="D4D4D4"/>
+                </a:solidFill>
+                <a:effectLst/>
+                <a:latin typeface="Consolas" panose="020B0609020204030204" pitchFamily="49" charset="0"/>
+              </a:rPr>
+              <a:t>    </a:t>
+            </a:r>
+            <a:r>
+              <a:rPr lang="en-US" sz="1600" b="0">
+                <a:solidFill>
+                  <a:srgbClr val="CE9178"/>
+                </a:solidFill>
+                <a:effectLst/>
+                <a:latin typeface="Consolas" panose="020B0609020204030204" pitchFamily="49" charset="0"/>
+              </a:rPr>
+              <a:t>"img_size"</a:t>
+            </a:r>
+            <a:r>
+              <a:rPr lang="en-US" sz="1600" b="0">
+                <a:solidFill>
+                  <a:srgbClr val="D4D4D4"/>
+                </a:solidFill>
+                <a:effectLst/>
+                <a:latin typeface="Consolas" panose="020B0609020204030204" pitchFamily="49" charset="0"/>
+              </a:rPr>
+              <a:t>,</a:t>
+            </a:r>
+          </a:p>
+          <a:p>
+            <a:pPr marL="0" indent="0">
+              <a:buNone/>
+            </a:pPr>
+            <a:r>
+              <a:rPr lang="en-US" sz="1600" b="0">
+                <a:solidFill>
+                  <a:srgbClr val="D4D4D4"/>
+                </a:solidFill>
+                <a:effectLst/>
+                <a:latin typeface="Consolas" panose="020B0609020204030204" pitchFamily="49" charset="0"/>
+              </a:rPr>
+              <a:t>    </a:t>
+            </a:r>
+            <a:r>
+              <a:rPr lang="en-US" sz="1600" b="0">
+                <a:solidFill>
+                  <a:srgbClr val="CE9178"/>
+                </a:solidFill>
+                <a:effectLst/>
+                <a:latin typeface="Consolas" panose="020B0609020204030204" pitchFamily="49" charset="0"/>
+              </a:rPr>
+              <a:t>"Histogram for tracking the size of the images"</a:t>
+            </a:r>
+            <a:r>
+              <a:rPr lang="en-US" sz="1600" b="0">
+                <a:solidFill>
+                  <a:srgbClr val="D4D4D4"/>
+                </a:solidFill>
+                <a:effectLst/>
+                <a:latin typeface="Consolas" panose="020B0609020204030204" pitchFamily="49" charset="0"/>
+              </a:rPr>
+              <a:t>,</a:t>
+            </a:r>
+          </a:p>
+          <a:p>
+            <a:pPr marL="0" indent="0">
+              <a:buNone/>
+            </a:pPr>
+            <a:r>
+              <a:rPr lang="en-US" sz="1600" b="0">
+                <a:solidFill>
+                  <a:srgbClr val="D4D4D4"/>
+                </a:solidFill>
+                <a:effectLst/>
+                <a:latin typeface="Consolas" panose="020B0609020204030204" pitchFamily="49" charset="0"/>
+              </a:rPr>
+              <a:t>    </a:t>
+            </a:r>
+            <a:r>
+              <a:rPr lang="en-US" sz="1600" b="0">
+                <a:solidFill>
+                  <a:srgbClr val="9CDCFE"/>
+                </a:solidFill>
+                <a:effectLst/>
+                <a:latin typeface="Consolas" panose="020B0609020204030204" pitchFamily="49" charset="0"/>
+              </a:rPr>
+              <a:t>buckets</a:t>
+            </a:r>
+            <a:r>
+              <a:rPr lang="en-US" sz="1600" b="0">
+                <a:solidFill>
+                  <a:srgbClr val="D4D4D4"/>
+                </a:solidFill>
+                <a:effectLst/>
+                <a:latin typeface="Consolas" panose="020B0609020204030204" pitchFamily="49" charset="0"/>
+              </a:rPr>
+              <a:t>=[</a:t>
+            </a:r>
+            <a:r>
+              <a:rPr lang="en-US" sz="1600" b="0">
+                <a:solidFill>
+                  <a:srgbClr val="B5CEA8"/>
+                </a:solidFill>
+                <a:effectLst/>
+                <a:latin typeface="Consolas" panose="020B0609020204030204" pitchFamily="49" charset="0"/>
+              </a:rPr>
+              <a:t>100</a:t>
+            </a:r>
+            <a:r>
+              <a:rPr lang="en-US" sz="1600" b="0">
+                <a:solidFill>
+                  <a:srgbClr val="D4D4D4"/>
+                </a:solidFill>
+                <a:effectLst/>
+                <a:latin typeface="Consolas" panose="020B0609020204030204" pitchFamily="49" charset="0"/>
+              </a:rPr>
+              <a:t>,</a:t>
+            </a:r>
+            <a:r>
+              <a:rPr lang="en-US" sz="1600" b="0">
+                <a:solidFill>
+                  <a:srgbClr val="B5CEA8"/>
+                </a:solidFill>
+                <a:effectLst/>
+                <a:latin typeface="Consolas" panose="020B0609020204030204" pitchFamily="49" charset="0"/>
+              </a:rPr>
+              <a:t>200</a:t>
+            </a:r>
+            <a:r>
+              <a:rPr lang="en-US" sz="1600" b="0">
+                <a:solidFill>
+                  <a:srgbClr val="D4D4D4"/>
+                </a:solidFill>
+                <a:effectLst/>
+                <a:latin typeface="Consolas" panose="020B0609020204030204" pitchFamily="49" charset="0"/>
+              </a:rPr>
+              <a:t>,</a:t>
+            </a:r>
+            <a:r>
+              <a:rPr lang="en-US" sz="1600" b="0">
+                <a:solidFill>
+                  <a:srgbClr val="B5CEA8"/>
+                </a:solidFill>
+                <a:effectLst/>
+                <a:latin typeface="Consolas" panose="020B0609020204030204" pitchFamily="49" charset="0"/>
+              </a:rPr>
+              <a:t>300</a:t>
+            </a:r>
+            <a:r>
+              <a:rPr lang="en-US" sz="1600" b="0">
+                <a:solidFill>
+                  <a:srgbClr val="D4D4D4"/>
+                </a:solidFill>
+                <a:effectLst/>
+                <a:latin typeface="Consolas" panose="020B0609020204030204" pitchFamily="49" charset="0"/>
+              </a:rPr>
+              <a:t>,</a:t>
+            </a:r>
+            <a:r>
+              <a:rPr lang="en-US" sz="1600" b="0">
+                <a:solidFill>
+                  <a:srgbClr val="B5CEA8"/>
+                </a:solidFill>
+                <a:effectLst/>
+                <a:latin typeface="Consolas" panose="020B0609020204030204" pitchFamily="49" charset="0"/>
+              </a:rPr>
+              <a:t>400</a:t>
+            </a:r>
+            <a:r>
+              <a:rPr lang="en-US" sz="1600" b="0">
+                <a:solidFill>
+                  <a:srgbClr val="D4D4D4"/>
+                </a:solidFill>
+                <a:effectLst/>
+                <a:latin typeface="Consolas" panose="020B0609020204030204" pitchFamily="49" charset="0"/>
+              </a:rPr>
+              <a:t>,</a:t>
+            </a:r>
+            <a:r>
+              <a:rPr lang="en-US" sz="1600" b="0">
+                <a:solidFill>
+                  <a:srgbClr val="B5CEA8"/>
+                </a:solidFill>
+                <a:effectLst/>
+                <a:latin typeface="Consolas" panose="020B0609020204030204" pitchFamily="49" charset="0"/>
+              </a:rPr>
+              <a:t>500</a:t>
+            </a:r>
+            <a:r>
+              <a:rPr lang="en-US" sz="1600" b="0">
+                <a:solidFill>
+                  <a:srgbClr val="D4D4D4"/>
+                </a:solidFill>
+                <a:effectLst/>
+                <a:latin typeface="Consolas" panose="020B0609020204030204" pitchFamily="49" charset="0"/>
+              </a:rPr>
+              <a:t>,</a:t>
+            </a:r>
+            <a:r>
+              <a:rPr lang="en-US" sz="1600" b="0">
+                <a:solidFill>
+                  <a:srgbClr val="B5CEA8"/>
+                </a:solidFill>
+                <a:effectLst/>
+                <a:latin typeface="Consolas" panose="020B0609020204030204" pitchFamily="49" charset="0"/>
+              </a:rPr>
+              <a:t>600</a:t>
+            </a:r>
+            <a:r>
+              <a:rPr lang="en-US" sz="1600" b="0">
+                <a:solidFill>
+                  <a:srgbClr val="D4D4D4"/>
+                </a:solidFill>
+                <a:effectLst/>
+                <a:latin typeface="Consolas" panose="020B0609020204030204" pitchFamily="49" charset="0"/>
+              </a:rPr>
+              <a:t>,</a:t>
+            </a:r>
+            <a:r>
+              <a:rPr lang="en-US" sz="1600" b="0">
+                <a:solidFill>
+                  <a:srgbClr val="B5CEA8"/>
+                </a:solidFill>
+                <a:effectLst/>
+                <a:latin typeface="Consolas" panose="020B0609020204030204" pitchFamily="49" charset="0"/>
+              </a:rPr>
+              <a:t>700</a:t>
+            </a:r>
+            <a:r>
+              <a:rPr lang="en-US" sz="1600" b="0">
+                <a:solidFill>
+                  <a:srgbClr val="D4D4D4"/>
+                </a:solidFill>
+                <a:effectLst/>
+                <a:latin typeface="Consolas" panose="020B0609020204030204" pitchFamily="49" charset="0"/>
+              </a:rPr>
+              <a:t>,</a:t>
+            </a:r>
+            <a:r>
+              <a:rPr lang="en-US" sz="1600" b="0">
+                <a:solidFill>
+                  <a:srgbClr val="B5CEA8"/>
+                </a:solidFill>
+                <a:effectLst/>
+                <a:latin typeface="Consolas" panose="020B0609020204030204" pitchFamily="49" charset="0"/>
+              </a:rPr>
+              <a:t>800</a:t>
+            </a:r>
+            <a:r>
+              <a:rPr lang="en-US" sz="1600" b="0">
+                <a:solidFill>
+                  <a:srgbClr val="D4D4D4"/>
+                </a:solidFill>
+                <a:effectLst/>
+                <a:latin typeface="Consolas" panose="020B0609020204030204" pitchFamily="49" charset="0"/>
+              </a:rPr>
+              <a:t>,</a:t>
+            </a:r>
+            <a:r>
+              <a:rPr lang="en-US" sz="1600" b="0">
+                <a:solidFill>
+                  <a:srgbClr val="B5CEA8"/>
+                </a:solidFill>
+                <a:effectLst/>
+                <a:latin typeface="Consolas" panose="020B0609020204030204" pitchFamily="49" charset="0"/>
+              </a:rPr>
+              <a:t>900</a:t>
+            </a:r>
+            <a:r>
+              <a:rPr lang="en-US" sz="1600" b="0">
+                <a:solidFill>
+                  <a:srgbClr val="D4D4D4"/>
+                </a:solidFill>
+                <a:effectLst/>
+                <a:latin typeface="Consolas" panose="020B0609020204030204" pitchFamily="49" charset="0"/>
+              </a:rPr>
+              <a:t>,</a:t>
+            </a:r>
+            <a:r>
+              <a:rPr lang="en-US" sz="1600" b="0">
+                <a:solidFill>
+                  <a:srgbClr val="B5CEA8"/>
+                </a:solidFill>
+                <a:effectLst/>
+                <a:latin typeface="Consolas" panose="020B0609020204030204" pitchFamily="49" charset="0"/>
+              </a:rPr>
+              <a:t>1000</a:t>
+            </a:r>
+            <a:r>
+              <a:rPr lang="en-US" sz="1600" b="0">
+                <a:solidFill>
+                  <a:srgbClr val="D4D4D4"/>
+                </a:solidFill>
+                <a:effectLst/>
+                <a:latin typeface="Consolas" panose="020B0609020204030204" pitchFamily="49" charset="0"/>
+              </a:rPr>
+              <a:t>]</a:t>
+            </a:r>
+          </a:p>
+          <a:p>
+            <a:pPr marL="0" indent="0">
+              <a:buNone/>
+            </a:pPr>
+            <a:r>
+              <a:rPr lang="en-US" sz="1600" b="0">
+                <a:solidFill>
+                  <a:srgbClr val="D4D4D4"/>
+                </a:solidFill>
+                <a:effectLst/>
+                <a:latin typeface="Consolas" panose="020B0609020204030204" pitchFamily="49" charset="0"/>
+              </a:rPr>
+              <a:t>)</a:t>
+            </a:r>
             <a:endParaRPr lang="it-IT" sz="2400" b="0">
               <a:effectLst/>
               <a:latin typeface="Roboto" panose="02000000000000000000" pitchFamily="2" charset="0"/>
@@ -7688,548 +11745,10 @@
       </p:sp>
       <p:sp>
         <p:nvSpPr>
-          <p:cNvPr id="3" name="Rectangle 1">
+          <p:cNvPr id="6" name="CasellaDiTesto 5">
             <a:extLst>
               <a:ext uri="{FF2B5EF4-FFF2-40B4-BE49-F238E27FC236}">
-                <a16:creationId xmlns:a16="http://schemas.microsoft.com/office/drawing/2014/main" id="{D0B8A63D-66FB-78CA-5452-631EA1C95E61}"/>
-              </a:ext>
-            </a:extLst>
-          </p:cNvPr>
-          <p:cNvSpPr>
-            <a:spLocks noChangeArrowheads="1"/>
-          </p:cNvSpPr>
-          <p:nvPr/>
-        </p:nvSpPr>
-        <p:spPr bwMode="auto">
-          <a:xfrm>
-            <a:off x="706844" y="2425184"/>
-            <a:ext cx="10874837" cy="2400657"/>
-          </a:xfrm>
-          <a:prstGeom prst="rect">
-            <a:avLst/>
-          </a:prstGeom>
-          <a:noFill/>
-          <a:ln>
-            <a:noFill/>
-          </a:ln>
-          <a:effectLst/>
-        </p:spPr>
-        <p:txBody>
-          <a:bodyPr vert="horz" wrap="none" lIns="0" tIns="0" rIns="0" bIns="0" numCol="1" anchor="ctr" anchorCtr="0" compatLnSpc="1">
-            <a:prstTxWarp prst="textNoShape">
-              <a:avLst/>
-            </a:prstTxWarp>
-            <a:spAutoFit/>
-          </a:bodyPr>
-          <a:lstStyle/>
-          <a:p>
-            <a:pPr marL="0" marR="0" lvl="0" indent="0" algn="l" defTabSz="914400" rtl="0" eaLnBrk="0" fontAlgn="base" latinLnBrk="0" hangingPunct="0">
-              <a:lnSpc>
-                <a:spcPct val="100000"/>
-              </a:lnSpc>
-              <a:spcBef>
-                <a:spcPct val="0"/>
-              </a:spcBef>
-              <a:spcAft>
-                <a:spcPct val="0"/>
-              </a:spcAft>
-              <a:buClrTx/>
-              <a:buSzTx/>
-              <a:buFontTx/>
-              <a:buNone/>
-              <a:tabLst/>
-            </a:pPr>
-            <a:r>
-              <a:rPr kumimoji="0" lang="it-IT" altLang="it-IT" sz="2400" i="0" u="none" strike="noStrike" cap="none" normalizeH="0" baseline="0">
-                <a:ln>
-                  <a:noFill/>
-                </a:ln>
-                <a:effectLst/>
-                <a:latin typeface="-apple-system"/>
-              </a:rPr>
-              <a:t>With this, your FastAPI is instrumented and metrics are ready to be scraped. </a:t>
-            </a:r>
-          </a:p>
-          <a:p>
-            <a:pPr marL="0" marR="0" lvl="0" indent="0" algn="l" defTabSz="914400" rtl="0" eaLnBrk="0" fontAlgn="base" latinLnBrk="0" hangingPunct="0">
-              <a:lnSpc>
-                <a:spcPct val="100000"/>
-              </a:lnSpc>
-              <a:spcBef>
-                <a:spcPct val="0"/>
-              </a:spcBef>
-              <a:spcAft>
-                <a:spcPct val="0"/>
-              </a:spcAft>
-              <a:buClrTx/>
-              <a:buSzTx/>
-              <a:buFontTx/>
-              <a:buNone/>
-              <a:tabLst/>
-            </a:pPr>
-            <a:r>
-              <a:rPr kumimoji="0" lang="it-IT" altLang="it-IT" sz="2400" i="0" u="none" strike="noStrike" cap="none" normalizeH="0" baseline="0">
-                <a:ln>
-                  <a:noFill/>
-                </a:ln>
-                <a:effectLst/>
-                <a:latin typeface="-apple-system"/>
-              </a:rPr>
-              <a:t>The defaults give you:</a:t>
-            </a:r>
-            <a:endParaRPr kumimoji="0" lang="it-IT" altLang="it-IT" sz="2400" i="0" u="none" strike="noStrike" cap="none" normalizeH="0" baseline="0">
-              <a:ln>
-                <a:noFill/>
-              </a:ln>
-              <a:effectLst/>
-            </a:endParaRPr>
-          </a:p>
-          <a:p>
-            <a:pPr marL="0" marR="0" lvl="0" indent="0" algn="l" defTabSz="914400" rtl="0" eaLnBrk="0" fontAlgn="base" latinLnBrk="0" hangingPunct="0">
-              <a:lnSpc>
-                <a:spcPct val="100000"/>
-              </a:lnSpc>
-              <a:spcBef>
-                <a:spcPct val="0"/>
-              </a:spcBef>
-              <a:spcAft>
-                <a:spcPct val="0"/>
-              </a:spcAft>
-              <a:buClrTx/>
-              <a:buSzTx/>
-              <a:buFontTx/>
-              <a:buChar char="•"/>
-              <a:tabLst/>
-            </a:pPr>
-            <a:r>
-              <a:rPr kumimoji="0" lang="it-IT" altLang="it-IT" i="0" u="none" strike="noStrike" cap="none" normalizeH="0" baseline="0">
-                <a:ln>
-                  <a:noFill/>
-                </a:ln>
-                <a:effectLst/>
-                <a:latin typeface="-apple-system"/>
-              </a:rPr>
-              <a:t>Counter </a:t>
-            </a:r>
-            <a:r>
-              <a:rPr kumimoji="0" lang="it-IT" altLang="it-IT" b="1" i="0" u="none" strike="noStrike" cap="none" normalizeH="0" baseline="0">
-                <a:ln>
-                  <a:noFill/>
-                </a:ln>
-                <a:effectLst/>
-                <a:latin typeface="ui-monospace"/>
-              </a:rPr>
-              <a:t>http_requests_total</a:t>
-            </a:r>
-            <a:r>
-              <a:rPr kumimoji="0" lang="it-IT" altLang="it-IT" b="1" i="0" u="none" strike="noStrike" cap="none" normalizeH="0" baseline="0">
-                <a:ln>
-                  <a:noFill/>
-                </a:ln>
-                <a:effectLst/>
-                <a:latin typeface="-apple-system"/>
-              </a:rPr>
-              <a:t> </a:t>
-            </a:r>
-            <a:r>
-              <a:rPr kumimoji="0" lang="it-IT" altLang="it-IT" i="0" u="none" strike="noStrike" cap="none" normalizeH="0" baseline="0">
-                <a:ln>
-                  <a:noFill/>
-                </a:ln>
-                <a:effectLst/>
-                <a:latin typeface="-apple-system"/>
-              </a:rPr>
-              <a:t>with </a:t>
-            </a:r>
-            <a:r>
-              <a:rPr kumimoji="0" lang="it-IT" altLang="it-IT" i="0" u="none" strike="noStrike" cap="none" normalizeH="0" baseline="0">
-                <a:ln>
-                  <a:noFill/>
-                </a:ln>
-                <a:effectLst/>
-                <a:latin typeface="ui-monospace"/>
-              </a:rPr>
-              <a:t>handler</a:t>
-            </a:r>
-            <a:r>
-              <a:rPr kumimoji="0" lang="it-IT" altLang="it-IT" i="0" u="none" strike="noStrike" cap="none" normalizeH="0" baseline="0">
-                <a:ln>
-                  <a:noFill/>
-                </a:ln>
-                <a:effectLst/>
-                <a:latin typeface="-apple-system"/>
-              </a:rPr>
-              <a:t>, </a:t>
-            </a:r>
-            <a:r>
-              <a:rPr kumimoji="0" lang="it-IT" altLang="it-IT" i="0" u="none" strike="noStrike" cap="none" normalizeH="0" baseline="0">
-                <a:ln>
-                  <a:noFill/>
-                </a:ln>
-                <a:effectLst/>
-                <a:latin typeface="ui-monospace"/>
-              </a:rPr>
-              <a:t>status</a:t>
-            </a:r>
-            <a:r>
-              <a:rPr kumimoji="0" lang="it-IT" altLang="it-IT" i="0" u="none" strike="noStrike" cap="none" normalizeH="0" baseline="0">
-                <a:ln>
-                  <a:noFill/>
-                </a:ln>
-                <a:effectLst/>
-                <a:latin typeface="-apple-system"/>
-              </a:rPr>
-              <a:t> and </a:t>
-            </a:r>
-            <a:r>
-              <a:rPr kumimoji="0" lang="it-IT" altLang="it-IT" i="0" u="none" strike="noStrike" cap="none" normalizeH="0" baseline="0">
-                <a:ln>
-                  <a:noFill/>
-                </a:ln>
-                <a:effectLst/>
-                <a:latin typeface="ui-monospace"/>
-              </a:rPr>
-              <a:t>method</a:t>
-            </a:r>
-            <a:r>
-              <a:rPr kumimoji="0" lang="it-IT" altLang="it-IT" i="0" u="none" strike="noStrike" cap="none" normalizeH="0" baseline="0">
-                <a:ln>
-                  <a:noFill/>
-                </a:ln>
-                <a:effectLst/>
-                <a:latin typeface="-apple-system"/>
-              </a:rPr>
-              <a:t>. Total number of requests.</a:t>
-            </a:r>
-          </a:p>
-          <a:p>
-            <a:pPr marL="0" marR="0" lvl="0" indent="0" algn="l" defTabSz="914400" rtl="0" eaLnBrk="0" fontAlgn="base" latinLnBrk="0" hangingPunct="0">
-              <a:lnSpc>
-                <a:spcPct val="100000"/>
-              </a:lnSpc>
-              <a:spcBef>
-                <a:spcPct val="0"/>
-              </a:spcBef>
-              <a:spcAft>
-                <a:spcPct val="0"/>
-              </a:spcAft>
-              <a:buClrTx/>
-              <a:buSzTx/>
-              <a:buFontTx/>
-              <a:buChar char="•"/>
-              <a:tabLst/>
-            </a:pPr>
-            <a:r>
-              <a:rPr kumimoji="0" lang="it-IT" altLang="it-IT" i="0" u="none" strike="noStrike" cap="none" normalizeH="0" baseline="0">
-                <a:ln>
-                  <a:noFill/>
-                </a:ln>
-                <a:effectLst/>
-                <a:latin typeface="-apple-system"/>
-              </a:rPr>
-              <a:t>Summary </a:t>
-            </a:r>
-            <a:r>
-              <a:rPr kumimoji="0" lang="it-IT" altLang="it-IT" b="1" i="0" u="none" strike="noStrike" cap="none" normalizeH="0" baseline="0">
-                <a:ln>
-                  <a:noFill/>
-                </a:ln>
-                <a:effectLst/>
-                <a:latin typeface="ui-monospace"/>
-              </a:rPr>
-              <a:t>http_request_size_bytes</a:t>
-            </a:r>
-            <a:r>
-              <a:rPr kumimoji="0" lang="it-IT" altLang="it-IT" b="1" i="0" u="none" strike="noStrike" cap="none" normalizeH="0" baseline="0">
-                <a:ln>
-                  <a:noFill/>
-                </a:ln>
-                <a:effectLst/>
-                <a:latin typeface="-apple-system"/>
-              </a:rPr>
-              <a:t> </a:t>
-            </a:r>
-            <a:r>
-              <a:rPr kumimoji="0" lang="it-IT" altLang="it-IT" i="0" u="none" strike="noStrike" cap="none" normalizeH="0" baseline="0">
-                <a:ln>
-                  <a:noFill/>
-                </a:ln>
-                <a:effectLst/>
-                <a:latin typeface="-apple-system"/>
-              </a:rPr>
-              <a:t>with </a:t>
-            </a:r>
-            <a:r>
-              <a:rPr kumimoji="0" lang="it-IT" altLang="it-IT" i="0" u="none" strike="noStrike" cap="none" normalizeH="0" baseline="0">
-                <a:ln>
-                  <a:noFill/>
-                </a:ln>
-                <a:effectLst/>
-                <a:latin typeface="ui-monospace"/>
-              </a:rPr>
-              <a:t>handler</a:t>
-            </a:r>
-            <a:r>
-              <a:rPr kumimoji="0" lang="it-IT" altLang="it-IT" i="0" u="none" strike="noStrike" cap="none" normalizeH="0" baseline="0">
-                <a:ln>
-                  <a:noFill/>
-                </a:ln>
-                <a:effectLst/>
-                <a:latin typeface="-apple-system"/>
-              </a:rPr>
-              <a:t>. Added up total of the content lengths of all incoming requests.</a:t>
-            </a:r>
-          </a:p>
-          <a:p>
-            <a:pPr marL="0" marR="0" lvl="0" indent="0" algn="l" defTabSz="914400" rtl="0" eaLnBrk="0" fontAlgn="base" latinLnBrk="0" hangingPunct="0">
-              <a:lnSpc>
-                <a:spcPct val="100000"/>
-              </a:lnSpc>
-              <a:spcBef>
-                <a:spcPct val="0"/>
-              </a:spcBef>
-              <a:spcAft>
-                <a:spcPct val="0"/>
-              </a:spcAft>
-              <a:buClrTx/>
-              <a:buSzTx/>
-              <a:buFontTx/>
-              <a:buChar char="•"/>
-              <a:tabLst/>
-            </a:pPr>
-            <a:r>
-              <a:rPr kumimoji="0" lang="it-IT" altLang="it-IT" i="0" u="none" strike="noStrike" cap="none" normalizeH="0" baseline="0">
-                <a:ln>
-                  <a:noFill/>
-                </a:ln>
-                <a:effectLst/>
-                <a:latin typeface="-apple-system"/>
-              </a:rPr>
-              <a:t>Summary </a:t>
-            </a:r>
-            <a:r>
-              <a:rPr kumimoji="0" lang="it-IT" altLang="it-IT" b="1" i="0" u="none" strike="noStrike" cap="none" normalizeH="0" baseline="0">
-                <a:ln>
-                  <a:noFill/>
-                </a:ln>
-                <a:effectLst/>
-                <a:latin typeface="ui-monospace"/>
-              </a:rPr>
-              <a:t>http_response_size_bytes</a:t>
-            </a:r>
-            <a:r>
-              <a:rPr kumimoji="0" lang="it-IT" altLang="it-IT" b="1" i="0" u="none" strike="noStrike" cap="none" normalizeH="0" baseline="0">
-                <a:ln>
-                  <a:noFill/>
-                </a:ln>
-                <a:effectLst/>
-                <a:latin typeface="-apple-system"/>
-              </a:rPr>
-              <a:t> </a:t>
-            </a:r>
-            <a:r>
-              <a:rPr kumimoji="0" lang="it-IT" altLang="it-IT" i="0" u="none" strike="noStrike" cap="none" normalizeH="0" baseline="0">
-                <a:ln>
-                  <a:noFill/>
-                </a:ln>
-                <a:effectLst/>
-                <a:latin typeface="-apple-system"/>
-              </a:rPr>
-              <a:t>with </a:t>
-            </a:r>
-            <a:r>
-              <a:rPr kumimoji="0" lang="it-IT" altLang="it-IT" i="0" u="none" strike="noStrike" cap="none" normalizeH="0" baseline="0">
-                <a:ln>
-                  <a:noFill/>
-                </a:ln>
-                <a:effectLst/>
-                <a:latin typeface="ui-monospace"/>
-              </a:rPr>
-              <a:t>handler</a:t>
-            </a:r>
-            <a:r>
-              <a:rPr kumimoji="0" lang="it-IT" altLang="it-IT" i="0" u="none" strike="noStrike" cap="none" normalizeH="0" baseline="0">
-                <a:ln>
-                  <a:noFill/>
-                </a:ln>
-                <a:effectLst/>
-                <a:latin typeface="-apple-system"/>
-              </a:rPr>
-              <a:t>. Added up total of the content lengths of all outgoing responses.</a:t>
-            </a:r>
-          </a:p>
-          <a:p>
-            <a:pPr marL="0" marR="0" lvl="0" indent="0" algn="l" defTabSz="914400" rtl="0" eaLnBrk="0" fontAlgn="base" latinLnBrk="0" hangingPunct="0">
-              <a:lnSpc>
-                <a:spcPct val="100000"/>
-              </a:lnSpc>
-              <a:spcBef>
-                <a:spcPct val="0"/>
-              </a:spcBef>
-              <a:spcAft>
-                <a:spcPct val="0"/>
-              </a:spcAft>
-              <a:buClrTx/>
-              <a:buSzTx/>
-              <a:buFontTx/>
-              <a:buChar char="•"/>
-              <a:tabLst/>
-            </a:pPr>
-            <a:r>
-              <a:rPr kumimoji="0" lang="it-IT" altLang="it-IT" i="0" u="none" strike="noStrike" cap="none" normalizeH="0" baseline="0">
-                <a:ln>
-                  <a:noFill/>
-                </a:ln>
-                <a:effectLst/>
-                <a:latin typeface="-apple-system"/>
-              </a:rPr>
-              <a:t>Histogram </a:t>
-            </a:r>
-            <a:r>
-              <a:rPr kumimoji="0" lang="it-IT" altLang="it-IT" b="1" i="0" u="none" strike="noStrike" cap="none" normalizeH="0" baseline="0">
-                <a:ln>
-                  <a:noFill/>
-                </a:ln>
-                <a:effectLst/>
-                <a:latin typeface="ui-monospace"/>
-              </a:rPr>
-              <a:t>http_request_duration_seconds</a:t>
-            </a:r>
-            <a:r>
-              <a:rPr kumimoji="0" lang="it-IT" altLang="it-IT" b="1" i="0" u="none" strike="noStrike" cap="none" normalizeH="0" baseline="0">
-                <a:ln>
-                  <a:noFill/>
-                </a:ln>
-                <a:effectLst/>
-                <a:latin typeface="-apple-system"/>
-              </a:rPr>
-              <a:t> </a:t>
-            </a:r>
-            <a:r>
-              <a:rPr kumimoji="0" lang="it-IT" altLang="it-IT" i="0" u="none" strike="noStrike" cap="none" normalizeH="0" baseline="0">
-                <a:ln>
-                  <a:noFill/>
-                </a:ln>
-                <a:effectLst/>
-                <a:latin typeface="-apple-system"/>
-              </a:rPr>
-              <a:t>with </a:t>
-            </a:r>
-            <a:r>
-              <a:rPr kumimoji="0" lang="it-IT" altLang="it-IT" i="0" u="none" strike="noStrike" cap="none" normalizeH="0" baseline="0">
-                <a:ln>
-                  <a:noFill/>
-                </a:ln>
-                <a:effectLst/>
-                <a:latin typeface="ui-monospace"/>
-              </a:rPr>
-              <a:t>handler</a:t>
-            </a:r>
-            <a:r>
-              <a:rPr kumimoji="0" lang="it-IT" altLang="it-IT" i="0" u="none" strike="noStrike" cap="none" normalizeH="0" baseline="0">
-                <a:ln>
-                  <a:noFill/>
-                </a:ln>
-                <a:effectLst/>
-                <a:latin typeface="-apple-system"/>
-              </a:rPr>
-              <a:t>. Only a few buckets to keep cardinality low.</a:t>
-            </a:r>
-          </a:p>
-          <a:p>
-            <a:pPr marL="0" marR="0" lvl="0" indent="0" algn="l" defTabSz="914400" rtl="0" eaLnBrk="0" fontAlgn="base" latinLnBrk="0" hangingPunct="0">
-              <a:lnSpc>
-                <a:spcPct val="100000"/>
-              </a:lnSpc>
-              <a:spcBef>
-                <a:spcPct val="0"/>
-              </a:spcBef>
-              <a:spcAft>
-                <a:spcPct val="0"/>
-              </a:spcAft>
-              <a:buClrTx/>
-              <a:buSzTx/>
-              <a:buFontTx/>
-              <a:buChar char="•"/>
-              <a:tabLst/>
-            </a:pPr>
-            <a:r>
-              <a:rPr kumimoji="0" lang="it-IT" altLang="it-IT" i="0" u="none" strike="noStrike" cap="none" normalizeH="0" baseline="0">
-                <a:ln>
-                  <a:noFill/>
-                </a:ln>
-                <a:effectLst/>
-                <a:latin typeface="-apple-system"/>
-              </a:rPr>
-              <a:t>Histogram </a:t>
-            </a:r>
-            <a:r>
-              <a:rPr kumimoji="0" lang="it-IT" altLang="it-IT" b="1" i="0" u="none" strike="noStrike" cap="none" normalizeH="0" baseline="0">
-                <a:ln>
-                  <a:noFill/>
-                </a:ln>
-                <a:effectLst/>
-                <a:latin typeface="ui-monospace"/>
-              </a:rPr>
-              <a:t>http_request_duration_highr_seconds</a:t>
-            </a:r>
-            <a:r>
-              <a:rPr kumimoji="0" lang="it-IT" altLang="it-IT" b="1" i="0" u="none" strike="noStrike" cap="none" normalizeH="0" baseline="0">
-                <a:ln>
-                  <a:noFill/>
-                </a:ln>
-                <a:effectLst/>
-                <a:latin typeface="-apple-system"/>
-              </a:rPr>
-              <a:t> </a:t>
-            </a:r>
-            <a:r>
-              <a:rPr kumimoji="0" lang="it-IT" altLang="it-IT" i="0" u="none" strike="noStrike" cap="none" normalizeH="0" baseline="0">
-                <a:ln>
-                  <a:noFill/>
-                </a:ln>
-                <a:effectLst/>
-                <a:latin typeface="-apple-system"/>
-              </a:rPr>
-              <a:t>without any labels. Large number of buckets (&gt;20).</a:t>
-            </a:r>
-          </a:p>
-          <a:p>
-            <a:pPr marL="0" marR="0" lvl="0" indent="0" algn="l" defTabSz="914400" rtl="0" eaLnBrk="0" fontAlgn="base" latinLnBrk="0" hangingPunct="0">
-              <a:lnSpc>
-                <a:spcPct val="100000"/>
-              </a:lnSpc>
-              <a:spcBef>
-                <a:spcPct val="0"/>
-              </a:spcBef>
-              <a:spcAft>
-                <a:spcPct val="0"/>
-              </a:spcAft>
-              <a:buClrTx/>
-              <a:buSzTx/>
-              <a:buFontTx/>
-              <a:buNone/>
-              <a:tabLst/>
-            </a:pPr>
-            <a:endParaRPr kumimoji="0" lang="it-IT" altLang="it-IT" sz="1800" b="0" i="0" u="none" strike="noStrike" cap="none" normalizeH="0" baseline="0">
-              <a:ln>
-                <a:noFill/>
-              </a:ln>
-              <a:solidFill>
-                <a:schemeClr val="tx1"/>
-              </a:solidFill>
-              <a:effectLst/>
-              <a:latin typeface="Arial" panose="020B0604020202020204" pitchFamily="34" charset="0"/>
-            </a:endParaRPr>
-          </a:p>
-        </p:txBody>
-      </p:sp>
-      <p:sp>
-        <p:nvSpPr>
-          <p:cNvPr id="5" name="CasellaDiTesto 4">
-            <a:extLst>
-              <a:ext uri="{FF2B5EF4-FFF2-40B4-BE49-F238E27FC236}">
-                <a16:creationId xmlns:a16="http://schemas.microsoft.com/office/drawing/2014/main" id="{E811C739-0698-972D-5E2A-D41A4C87AA25}"/>
+                <a16:creationId xmlns:a16="http://schemas.microsoft.com/office/drawing/2014/main" xmlns="" id="{86AF5E20-32D7-E1E4-E32C-80FA0815CDC5}"/>
               </a:ext>
             </a:extLst>
           </p:cNvPr>
@@ -8238,8 +11757,8 @@
         </p:nvSpPr>
         <p:spPr>
           <a:xfrm>
-            <a:off x="2226790" y="4825841"/>
-            <a:ext cx="7738416" cy="1754326"/>
+            <a:off x="6464159" y="1325563"/>
+            <a:ext cx="5350534" cy="3785652"/>
           </a:xfrm>
           <a:prstGeom prst="rect">
             <a:avLst/>
@@ -8258,148 +11777,167 @@
           <a:lstStyle/>
           <a:p>
             <a:r>
-              <a:rPr lang="en-US" b="0">
-                <a:solidFill>
-                  <a:srgbClr val="C586C0"/>
-                </a:solidFill>
-                <a:effectLst/>
-                <a:latin typeface="Consolas" panose="020B0609020204030204" pitchFamily="49" charset="0"/>
-              </a:rPr>
-              <a:t>from</a:t>
-            </a:r>
-            <a:r>
-              <a:rPr lang="en-US" b="0">
-                <a:solidFill>
-                  <a:srgbClr val="D4D4D4"/>
-                </a:solidFill>
-                <a:effectLst/>
-                <a:latin typeface="Consolas" panose="020B0609020204030204" pitchFamily="49" charset="0"/>
-              </a:rPr>
-              <a:t> </a:t>
-            </a:r>
-            <a:r>
-              <a:rPr lang="en-US" b="0">
+              <a:rPr lang="en-US" sz="1600" b="0">
+                <a:solidFill>
+                  <a:srgbClr val="9CDCFE"/>
+                </a:solidFill>
+                <a:effectLst/>
+                <a:latin typeface="Consolas" panose="020B0609020204030204" pitchFamily="49" charset="0"/>
+              </a:rPr>
+              <a:t>counter_predictions</a:t>
+            </a:r>
+            <a:r>
+              <a:rPr lang="en-US" sz="1600" b="0">
+                <a:solidFill>
+                  <a:srgbClr val="D4D4D4"/>
+                </a:solidFill>
+                <a:effectLst/>
+                <a:latin typeface="Consolas" panose="020B0609020204030204" pitchFamily="49" charset="0"/>
+              </a:rPr>
+              <a:t> = </a:t>
+            </a:r>
+            <a:r>
+              <a:rPr lang="en-US" sz="1600" b="0">
                 <a:solidFill>
                   <a:srgbClr val="4EC9B0"/>
                 </a:solidFill>
                 <a:effectLst/>
                 <a:latin typeface="Consolas" panose="020B0609020204030204" pitchFamily="49" charset="0"/>
               </a:rPr>
-              <a:t>prometheus_fastapi_instrumentator</a:t>
-            </a:r>
-            <a:r>
-              <a:rPr lang="en-US" b="0">
-                <a:solidFill>
-                  <a:srgbClr val="D4D4D4"/>
-                </a:solidFill>
-                <a:effectLst/>
-                <a:latin typeface="Consolas" panose="020B0609020204030204" pitchFamily="49" charset="0"/>
-              </a:rPr>
-              <a:t> </a:t>
-            </a:r>
-            <a:r>
-              <a:rPr lang="en-US" b="0">
-                <a:solidFill>
-                  <a:srgbClr val="C586C0"/>
-                </a:solidFill>
-                <a:effectLst/>
-                <a:latin typeface="Consolas" panose="020B0609020204030204" pitchFamily="49" charset="0"/>
-              </a:rPr>
-              <a:t>import</a:t>
-            </a:r>
-            <a:r>
-              <a:rPr lang="en-US" b="0">
-                <a:solidFill>
-                  <a:srgbClr val="D4D4D4"/>
-                </a:solidFill>
-                <a:effectLst/>
-                <a:latin typeface="Consolas" panose="020B0609020204030204" pitchFamily="49" charset="0"/>
-              </a:rPr>
-              <a:t> </a:t>
-            </a:r>
-            <a:r>
-              <a:rPr lang="en-US" b="0">
+              <a:t>Counter</a:t>
+            </a:r>
+            <a:r>
+              <a:rPr lang="en-US" sz="1600" b="0">
+                <a:solidFill>
+                  <a:srgbClr val="D4D4D4"/>
+                </a:solidFill>
+                <a:effectLst/>
+                <a:latin typeface="Consolas" panose="020B0609020204030204" pitchFamily="49" charset="0"/>
+              </a:rPr>
+              <a:t>(</a:t>
+            </a:r>
+          </a:p>
+          <a:p>
+            <a:r>
+              <a:rPr lang="en-US" sz="1600" b="0">
+                <a:solidFill>
+                  <a:srgbClr val="D4D4D4"/>
+                </a:solidFill>
+                <a:effectLst/>
+                <a:latin typeface="Consolas" panose="020B0609020204030204" pitchFamily="49" charset="0"/>
+              </a:rPr>
+              <a:t>    </a:t>
+            </a:r>
+            <a:r>
+              <a:rPr lang="en-US" sz="1600" b="0">
+                <a:solidFill>
+                  <a:srgbClr val="CE9178"/>
+                </a:solidFill>
+                <a:effectLst/>
+                <a:latin typeface="Consolas" panose="020B0609020204030204" pitchFamily="49" charset="0"/>
+              </a:rPr>
+              <a:t>"counter_predictions"</a:t>
+            </a:r>
+            <a:r>
+              <a:rPr lang="en-US" sz="1600" b="0">
+                <a:solidFill>
+                  <a:srgbClr val="D4D4D4"/>
+                </a:solidFill>
+                <a:effectLst/>
+                <a:latin typeface="Consolas" panose="020B0609020204030204" pitchFamily="49" charset="0"/>
+              </a:rPr>
+              <a:t>,</a:t>
+            </a:r>
+          </a:p>
+          <a:p>
+            <a:r>
+              <a:rPr lang="en-US" sz="1600" b="0">
+                <a:solidFill>
+                  <a:srgbClr val="D4D4D4"/>
+                </a:solidFill>
+                <a:effectLst/>
+                <a:latin typeface="Consolas" panose="020B0609020204030204" pitchFamily="49" charset="0"/>
+              </a:rPr>
+              <a:t>    </a:t>
+            </a:r>
+            <a:r>
+              <a:rPr lang="en-US" sz="1600" b="0">
+                <a:solidFill>
+                  <a:srgbClr val="CE9178"/>
+                </a:solidFill>
+                <a:effectLst/>
+                <a:latin typeface="Consolas" panose="020B0609020204030204" pitchFamily="49" charset="0"/>
+              </a:rPr>
+              <a:t>"Counter for predictions that have been made"</a:t>
+            </a:r>
+            <a:r>
+              <a:rPr lang="en-US" sz="1600" b="0">
+                <a:solidFill>
+                  <a:srgbClr val="D4D4D4"/>
+                </a:solidFill>
+                <a:effectLst/>
+                <a:latin typeface="Consolas" panose="020B0609020204030204" pitchFamily="49" charset="0"/>
+              </a:rPr>
+              <a:t>,</a:t>
+            </a:r>
+          </a:p>
+          <a:p>
+            <a:r>
+              <a:rPr lang="en-US" sz="1600" b="0">
+                <a:solidFill>
+                  <a:srgbClr val="D4D4D4"/>
+                </a:solidFill>
+                <a:effectLst/>
+                <a:latin typeface="Consolas" panose="020B0609020204030204" pitchFamily="49" charset="0"/>
+              </a:rPr>
+              <a:t>)</a:t>
+            </a:r>
+          </a:p>
+          <a:p>
+            <a:r>
+              <a:rPr lang="en-US" sz="1600" b="0">
                 <a:solidFill>
                   <a:srgbClr val="9CDCFE"/>
                 </a:solidFill>
                 <a:effectLst/>
                 <a:latin typeface="Consolas" panose="020B0609020204030204" pitchFamily="49" charset="0"/>
               </a:rPr>
-              <a:t>Instrumentator</a:t>
-            </a:r>
-            <a:br>
-              <a:rPr lang="en-US" b="0">
-                <a:solidFill>
-                  <a:srgbClr val="D4D4D4"/>
-                </a:solidFill>
-                <a:effectLst/>
-                <a:latin typeface="Consolas" panose="020B0609020204030204" pitchFamily="49" charset="0"/>
-              </a:rPr>
-            </a:br>
-            <a:r>
-              <a:rPr lang="en-US" b="0">
-                <a:solidFill>
-                  <a:srgbClr val="C586C0"/>
-                </a:solidFill>
-                <a:effectLst/>
-                <a:latin typeface="Consolas" panose="020B0609020204030204" pitchFamily="49" charset="0"/>
-              </a:rPr>
-              <a:t>from</a:t>
-            </a:r>
-            <a:r>
-              <a:rPr lang="en-US" b="0">
-                <a:solidFill>
-                  <a:srgbClr val="D4D4D4"/>
-                </a:solidFill>
-                <a:effectLst/>
-                <a:latin typeface="Consolas" panose="020B0609020204030204" pitchFamily="49" charset="0"/>
-              </a:rPr>
-              <a:t> </a:t>
-            </a:r>
-            <a:r>
-              <a:rPr lang="en-US" b="0">
+              <a:t>counter_labeled_images</a:t>
+            </a:r>
+            <a:r>
+              <a:rPr lang="en-US" sz="1600" b="0">
+                <a:solidFill>
+                  <a:srgbClr val="D4D4D4"/>
+                </a:solidFill>
+                <a:effectLst/>
+                <a:latin typeface="Consolas" panose="020B0609020204030204" pitchFamily="49" charset="0"/>
+              </a:rPr>
+              <a:t> = </a:t>
+            </a:r>
+            <a:r>
+              <a:rPr lang="en-US" sz="1600" b="0">
                 <a:solidFill>
                   <a:srgbClr val="4EC9B0"/>
                 </a:solidFill>
                 <a:effectLst/>
                 <a:latin typeface="Consolas" panose="020B0609020204030204" pitchFamily="49" charset="0"/>
               </a:rPr>
-              <a:t>prometheus_client</a:t>
-            </a:r>
-            <a:r>
-              <a:rPr lang="en-US" b="0">
-                <a:solidFill>
-                  <a:srgbClr val="D4D4D4"/>
-                </a:solidFill>
-                <a:effectLst/>
-                <a:latin typeface="Consolas" panose="020B0609020204030204" pitchFamily="49" charset="0"/>
-              </a:rPr>
-              <a:t> </a:t>
-            </a:r>
-            <a:r>
-              <a:rPr lang="en-US" b="0">
-                <a:solidFill>
-                  <a:srgbClr val="C586C0"/>
-                </a:solidFill>
-                <a:effectLst/>
-                <a:latin typeface="Consolas" panose="020B0609020204030204" pitchFamily="49" charset="0"/>
-              </a:rPr>
-              <a:t>import</a:t>
-            </a:r>
-            <a:r>
-              <a:rPr lang="en-US" b="0">
-                <a:solidFill>
-                  <a:srgbClr val="D4D4D4"/>
-                </a:solidFill>
-                <a:effectLst/>
-                <a:latin typeface="Consolas" panose="020B0609020204030204" pitchFamily="49" charset="0"/>
-              </a:rPr>
-              <a:t> (</a:t>
-            </a:r>
-          </a:p>
-          <a:p>
-            <a:r>
-              <a:rPr lang="en-US" b="0">
+              <a:t>Counter</a:t>
+            </a:r>
+            <a:r>
+              <a:rPr lang="en-US" sz="1600" b="0">
+                <a:solidFill>
+                  <a:srgbClr val="D4D4D4"/>
+                </a:solidFill>
+                <a:effectLst/>
+                <a:latin typeface="Consolas" panose="020B0609020204030204" pitchFamily="49" charset="0"/>
+              </a:rPr>
+              <a:t>(</a:t>
+            </a:r>
+          </a:p>
+          <a:p>
+            <a:r>
+              <a:rPr lang="en-US" sz="1600" b="0">
                 <a:solidFill>
                   <a:srgbClr val="D4D4D4"/>
                 </a:solidFill>
@@ -8409,7 +11947,93 @@
               <a:t>    </a:t>
             </a:r>
             <a:r>
-              <a:rPr lang="en-US" b="0">
+              <a:rPr lang="en-US" sz="1600" b="0">
+                <a:solidFill>
+                  <a:srgbClr val="CE9178"/>
+                </a:solidFill>
+                <a:effectLst/>
+                <a:latin typeface="Consolas" panose="020B0609020204030204" pitchFamily="49" charset="0"/>
+              </a:rPr>
+              <a:t>"counter_labeled_images"</a:t>
+            </a:r>
+            <a:r>
+              <a:rPr lang="en-US" sz="1600" b="0">
+                <a:solidFill>
+                  <a:srgbClr val="D4D4D4"/>
+                </a:solidFill>
+                <a:effectLst/>
+                <a:latin typeface="Consolas" panose="020B0609020204030204" pitchFamily="49" charset="0"/>
+              </a:rPr>
+              <a:t>,</a:t>
+            </a:r>
+          </a:p>
+          <a:p>
+            <a:r>
+              <a:rPr lang="en-US" sz="1600" b="0">
+                <a:solidFill>
+                  <a:srgbClr val="D4D4D4"/>
+                </a:solidFill>
+                <a:effectLst/>
+                <a:latin typeface="Consolas" panose="020B0609020204030204" pitchFamily="49" charset="0"/>
+              </a:rPr>
+              <a:t>    </a:t>
+            </a:r>
+            <a:r>
+              <a:rPr lang="en-US" sz="1600" b="0">
+                <a:solidFill>
+                  <a:srgbClr val="CE9178"/>
+                </a:solidFill>
+                <a:effectLst/>
+                <a:latin typeface="Consolas" panose="020B0609020204030204" pitchFamily="49" charset="0"/>
+              </a:rPr>
+              <a:t>"Counter for images sent to extend the dataset"</a:t>
+            </a:r>
+            <a:r>
+              <a:rPr lang="en-US" sz="1600" b="0">
+                <a:solidFill>
+                  <a:srgbClr val="D4D4D4"/>
+                </a:solidFill>
+                <a:effectLst/>
+                <a:latin typeface="Consolas" panose="020B0609020204030204" pitchFamily="49" charset="0"/>
+              </a:rPr>
+              <a:t>,</a:t>
+            </a:r>
+          </a:p>
+          <a:p>
+            <a:r>
+              <a:rPr lang="en-US" sz="1600" b="0">
+                <a:solidFill>
+                  <a:srgbClr val="D4D4D4"/>
+                </a:solidFill>
+                <a:effectLst/>
+                <a:latin typeface="Consolas" panose="020B0609020204030204" pitchFamily="49" charset="0"/>
+              </a:rPr>
+              <a:t>)</a:t>
+            </a:r>
+          </a:p>
+          <a:p>
+            <a:r>
+              <a:rPr lang="en-US" sz="1600" b="0">
+                <a:solidFill>
+                  <a:srgbClr val="9CDCFE"/>
+                </a:solidFill>
+                <a:effectLst/>
+                <a:latin typeface="Consolas" panose="020B0609020204030204" pitchFamily="49" charset="0"/>
+              </a:rPr>
+              <a:t>counter_feedback</a:t>
+            </a:r>
+            <a:r>
+              <a:rPr lang="en-US" sz="1600" b="0">
+                <a:solidFill>
+                  <a:srgbClr val="D4D4D4"/>
+                </a:solidFill>
+                <a:effectLst/>
+                <a:latin typeface="Consolas" panose="020B0609020204030204" pitchFamily="49" charset="0"/>
+              </a:rPr>
+              <a:t> = </a:t>
+            </a:r>
+            <a:r>
+              <a:rPr lang="en-US" sz="1600" b="0">
                 <a:solidFill>
                   <a:srgbClr val="4EC9B0"/>
                 </a:solidFill>
@@ -8419,7 +12043,39 @@
               <a:t>Counter</a:t>
             </a:r>
             <a:r>
-              <a:rPr lang="en-US" b="0">
+              <a:rPr lang="en-US" sz="1600" b="0">
+                <a:solidFill>
+                  <a:srgbClr val="D4D4D4"/>
+                </a:solidFill>
+                <a:effectLst/>
+                <a:latin typeface="Consolas" panose="020B0609020204030204" pitchFamily="49" charset="0"/>
+              </a:rPr>
+              <a:t>(</a:t>
+            </a:r>
+          </a:p>
+          <a:p>
+            <a:r>
+              <a:rPr lang="en-US" sz="1600" b="0">
+                <a:solidFill>
+                  <a:srgbClr val="D4D4D4"/>
+                </a:solidFill>
+                <a:effectLst/>
+                <a:latin typeface="Consolas" panose="020B0609020204030204" pitchFamily="49" charset="0"/>
+              </a:rPr>
+              <a:t>    </a:t>
+            </a:r>
+            <a:r>
+              <a:rPr lang="en-US" sz="1600" b="0">
+                <a:solidFill>
+                  <a:srgbClr val="CE9178"/>
+                </a:solidFill>
+                <a:effectLst/>
+                <a:latin typeface="Consolas" panose="020B0609020204030204" pitchFamily="49" charset="0"/>
+              </a:rPr>
+              <a:t>"counter_feedback"</a:t>
+            </a:r>
+            <a:r>
+              <a:rPr lang="en-US" sz="1600" b="0">
                 <a:solidFill>
                   <a:srgbClr val="D4D4D4"/>
                 </a:solidFill>
@@ -8431,7 +12087,7 @@
           </a:p>
           <a:p>
             <a:r>
-              <a:rPr lang="en-US" b="0">
+              <a:rPr lang="en-US" sz="1600" b="0">
                 <a:solidFill>
                   <a:srgbClr val="D4D4D4"/>
                 </a:solidFill>
@@ -8441,17 +12097,17 @@
               <a:t>    </a:t>
             </a:r>
             <a:r>
-              <a:rPr lang="en-US" b="0">
-                <a:solidFill>
-                  <a:srgbClr val="4EC9B0"/>
-                </a:solidFill>
-                <a:effectLst/>
-                <a:latin typeface="Consolas" panose="020B0609020204030204" pitchFamily="49" charset="0"/>
-              </a:rPr>
-              <a:t>Gauge</a:t>
-            </a:r>
-            <a:r>
-              <a:rPr lang="en-US" b="0">
+              <a:rPr lang="en-US" sz="1600" b="0">
+                <a:solidFill>
+                  <a:srgbClr val="CE9178"/>
+                </a:solidFill>
+                <a:effectLst/>
+                <a:latin typeface="Consolas" panose="020B0609020204030204" pitchFamily="49" charset="0"/>
+              </a:rPr>
+              <a:t>"Counter for feedbacks sent by the experts"</a:t>
+            </a:r>
+            <a:r>
+              <a:rPr lang="en-US" sz="1600" b="0">
                 <a:solidFill>
                   <a:srgbClr val="D4D4D4"/>
                 </a:solidFill>
@@ -8463,39 +12119,7 @@
           </a:p>
           <a:p>
             <a:r>
-              <a:rPr lang="en-US" b="0">
-                <a:solidFill>
-                  <a:srgbClr val="D4D4D4"/>
-                </a:solidFill>
-                <a:effectLst/>
-                <a:latin typeface="Consolas" panose="020B0609020204030204" pitchFamily="49" charset="0"/>
-              </a:rPr>
-              <a:t>    </a:t>
-            </a:r>
-            <a:r>
-              <a:rPr lang="en-US" b="0">
-                <a:solidFill>
-                  <a:srgbClr val="4EC9B0"/>
-                </a:solidFill>
-                <a:effectLst/>
-                <a:latin typeface="Consolas" panose="020B0609020204030204" pitchFamily="49" charset="0"/>
-              </a:rPr>
-              <a:t>Histogram</a:t>
-            </a:r>
-            <a:r>
-              <a:rPr lang="en-US" b="0">
-                <a:solidFill>
-                  <a:srgbClr val="D4D4D4"/>
-                </a:solidFill>
-                <a:effectLst/>
-                <a:latin typeface="Consolas" panose="020B0609020204030204" pitchFamily="49" charset="0"/>
-              </a:rPr>
-              <a:t>,</a:t>
-            </a:r>
-          </a:p>
-          <a:p>
-            <a:r>
-              <a:rPr lang="en-US" b="0">
+              <a:rPr lang="en-US" sz="1600" b="0">
                 <a:solidFill>
                   <a:srgbClr val="D4D4D4"/>
                 </a:solidFill>
@@ -8510,7 +12134,7 @@
     </p:spTree>
     <p:extLst>
       <p:ext uri="{BB962C8B-B14F-4D97-AF65-F5344CB8AC3E}">
-        <p14:creationId xmlns:p14="http://schemas.microsoft.com/office/powerpoint/2010/main" val="1309629287"/>
+        <p14:creationId xmlns:p14="http://schemas.microsoft.com/office/powerpoint/2010/main" val="2857515357"/>
       </p:ext>
     </p:extLst>
   </p:cSld>
@@ -8542,7 +12166,7 @@
           <p:cNvPr id="2" name="Titolo 1">
             <a:extLst>
               <a:ext uri="{FF2B5EF4-FFF2-40B4-BE49-F238E27FC236}">
-                <a16:creationId xmlns:a16="http://schemas.microsoft.com/office/drawing/2014/main" id="{E84D6F7A-C5C5-40C7-0FD8-F1C4CD4F3D65}"/>
+                <a16:creationId xmlns:a16="http://schemas.microsoft.com/office/drawing/2014/main" xmlns="" id="{E84D6F7A-C5C5-40C7-0FD8-F1C4CD4F3D65}"/>
               </a:ext>
             </a:extLst>
           </p:cNvPr>
@@ -8555,7 +12179,7 @@
         </p:nvSpPr>
         <p:spPr>
           <a:xfrm>
-            <a:off x="886459" y="0"/>
+            <a:off x="1218967" y="-113141"/>
             <a:ext cx="10419078" cy="1325563"/>
           </a:xfrm>
         </p:spPr>
@@ -8567,983 +12191,68 @@
           <a:p>
             <a:pPr algn="ctr"/>
             <a:r>
-              <a:rPr lang="en-US" sz="4400" b="1" i="0" u="none" strike="noStrike" baseline="0">
+              <a:rPr lang="it-IT" b="1" dirty="0">
                 <a:solidFill>
                   <a:schemeClr val="accent2">
                     <a:lumMod val="75000"/>
                   </a:schemeClr>
                 </a:solidFill>
-                <a:latin typeface="CMR17"/>
-              </a:rPr>
-              <a:t>Prometheus Metrics</a:t>
-            </a:r>
-            <a:endParaRPr lang="it-IT" b="1" dirty="0">
-              <a:solidFill>
-                <a:schemeClr val="accent2">
-                  <a:lumMod val="75000"/>
-                </a:schemeClr>
-              </a:solidFill>
-            </a:endParaRPr>
-          </a:p>
-        </p:txBody>
-      </p:sp>
-      <p:sp>
-        <p:nvSpPr>
-          <p:cNvPr id="8" name="Segnaposto contenuto 2">
-            <a:extLst>
-              <a:ext uri="{FF2B5EF4-FFF2-40B4-BE49-F238E27FC236}">
-                <a16:creationId xmlns:a16="http://schemas.microsoft.com/office/drawing/2014/main" id="{BDBB7D20-3AC2-51C8-AA8A-A5491FCD4726}"/>
-              </a:ext>
-            </a:extLst>
-          </p:cNvPr>
-          <p:cNvSpPr txBox="1">
-            <a:spLocks/>
-          </p:cNvSpPr>
+                <a:latin typeface="Calibri" charset="0"/>
+                <a:ea typeface="Calibri" charset="0"/>
+                <a:cs typeface="Calibri" charset="0"/>
+              </a:rPr>
+              <a:t>Grafana dashboard</a:t>
+            </a:r>
+          </a:p>
+        </p:txBody>
+      </p:sp>
+      <p:sp>
+        <p:nvSpPr>
+          <p:cNvPr id="5" name="Rettangolo 4"/>
+          <p:cNvSpPr/>
           <p:nvPr/>
         </p:nvSpPr>
         <p:spPr>
           <a:xfrm>
-            <a:off x="838198" y="5199397"/>
-            <a:ext cx="10515600" cy="766573"/>
+            <a:off x="4229648" y="833407"/>
+            <a:ext cx="4321055" cy="369332"/>
           </a:xfrm>
           <a:prstGeom prst="rect">
             <a:avLst/>
           </a:prstGeom>
         </p:spPr>
         <p:txBody>
-          <a:bodyPr vert="horz" lIns="91440" tIns="45720" rIns="91440" bIns="45720" rtlCol="0">
-            <a:normAutofit/>
+          <a:bodyPr wrap="none">
+            <a:spAutoFit/>
           </a:bodyPr>
-          <a:lstStyle>
-            <a:lvl1pPr marL="228600" indent="-228600" algn="l" defTabSz="914400" rtl="0" eaLnBrk="1" latinLnBrk="0" hangingPunct="1">
-              <a:lnSpc>
-                <a:spcPct val="90000"/>
-              </a:lnSpc>
-              <a:spcBef>
-                <a:spcPts val="1000"/>
-              </a:spcBef>
-              <a:buFont typeface="Arial" panose="020B0604020202020204" pitchFamily="34" charset="0"/>
-              <a:buChar char="•"/>
-              <a:defRPr sz="2800" kern="1200">
-                <a:solidFill>
-                  <a:schemeClr val="tx1"/>
-                </a:solidFill>
-                <a:latin typeface="+mn-lt"/>
-                <a:ea typeface="+mn-ea"/>
-                <a:cs typeface="+mn-cs"/>
-              </a:defRPr>
-            </a:lvl1pPr>
-            <a:lvl2pPr marL="685800" indent="-228600" algn="l" defTabSz="914400" rtl="0" eaLnBrk="1" latinLnBrk="0" hangingPunct="1">
-              <a:lnSpc>
-                <a:spcPct val="90000"/>
-              </a:lnSpc>
-              <a:spcBef>
-                <a:spcPts val="500"/>
-              </a:spcBef>
-              <a:buFont typeface="Arial" panose="020B0604020202020204" pitchFamily="34" charset="0"/>
-              <a:buChar char="•"/>
-              <a:defRPr sz="2400" kern="1200">
-                <a:solidFill>
-                  <a:schemeClr val="tx1"/>
-                </a:solidFill>
-                <a:latin typeface="+mn-lt"/>
-                <a:ea typeface="+mn-ea"/>
-                <a:cs typeface="+mn-cs"/>
-              </a:defRPr>
-            </a:lvl2pPr>
-            <a:lvl3pPr marL="1143000" indent="-228600" algn="l" defTabSz="914400" rtl="0" eaLnBrk="1" latinLnBrk="0" hangingPunct="1">
-              <a:lnSpc>
-                <a:spcPct val="90000"/>
-              </a:lnSpc>
-              <a:spcBef>
-                <a:spcPts val="500"/>
-              </a:spcBef>
-              <a:buFont typeface="Arial" panose="020B0604020202020204" pitchFamily="34" charset="0"/>
-              <a:buChar char="•"/>
-              <a:defRPr sz="2000" kern="1200">
-                <a:solidFill>
-                  <a:schemeClr val="tx1"/>
-                </a:solidFill>
-                <a:latin typeface="+mn-lt"/>
-                <a:ea typeface="+mn-ea"/>
-                <a:cs typeface="+mn-cs"/>
-              </a:defRPr>
-            </a:lvl3pPr>
-            <a:lvl4pPr marL="1600200" indent="-228600" algn="l" defTabSz="914400" rtl="0" eaLnBrk="1" latinLnBrk="0" hangingPunct="1">
-              <a:lnSpc>
-                <a:spcPct val="90000"/>
-              </a:lnSpc>
-              <a:spcBef>
-                <a:spcPts val="500"/>
-              </a:spcBef>
-              <a:buFont typeface="Arial" panose="020B0604020202020204" pitchFamily="34" charset="0"/>
-              <a:buChar char="•"/>
-              <a:defRPr sz="1800" kern="1200">
-                <a:solidFill>
-                  <a:schemeClr val="tx1"/>
-                </a:solidFill>
-                <a:latin typeface="+mn-lt"/>
-                <a:ea typeface="+mn-ea"/>
-                <a:cs typeface="+mn-cs"/>
-              </a:defRPr>
-            </a:lvl4pPr>
-            <a:lvl5pPr marL="2057400" indent="-228600" algn="l" defTabSz="914400" rtl="0" eaLnBrk="1" latinLnBrk="0" hangingPunct="1">
-              <a:lnSpc>
-                <a:spcPct val="90000"/>
-              </a:lnSpc>
-              <a:spcBef>
-                <a:spcPts val="500"/>
-              </a:spcBef>
-              <a:buFont typeface="Arial" panose="020B0604020202020204" pitchFamily="34" charset="0"/>
-              <a:buChar char="•"/>
-              <a:defRPr sz="1800" kern="1200">
-                <a:solidFill>
-                  <a:schemeClr val="tx1"/>
-                </a:solidFill>
-                <a:latin typeface="+mn-lt"/>
-                <a:ea typeface="+mn-ea"/>
-                <a:cs typeface="+mn-cs"/>
-              </a:defRPr>
-            </a:lvl5pPr>
-            <a:lvl6pPr marL="2514600" indent="-228600" algn="l" defTabSz="914400" rtl="0" eaLnBrk="1" latinLnBrk="0" hangingPunct="1">
-              <a:lnSpc>
-                <a:spcPct val="90000"/>
-              </a:lnSpc>
-              <a:spcBef>
-                <a:spcPts val="500"/>
-              </a:spcBef>
-              <a:buFont typeface="Arial" panose="020B0604020202020204" pitchFamily="34" charset="0"/>
-              <a:buChar char="•"/>
-              <a:defRPr sz="1800" kern="1200">
-                <a:solidFill>
-                  <a:schemeClr val="tx1"/>
-                </a:solidFill>
-                <a:latin typeface="+mn-lt"/>
-                <a:ea typeface="+mn-ea"/>
-                <a:cs typeface="+mn-cs"/>
-              </a:defRPr>
-            </a:lvl6pPr>
-            <a:lvl7pPr marL="2971800" indent="-228600" algn="l" defTabSz="914400" rtl="0" eaLnBrk="1" latinLnBrk="0" hangingPunct="1">
-              <a:lnSpc>
-                <a:spcPct val="90000"/>
-              </a:lnSpc>
-              <a:spcBef>
-                <a:spcPts val="500"/>
-              </a:spcBef>
-              <a:buFont typeface="Arial" panose="020B0604020202020204" pitchFamily="34" charset="0"/>
-              <a:buChar char="•"/>
-              <a:defRPr sz="1800" kern="1200">
-                <a:solidFill>
-                  <a:schemeClr val="tx1"/>
-                </a:solidFill>
-                <a:latin typeface="+mn-lt"/>
-                <a:ea typeface="+mn-ea"/>
-                <a:cs typeface="+mn-cs"/>
-              </a:defRPr>
-            </a:lvl7pPr>
-            <a:lvl8pPr marL="3429000" indent="-228600" algn="l" defTabSz="914400" rtl="0" eaLnBrk="1" latinLnBrk="0" hangingPunct="1">
-              <a:lnSpc>
-                <a:spcPct val="90000"/>
-              </a:lnSpc>
-              <a:spcBef>
-                <a:spcPts val="500"/>
-              </a:spcBef>
-              <a:buFont typeface="Arial" panose="020B0604020202020204" pitchFamily="34" charset="0"/>
-              <a:buChar char="•"/>
-              <a:defRPr sz="1800" kern="1200">
-                <a:solidFill>
-                  <a:schemeClr val="tx1"/>
-                </a:solidFill>
-                <a:latin typeface="+mn-lt"/>
-                <a:ea typeface="+mn-ea"/>
-                <a:cs typeface="+mn-cs"/>
-              </a:defRPr>
-            </a:lvl8pPr>
-            <a:lvl9pPr marL="3886200" indent="-228600" algn="l" defTabSz="914400" rtl="0" eaLnBrk="1" latinLnBrk="0" hangingPunct="1">
-              <a:lnSpc>
-                <a:spcPct val="90000"/>
-              </a:lnSpc>
-              <a:spcBef>
-                <a:spcPts val="500"/>
-              </a:spcBef>
-              <a:buFont typeface="Arial" panose="020B0604020202020204" pitchFamily="34" charset="0"/>
-              <a:buChar char="•"/>
-              <a:defRPr sz="1800" kern="1200">
-                <a:solidFill>
-                  <a:schemeClr val="tx1"/>
-                </a:solidFill>
-                <a:latin typeface="+mn-lt"/>
-                <a:ea typeface="+mn-ea"/>
-                <a:cs typeface="+mn-cs"/>
-              </a:defRPr>
-            </a:lvl9pPr>
-          </a:lstStyle>
-          <a:p>
-            <a:pPr marL="0" indent="0">
-              <a:buFont typeface="Arial" panose="020B0604020202020204" pitchFamily="34" charset="0"/>
-              <a:buNone/>
-            </a:pPr>
-            <a:endParaRPr lang="it-IT" dirty="0"/>
-          </a:p>
-        </p:txBody>
-      </p:sp>
-      <p:sp>
-        <p:nvSpPr>
-          <p:cNvPr id="9" name="Segnaposto contenuto 2">
-            <a:extLst>
-              <a:ext uri="{FF2B5EF4-FFF2-40B4-BE49-F238E27FC236}">
-                <a16:creationId xmlns:a16="http://schemas.microsoft.com/office/drawing/2014/main" id="{8DF74287-8199-C54D-5B1C-6FF6A0E99B42}"/>
-              </a:ext>
-            </a:extLst>
-          </p:cNvPr>
-          <p:cNvSpPr>
-            <a:spLocks noGrp="1"/>
-          </p:cNvSpPr>
-          <p:nvPr>
-            <p:ph idx="1"/>
-          </p:nvPr>
+          <a:lstStyle/>
+          <a:p>
+            <a:r>
+              <a:rPr lang="it-IT" b="1" dirty="0">
+                <a:solidFill>
+                  <a:schemeClr val="accent2">
+                    <a:lumMod val="75000"/>
+                  </a:schemeClr>
+                </a:solidFill>
+                <a:latin typeface="Helvetica Neue" charset="0"/>
+                <a:ea typeface="Helvetica Neue" charset="0"/>
+                <a:cs typeface="Helvetica Neue" charset="0"/>
+              </a:rPr>
+              <a:t>PromQL queries for data visualization</a:t>
+            </a:r>
+          </a:p>
+        </p:txBody>
+      </p:sp>
+      <p:sp>
+        <p:nvSpPr>
+          <p:cNvPr id="6" name="CasellaDiTesto 5"/>
+          <p:cNvSpPr txBox="1"/>
+          <p:nvPr/>
         </p:nvSpPr>
         <p:spPr>
           <a:xfrm>
-            <a:off x="583720" y="1314032"/>
-            <a:ext cx="5350533" cy="5023480"/>
-          </a:xfrm>
-          <a:solidFill>
-            <a:schemeClr val="tx1">
-              <a:lumMod val="85000"/>
-              <a:lumOff val="15000"/>
-            </a:schemeClr>
-          </a:solidFill>
-        </p:spPr>
-        <p:txBody>
-          <a:bodyPr>
-            <a:normAutofit fontScale="92500" lnSpcReduction="20000"/>
-          </a:bodyPr>
-          <a:lstStyle/>
-          <a:p>
-            <a:pPr marL="0" indent="0">
-              <a:buNone/>
-            </a:pPr>
-            <a:r>
-              <a:rPr lang="en-US" sz="1600" b="0">
-                <a:solidFill>
-                  <a:srgbClr val="4FC1FF"/>
-                </a:solidFill>
-                <a:effectLst/>
-                <a:latin typeface="Consolas" panose="020B0609020204030204" pitchFamily="49" charset="0"/>
-              </a:rPr>
-              <a:t>REQUEST_TIME</a:t>
-            </a:r>
-            <a:r>
-              <a:rPr lang="en-US" sz="1600" b="0">
-                <a:solidFill>
-                  <a:srgbClr val="D4D4D4"/>
-                </a:solidFill>
-                <a:effectLst/>
-                <a:latin typeface="Consolas" panose="020B0609020204030204" pitchFamily="49" charset="0"/>
-              </a:rPr>
-              <a:t> = </a:t>
-            </a:r>
-            <a:r>
-              <a:rPr lang="en-US" sz="1600" b="0">
-                <a:solidFill>
-                  <a:srgbClr val="4EC9B0"/>
-                </a:solidFill>
-                <a:effectLst/>
-                <a:latin typeface="Consolas" panose="020B0609020204030204" pitchFamily="49" charset="0"/>
-              </a:rPr>
-              <a:t>Gauge</a:t>
-            </a:r>
-            <a:r>
-              <a:rPr lang="en-US" sz="1600" b="0">
-                <a:solidFill>
-                  <a:srgbClr val="D4D4D4"/>
-                </a:solidFill>
-                <a:effectLst/>
-                <a:latin typeface="Consolas" panose="020B0609020204030204" pitchFamily="49" charset="0"/>
-              </a:rPr>
-              <a:t>(</a:t>
-            </a:r>
-          </a:p>
-          <a:p>
-            <a:pPr marL="0" indent="0">
-              <a:buNone/>
-            </a:pPr>
-            <a:r>
-              <a:rPr lang="en-US" sz="1600" b="0">
-                <a:solidFill>
-                  <a:srgbClr val="D4D4D4"/>
-                </a:solidFill>
-                <a:effectLst/>
-                <a:latin typeface="Consolas" panose="020B0609020204030204" pitchFamily="49" charset="0"/>
-              </a:rPr>
-              <a:t>    </a:t>
-            </a:r>
-            <a:r>
-              <a:rPr lang="en-US" sz="1600" b="0">
-                <a:solidFill>
-                  <a:srgbClr val="CE9178"/>
-                </a:solidFill>
-                <a:effectLst/>
-                <a:latin typeface="Consolas" panose="020B0609020204030204" pitchFamily="49" charset="0"/>
-              </a:rPr>
-              <a:t>"request_processing_seconds"</a:t>
-            </a:r>
-            <a:r>
-              <a:rPr lang="en-US" sz="1600" b="0">
-                <a:solidFill>
-                  <a:srgbClr val="D4D4D4"/>
-                </a:solidFill>
-                <a:effectLst/>
-                <a:latin typeface="Consolas" panose="020B0609020204030204" pitchFamily="49" charset="0"/>
-              </a:rPr>
-              <a:t>,</a:t>
-            </a:r>
-          </a:p>
-          <a:p>
-            <a:pPr marL="0" indent="0">
-              <a:buNone/>
-            </a:pPr>
-            <a:r>
-              <a:rPr lang="en-US" sz="1600" b="0">
-                <a:solidFill>
-                  <a:srgbClr val="D4D4D4"/>
-                </a:solidFill>
-                <a:effectLst/>
-                <a:latin typeface="Consolas" panose="020B0609020204030204" pitchFamily="49" charset="0"/>
-              </a:rPr>
-              <a:t>    </a:t>
-            </a:r>
-            <a:r>
-              <a:rPr lang="en-US" sz="1600" b="0">
-                <a:solidFill>
-                  <a:srgbClr val="CE9178"/>
-                </a:solidFill>
-                <a:effectLst/>
-                <a:latin typeface="Consolas" panose="020B0609020204030204" pitchFamily="49" charset="0"/>
-              </a:rPr>
-              <a:t>"Time spent processing request"</a:t>
-            </a:r>
-            <a:r>
-              <a:rPr lang="en-US" sz="1600" b="0">
-                <a:solidFill>
-                  <a:srgbClr val="D4D4D4"/>
-                </a:solidFill>
-                <a:effectLst/>
-                <a:latin typeface="Consolas" panose="020B0609020204030204" pitchFamily="49" charset="0"/>
-              </a:rPr>
-              <a:t>,</a:t>
-            </a:r>
-          </a:p>
-          <a:p>
-            <a:pPr marL="0" indent="0">
-              <a:buNone/>
-            </a:pPr>
-            <a:r>
-              <a:rPr lang="en-US" sz="1600" b="0">
-                <a:solidFill>
-                  <a:srgbClr val="D4D4D4"/>
-                </a:solidFill>
-                <a:effectLst/>
-                <a:latin typeface="Consolas" panose="020B0609020204030204" pitchFamily="49" charset="0"/>
-              </a:rPr>
-              <a:t>    [</a:t>
-            </a:r>
-            <a:r>
-              <a:rPr lang="en-US" sz="1600" b="0">
-                <a:solidFill>
-                  <a:srgbClr val="CE9178"/>
-                </a:solidFill>
-                <a:effectLst/>
-                <a:latin typeface="Consolas" panose="020B0609020204030204" pitchFamily="49" charset="0"/>
-              </a:rPr>
-              <a:t>"method"</a:t>
-            </a:r>
-            <a:r>
-              <a:rPr lang="en-US" sz="1600" b="0">
-                <a:solidFill>
-                  <a:srgbClr val="D4D4D4"/>
-                </a:solidFill>
-                <a:effectLst/>
-                <a:latin typeface="Consolas" panose="020B0609020204030204" pitchFamily="49" charset="0"/>
-              </a:rPr>
-              <a:t>, </a:t>
-            </a:r>
-            <a:r>
-              <a:rPr lang="en-US" sz="1600" b="0">
-                <a:solidFill>
-                  <a:srgbClr val="CE9178"/>
-                </a:solidFill>
-                <a:effectLst/>
-                <a:latin typeface="Consolas" panose="020B0609020204030204" pitchFamily="49" charset="0"/>
-              </a:rPr>
-              <a:t>"endpoint"</a:t>
-            </a:r>
-            <a:r>
-              <a:rPr lang="en-US" sz="1600" b="0">
-                <a:solidFill>
-                  <a:srgbClr val="D4D4D4"/>
-                </a:solidFill>
-                <a:effectLst/>
-                <a:latin typeface="Consolas" panose="020B0609020204030204" pitchFamily="49" charset="0"/>
-              </a:rPr>
-              <a:t>],</a:t>
-            </a:r>
-          </a:p>
-          <a:p>
-            <a:pPr marL="0" indent="0">
-              <a:buNone/>
-            </a:pPr>
-            <a:r>
-              <a:rPr lang="en-US" sz="1600" b="0">
-                <a:solidFill>
-                  <a:srgbClr val="D4D4D4"/>
-                </a:solidFill>
-                <a:effectLst/>
-                <a:latin typeface="Consolas" panose="020B0609020204030204" pitchFamily="49" charset="0"/>
-              </a:rPr>
-              <a:t>)</a:t>
-            </a:r>
-          </a:p>
-          <a:p>
-            <a:pPr marL="0" indent="0">
-              <a:buNone/>
-            </a:pPr>
-            <a:br>
-              <a:rPr lang="en-US" sz="1600" b="0">
-                <a:solidFill>
-                  <a:srgbClr val="D4D4D4"/>
-                </a:solidFill>
-                <a:effectLst/>
-                <a:latin typeface="Consolas" panose="020B0609020204030204" pitchFamily="49" charset="0"/>
-              </a:rPr>
-            </a:br>
-            <a:r>
-              <a:rPr lang="en-US" sz="1600" b="0">
-                <a:solidFill>
-                  <a:srgbClr val="4FC1FF"/>
-                </a:solidFill>
-                <a:effectLst/>
-                <a:latin typeface="Consolas" panose="020B0609020204030204" pitchFamily="49" charset="0"/>
-              </a:rPr>
-              <a:t>AVG_DDFC</a:t>
-            </a:r>
-            <a:r>
-              <a:rPr lang="en-US" sz="1600" b="0">
-                <a:solidFill>
-                  <a:srgbClr val="D4D4D4"/>
-                </a:solidFill>
-                <a:effectLst/>
-                <a:latin typeface="Consolas" panose="020B0609020204030204" pitchFamily="49" charset="0"/>
-              </a:rPr>
-              <a:t> = </a:t>
-            </a:r>
-            <a:r>
-              <a:rPr lang="en-US" sz="1600" b="0">
-                <a:solidFill>
-                  <a:srgbClr val="4EC9B0"/>
-                </a:solidFill>
-                <a:effectLst/>
-                <a:latin typeface="Consolas" panose="020B0609020204030204" pitchFamily="49" charset="0"/>
-              </a:rPr>
-              <a:t>Gauge</a:t>
-            </a:r>
-            <a:r>
-              <a:rPr lang="en-US" sz="1600" b="0">
-                <a:solidFill>
-                  <a:srgbClr val="D4D4D4"/>
-                </a:solidFill>
-                <a:effectLst/>
-                <a:latin typeface="Consolas" panose="020B0609020204030204" pitchFamily="49" charset="0"/>
-              </a:rPr>
-              <a:t>(</a:t>
-            </a:r>
-          </a:p>
-          <a:p>
-            <a:pPr marL="0" indent="0">
-              <a:buNone/>
-            </a:pPr>
-            <a:r>
-              <a:rPr lang="en-US" sz="1600" b="0">
-                <a:solidFill>
-                  <a:srgbClr val="D4D4D4"/>
-                </a:solidFill>
-                <a:effectLst/>
-                <a:latin typeface="Consolas" panose="020B0609020204030204" pitchFamily="49" charset="0"/>
-              </a:rPr>
-              <a:t>    </a:t>
-            </a:r>
-            <a:r>
-              <a:rPr lang="en-US" sz="1600" b="0">
-                <a:solidFill>
-                  <a:srgbClr val="CE9178"/>
-                </a:solidFill>
-                <a:effectLst/>
-                <a:latin typeface="Consolas" panose="020B0609020204030204" pitchFamily="49" charset="0"/>
-              </a:rPr>
-              <a:t>"avg_ddfc"</a:t>
-            </a:r>
-            <a:r>
-              <a:rPr lang="en-US" sz="1600" b="0">
-                <a:solidFill>
-                  <a:srgbClr val="D4D4D4"/>
-                </a:solidFill>
-                <a:effectLst/>
-                <a:latin typeface="Consolas" panose="020B0609020204030204" pitchFamily="49" charset="0"/>
-              </a:rPr>
-              <a:t>,</a:t>
-            </a:r>
-          </a:p>
-          <a:p>
-            <a:pPr marL="0" indent="0">
-              <a:buNone/>
-            </a:pPr>
-            <a:r>
-              <a:rPr lang="en-US" sz="1600" b="0">
-                <a:solidFill>
-                  <a:srgbClr val="D4D4D4"/>
-                </a:solidFill>
-                <a:effectLst/>
-                <a:latin typeface="Consolas" panose="020B0609020204030204" pitchFamily="49" charset="0"/>
-              </a:rPr>
-              <a:t>    </a:t>
-            </a:r>
-            <a:r>
-              <a:rPr lang="en-US" sz="1600" b="0">
-                <a:solidFill>
-                  <a:srgbClr val="CE9178"/>
-                </a:solidFill>
-                <a:effectLst/>
-                <a:latin typeface="Consolas" panose="020B0609020204030204" pitchFamily="49" charset="0"/>
-              </a:rPr>
-              <a:t>"Average of last 5 'delay detection following change' of the drift detector."</a:t>
-            </a:r>
-            <a:endParaRPr lang="en-US" sz="1600" b="0">
-              <a:solidFill>
-                <a:srgbClr val="D4D4D4"/>
-              </a:solidFill>
-              <a:effectLst/>
-              <a:latin typeface="Consolas" panose="020B0609020204030204" pitchFamily="49" charset="0"/>
-            </a:endParaRPr>
-          </a:p>
-          <a:p>
-            <a:pPr marL="0" indent="0">
-              <a:buNone/>
-            </a:pPr>
-            <a:r>
-              <a:rPr lang="en-US" sz="1600" b="0">
-                <a:solidFill>
-                  <a:srgbClr val="D4D4D4"/>
-                </a:solidFill>
-                <a:effectLst/>
-                <a:latin typeface="Consolas" panose="020B0609020204030204" pitchFamily="49" charset="0"/>
-              </a:rPr>
-              <a:t>)</a:t>
-            </a:r>
-          </a:p>
-          <a:p>
-            <a:pPr marL="0" indent="0">
-              <a:buNone/>
-            </a:pPr>
-            <a:br>
-              <a:rPr lang="en-US" sz="1600" b="0">
-                <a:solidFill>
-                  <a:srgbClr val="D4D4D4"/>
-                </a:solidFill>
-                <a:effectLst/>
-                <a:latin typeface="Consolas" panose="020B0609020204030204" pitchFamily="49" charset="0"/>
-              </a:rPr>
-            </a:br>
-            <a:r>
-              <a:rPr lang="en-US" sz="1600" b="0">
-                <a:solidFill>
-                  <a:srgbClr val="9CDCFE"/>
-                </a:solidFill>
-                <a:effectLst/>
-                <a:latin typeface="Consolas" panose="020B0609020204030204" pitchFamily="49" charset="0"/>
-              </a:rPr>
-              <a:t>hist_img</a:t>
-            </a:r>
-            <a:r>
-              <a:rPr lang="en-US" sz="1600" b="0">
-                <a:solidFill>
-                  <a:srgbClr val="D4D4D4"/>
-                </a:solidFill>
-                <a:effectLst/>
-                <a:latin typeface="Consolas" panose="020B0609020204030204" pitchFamily="49" charset="0"/>
-              </a:rPr>
-              <a:t> = </a:t>
-            </a:r>
-            <a:r>
-              <a:rPr lang="en-US" sz="1600" b="0">
-                <a:solidFill>
-                  <a:srgbClr val="4EC9B0"/>
-                </a:solidFill>
-                <a:effectLst/>
-                <a:latin typeface="Consolas" panose="020B0609020204030204" pitchFamily="49" charset="0"/>
-              </a:rPr>
-              <a:t>Histogram</a:t>
-            </a:r>
-            <a:r>
-              <a:rPr lang="en-US" sz="1600" b="0">
-                <a:solidFill>
-                  <a:srgbClr val="D4D4D4"/>
-                </a:solidFill>
-                <a:effectLst/>
-                <a:latin typeface="Consolas" panose="020B0609020204030204" pitchFamily="49" charset="0"/>
-              </a:rPr>
-              <a:t>(</a:t>
-            </a:r>
-          </a:p>
-          <a:p>
-            <a:pPr marL="0" indent="0">
-              <a:buNone/>
-            </a:pPr>
-            <a:r>
-              <a:rPr lang="en-US" sz="1600" b="0">
-                <a:solidFill>
-                  <a:srgbClr val="D4D4D4"/>
-                </a:solidFill>
-                <a:effectLst/>
-                <a:latin typeface="Consolas" panose="020B0609020204030204" pitchFamily="49" charset="0"/>
-              </a:rPr>
-              <a:t>    </a:t>
-            </a:r>
-            <a:r>
-              <a:rPr lang="en-US" sz="1600" b="0">
-                <a:solidFill>
-                  <a:srgbClr val="CE9178"/>
-                </a:solidFill>
-                <a:effectLst/>
-                <a:latin typeface="Consolas" panose="020B0609020204030204" pitchFamily="49" charset="0"/>
-              </a:rPr>
-              <a:t>"img_size"</a:t>
-            </a:r>
-            <a:r>
-              <a:rPr lang="en-US" sz="1600" b="0">
-                <a:solidFill>
-                  <a:srgbClr val="D4D4D4"/>
-                </a:solidFill>
-                <a:effectLst/>
-                <a:latin typeface="Consolas" panose="020B0609020204030204" pitchFamily="49" charset="0"/>
-              </a:rPr>
-              <a:t>,</a:t>
-            </a:r>
-          </a:p>
-          <a:p>
-            <a:pPr marL="0" indent="0">
-              <a:buNone/>
-            </a:pPr>
-            <a:r>
-              <a:rPr lang="en-US" sz="1600" b="0">
-                <a:solidFill>
-                  <a:srgbClr val="D4D4D4"/>
-                </a:solidFill>
-                <a:effectLst/>
-                <a:latin typeface="Consolas" panose="020B0609020204030204" pitchFamily="49" charset="0"/>
-              </a:rPr>
-              <a:t>    </a:t>
-            </a:r>
-            <a:r>
-              <a:rPr lang="en-US" sz="1600" b="0">
-                <a:solidFill>
-                  <a:srgbClr val="CE9178"/>
-                </a:solidFill>
-                <a:effectLst/>
-                <a:latin typeface="Consolas" panose="020B0609020204030204" pitchFamily="49" charset="0"/>
-              </a:rPr>
-              <a:t>"Histogram for tracking the size of the images"</a:t>
-            </a:r>
-            <a:r>
-              <a:rPr lang="en-US" sz="1600" b="0">
-                <a:solidFill>
-                  <a:srgbClr val="D4D4D4"/>
-                </a:solidFill>
-                <a:effectLst/>
-                <a:latin typeface="Consolas" panose="020B0609020204030204" pitchFamily="49" charset="0"/>
-              </a:rPr>
-              <a:t>,</a:t>
-            </a:r>
-          </a:p>
-          <a:p>
-            <a:pPr marL="0" indent="0">
-              <a:buNone/>
-            </a:pPr>
-            <a:r>
-              <a:rPr lang="en-US" sz="1600" b="0">
-                <a:solidFill>
-                  <a:srgbClr val="D4D4D4"/>
-                </a:solidFill>
-                <a:effectLst/>
-                <a:latin typeface="Consolas" panose="020B0609020204030204" pitchFamily="49" charset="0"/>
-              </a:rPr>
-              <a:t>    </a:t>
-            </a:r>
-            <a:r>
-              <a:rPr lang="en-US" sz="1600" b="0">
-                <a:solidFill>
-                  <a:srgbClr val="9CDCFE"/>
-                </a:solidFill>
-                <a:effectLst/>
-                <a:latin typeface="Consolas" panose="020B0609020204030204" pitchFamily="49" charset="0"/>
-              </a:rPr>
-              <a:t>buckets</a:t>
-            </a:r>
-            <a:r>
-              <a:rPr lang="en-US" sz="1600" b="0">
-                <a:solidFill>
-                  <a:srgbClr val="D4D4D4"/>
-                </a:solidFill>
-                <a:effectLst/>
-                <a:latin typeface="Consolas" panose="020B0609020204030204" pitchFamily="49" charset="0"/>
-              </a:rPr>
-              <a:t>=[</a:t>
-            </a:r>
-            <a:r>
-              <a:rPr lang="en-US" sz="1600" b="0">
-                <a:solidFill>
-                  <a:srgbClr val="B5CEA8"/>
-                </a:solidFill>
-                <a:effectLst/>
-                <a:latin typeface="Consolas" panose="020B0609020204030204" pitchFamily="49" charset="0"/>
-              </a:rPr>
-              <a:t>100</a:t>
-            </a:r>
-            <a:r>
-              <a:rPr lang="en-US" sz="1600" b="0">
-                <a:solidFill>
-                  <a:srgbClr val="D4D4D4"/>
-                </a:solidFill>
-                <a:effectLst/>
-                <a:latin typeface="Consolas" panose="020B0609020204030204" pitchFamily="49" charset="0"/>
-              </a:rPr>
-              <a:t>,</a:t>
-            </a:r>
-            <a:r>
-              <a:rPr lang="en-US" sz="1600" b="0">
-                <a:solidFill>
-                  <a:srgbClr val="B5CEA8"/>
-                </a:solidFill>
-                <a:effectLst/>
-                <a:latin typeface="Consolas" panose="020B0609020204030204" pitchFamily="49" charset="0"/>
-              </a:rPr>
-              <a:t>200</a:t>
-            </a:r>
-            <a:r>
-              <a:rPr lang="en-US" sz="1600" b="0">
-                <a:solidFill>
-                  <a:srgbClr val="D4D4D4"/>
-                </a:solidFill>
-                <a:effectLst/>
-                <a:latin typeface="Consolas" panose="020B0609020204030204" pitchFamily="49" charset="0"/>
-              </a:rPr>
-              <a:t>,</a:t>
-            </a:r>
-            <a:r>
-              <a:rPr lang="en-US" sz="1600" b="0">
-                <a:solidFill>
-                  <a:srgbClr val="B5CEA8"/>
-                </a:solidFill>
-                <a:effectLst/>
-                <a:latin typeface="Consolas" panose="020B0609020204030204" pitchFamily="49" charset="0"/>
-              </a:rPr>
-              <a:t>300</a:t>
-            </a:r>
-            <a:r>
-              <a:rPr lang="en-US" sz="1600" b="0">
-                <a:solidFill>
-                  <a:srgbClr val="D4D4D4"/>
-                </a:solidFill>
-                <a:effectLst/>
-                <a:latin typeface="Consolas" panose="020B0609020204030204" pitchFamily="49" charset="0"/>
-              </a:rPr>
-              <a:t>,</a:t>
-            </a:r>
-            <a:r>
-              <a:rPr lang="en-US" sz="1600" b="0">
-                <a:solidFill>
-                  <a:srgbClr val="B5CEA8"/>
-                </a:solidFill>
-                <a:effectLst/>
-                <a:latin typeface="Consolas" panose="020B0609020204030204" pitchFamily="49" charset="0"/>
-              </a:rPr>
-              <a:t>400</a:t>
-            </a:r>
-            <a:r>
-              <a:rPr lang="en-US" sz="1600" b="0">
-                <a:solidFill>
-                  <a:srgbClr val="D4D4D4"/>
-                </a:solidFill>
-                <a:effectLst/>
-                <a:latin typeface="Consolas" panose="020B0609020204030204" pitchFamily="49" charset="0"/>
-              </a:rPr>
-              <a:t>,</a:t>
-            </a:r>
-            <a:r>
-              <a:rPr lang="en-US" sz="1600" b="0">
-                <a:solidFill>
-                  <a:srgbClr val="B5CEA8"/>
-                </a:solidFill>
-                <a:effectLst/>
-                <a:latin typeface="Consolas" panose="020B0609020204030204" pitchFamily="49" charset="0"/>
-              </a:rPr>
-              <a:t>500</a:t>
-            </a:r>
-            <a:r>
-              <a:rPr lang="en-US" sz="1600" b="0">
-                <a:solidFill>
-                  <a:srgbClr val="D4D4D4"/>
-                </a:solidFill>
-                <a:effectLst/>
-                <a:latin typeface="Consolas" panose="020B0609020204030204" pitchFamily="49" charset="0"/>
-              </a:rPr>
-              <a:t>,</a:t>
-            </a:r>
-            <a:r>
-              <a:rPr lang="en-US" sz="1600" b="0">
-                <a:solidFill>
-                  <a:srgbClr val="B5CEA8"/>
-                </a:solidFill>
-                <a:effectLst/>
-                <a:latin typeface="Consolas" panose="020B0609020204030204" pitchFamily="49" charset="0"/>
-              </a:rPr>
-              <a:t>600</a:t>
-            </a:r>
-            <a:r>
-              <a:rPr lang="en-US" sz="1600" b="0">
-                <a:solidFill>
-                  <a:srgbClr val="D4D4D4"/>
-                </a:solidFill>
-                <a:effectLst/>
-                <a:latin typeface="Consolas" panose="020B0609020204030204" pitchFamily="49" charset="0"/>
-              </a:rPr>
-              <a:t>,</a:t>
-            </a:r>
-            <a:r>
-              <a:rPr lang="en-US" sz="1600" b="0">
-                <a:solidFill>
-                  <a:srgbClr val="B5CEA8"/>
-                </a:solidFill>
-                <a:effectLst/>
-                <a:latin typeface="Consolas" panose="020B0609020204030204" pitchFamily="49" charset="0"/>
-              </a:rPr>
-              <a:t>700</a:t>
-            </a:r>
-            <a:r>
-              <a:rPr lang="en-US" sz="1600" b="0">
-                <a:solidFill>
-                  <a:srgbClr val="D4D4D4"/>
-                </a:solidFill>
-                <a:effectLst/>
-                <a:latin typeface="Consolas" panose="020B0609020204030204" pitchFamily="49" charset="0"/>
-              </a:rPr>
-              <a:t>,</a:t>
-            </a:r>
-            <a:r>
-              <a:rPr lang="en-US" sz="1600" b="0">
-                <a:solidFill>
-                  <a:srgbClr val="B5CEA8"/>
-                </a:solidFill>
-                <a:effectLst/>
-                <a:latin typeface="Consolas" panose="020B0609020204030204" pitchFamily="49" charset="0"/>
-              </a:rPr>
-              <a:t>800</a:t>
-            </a:r>
-            <a:r>
-              <a:rPr lang="en-US" sz="1600" b="0">
-                <a:solidFill>
-                  <a:srgbClr val="D4D4D4"/>
-                </a:solidFill>
-                <a:effectLst/>
-                <a:latin typeface="Consolas" panose="020B0609020204030204" pitchFamily="49" charset="0"/>
-              </a:rPr>
-              <a:t>,</a:t>
-            </a:r>
-            <a:r>
-              <a:rPr lang="en-US" sz="1600" b="0">
-                <a:solidFill>
-                  <a:srgbClr val="B5CEA8"/>
-                </a:solidFill>
-                <a:effectLst/>
-                <a:latin typeface="Consolas" panose="020B0609020204030204" pitchFamily="49" charset="0"/>
-              </a:rPr>
-              <a:t>900</a:t>
-            </a:r>
-            <a:r>
-              <a:rPr lang="en-US" sz="1600" b="0">
-                <a:solidFill>
-                  <a:srgbClr val="D4D4D4"/>
-                </a:solidFill>
-                <a:effectLst/>
-                <a:latin typeface="Consolas" panose="020B0609020204030204" pitchFamily="49" charset="0"/>
-              </a:rPr>
-              <a:t>,</a:t>
-            </a:r>
-            <a:r>
-              <a:rPr lang="en-US" sz="1600" b="0">
-                <a:solidFill>
-                  <a:srgbClr val="B5CEA8"/>
-                </a:solidFill>
-                <a:effectLst/>
-                <a:latin typeface="Consolas" panose="020B0609020204030204" pitchFamily="49" charset="0"/>
-              </a:rPr>
-              <a:t>1000</a:t>
-            </a:r>
-            <a:r>
-              <a:rPr lang="en-US" sz="1600" b="0">
-                <a:solidFill>
-                  <a:srgbClr val="D4D4D4"/>
-                </a:solidFill>
-                <a:effectLst/>
-                <a:latin typeface="Consolas" panose="020B0609020204030204" pitchFamily="49" charset="0"/>
-              </a:rPr>
-              <a:t>]</a:t>
-            </a:r>
-          </a:p>
-          <a:p>
-            <a:pPr marL="0" indent="0">
-              <a:buNone/>
-            </a:pPr>
-            <a:r>
-              <a:rPr lang="en-US" sz="1600" b="0">
-                <a:solidFill>
-                  <a:srgbClr val="D4D4D4"/>
-                </a:solidFill>
-                <a:effectLst/>
-                <a:latin typeface="Consolas" panose="020B0609020204030204" pitchFamily="49" charset="0"/>
-              </a:rPr>
-              <a:t>)</a:t>
-            </a:r>
-            <a:endParaRPr lang="it-IT" sz="2400" b="0">
-              <a:effectLst/>
-              <a:latin typeface="Roboto" panose="02000000000000000000" pitchFamily="2" charset="0"/>
-              <a:ea typeface="Roboto" panose="02000000000000000000" pitchFamily="2" charset="0"/>
-            </a:endParaRPr>
-          </a:p>
-          <a:p>
-            <a:pPr marL="0" indent="0">
-              <a:buNone/>
-            </a:pPr>
-            <a:endParaRPr lang="en-US" dirty="0"/>
-          </a:p>
-        </p:txBody>
-      </p:sp>
-      <p:sp>
-        <p:nvSpPr>
-          <p:cNvPr id="6" name="CasellaDiTesto 5">
-            <a:extLst>
-              <a:ext uri="{FF2B5EF4-FFF2-40B4-BE49-F238E27FC236}">
-                <a16:creationId xmlns:a16="http://schemas.microsoft.com/office/drawing/2014/main" id="{86AF5E20-32D7-E1E4-E32C-80FA0815CDC5}"/>
-              </a:ext>
-            </a:extLst>
-          </p:cNvPr>
-          <p:cNvSpPr txBox="1"/>
-          <p:nvPr/>
-        </p:nvSpPr>
-        <p:spPr>
-          <a:xfrm>
-            <a:off x="6464159" y="1325563"/>
-            <a:ext cx="5350534" cy="3785652"/>
+            <a:off x="2796152" y="1651138"/>
+            <a:ext cx="7188045" cy="1015663"/>
           </a:xfrm>
           <a:prstGeom prst="rect">
             <a:avLst/>
@@ -9556,370 +12265,332 @@
           </a:solidFill>
         </p:spPr>
         <p:txBody>
-          <a:bodyPr wrap="square">
+          <a:bodyPr wrap="square" rtlCol="0">
             <a:spAutoFit/>
           </a:bodyPr>
           <a:lstStyle/>
           <a:p>
             <a:r>
-              <a:rPr lang="en-US" sz="1600" b="0">
-                <a:solidFill>
-                  <a:srgbClr val="9CDCFE"/>
-                </a:solidFill>
-                <a:effectLst/>
-                <a:latin typeface="Consolas" panose="020B0609020204030204" pitchFamily="49" charset="0"/>
-              </a:rPr>
-              <a:t>counter_predictions</a:t>
-            </a:r>
-            <a:r>
-              <a:rPr lang="en-US" sz="1600" b="0">
-                <a:solidFill>
-                  <a:srgbClr val="D4D4D4"/>
-                </a:solidFill>
-                <a:effectLst/>
-                <a:latin typeface="Consolas" panose="020B0609020204030204" pitchFamily="49" charset="0"/>
-              </a:rPr>
-              <a:t> = </a:t>
-            </a:r>
-            <a:r>
-              <a:rPr lang="en-US" sz="1600" b="0">
-                <a:solidFill>
-                  <a:srgbClr val="4EC9B0"/>
-                </a:solidFill>
-                <a:effectLst/>
-                <a:latin typeface="Consolas" panose="020B0609020204030204" pitchFamily="49" charset="0"/>
-              </a:rPr>
-              <a:t>Counter</a:t>
-            </a:r>
-            <a:r>
-              <a:rPr lang="en-US" sz="1600" b="0">
-                <a:solidFill>
-                  <a:srgbClr val="D4D4D4"/>
-                </a:solidFill>
-                <a:effectLst/>
-                <a:latin typeface="Consolas" panose="020B0609020204030204" pitchFamily="49" charset="0"/>
+              <a:rPr lang="it-IT" sz="2000" b="0" i="0" u="none" strike="noStrike">
+                <a:solidFill>
+                  <a:srgbClr val="6E9FFF"/>
+                </a:solidFill>
+                <a:effectLst/>
+                <a:latin typeface="Calibri" charset="0"/>
+                <a:ea typeface="Calibri" charset="0"/>
+                <a:cs typeface="Calibri" charset="0"/>
+              </a:rPr>
+              <a:t>avg</a:t>
+            </a:r>
+            <a:r>
+              <a:rPr lang="it-IT" sz="2000" b="0" i="0" u="none" strike="noStrike">
+                <a:solidFill>
+                  <a:srgbClr val="EB7B18"/>
+                </a:solidFill>
+                <a:effectLst/>
+                <a:latin typeface="Calibri" charset="0"/>
+                <a:ea typeface="Calibri" charset="0"/>
+                <a:cs typeface="Calibri" charset="0"/>
               </a:rPr>
               <a:t>(</a:t>
             </a:r>
-          </a:p>
-          <a:p>
-            <a:r>
-              <a:rPr lang="en-US" sz="1600" b="0">
-                <a:solidFill>
-                  <a:srgbClr val="D4D4D4"/>
-                </a:solidFill>
-                <a:effectLst/>
-                <a:latin typeface="Consolas" panose="020B0609020204030204" pitchFamily="49" charset="0"/>
-              </a:rPr>
-              <a:t>    </a:t>
-            </a:r>
-            <a:r>
-              <a:rPr lang="en-US" sz="1600" b="0">
-                <a:solidFill>
-                  <a:srgbClr val="CE9178"/>
-                </a:solidFill>
-                <a:effectLst/>
-                <a:latin typeface="Consolas" panose="020B0609020204030204" pitchFamily="49" charset="0"/>
-              </a:rPr>
-              <a:t>"counter_predictions"</a:t>
-            </a:r>
-            <a:r>
-              <a:rPr lang="en-US" sz="1600" b="0">
-                <a:solidFill>
-                  <a:srgbClr val="D4D4D4"/>
-                </a:solidFill>
-                <a:effectLst/>
-                <a:latin typeface="Consolas" panose="020B0609020204030204" pitchFamily="49" charset="0"/>
-              </a:rPr>
-              <a:t>,</a:t>
-            </a:r>
-          </a:p>
-          <a:p>
-            <a:r>
-              <a:rPr lang="en-US" sz="1600" b="0">
-                <a:solidFill>
-                  <a:srgbClr val="D4D4D4"/>
-                </a:solidFill>
-                <a:effectLst/>
-                <a:latin typeface="Consolas" panose="020B0609020204030204" pitchFamily="49" charset="0"/>
-              </a:rPr>
-              <a:t>    </a:t>
-            </a:r>
-            <a:r>
-              <a:rPr lang="en-US" sz="1600" b="0">
-                <a:solidFill>
-                  <a:srgbClr val="CE9178"/>
-                </a:solidFill>
-                <a:effectLst/>
-                <a:latin typeface="Consolas" panose="020B0609020204030204" pitchFamily="49" charset="0"/>
-              </a:rPr>
-              <a:t>"Counter for predictions that have been made"</a:t>
-            </a:r>
-            <a:r>
-              <a:rPr lang="en-US" sz="1600" b="0">
-                <a:solidFill>
-                  <a:srgbClr val="D4D4D4"/>
-                </a:solidFill>
-                <a:effectLst/>
-                <a:latin typeface="Consolas" panose="020B0609020204030204" pitchFamily="49" charset="0"/>
-              </a:rPr>
-              <a:t>,</a:t>
-            </a:r>
-          </a:p>
-          <a:p>
-            <a:r>
-              <a:rPr lang="en-US" sz="1600" b="0">
-                <a:solidFill>
-                  <a:srgbClr val="D4D4D4"/>
-                </a:solidFill>
-                <a:effectLst/>
-                <a:latin typeface="Consolas" panose="020B0609020204030204" pitchFamily="49" charset="0"/>
-              </a:rPr>
-              <a:t>)</a:t>
-            </a:r>
-          </a:p>
-          <a:p>
-            <a:r>
-              <a:rPr lang="en-US" sz="1600" b="0">
-                <a:solidFill>
-                  <a:srgbClr val="9CDCFE"/>
-                </a:solidFill>
-                <a:effectLst/>
-                <a:latin typeface="Consolas" panose="020B0609020204030204" pitchFamily="49" charset="0"/>
-              </a:rPr>
-              <a:t>counter_labeled_images</a:t>
-            </a:r>
-            <a:r>
-              <a:rPr lang="en-US" sz="1600" b="0">
-                <a:solidFill>
-                  <a:srgbClr val="D4D4D4"/>
-                </a:solidFill>
-                <a:effectLst/>
-                <a:latin typeface="Consolas" panose="020B0609020204030204" pitchFamily="49" charset="0"/>
-              </a:rPr>
-              <a:t> = </a:t>
-            </a:r>
-            <a:r>
-              <a:rPr lang="en-US" sz="1600" b="0">
-                <a:solidFill>
-                  <a:srgbClr val="4EC9B0"/>
-                </a:solidFill>
-                <a:effectLst/>
-                <a:latin typeface="Consolas" panose="020B0609020204030204" pitchFamily="49" charset="0"/>
-              </a:rPr>
-              <a:t>Counter</a:t>
-            </a:r>
-            <a:r>
-              <a:rPr lang="en-US" sz="1600" b="0">
-                <a:solidFill>
-                  <a:srgbClr val="D4D4D4"/>
-                </a:solidFill>
-                <a:effectLst/>
-                <a:latin typeface="Consolas" panose="020B0609020204030204" pitchFamily="49" charset="0"/>
+            <a:r>
+              <a:rPr lang="it-IT" sz="2000" b="0" i="0" u="none" strike="noStrike">
+                <a:solidFill>
+                  <a:srgbClr val="CCCCDC"/>
+                </a:solidFill>
+                <a:effectLst/>
+                <a:latin typeface="Calibri" charset="0"/>
+                <a:ea typeface="Calibri" charset="0"/>
+                <a:cs typeface="Calibri" charset="0"/>
+              </a:rPr>
+              <a:t>request_processing_seconds</a:t>
+            </a:r>
+            <a:r>
+              <a:rPr lang="it-IT" sz="2000" b="0" i="0" u="none" strike="noStrike">
+                <a:solidFill>
+                  <a:srgbClr val="EB7B18"/>
+                </a:solidFill>
+                <a:effectLst/>
+                <a:latin typeface="Calibri" charset="0"/>
+                <a:ea typeface="Calibri" charset="0"/>
+                <a:cs typeface="Calibri" charset="0"/>
+              </a:rPr>
+              <a:t>{</a:t>
+            </a:r>
+            <a:r>
+              <a:rPr lang="it-IT" sz="2000" b="0" i="0" u="none" strike="noStrike">
+                <a:solidFill>
+                  <a:srgbClr val="6E9FFF"/>
+                </a:solidFill>
+                <a:effectLst/>
+                <a:latin typeface="Calibri" charset="0"/>
+                <a:ea typeface="Calibri" charset="0"/>
+                <a:cs typeface="Calibri" charset="0"/>
+              </a:rPr>
+              <a:t>endpoint</a:t>
+            </a:r>
+            <a:r>
+              <a:rPr lang="it-IT" sz="2000" b="0" i="0" u="none" strike="noStrike">
+                <a:solidFill>
+                  <a:srgbClr val="CCCCDC"/>
+                </a:solidFill>
+                <a:effectLst/>
+                <a:latin typeface="Calibri" charset="0"/>
+                <a:ea typeface="Calibri" charset="0"/>
+                <a:cs typeface="Calibri" charset="0"/>
+              </a:rPr>
+              <a:t>=</a:t>
+            </a:r>
+            <a:r>
+              <a:rPr lang="it-IT" sz="2000" b="0" i="0" u="none" strike="noStrike">
+                <a:solidFill>
+                  <a:srgbClr val="6CCF8E"/>
+                </a:solidFill>
+                <a:effectLst/>
+                <a:latin typeface="Calibri" charset="0"/>
+                <a:ea typeface="Calibri" charset="0"/>
+                <a:cs typeface="Calibri" charset="0"/>
+              </a:rPr>
+              <a:t>"/classify_image"</a:t>
+            </a:r>
+            <a:r>
+              <a:rPr lang="it-IT" sz="2000" b="0" i="0" u="none" strike="noStrike">
+                <a:solidFill>
+                  <a:srgbClr val="EB7B18"/>
+                </a:solidFill>
+                <a:effectLst/>
+                <a:latin typeface="Calibri" charset="0"/>
+                <a:ea typeface="Calibri" charset="0"/>
+                <a:cs typeface="Calibri" charset="0"/>
+              </a:rPr>
+              <a:t>})</a:t>
+            </a:r>
+          </a:p>
+          <a:p>
+            <a:r>
+              <a:rPr lang="it-IT" sz="2000">
+                <a:solidFill>
+                  <a:srgbClr val="6E9FFF"/>
+                </a:solidFill>
+                <a:latin typeface="Calibri" charset="0"/>
+                <a:ea typeface="Calibri" charset="0"/>
+                <a:cs typeface="Calibri" charset="0"/>
+              </a:rPr>
+              <a:t>avg</a:t>
+            </a:r>
+            <a:r>
+              <a:rPr lang="it-IT" sz="2000">
+                <a:solidFill>
+                  <a:srgbClr val="EB7B18"/>
+                </a:solidFill>
+                <a:latin typeface="Calibri" charset="0"/>
+                <a:ea typeface="Calibri" charset="0"/>
+                <a:cs typeface="Calibri" charset="0"/>
               </a:rPr>
               <a:t>(</a:t>
             </a:r>
-          </a:p>
-          <a:p>
-            <a:r>
-              <a:rPr lang="en-US" sz="1600" b="0">
-                <a:solidFill>
-                  <a:srgbClr val="D4D4D4"/>
-                </a:solidFill>
-                <a:effectLst/>
-                <a:latin typeface="Consolas" panose="020B0609020204030204" pitchFamily="49" charset="0"/>
-              </a:rPr>
-              <a:t>    </a:t>
-            </a:r>
-            <a:r>
-              <a:rPr lang="en-US" sz="1600" b="0">
-                <a:solidFill>
-                  <a:srgbClr val="CE9178"/>
-                </a:solidFill>
-                <a:effectLst/>
-                <a:latin typeface="Consolas" panose="020B0609020204030204" pitchFamily="49" charset="0"/>
-              </a:rPr>
-              <a:t>"counter_labeled_images"</a:t>
-            </a:r>
-            <a:r>
-              <a:rPr lang="en-US" sz="1600" b="0">
-                <a:solidFill>
-                  <a:srgbClr val="D4D4D4"/>
-                </a:solidFill>
-                <a:effectLst/>
-                <a:latin typeface="Consolas" panose="020B0609020204030204" pitchFamily="49" charset="0"/>
-              </a:rPr>
-              <a:t>,</a:t>
-            </a:r>
-          </a:p>
-          <a:p>
-            <a:r>
-              <a:rPr lang="en-US" sz="1600" b="0">
-                <a:solidFill>
-                  <a:srgbClr val="D4D4D4"/>
-                </a:solidFill>
-                <a:effectLst/>
-                <a:latin typeface="Consolas" panose="020B0609020204030204" pitchFamily="49" charset="0"/>
-              </a:rPr>
-              <a:t>    </a:t>
-            </a:r>
-            <a:r>
-              <a:rPr lang="en-US" sz="1600" b="0">
-                <a:solidFill>
-                  <a:srgbClr val="CE9178"/>
-                </a:solidFill>
-                <a:effectLst/>
-                <a:latin typeface="Consolas" panose="020B0609020204030204" pitchFamily="49" charset="0"/>
-              </a:rPr>
-              <a:t>"Counter for images sent to extend the dataset"</a:t>
-            </a:r>
-            <a:r>
-              <a:rPr lang="en-US" sz="1600" b="0">
-                <a:solidFill>
-                  <a:srgbClr val="D4D4D4"/>
-                </a:solidFill>
-                <a:effectLst/>
-                <a:latin typeface="Consolas" panose="020B0609020204030204" pitchFamily="49" charset="0"/>
-              </a:rPr>
-              <a:t>,</a:t>
-            </a:r>
-          </a:p>
-          <a:p>
-            <a:r>
-              <a:rPr lang="en-US" sz="1600" b="0">
-                <a:solidFill>
-                  <a:srgbClr val="D4D4D4"/>
-                </a:solidFill>
-                <a:effectLst/>
-                <a:latin typeface="Consolas" panose="020B0609020204030204" pitchFamily="49" charset="0"/>
-              </a:rPr>
-              <a:t>)</a:t>
-            </a:r>
-          </a:p>
-          <a:p>
-            <a:r>
-              <a:rPr lang="en-US" sz="1600" b="0">
-                <a:solidFill>
-                  <a:srgbClr val="9CDCFE"/>
-                </a:solidFill>
-                <a:effectLst/>
-                <a:latin typeface="Consolas" panose="020B0609020204030204" pitchFamily="49" charset="0"/>
-              </a:rPr>
-              <a:t>counter_feedback</a:t>
-            </a:r>
-            <a:r>
-              <a:rPr lang="en-US" sz="1600" b="0">
-                <a:solidFill>
-                  <a:srgbClr val="D4D4D4"/>
-                </a:solidFill>
-                <a:effectLst/>
-                <a:latin typeface="Consolas" panose="020B0609020204030204" pitchFamily="49" charset="0"/>
-              </a:rPr>
-              <a:t> = </a:t>
-            </a:r>
-            <a:r>
-              <a:rPr lang="en-US" sz="1600" b="0">
-                <a:solidFill>
-                  <a:srgbClr val="4EC9B0"/>
-                </a:solidFill>
-                <a:effectLst/>
-                <a:latin typeface="Consolas" panose="020B0609020204030204" pitchFamily="49" charset="0"/>
-              </a:rPr>
-              <a:t>Counter</a:t>
-            </a:r>
-            <a:r>
-              <a:rPr lang="en-US" sz="1600" b="0">
-                <a:solidFill>
-                  <a:srgbClr val="D4D4D4"/>
-                </a:solidFill>
-                <a:effectLst/>
-                <a:latin typeface="Consolas" panose="020B0609020204030204" pitchFamily="49" charset="0"/>
+            <a:r>
+              <a:rPr lang="it-IT" sz="2000">
+                <a:solidFill>
+                  <a:srgbClr val="CCCCDC"/>
+                </a:solidFill>
+                <a:latin typeface="Calibri" charset="0"/>
+                <a:ea typeface="Calibri" charset="0"/>
+                <a:cs typeface="Calibri" charset="0"/>
+              </a:rPr>
+              <a:t>request_processing_seconds</a:t>
+            </a:r>
+            <a:r>
+              <a:rPr lang="it-IT" sz="2000">
+                <a:solidFill>
+                  <a:srgbClr val="EB7B18"/>
+                </a:solidFill>
+                <a:latin typeface="Calibri" charset="0"/>
+                <a:ea typeface="Calibri" charset="0"/>
+                <a:cs typeface="Calibri" charset="0"/>
+              </a:rPr>
+              <a:t>{</a:t>
+            </a:r>
+            <a:r>
+              <a:rPr lang="it-IT" sz="2000">
+                <a:solidFill>
+                  <a:srgbClr val="6E9FFF"/>
+                </a:solidFill>
+                <a:latin typeface="Calibri" charset="0"/>
+                <a:ea typeface="Calibri" charset="0"/>
+                <a:cs typeface="Calibri" charset="0"/>
+              </a:rPr>
+              <a:t>endpoint</a:t>
+            </a:r>
+            <a:r>
+              <a:rPr lang="it-IT" sz="2000">
+                <a:solidFill>
+                  <a:srgbClr val="CCCCDC"/>
+                </a:solidFill>
+                <a:latin typeface="Calibri" charset="0"/>
+                <a:ea typeface="Calibri" charset="0"/>
+                <a:cs typeface="Calibri" charset="0"/>
+              </a:rPr>
+              <a:t>=</a:t>
+            </a:r>
+            <a:r>
+              <a:rPr lang="it-IT" sz="2000">
+                <a:solidFill>
+                  <a:srgbClr val="6CCF8E"/>
+                </a:solidFill>
+                <a:latin typeface="Calibri" charset="0"/>
+                <a:ea typeface="Calibri" charset="0"/>
+                <a:cs typeface="Calibri" charset="0"/>
+              </a:rPr>
+              <a:t>"/extend_dataset"</a:t>
+            </a:r>
+            <a:r>
+              <a:rPr lang="it-IT" sz="2000">
+                <a:solidFill>
+                  <a:srgbClr val="EB7B18"/>
+                </a:solidFill>
+                <a:latin typeface="Calibri" charset="0"/>
+                <a:ea typeface="Calibri" charset="0"/>
+                <a:cs typeface="Calibri" charset="0"/>
+              </a:rPr>
+              <a:t>})</a:t>
+            </a:r>
+          </a:p>
+          <a:p>
+            <a:r>
+              <a:rPr lang="it-IT" sz="2000">
+                <a:solidFill>
+                  <a:srgbClr val="6E9FFF"/>
+                </a:solidFill>
+                <a:latin typeface="Calibri" charset="0"/>
+                <a:ea typeface="Calibri" charset="0"/>
+                <a:cs typeface="Calibri" charset="0"/>
+              </a:rPr>
+              <a:t>avg</a:t>
+            </a:r>
+            <a:r>
+              <a:rPr lang="it-IT" sz="2000">
+                <a:solidFill>
+                  <a:srgbClr val="EB7B18"/>
+                </a:solidFill>
+                <a:latin typeface="Calibri" charset="0"/>
+                <a:ea typeface="Calibri" charset="0"/>
+                <a:cs typeface="Calibri" charset="0"/>
               </a:rPr>
               <a:t>(</a:t>
             </a:r>
-          </a:p>
-          <a:p>
-            <a:r>
-              <a:rPr lang="en-US" sz="1600" b="0">
-                <a:solidFill>
-                  <a:srgbClr val="D4D4D4"/>
-                </a:solidFill>
-                <a:effectLst/>
-                <a:latin typeface="Consolas" panose="020B0609020204030204" pitchFamily="49" charset="0"/>
-              </a:rPr>
-              <a:t>    </a:t>
-            </a:r>
-            <a:r>
-              <a:rPr lang="en-US" sz="1600" b="0">
-                <a:solidFill>
-                  <a:srgbClr val="CE9178"/>
-                </a:solidFill>
-                <a:effectLst/>
-                <a:latin typeface="Consolas" panose="020B0609020204030204" pitchFamily="49" charset="0"/>
-              </a:rPr>
-              <a:t>"counter_feedback"</a:t>
-            </a:r>
-            <a:r>
-              <a:rPr lang="en-US" sz="1600" b="0">
-                <a:solidFill>
-                  <a:srgbClr val="D4D4D4"/>
-                </a:solidFill>
-                <a:effectLst/>
-                <a:latin typeface="Consolas" panose="020B0609020204030204" pitchFamily="49" charset="0"/>
-              </a:rPr>
-              <a:t>,</a:t>
-            </a:r>
-          </a:p>
-          <a:p>
-            <a:r>
-              <a:rPr lang="en-US" sz="1600" b="0">
-                <a:solidFill>
-                  <a:srgbClr val="D4D4D4"/>
-                </a:solidFill>
-                <a:effectLst/>
-                <a:latin typeface="Consolas" panose="020B0609020204030204" pitchFamily="49" charset="0"/>
-              </a:rPr>
-              <a:t>    </a:t>
-            </a:r>
-            <a:r>
-              <a:rPr lang="en-US" sz="1600" b="0">
-                <a:solidFill>
-                  <a:srgbClr val="CE9178"/>
-                </a:solidFill>
-                <a:effectLst/>
-                <a:latin typeface="Consolas" panose="020B0609020204030204" pitchFamily="49" charset="0"/>
-              </a:rPr>
-              <a:t>"Counter for feedbacks sent by the experts"</a:t>
-            </a:r>
-            <a:r>
-              <a:rPr lang="en-US" sz="1600" b="0">
-                <a:solidFill>
-                  <a:srgbClr val="D4D4D4"/>
-                </a:solidFill>
-                <a:effectLst/>
-                <a:latin typeface="Consolas" panose="020B0609020204030204" pitchFamily="49" charset="0"/>
-              </a:rPr>
-              <a:t>,</a:t>
-            </a:r>
-          </a:p>
-          <a:p>
-            <a:r>
-              <a:rPr lang="en-US" sz="1600" b="0">
-                <a:solidFill>
-                  <a:srgbClr val="D4D4D4"/>
-                </a:solidFill>
-                <a:effectLst/>
-                <a:latin typeface="Consolas" panose="020B0609020204030204" pitchFamily="49" charset="0"/>
-              </a:rPr>
-              <a:t>)</a:t>
-            </a:r>
-          </a:p>
-        </p:txBody>
-      </p:sp>
+            <a:r>
+              <a:rPr lang="it-IT" sz="2000">
+                <a:solidFill>
+                  <a:srgbClr val="CCCCDC"/>
+                </a:solidFill>
+                <a:latin typeface="Calibri" charset="0"/>
+                <a:ea typeface="Calibri" charset="0"/>
+                <a:cs typeface="Calibri" charset="0"/>
+              </a:rPr>
+              <a:t>request_processing_seconds</a:t>
+            </a:r>
+            <a:r>
+              <a:rPr lang="it-IT" sz="2000">
+                <a:solidFill>
+                  <a:srgbClr val="EB7B18"/>
+                </a:solidFill>
+                <a:latin typeface="Calibri" charset="0"/>
+                <a:ea typeface="Calibri" charset="0"/>
+                <a:cs typeface="Calibri" charset="0"/>
+              </a:rPr>
+              <a:t>{</a:t>
+            </a:r>
+            <a:r>
+              <a:rPr lang="it-IT" sz="2000">
+                <a:solidFill>
+                  <a:srgbClr val="6E9FFF"/>
+                </a:solidFill>
+                <a:latin typeface="Calibri" charset="0"/>
+                <a:ea typeface="Calibri" charset="0"/>
+                <a:cs typeface="Calibri" charset="0"/>
+              </a:rPr>
+              <a:t>endpoint</a:t>
+            </a:r>
+            <a:r>
+              <a:rPr lang="it-IT" sz="2000">
+                <a:solidFill>
+                  <a:srgbClr val="CCCCDC"/>
+                </a:solidFill>
+                <a:latin typeface="Calibri" charset="0"/>
+                <a:ea typeface="Calibri" charset="0"/>
+                <a:cs typeface="Calibri" charset="0"/>
+              </a:rPr>
+              <a:t>=</a:t>
+            </a:r>
+            <a:r>
+              <a:rPr lang="it-IT" sz="2000">
+                <a:solidFill>
+                  <a:srgbClr val="6CCF8E"/>
+                </a:solidFill>
+                <a:latin typeface="Calibri" charset="0"/>
+                <a:ea typeface="Calibri" charset="0"/>
+                <a:cs typeface="Calibri" charset="0"/>
+              </a:rPr>
+              <a:t>"/feedback_class"</a:t>
+            </a:r>
+            <a:r>
+              <a:rPr lang="it-IT" sz="2000">
+                <a:solidFill>
+                  <a:srgbClr val="EB7B18"/>
+                </a:solidFill>
+                <a:latin typeface="Calibri" charset="0"/>
+                <a:ea typeface="Calibri" charset="0"/>
+                <a:cs typeface="Calibri" charset="0"/>
+              </a:rPr>
+              <a:t>})</a:t>
+            </a:r>
+            <a:endParaRPr lang="it-IT" sz="2000">
+              <a:solidFill>
+                <a:srgbClr val="DCDCDC"/>
+              </a:solidFill>
+              <a:latin typeface="Calibri" charset="0"/>
+              <a:ea typeface="Calibri" charset="0"/>
+              <a:cs typeface="Calibri" charset="0"/>
+            </a:endParaRPr>
+          </a:p>
+        </p:txBody>
+      </p:sp>
+      <p:pic>
+        <p:nvPicPr>
+          <p:cNvPr id="3" name="Immagine 2"/>
+          <p:cNvPicPr>
+            <a:picLocks noChangeAspect="1"/>
+          </p:cNvPicPr>
+          <p:nvPr/>
+        </p:nvPicPr>
+        <p:blipFill>
+          <a:blip r:embed="rId2">
+            <a:extLst>
+              <a:ext uri="{28A0092B-C50C-407E-A947-70E740481C1C}">
+                <a14:useLocalDpi xmlns:a14="http://schemas.microsoft.com/office/drawing/2010/main" val="0"/>
+              </a:ext>
+            </a:extLst>
+          </a:blip>
+          <a:stretch>
+            <a:fillRect/>
+          </a:stretch>
+        </p:blipFill>
+        <p:spPr>
+          <a:xfrm>
+            <a:off x="247482" y="3061856"/>
+            <a:ext cx="11944518" cy="1950302"/>
+          </a:xfrm>
+          <a:prstGeom prst="rect">
+            <a:avLst/>
+          </a:prstGeom>
+        </p:spPr>
+      </p:pic>
     </p:spTree>
     <p:extLst>
       <p:ext uri="{BB962C8B-B14F-4D97-AF65-F5344CB8AC3E}">
-        <p14:creationId xmlns:p14="http://schemas.microsoft.com/office/powerpoint/2010/main" val="2857515357"/>
+        <p14:creationId xmlns:p14="http://schemas.microsoft.com/office/powerpoint/2010/main" val="1606339609"/>
       </p:ext>
     </p:extLst>
   </p:cSld>
@@ -9951,7 +12622,7 @@
           <p:cNvPr id="2" name="Titolo 1">
             <a:extLst>
               <a:ext uri="{FF2B5EF4-FFF2-40B4-BE49-F238E27FC236}">
-                <a16:creationId xmlns:a16="http://schemas.microsoft.com/office/drawing/2014/main" id="{E84D6F7A-C5C5-40C7-0FD8-F1C4CD4F3D65}"/>
+                <a16:creationId xmlns:a16="http://schemas.microsoft.com/office/drawing/2014/main" xmlns="" id="{E84D6F7A-C5C5-40C7-0FD8-F1C4CD4F3D65}"/>
               </a:ext>
             </a:extLst>
           </p:cNvPr>
@@ -9964,7 +12635,7 @@
         </p:nvSpPr>
         <p:spPr>
           <a:xfrm>
-            <a:off x="886459" y="0"/>
+            <a:off x="1218967" y="-113141"/>
             <a:ext cx="10419078" cy="1325563"/>
           </a:xfrm>
         </p:spPr>
@@ -9976,305 +12647,203 @@
           <a:p>
             <a:pPr algn="ctr"/>
             <a:r>
-              <a:rPr lang="en-US" sz="4400" b="1" i="0" u="none" strike="noStrike" baseline="0">
+              <a:rPr lang="it-IT" b="1" dirty="0">
                 <a:solidFill>
                   <a:schemeClr val="accent2">
                     <a:lumMod val="75000"/>
                   </a:schemeClr>
                 </a:solidFill>
-                <a:latin typeface="CMR17"/>
-              </a:rPr>
-              <a:t>Prometheus Metrics</a:t>
-            </a:r>
-            <a:endParaRPr lang="it-IT" b="1" dirty="0">
-              <a:solidFill>
-                <a:schemeClr val="accent2">
-                  <a:lumMod val="75000"/>
-                </a:schemeClr>
-              </a:solidFill>
-            </a:endParaRPr>
-          </a:p>
-        </p:txBody>
-      </p:sp>
-      <p:sp>
-        <p:nvSpPr>
-          <p:cNvPr id="8" name="Segnaposto contenuto 2">
-            <a:extLst>
-              <a:ext uri="{FF2B5EF4-FFF2-40B4-BE49-F238E27FC236}">
-                <a16:creationId xmlns:a16="http://schemas.microsoft.com/office/drawing/2014/main" id="{BDBB7D20-3AC2-51C8-AA8A-A5491FCD4726}"/>
-              </a:ext>
-            </a:extLst>
-          </p:cNvPr>
-          <p:cNvSpPr txBox="1">
-            <a:spLocks/>
-          </p:cNvSpPr>
+                <a:latin typeface="Calibri" charset="0"/>
+                <a:ea typeface="Calibri" charset="0"/>
+                <a:cs typeface="Calibri" charset="0"/>
+              </a:rPr>
+              <a:t>Grafana dashboard</a:t>
+            </a:r>
+          </a:p>
+        </p:txBody>
+      </p:sp>
+      <p:sp>
+        <p:nvSpPr>
+          <p:cNvPr id="5" name="Rettangolo 4"/>
+          <p:cNvSpPr/>
           <p:nvPr/>
         </p:nvSpPr>
         <p:spPr>
           <a:xfrm>
-            <a:off x="838198" y="5199397"/>
-            <a:ext cx="10515600" cy="766573"/>
+            <a:off x="4229648" y="833407"/>
+            <a:ext cx="4321055" cy="369332"/>
           </a:xfrm>
           <a:prstGeom prst="rect">
             <a:avLst/>
           </a:prstGeom>
         </p:spPr>
         <p:txBody>
-          <a:bodyPr vert="horz" lIns="91440" tIns="45720" rIns="91440" bIns="45720" rtlCol="0">
-            <a:normAutofit/>
+          <a:bodyPr wrap="none">
+            <a:spAutoFit/>
           </a:bodyPr>
-          <a:lstStyle>
-            <a:lvl1pPr marL="228600" indent="-228600" algn="l" defTabSz="914400" rtl="0" eaLnBrk="1" latinLnBrk="0" hangingPunct="1">
-              <a:lnSpc>
-                <a:spcPct val="90000"/>
-              </a:lnSpc>
-              <a:spcBef>
-                <a:spcPts val="1000"/>
-              </a:spcBef>
-              <a:buFont typeface="Arial" panose="020B0604020202020204" pitchFamily="34" charset="0"/>
-              <a:buChar char="•"/>
-              <a:defRPr sz="2800" kern="1200">
-                <a:solidFill>
-                  <a:schemeClr val="tx1"/>
-                </a:solidFill>
-                <a:latin typeface="+mn-lt"/>
-                <a:ea typeface="+mn-ea"/>
-                <a:cs typeface="+mn-cs"/>
-              </a:defRPr>
-            </a:lvl1pPr>
-            <a:lvl2pPr marL="685800" indent="-228600" algn="l" defTabSz="914400" rtl="0" eaLnBrk="1" latinLnBrk="0" hangingPunct="1">
-              <a:lnSpc>
-                <a:spcPct val="90000"/>
-              </a:lnSpc>
-              <a:spcBef>
-                <a:spcPts val="500"/>
-              </a:spcBef>
-              <a:buFont typeface="Arial" panose="020B0604020202020204" pitchFamily="34" charset="0"/>
-              <a:buChar char="•"/>
-              <a:defRPr sz="2400" kern="1200">
-                <a:solidFill>
-                  <a:schemeClr val="tx1"/>
-                </a:solidFill>
-                <a:latin typeface="+mn-lt"/>
-                <a:ea typeface="+mn-ea"/>
-                <a:cs typeface="+mn-cs"/>
-              </a:defRPr>
-            </a:lvl2pPr>
-            <a:lvl3pPr marL="1143000" indent="-228600" algn="l" defTabSz="914400" rtl="0" eaLnBrk="1" latinLnBrk="0" hangingPunct="1">
-              <a:lnSpc>
-                <a:spcPct val="90000"/>
-              </a:lnSpc>
-              <a:spcBef>
-                <a:spcPts val="500"/>
-              </a:spcBef>
-              <a:buFont typeface="Arial" panose="020B0604020202020204" pitchFamily="34" charset="0"/>
-              <a:buChar char="•"/>
-              <a:defRPr sz="2000" kern="1200">
-                <a:solidFill>
-                  <a:schemeClr val="tx1"/>
-                </a:solidFill>
-                <a:latin typeface="+mn-lt"/>
-                <a:ea typeface="+mn-ea"/>
-                <a:cs typeface="+mn-cs"/>
-              </a:defRPr>
-            </a:lvl3pPr>
-            <a:lvl4pPr marL="1600200" indent="-228600" algn="l" defTabSz="914400" rtl="0" eaLnBrk="1" latinLnBrk="0" hangingPunct="1">
-              <a:lnSpc>
-                <a:spcPct val="90000"/>
-              </a:lnSpc>
-              <a:spcBef>
-                <a:spcPts val="500"/>
-              </a:spcBef>
-              <a:buFont typeface="Arial" panose="020B0604020202020204" pitchFamily="34" charset="0"/>
-              <a:buChar char="•"/>
-              <a:defRPr sz="1800" kern="1200">
-                <a:solidFill>
-                  <a:schemeClr val="tx1"/>
-                </a:solidFill>
-                <a:latin typeface="+mn-lt"/>
-                <a:ea typeface="+mn-ea"/>
-                <a:cs typeface="+mn-cs"/>
-              </a:defRPr>
-            </a:lvl4pPr>
-            <a:lvl5pPr marL="2057400" indent="-228600" algn="l" defTabSz="914400" rtl="0" eaLnBrk="1" latinLnBrk="0" hangingPunct="1">
-              <a:lnSpc>
-                <a:spcPct val="90000"/>
-              </a:lnSpc>
-              <a:spcBef>
-                <a:spcPts val="500"/>
-              </a:spcBef>
-              <a:buFont typeface="Arial" panose="020B0604020202020204" pitchFamily="34" charset="0"/>
-              <a:buChar char="•"/>
-              <a:defRPr sz="1800" kern="1200">
-                <a:solidFill>
-                  <a:schemeClr val="tx1"/>
-                </a:solidFill>
-                <a:latin typeface="+mn-lt"/>
-                <a:ea typeface="+mn-ea"/>
-                <a:cs typeface="+mn-cs"/>
-              </a:defRPr>
-            </a:lvl5pPr>
-            <a:lvl6pPr marL="2514600" indent="-228600" algn="l" defTabSz="914400" rtl="0" eaLnBrk="1" latinLnBrk="0" hangingPunct="1">
-              <a:lnSpc>
-                <a:spcPct val="90000"/>
-              </a:lnSpc>
-              <a:spcBef>
-                <a:spcPts val="500"/>
-              </a:spcBef>
-              <a:buFont typeface="Arial" panose="020B0604020202020204" pitchFamily="34" charset="0"/>
-              <a:buChar char="•"/>
-              <a:defRPr sz="1800" kern="1200">
-                <a:solidFill>
-                  <a:schemeClr val="tx1"/>
-                </a:solidFill>
-                <a:latin typeface="+mn-lt"/>
-                <a:ea typeface="+mn-ea"/>
-                <a:cs typeface="+mn-cs"/>
-              </a:defRPr>
-            </a:lvl6pPr>
-            <a:lvl7pPr marL="2971800" indent="-228600" algn="l" defTabSz="914400" rtl="0" eaLnBrk="1" latinLnBrk="0" hangingPunct="1">
-              <a:lnSpc>
-                <a:spcPct val="90000"/>
-              </a:lnSpc>
-              <a:spcBef>
-                <a:spcPts val="500"/>
-              </a:spcBef>
-              <a:buFont typeface="Arial" panose="020B0604020202020204" pitchFamily="34" charset="0"/>
-              <a:buChar char="•"/>
-              <a:defRPr sz="1800" kern="1200">
-                <a:solidFill>
-                  <a:schemeClr val="tx1"/>
-                </a:solidFill>
-                <a:latin typeface="+mn-lt"/>
-                <a:ea typeface="+mn-ea"/>
-                <a:cs typeface="+mn-cs"/>
-              </a:defRPr>
-            </a:lvl7pPr>
-            <a:lvl8pPr marL="3429000" indent="-228600" algn="l" defTabSz="914400" rtl="0" eaLnBrk="1" latinLnBrk="0" hangingPunct="1">
-              <a:lnSpc>
-                <a:spcPct val="90000"/>
-              </a:lnSpc>
-              <a:spcBef>
-                <a:spcPts val="500"/>
-              </a:spcBef>
-              <a:buFont typeface="Arial" panose="020B0604020202020204" pitchFamily="34" charset="0"/>
-              <a:buChar char="•"/>
-              <a:defRPr sz="1800" kern="1200">
-                <a:solidFill>
-                  <a:schemeClr val="tx1"/>
-                </a:solidFill>
-                <a:latin typeface="+mn-lt"/>
-                <a:ea typeface="+mn-ea"/>
-                <a:cs typeface="+mn-cs"/>
-              </a:defRPr>
-            </a:lvl8pPr>
-            <a:lvl9pPr marL="3886200" indent="-228600" algn="l" defTabSz="914400" rtl="0" eaLnBrk="1" latinLnBrk="0" hangingPunct="1">
-              <a:lnSpc>
-                <a:spcPct val="90000"/>
-              </a:lnSpc>
-              <a:spcBef>
-                <a:spcPts val="500"/>
-              </a:spcBef>
-              <a:buFont typeface="Arial" panose="020B0604020202020204" pitchFamily="34" charset="0"/>
-              <a:buChar char="•"/>
-              <a:defRPr sz="1800" kern="1200">
-                <a:solidFill>
-                  <a:schemeClr val="tx1"/>
-                </a:solidFill>
-                <a:latin typeface="+mn-lt"/>
-                <a:ea typeface="+mn-ea"/>
-                <a:cs typeface="+mn-cs"/>
-              </a:defRPr>
-            </a:lvl9pPr>
-          </a:lstStyle>
-          <a:p>
-            <a:pPr marL="0" indent="0">
-              <a:buFont typeface="Arial" panose="020B0604020202020204" pitchFamily="34" charset="0"/>
-              <a:buNone/>
-            </a:pPr>
-            <a:endParaRPr lang="it-IT" dirty="0"/>
-          </a:p>
-        </p:txBody>
-      </p:sp>
-      <p:sp>
-        <p:nvSpPr>
-          <p:cNvPr id="4" name="Segnaposto contenuto 3">
+          <a:lstStyle/>
+          <a:p>
+            <a:r>
+              <a:rPr lang="it-IT" b="1" dirty="0">
+                <a:solidFill>
+                  <a:schemeClr val="accent2">
+                    <a:lumMod val="75000"/>
+                  </a:schemeClr>
+                </a:solidFill>
+                <a:latin typeface="Helvetica Neue" charset="0"/>
+                <a:ea typeface="Helvetica Neue" charset="0"/>
+                <a:cs typeface="Helvetica Neue" charset="0"/>
+              </a:rPr>
+              <a:t>PromQL queries for data visualization</a:t>
+            </a:r>
+          </a:p>
+        </p:txBody>
+      </p:sp>
+      <p:sp>
+        <p:nvSpPr>
+          <p:cNvPr id="6" name="CasellaDiTesto 5"/>
+          <p:cNvSpPr txBox="1"/>
+          <p:nvPr/>
+        </p:nvSpPr>
+        <p:spPr>
+          <a:xfrm>
+            <a:off x="4200461" y="1492186"/>
+            <a:ext cx="4456089" cy="461665"/>
+          </a:xfrm>
+          <a:prstGeom prst="rect">
+            <a:avLst/>
+          </a:prstGeom>
+          <a:solidFill>
+            <a:schemeClr val="tx1">
+              <a:lumMod val="85000"/>
+              <a:lumOff val="15000"/>
+            </a:schemeClr>
+          </a:solidFill>
+        </p:spPr>
+        <p:txBody>
+          <a:bodyPr wrap="square" rtlCol="0">
+            <a:spAutoFit/>
+          </a:bodyPr>
+          <a:lstStyle/>
+          <a:p>
+            <a:r>
+              <a:rPr lang="it-IT" sz="2400" b="0" i="0" u="none" strike="noStrike">
+                <a:solidFill>
+                  <a:srgbClr val="6E9FFF"/>
+                </a:solidFill>
+                <a:effectLst/>
+                <a:latin typeface="Calibri" charset="0"/>
+                <a:ea typeface="Calibri" charset="0"/>
+                <a:cs typeface="Calibri" charset="0"/>
+              </a:rPr>
+              <a:t>rate</a:t>
+            </a:r>
+            <a:r>
+              <a:rPr lang="it-IT" sz="2400" b="0" i="0" u="none" strike="noStrike">
+                <a:solidFill>
+                  <a:srgbClr val="EB7B18"/>
+                </a:solidFill>
+                <a:effectLst/>
+                <a:latin typeface="Calibri" charset="0"/>
+                <a:ea typeface="Calibri" charset="0"/>
+                <a:cs typeface="Calibri" charset="0"/>
+              </a:rPr>
+              <a:t>(</a:t>
+            </a:r>
+            <a:r>
+              <a:rPr lang="it-IT" sz="2400" b="0" i="0" u="none" strike="noStrike">
+                <a:solidFill>
+                  <a:srgbClr val="CCCCDC"/>
+                </a:solidFill>
+                <a:effectLst/>
+                <a:latin typeface="Calibri" charset="0"/>
+                <a:ea typeface="Calibri" charset="0"/>
+                <a:cs typeface="Calibri" charset="0"/>
+              </a:rPr>
+              <a:t>counter_feedback_total[</a:t>
+            </a:r>
+            <a:r>
+              <a:rPr lang="it-IT" sz="2400" b="0" i="0" u="none" strike="noStrike">
+                <a:solidFill>
+                  <a:srgbClr val="FE85FC"/>
+                </a:solidFill>
+                <a:effectLst/>
+                <a:latin typeface="Calibri" charset="0"/>
+                <a:ea typeface="Calibri" charset="0"/>
+                <a:cs typeface="Calibri" charset="0"/>
+              </a:rPr>
+              <a:t>1m</a:t>
+            </a:r>
+            <a:r>
+              <a:rPr lang="it-IT" sz="2400" b="0" i="0" u="none" strike="noStrike">
+                <a:solidFill>
+                  <a:srgbClr val="CCCCDC"/>
+                </a:solidFill>
+                <a:effectLst/>
+                <a:latin typeface="Calibri" charset="0"/>
+                <a:ea typeface="Calibri" charset="0"/>
+                <a:cs typeface="Calibri" charset="0"/>
+              </a:rPr>
+              <a:t>]</a:t>
+            </a:r>
+            <a:r>
+              <a:rPr lang="it-IT" sz="2400" b="0" i="0" u="none" strike="noStrike">
+                <a:solidFill>
+                  <a:srgbClr val="EB7B18"/>
+                </a:solidFill>
+                <a:effectLst/>
+                <a:latin typeface="Calibri" charset="0"/>
+                <a:ea typeface="Calibri" charset="0"/>
+                <a:cs typeface="Calibri" charset="0"/>
+              </a:rPr>
+              <a:t>)</a:t>
+            </a:r>
+            <a:endParaRPr lang="it-IT" sz="2400" b="0" i="0" u="none" strike="noStrike">
+              <a:solidFill>
+                <a:srgbClr val="DCDCDC"/>
+              </a:solidFill>
+              <a:effectLst/>
+              <a:latin typeface="Calibri" charset="0"/>
+              <a:ea typeface="Calibri" charset="0"/>
+              <a:cs typeface="Calibri" charset="0"/>
+            </a:endParaRPr>
+          </a:p>
+        </p:txBody>
+      </p:sp>
+      <p:pic>
+        <p:nvPicPr>
+          <p:cNvPr id="4" name="Immagine 3"/>
+          <p:cNvPicPr>
+            <a:picLocks noChangeAspect="1"/>
+          </p:cNvPicPr>
+          <p:nvPr/>
+        </p:nvPicPr>
+        <p:blipFill>
+          <a:blip r:embed="rId2">
             <a:extLst>
-              <a:ext uri="{FF2B5EF4-FFF2-40B4-BE49-F238E27FC236}">
-                <a16:creationId xmlns:a16="http://schemas.microsoft.com/office/drawing/2014/main" id="{F633D041-4327-A1E1-FA33-A66DEDD1D285}"/>
+              <a:ext uri="{28A0092B-C50C-407E-A947-70E740481C1C}">
+                <a14:useLocalDpi xmlns:a14="http://schemas.microsoft.com/office/drawing/2010/main" val="0"/>
               </a:ext>
             </a:extLst>
-          </p:cNvPr>
-          <p:cNvSpPr>
-            <a:spLocks noGrp="1"/>
-          </p:cNvSpPr>
-          <p:nvPr>
-            <p:ph idx="1"/>
-          </p:nvPr>
-        </p:nvSpPr>
+          </a:blip>
+          <a:stretch>
+            <a:fillRect/>
+          </a:stretch>
+        </p:blipFill>
         <p:spPr>
           <a:xfrm>
-            <a:off x="789937" y="1420183"/>
-            <a:ext cx="10515600" cy="4351338"/>
+            <a:off x="415636" y="2233615"/>
+            <a:ext cx="11554917" cy="3912688"/>
           </a:xfrm>
+          <a:prstGeom prst="rect">
+            <a:avLst/>
+          </a:prstGeom>
         </p:spPr>
-        <p:txBody>
-          <a:bodyPr/>
-          <a:lstStyle/>
-          <a:p>
-            <a:pPr marL="0" indent="0">
-              <a:buNone/>
-            </a:pPr>
-            <a:r>
-              <a:rPr lang="it-IT"/>
-              <a:t>Furthermore to these metrics we manipulated also other metrics given by the instrumentator as:</a:t>
-            </a:r>
-          </a:p>
-          <a:p>
-            <a:pPr marL="514350" indent="-514350">
-              <a:buFont typeface="+mj-lt"/>
-              <a:buAutoNum type="arabicPeriod"/>
-            </a:pPr>
-            <a:r>
-              <a:rPr lang="it-IT"/>
-              <a:t>Metric A</a:t>
-            </a:r>
-          </a:p>
-          <a:p>
-            <a:pPr marL="514350" indent="-514350">
-              <a:buFont typeface="+mj-lt"/>
-              <a:buAutoNum type="arabicPeriod"/>
-            </a:pPr>
-            <a:r>
-              <a:rPr lang="it-IT"/>
-              <a:t>Metric B</a:t>
-            </a:r>
-          </a:p>
-          <a:p>
-            <a:pPr marL="514350" indent="-514350">
-              <a:buFont typeface="+mj-lt"/>
-              <a:buAutoNum type="arabicPeriod"/>
-            </a:pPr>
-            <a:r>
-              <a:rPr lang="it-IT"/>
-              <a:t>Metric C</a:t>
-            </a:r>
-          </a:p>
-          <a:p>
-            <a:pPr marL="0" indent="0">
-              <a:buNone/>
-            </a:pPr>
-            <a:r>
-              <a:rPr lang="it-IT"/>
-              <a:t>At the end we connected Grafana using the Prometheus Container as Data Source and finally we built the dashboard using all the metrics we retained useful for the project.</a:t>
-            </a:r>
-          </a:p>
-        </p:txBody>
-      </p:sp>
+      </p:pic>
     </p:spTree>
     <p:extLst>
       <p:ext uri="{BB962C8B-B14F-4D97-AF65-F5344CB8AC3E}">
-        <p14:creationId xmlns:p14="http://schemas.microsoft.com/office/powerpoint/2010/main" val="3738617923"/>
+        <p14:creationId xmlns:p14="http://schemas.microsoft.com/office/powerpoint/2010/main" val="602827451"/>
       </p:ext>
     </p:extLst>
   </p:cSld>

--- a/docs/ArchiNet Team-Milestone 6.pptx
+++ b/docs/ArchiNet Team-Milestone 6.pptx
@@ -4658,8 +4658,8 @@
         </p:nvSpPr>
         <p:spPr bwMode="auto">
           <a:xfrm>
-            <a:off x="706844" y="2702183"/>
-            <a:ext cx="9458230" cy="1846659"/>
+            <a:off x="610319" y="2459503"/>
+            <a:ext cx="9545114" cy="1938992"/>
           </a:xfrm>
           <a:prstGeom prst="rect">
             <a:avLst/>
@@ -4765,10 +4765,10 @@
                 <a:ea typeface="Calibri" charset="0"/>
                 <a:cs typeface="Calibri" charset="0"/>
               </a:rPr>
-              <a:t> Counter </a:t>
-            </a:r>
-            <a:r>
-              <a:rPr kumimoji="0" lang="it-IT" altLang="it-IT" b="1" i="0" u="none" strike="noStrike" cap="none" normalizeH="0" baseline="0">
+              <a:t> </a:t>
+            </a:r>
+            <a:r>
+              <a:rPr kumimoji="0" lang="it-IT" altLang="it-IT" sz="2000" i="0" u="none" strike="noStrike" cap="none" normalizeH="0" baseline="0">
                 <a:ln>
                   <a:noFill/>
                 </a:ln>
@@ -4777,9 +4777,21 @@
                 <a:ea typeface="Calibri" charset="0"/>
                 <a:cs typeface="Calibri" charset="0"/>
               </a:rPr>
+              <a:t>Counter </a:t>
+            </a:r>
+            <a:r>
+              <a:rPr kumimoji="0" lang="it-IT" altLang="it-IT" sz="2000" b="1" i="0" u="none" strike="noStrike" cap="none" normalizeH="0" baseline="0">
+                <a:ln>
+                  <a:noFill/>
+                </a:ln>
+                <a:effectLst/>
+                <a:latin typeface="Calibri" charset="0"/>
+                <a:ea typeface="Calibri" charset="0"/>
+                <a:cs typeface="Calibri" charset="0"/>
+              </a:rPr>
               <a:t>http_requests_total </a:t>
             </a:r>
-            <a:endParaRPr kumimoji="0" lang="it-IT" altLang="it-IT" i="0" u="none" strike="noStrike" cap="none" normalizeH="0" baseline="0">
+            <a:endParaRPr kumimoji="0" lang="it-IT" altLang="it-IT" sz="2000" i="0" u="none" strike="noStrike" cap="none" normalizeH="0" baseline="0">
               <a:ln>
                 <a:noFill/>
               </a:ln>
@@ -4807,7 +4819,7 @@
               <a:tabLst/>
             </a:pPr>
             <a:r>
-              <a:rPr lang="it-IT" altLang="it-IT">
+              <a:rPr lang="it-IT" altLang="it-IT" sz="2000">
                 <a:latin typeface="Calibri" charset="0"/>
                 <a:ea typeface="Calibri" charset="0"/>
                 <a:cs typeface="Calibri" charset="0"/>
@@ -4815,7 +4827,7 @@
               <a:t> Counter </a:t>
             </a:r>
             <a:r>
-              <a:rPr lang="it-IT" altLang="it-IT" b="1">
+              <a:rPr lang="it-IT" altLang="it-IT" sz="2000" b="1">
                 <a:latin typeface="Calibri" charset="0"/>
                 <a:ea typeface="Calibri" charset="0"/>
                 <a:cs typeface="Calibri" charset="0"/>
@@ -4841,7 +4853,7 @@
               <a:tabLst/>
             </a:pPr>
             <a:r>
-              <a:rPr kumimoji="0" lang="it-IT" altLang="it-IT" b="1" i="0" u="none" strike="noStrike" cap="none" normalizeH="0">
+              <a:rPr kumimoji="0" lang="it-IT" altLang="it-IT" sz="2000" b="1" i="0" u="none" strike="noStrike" cap="none" normalizeH="0">
                 <a:ln>
                   <a:noFill/>
                 </a:ln>
@@ -4853,7 +4865,7 @@
               <a:t> </a:t>
             </a:r>
             <a:r>
-              <a:rPr kumimoji="0" lang="it-IT" altLang="it-IT" i="0" u="none" strike="noStrike" cap="none" normalizeH="0">
+              <a:rPr kumimoji="0" lang="it-IT" altLang="it-IT" sz="2000" i="0" u="none" strike="noStrike" cap="none" normalizeH="0">
                 <a:ln>
                   <a:noFill/>
                 </a:ln>
@@ -4865,7 +4877,7 @@
               <a:t>Counter </a:t>
             </a:r>
             <a:r>
-              <a:rPr kumimoji="0" lang="it-IT" altLang="it-IT" b="1" i="0" u="none" strike="noStrike" cap="none" normalizeH="0">
+              <a:rPr kumimoji="0" lang="it-IT" altLang="it-IT" sz="2000" b="1" i="0" u="none" strike="noStrike" cap="none" normalizeH="0">
                 <a:ln>
                   <a:noFill/>
                 </a:ln>
@@ -4876,7 +4888,7 @@
               </a:rPr>
               <a:t>process_virtual_memory_bytes</a:t>
             </a:r>
-            <a:endParaRPr kumimoji="0" lang="it-IT" altLang="it-IT" i="0" u="none" strike="noStrike" cap="none" normalizeH="0" baseline="0">
+            <a:endParaRPr kumimoji="0" lang="it-IT" altLang="it-IT" sz="2000" i="0" u="none" strike="noStrike" cap="none" normalizeH="0" baseline="0">
               <a:ln>
                 <a:noFill/>
               </a:ln>
@@ -4930,8 +4942,8 @@
         </p:nvSpPr>
         <p:spPr>
           <a:xfrm>
-            <a:off x="2226790" y="4825841"/>
-            <a:ext cx="7738416" cy="1754326"/>
+            <a:off x="610319" y="4398495"/>
+            <a:ext cx="9785101" cy="2123658"/>
           </a:xfrm>
           <a:prstGeom prst="rect">
             <a:avLst/>
@@ -4950,7 +4962,7 @@
           <a:lstStyle/>
           <a:p>
             <a:r>
-              <a:rPr lang="en-US" b="0">
+              <a:rPr lang="en-US" sz="2200" b="0">
                 <a:solidFill>
                   <a:srgbClr val="C586C0"/>
                 </a:solidFill>
@@ -4960,7 +4972,7 @@
               <a:t>from</a:t>
             </a:r>
             <a:r>
-              <a:rPr lang="en-US" b="0">
+              <a:rPr lang="en-US" sz="2200" b="0">
                 <a:solidFill>
                   <a:srgbClr val="D4D4D4"/>
                 </a:solidFill>
@@ -4970,7 +4982,7 @@
               <a:t> </a:t>
             </a:r>
             <a:r>
-              <a:rPr lang="en-US" b="0">
+              <a:rPr lang="en-US" sz="2200" b="0">
                 <a:solidFill>
                   <a:srgbClr val="4EC9B0"/>
                 </a:solidFill>
@@ -4980,7 +4992,7 @@
               <a:t>prometheus_fastapi_instrumentator</a:t>
             </a:r>
             <a:r>
-              <a:rPr lang="en-US" b="0">
+              <a:rPr lang="en-US" sz="2200" b="0">
                 <a:solidFill>
                   <a:srgbClr val="D4D4D4"/>
                 </a:solidFill>
@@ -4990,7 +5002,7 @@
               <a:t> </a:t>
             </a:r>
             <a:r>
-              <a:rPr lang="en-US" b="0">
+              <a:rPr lang="en-US" sz="2200" b="0">
                 <a:solidFill>
                   <a:srgbClr val="C586C0"/>
                 </a:solidFill>
@@ -5000,7 +5012,7 @@
               <a:t>import</a:t>
             </a:r>
             <a:r>
-              <a:rPr lang="en-US" b="0">
+              <a:rPr lang="en-US" sz="2200" b="0">
                 <a:solidFill>
                   <a:srgbClr val="D4D4D4"/>
                 </a:solidFill>
@@ -5010,7 +5022,7 @@
               <a:t> </a:t>
             </a:r>
             <a:r>
-              <a:rPr lang="en-US" b="0">
+              <a:rPr lang="en-US" sz="2200" b="0">
                 <a:solidFill>
                   <a:srgbClr val="9CDCFE"/>
                 </a:solidFill>
@@ -5020,7 +5032,7 @@
               <a:t>Instrumentator</a:t>
             </a:r>
             <a:r>
-              <a:rPr lang="en-US" b="0">
+              <a:rPr lang="en-US" sz="2200" b="0">
                 <a:solidFill>
                   <a:srgbClr val="D4D4D4"/>
                 </a:solidFill>
@@ -5030,7 +5042,7 @@
               <a:t/>
             </a:r>
             <a:br>
-              <a:rPr lang="en-US" b="0">
+              <a:rPr lang="en-US" sz="2200" b="0">
                 <a:solidFill>
                   <a:srgbClr val="D4D4D4"/>
                 </a:solidFill>
@@ -5039,7 +5051,7 @@
               </a:rPr>
             </a:br>
             <a:r>
-              <a:rPr lang="en-US" b="0">
+              <a:rPr lang="en-US" sz="2200" b="0">
                 <a:solidFill>
                   <a:srgbClr val="C586C0"/>
                 </a:solidFill>
@@ -5049,7 +5061,7 @@
               <a:t>from</a:t>
             </a:r>
             <a:r>
-              <a:rPr lang="en-US" b="0">
+              <a:rPr lang="en-US" sz="2200" b="0">
                 <a:solidFill>
                   <a:srgbClr val="D4D4D4"/>
                 </a:solidFill>
@@ -5059,7 +5071,7 @@
               <a:t> </a:t>
             </a:r>
             <a:r>
-              <a:rPr lang="en-US" b="0">
+              <a:rPr lang="en-US" sz="2200" b="0">
                 <a:solidFill>
                   <a:srgbClr val="4EC9B0"/>
                 </a:solidFill>
@@ -5069,7 +5081,7 @@
               <a:t>prometheus_client</a:t>
             </a:r>
             <a:r>
-              <a:rPr lang="en-US" b="0">
+              <a:rPr lang="en-US" sz="2200" b="0">
                 <a:solidFill>
                   <a:srgbClr val="D4D4D4"/>
                 </a:solidFill>
@@ -5079,7 +5091,7 @@
               <a:t> </a:t>
             </a:r>
             <a:r>
-              <a:rPr lang="en-US" b="0">
+              <a:rPr lang="en-US" sz="2200" b="0">
                 <a:solidFill>
                   <a:srgbClr val="C586C0"/>
                 </a:solidFill>
@@ -5089,7 +5101,7 @@
               <a:t>import</a:t>
             </a:r>
             <a:r>
-              <a:rPr lang="en-US" b="0">
+              <a:rPr lang="en-US" sz="2200" b="0">
                 <a:solidFill>
                   <a:srgbClr val="D4D4D4"/>
                 </a:solidFill>
@@ -5101,7 +5113,7 @@
           </a:p>
           <a:p>
             <a:r>
-              <a:rPr lang="en-US" b="0">
+              <a:rPr lang="en-US" sz="2200" b="0">
                 <a:solidFill>
                   <a:srgbClr val="D4D4D4"/>
                 </a:solidFill>
@@ -5111,7 +5123,7 @@
               <a:t>    </a:t>
             </a:r>
             <a:r>
-              <a:rPr lang="en-US" b="0">
+              <a:rPr lang="en-US" sz="2200" b="0">
                 <a:solidFill>
                   <a:srgbClr val="4EC9B0"/>
                 </a:solidFill>
@@ -5121,7 +5133,7 @@
               <a:t>Counter</a:t>
             </a:r>
             <a:r>
-              <a:rPr lang="en-US" b="0">
+              <a:rPr lang="en-US" sz="2200" b="0">
                 <a:solidFill>
                   <a:srgbClr val="D4D4D4"/>
                 </a:solidFill>
@@ -5133,7 +5145,7 @@
           </a:p>
           <a:p>
             <a:r>
-              <a:rPr lang="en-US" b="0">
+              <a:rPr lang="en-US" sz="2200" b="0">
                 <a:solidFill>
                   <a:srgbClr val="D4D4D4"/>
                 </a:solidFill>
@@ -5143,7 +5155,7 @@
               <a:t>    </a:t>
             </a:r>
             <a:r>
-              <a:rPr lang="en-US" b="0">
+              <a:rPr lang="en-US" sz="2200" b="0">
                 <a:solidFill>
                   <a:srgbClr val="4EC9B0"/>
                 </a:solidFill>
@@ -5153,7 +5165,7 @@
               <a:t>Gauge</a:t>
             </a:r>
             <a:r>
-              <a:rPr lang="en-US" b="0">
+              <a:rPr lang="en-US" sz="2200" b="0">
                 <a:solidFill>
                   <a:srgbClr val="D4D4D4"/>
                 </a:solidFill>
@@ -5165,7 +5177,7 @@
           </a:p>
           <a:p>
             <a:r>
-              <a:rPr lang="en-US" b="0">
+              <a:rPr lang="en-US" sz="2200" b="0">
                 <a:solidFill>
                   <a:srgbClr val="D4D4D4"/>
                 </a:solidFill>
@@ -5175,7 +5187,7 @@
               <a:t>    </a:t>
             </a:r>
             <a:r>
-              <a:rPr lang="en-US" b="0">
+              <a:rPr lang="en-US" sz="2200" b="0">
                 <a:solidFill>
                   <a:srgbClr val="4EC9B0"/>
                 </a:solidFill>
@@ -5185,7 +5197,7 @@
               <a:t>Histogram</a:t>
             </a:r>
             <a:r>
-              <a:rPr lang="en-US" b="0">
+              <a:rPr lang="en-US" sz="2200" b="0">
                 <a:solidFill>
                   <a:srgbClr val="D4D4D4"/>
                 </a:solidFill>
@@ -5197,7 +5209,7 @@
           </a:p>
           <a:p>
             <a:r>
-              <a:rPr lang="en-US" b="0">
+              <a:rPr lang="en-US" sz="2200" b="0">
                 <a:solidFill>
                   <a:srgbClr val="D4D4D4"/>
                 </a:solidFill>
@@ -5410,7 +5422,7 @@
         <p:spPr>
           <a:xfrm>
             <a:off x="1921428" y="1914501"/>
-            <a:ext cx="8349137" cy="1015663"/>
+            <a:ext cx="8349137" cy="1107996"/>
           </a:xfrm>
           <a:prstGeom prst="rect">
             <a:avLst/>
@@ -5429,7 +5441,7 @@
           <a:lstStyle/>
           <a:p>
             <a:r>
-              <a:rPr lang="it-IT" sz="2000" b="0">
+              <a:rPr lang="it-IT" sz="2200" b="0">
                 <a:solidFill>
                   <a:srgbClr val="D4D4D4"/>
                 </a:solidFill>
@@ -5439,7 +5451,7 @@
               <a:t>@app.on_event(</a:t>
             </a:r>
             <a:r>
-              <a:rPr lang="it-IT" sz="2000" b="0">
+              <a:rPr lang="it-IT" sz="2200" b="0">
                 <a:solidFill>
                   <a:srgbClr val="CE9178"/>
                 </a:solidFill>
@@ -5449,7 +5461,7 @@
               <a:t>"startup"</a:t>
             </a:r>
             <a:r>
-              <a:rPr lang="it-IT" sz="2000" b="0">
+              <a:rPr lang="it-IT" sz="2200" b="0">
                 <a:solidFill>
                   <a:srgbClr val="D4D4D4"/>
                 </a:solidFill>
@@ -5461,7 +5473,7 @@
           </a:p>
           <a:p>
             <a:r>
-              <a:rPr lang="it-IT" sz="2000" b="0">
+              <a:rPr lang="it-IT" sz="2200" b="0">
                 <a:solidFill>
                   <a:srgbClr val="569CD6"/>
                 </a:solidFill>
@@ -5471,7 +5483,7 @@
               <a:t>async</a:t>
             </a:r>
             <a:r>
-              <a:rPr lang="it-IT" sz="2000" b="0">
+              <a:rPr lang="it-IT" sz="2200" b="0">
                 <a:solidFill>
                   <a:srgbClr val="D4D4D4"/>
                 </a:solidFill>
@@ -5481,7 +5493,7 @@
               <a:t> </a:t>
             </a:r>
             <a:r>
-              <a:rPr lang="it-IT" sz="2000" b="0">
+              <a:rPr lang="it-IT" sz="2200" b="0">
                 <a:solidFill>
                   <a:srgbClr val="569CD6"/>
                 </a:solidFill>
@@ -5491,7 +5503,7 @@
               <a:t>def</a:t>
             </a:r>
             <a:r>
-              <a:rPr lang="it-IT" sz="2000" b="0">
+              <a:rPr lang="it-IT" sz="2200" b="0">
                 <a:solidFill>
                   <a:srgbClr val="D4D4D4"/>
                 </a:solidFill>
@@ -5503,7 +5515,7 @@
           </a:p>
           <a:p>
             <a:r>
-              <a:rPr lang="it-IT" sz="2000" b="0">
+              <a:rPr lang="it-IT" sz="2200" b="0">
                 <a:solidFill>
                   <a:srgbClr val="D4D4D4"/>
                 </a:solidFill>
@@ -6579,8 +6591,8 @@
         </p:nvSpPr>
         <p:spPr>
           <a:xfrm>
-            <a:off x="443344" y="1466470"/>
-            <a:ext cx="11407481" cy="461665"/>
+            <a:off x="3034533" y="1593394"/>
+            <a:ext cx="6787942" cy="461665"/>
           </a:xfrm>
           <a:prstGeom prst="rect">
             <a:avLst/>
@@ -6608,7 +6620,7 @@
                 <a:ea typeface="Calibri" charset="0"/>
                 <a:cs typeface="Calibri" charset="0"/>
               </a:rPr>
-              <a:t>			rate</a:t>
+              <a:t>rate</a:t>
             </a:r>
             <a:r>
               <a:rPr lang="it-IT" sz="2400" b="0" i="0" u="none" strike="noStrike">
@@ -6740,7 +6752,7 @@
                 <a:ea typeface="Calibri" charset="0"/>
                 <a:cs typeface="Calibri" charset="0"/>
               </a:rPr>
-              <a:t>)	</a:t>
+              <a:t>)</a:t>
             </a:r>
           </a:p>
         </p:txBody>
@@ -6895,8 +6907,8 @@
         </p:nvSpPr>
         <p:spPr>
           <a:xfrm>
-            <a:off x="398604" y="1461776"/>
-            <a:ext cx="11706518" cy="461665"/>
+            <a:off x="1079060" y="1531432"/>
+            <a:ext cx="10698887" cy="461665"/>
           </a:xfrm>
           <a:prstGeom prst="rect">
             <a:avLst/>

--- a/docs/ArchiNet Team-Milestone 6.pptx
+++ b/docs/ArchiNet Team-Milestone 6.pptx
@@ -222,7 +222,7 @@
           <a:p>
             <a:fld id="{E3DCC2CC-EAAE-DA44-87DE-CEA1DACAC13F}" type="datetimeFigureOut">
               <a:rPr lang="en-GB" smtClean="0"/>
-              <a:t>09/01/2023</a:t>
+              <a:t>10/01/2023</a:t>
             </a:fld>
             <a:endParaRPr lang="en-GB"/>
           </a:p>
@@ -381,7 +381,7 @@
           <a:p>
             <a:fld id="{81134C7B-08A5-0143-B2DB-24883E593BD1}" type="slidenum">
               <a:rPr lang="en-GB" smtClean="0"/>
-              <a:t>‹n.›</a:t>
+              <a:t>‹N›</a:t>
             </a:fld>
             <a:endParaRPr lang="en-GB"/>
           </a:p>
@@ -512,7 +512,7 @@
           <p:cNvPr id="2" name="Titolo 1">
             <a:extLst>
               <a:ext uri="{FF2B5EF4-FFF2-40B4-BE49-F238E27FC236}">
-                <a16:creationId xmlns:a16="http://schemas.microsoft.com/office/drawing/2014/main" xmlns="" id="{A5856E15-36F6-B52E-4F8C-0D4E2494A137}"/>
+                <a16:creationId xmlns:a16="http://schemas.microsoft.com/office/drawing/2014/main" id="{A5856E15-36F6-B52E-4F8C-0D4E2494A137}"/>
               </a:ext>
             </a:extLst>
           </p:cNvPr>
@@ -549,7 +549,7 @@
           <p:cNvPr id="3" name="Sottotitolo 2">
             <a:extLst>
               <a:ext uri="{FF2B5EF4-FFF2-40B4-BE49-F238E27FC236}">
-                <a16:creationId xmlns:a16="http://schemas.microsoft.com/office/drawing/2014/main" xmlns="" id="{6298409D-2EC7-14D2-2521-512DE8ADBFC2}"/>
+                <a16:creationId xmlns:a16="http://schemas.microsoft.com/office/drawing/2014/main" id="{6298409D-2EC7-14D2-2521-512DE8ADBFC2}"/>
               </a:ext>
             </a:extLst>
           </p:cNvPr>
@@ -619,7 +619,7 @@
           <p:cNvPr id="4" name="Segnaposto data 3">
             <a:extLst>
               <a:ext uri="{FF2B5EF4-FFF2-40B4-BE49-F238E27FC236}">
-                <a16:creationId xmlns:a16="http://schemas.microsoft.com/office/drawing/2014/main" xmlns="" id="{D4A6DCE1-64B1-B546-A245-114581DBAAC5}"/>
+                <a16:creationId xmlns:a16="http://schemas.microsoft.com/office/drawing/2014/main" id="{D4A6DCE1-64B1-B546-A245-114581DBAAC5}"/>
               </a:ext>
             </a:extLst>
           </p:cNvPr>
@@ -637,7 +637,7 @@
           <a:p>
             <a:fld id="{4162ED4E-8BC0-4D11-A5C7-39002C316D74}" type="datetimeFigureOut">
               <a:rPr lang="it-IT" smtClean="0"/>
-              <a:t>09/01/23</a:t>
+              <a:t>10/01/2023</a:t>
             </a:fld>
             <a:endParaRPr lang="it-IT"/>
           </a:p>
@@ -648,7 +648,7 @@
           <p:cNvPr id="5" name="Segnaposto piè di pagina 4">
             <a:extLst>
               <a:ext uri="{FF2B5EF4-FFF2-40B4-BE49-F238E27FC236}">
-                <a16:creationId xmlns:a16="http://schemas.microsoft.com/office/drawing/2014/main" xmlns="" id="{91767226-9C11-3794-DA06-5749189B3C1C}"/>
+                <a16:creationId xmlns:a16="http://schemas.microsoft.com/office/drawing/2014/main" id="{91767226-9C11-3794-DA06-5749189B3C1C}"/>
               </a:ext>
             </a:extLst>
           </p:cNvPr>
@@ -673,7 +673,7 @@
           <p:cNvPr id="6" name="Segnaposto numero diapositiva 5">
             <a:extLst>
               <a:ext uri="{FF2B5EF4-FFF2-40B4-BE49-F238E27FC236}">
-                <a16:creationId xmlns:a16="http://schemas.microsoft.com/office/drawing/2014/main" xmlns="" id="{81D03395-B85A-79C2-9061-9FE5E0193D90}"/>
+                <a16:creationId xmlns:a16="http://schemas.microsoft.com/office/drawing/2014/main" id="{81D03395-B85A-79C2-9061-9FE5E0193D90}"/>
               </a:ext>
             </a:extLst>
           </p:cNvPr>
@@ -691,7 +691,7 @@
           <a:p>
             <a:fld id="{EDA6FB6F-2AD8-4BD0-8A2C-0F89ADB074C9}" type="slidenum">
               <a:rPr lang="it-IT" smtClean="0"/>
-              <a:t>‹n.›</a:t>
+              <a:t>‹N›</a:t>
             </a:fld>
             <a:endParaRPr lang="it-IT"/>
           </a:p>
@@ -732,7 +732,7 @@
           <p:cNvPr id="2" name="Titolo 1">
             <a:extLst>
               <a:ext uri="{FF2B5EF4-FFF2-40B4-BE49-F238E27FC236}">
-                <a16:creationId xmlns:a16="http://schemas.microsoft.com/office/drawing/2014/main" xmlns="" id="{89B2AE1D-BC8B-29E2-CAAF-E2F7680455E2}"/>
+                <a16:creationId xmlns:a16="http://schemas.microsoft.com/office/drawing/2014/main" id="{89B2AE1D-BC8B-29E2-CAAF-E2F7680455E2}"/>
               </a:ext>
             </a:extLst>
           </p:cNvPr>
@@ -760,7 +760,7 @@
           <p:cNvPr id="3" name="Segnaposto testo verticale 2">
             <a:extLst>
               <a:ext uri="{FF2B5EF4-FFF2-40B4-BE49-F238E27FC236}">
-                <a16:creationId xmlns:a16="http://schemas.microsoft.com/office/drawing/2014/main" xmlns="" id="{44EE1E66-B07F-343A-8330-16E4AE5DA359}"/>
+                <a16:creationId xmlns:a16="http://schemas.microsoft.com/office/drawing/2014/main" id="{44EE1E66-B07F-343A-8330-16E4AE5DA359}"/>
               </a:ext>
             </a:extLst>
           </p:cNvPr>
@@ -817,7 +817,7 @@
           <p:cNvPr id="4" name="Segnaposto data 3">
             <a:extLst>
               <a:ext uri="{FF2B5EF4-FFF2-40B4-BE49-F238E27FC236}">
-                <a16:creationId xmlns:a16="http://schemas.microsoft.com/office/drawing/2014/main" xmlns="" id="{AB2A3F00-70E5-85BB-4A9F-35044656D887}"/>
+                <a16:creationId xmlns:a16="http://schemas.microsoft.com/office/drawing/2014/main" id="{AB2A3F00-70E5-85BB-4A9F-35044656D887}"/>
               </a:ext>
             </a:extLst>
           </p:cNvPr>
@@ -835,7 +835,7 @@
           <a:p>
             <a:fld id="{4162ED4E-8BC0-4D11-A5C7-39002C316D74}" type="datetimeFigureOut">
               <a:rPr lang="it-IT" smtClean="0"/>
-              <a:t>09/01/23</a:t>
+              <a:t>10/01/2023</a:t>
             </a:fld>
             <a:endParaRPr lang="it-IT"/>
           </a:p>
@@ -846,7 +846,7 @@
           <p:cNvPr id="5" name="Segnaposto piè di pagina 4">
             <a:extLst>
               <a:ext uri="{FF2B5EF4-FFF2-40B4-BE49-F238E27FC236}">
-                <a16:creationId xmlns:a16="http://schemas.microsoft.com/office/drawing/2014/main" xmlns="" id="{7B661847-4401-86D1-D2DB-A19398D44A11}"/>
+                <a16:creationId xmlns:a16="http://schemas.microsoft.com/office/drawing/2014/main" id="{7B661847-4401-86D1-D2DB-A19398D44A11}"/>
               </a:ext>
             </a:extLst>
           </p:cNvPr>
@@ -871,7 +871,7 @@
           <p:cNvPr id="6" name="Segnaposto numero diapositiva 5">
             <a:extLst>
               <a:ext uri="{FF2B5EF4-FFF2-40B4-BE49-F238E27FC236}">
-                <a16:creationId xmlns:a16="http://schemas.microsoft.com/office/drawing/2014/main" xmlns="" id="{7A10E2AE-5CAC-7BFC-A00C-72BF83C023FB}"/>
+                <a16:creationId xmlns:a16="http://schemas.microsoft.com/office/drawing/2014/main" id="{7A10E2AE-5CAC-7BFC-A00C-72BF83C023FB}"/>
               </a:ext>
             </a:extLst>
           </p:cNvPr>
@@ -889,7 +889,7 @@
           <a:p>
             <a:fld id="{EDA6FB6F-2AD8-4BD0-8A2C-0F89ADB074C9}" type="slidenum">
               <a:rPr lang="it-IT" smtClean="0"/>
-              <a:t>‹n.›</a:t>
+              <a:t>‹N›</a:t>
             </a:fld>
             <a:endParaRPr lang="it-IT"/>
           </a:p>
@@ -930,7 +930,7 @@
           <p:cNvPr id="2" name="Titolo verticale 1">
             <a:extLst>
               <a:ext uri="{FF2B5EF4-FFF2-40B4-BE49-F238E27FC236}">
-                <a16:creationId xmlns:a16="http://schemas.microsoft.com/office/drawing/2014/main" xmlns="" id="{7B01F554-4C91-632A-2F0E-972AF3D8A515}"/>
+                <a16:creationId xmlns:a16="http://schemas.microsoft.com/office/drawing/2014/main" id="{7B01F554-4C91-632A-2F0E-972AF3D8A515}"/>
               </a:ext>
             </a:extLst>
           </p:cNvPr>
@@ -963,7 +963,7 @@
           <p:cNvPr id="3" name="Segnaposto testo verticale 2">
             <a:extLst>
               <a:ext uri="{FF2B5EF4-FFF2-40B4-BE49-F238E27FC236}">
-                <a16:creationId xmlns:a16="http://schemas.microsoft.com/office/drawing/2014/main" xmlns="" id="{6192B37F-FCB9-E79D-A43B-A6F7A168ED28}"/>
+                <a16:creationId xmlns:a16="http://schemas.microsoft.com/office/drawing/2014/main" id="{6192B37F-FCB9-E79D-A43B-A6F7A168ED28}"/>
               </a:ext>
             </a:extLst>
           </p:cNvPr>
@@ -1025,7 +1025,7 @@
           <p:cNvPr id="4" name="Segnaposto data 3">
             <a:extLst>
               <a:ext uri="{FF2B5EF4-FFF2-40B4-BE49-F238E27FC236}">
-                <a16:creationId xmlns:a16="http://schemas.microsoft.com/office/drawing/2014/main" xmlns="" id="{72F57BEB-C18C-0DCF-5673-13ABF10A0AE4}"/>
+                <a16:creationId xmlns:a16="http://schemas.microsoft.com/office/drawing/2014/main" id="{72F57BEB-C18C-0DCF-5673-13ABF10A0AE4}"/>
               </a:ext>
             </a:extLst>
           </p:cNvPr>
@@ -1043,7 +1043,7 @@
           <a:p>
             <a:fld id="{4162ED4E-8BC0-4D11-A5C7-39002C316D74}" type="datetimeFigureOut">
               <a:rPr lang="it-IT" smtClean="0"/>
-              <a:t>09/01/23</a:t>
+              <a:t>10/01/2023</a:t>
             </a:fld>
             <a:endParaRPr lang="it-IT"/>
           </a:p>
@@ -1054,7 +1054,7 @@
           <p:cNvPr id="5" name="Segnaposto piè di pagina 4">
             <a:extLst>
               <a:ext uri="{FF2B5EF4-FFF2-40B4-BE49-F238E27FC236}">
-                <a16:creationId xmlns:a16="http://schemas.microsoft.com/office/drawing/2014/main" xmlns="" id="{711E27C6-789B-6D24-E67F-E563CC848AE7}"/>
+                <a16:creationId xmlns:a16="http://schemas.microsoft.com/office/drawing/2014/main" id="{711E27C6-789B-6D24-E67F-E563CC848AE7}"/>
               </a:ext>
             </a:extLst>
           </p:cNvPr>
@@ -1079,7 +1079,7 @@
           <p:cNvPr id="6" name="Segnaposto numero diapositiva 5">
             <a:extLst>
               <a:ext uri="{FF2B5EF4-FFF2-40B4-BE49-F238E27FC236}">
-                <a16:creationId xmlns:a16="http://schemas.microsoft.com/office/drawing/2014/main" xmlns="" id="{ACDD3F04-617B-9DB7-6F9B-20FFE597CAB5}"/>
+                <a16:creationId xmlns:a16="http://schemas.microsoft.com/office/drawing/2014/main" id="{ACDD3F04-617B-9DB7-6F9B-20FFE597CAB5}"/>
               </a:ext>
             </a:extLst>
           </p:cNvPr>
@@ -1097,7 +1097,7 @@
           <a:p>
             <a:fld id="{EDA6FB6F-2AD8-4BD0-8A2C-0F89ADB074C9}" type="slidenum">
               <a:rPr lang="it-IT" smtClean="0"/>
-              <a:t>‹n.›</a:t>
+              <a:t>‹N›</a:t>
             </a:fld>
             <a:endParaRPr lang="it-IT"/>
           </a:p>
@@ -1138,7 +1138,7 @@
           <p:cNvPr id="2" name="Titolo 1">
             <a:extLst>
               <a:ext uri="{FF2B5EF4-FFF2-40B4-BE49-F238E27FC236}">
-                <a16:creationId xmlns:a16="http://schemas.microsoft.com/office/drawing/2014/main" xmlns="" id="{A4AFFF0A-8E4E-AF71-99AE-FF2FFA92567E}"/>
+                <a16:creationId xmlns:a16="http://schemas.microsoft.com/office/drawing/2014/main" id="{A4AFFF0A-8E4E-AF71-99AE-FF2FFA92567E}"/>
               </a:ext>
             </a:extLst>
           </p:cNvPr>
@@ -1166,7 +1166,7 @@
           <p:cNvPr id="3" name="Segnaposto contenuto 2">
             <a:extLst>
               <a:ext uri="{FF2B5EF4-FFF2-40B4-BE49-F238E27FC236}">
-                <a16:creationId xmlns:a16="http://schemas.microsoft.com/office/drawing/2014/main" xmlns="" id="{95AAE621-0850-4595-6F74-2328CD96CC03}"/>
+                <a16:creationId xmlns:a16="http://schemas.microsoft.com/office/drawing/2014/main" id="{95AAE621-0850-4595-6F74-2328CD96CC03}"/>
               </a:ext>
             </a:extLst>
           </p:cNvPr>
@@ -1223,7 +1223,7 @@
           <p:cNvPr id="4" name="Segnaposto data 3">
             <a:extLst>
               <a:ext uri="{FF2B5EF4-FFF2-40B4-BE49-F238E27FC236}">
-                <a16:creationId xmlns:a16="http://schemas.microsoft.com/office/drawing/2014/main" xmlns="" id="{97DAFFF8-B937-BB97-5063-D1F0DC558558}"/>
+                <a16:creationId xmlns:a16="http://schemas.microsoft.com/office/drawing/2014/main" id="{97DAFFF8-B937-BB97-5063-D1F0DC558558}"/>
               </a:ext>
             </a:extLst>
           </p:cNvPr>
@@ -1241,7 +1241,7 @@
           <a:p>
             <a:fld id="{4162ED4E-8BC0-4D11-A5C7-39002C316D74}" type="datetimeFigureOut">
               <a:rPr lang="it-IT" smtClean="0"/>
-              <a:t>09/01/23</a:t>
+              <a:t>10/01/2023</a:t>
             </a:fld>
             <a:endParaRPr lang="it-IT"/>
           </a:p>
@@ -1252,7 +1252,7 @@
           <p:cNvPr id="5" name="Segnaposto piè di pagina 4">
             <a:extLst>
               <a:ext uri="{FF2B5EF4-FFF2-40B4-BE49-F238E27FC236}">
-                <a16:creationId xmlns:a16="http://schemas.microsoft.com/office/drawing/2014/main" xmlns="" id="{AB88C178-D17C-4F9C-1EB1-E0F7D6EC237E}"/>
+                <a16:creationId xmlns:a16="http://schemas.microsoft.com/office/drawing/2014/main" id="{AB88C178-D17C-4F9C-1EB1-E0F7D6EC237E}"/>
               </a:ext>
             </a:extLst>
           </p:cNvPr>
@@ -1277,7 +1277,7 @@
           <p:cNvPr id="6" name="Segnaposto numero diapositiva 5">
             <a:extLst>
               <a:ext uri="{FF2B5EF4-FFF2-40B4-BE49-F238E27FC236}">
-                <a16:creationId xmlns:a16="http://schemas.microsoft.com/office/drawing/2014/main" xmlns="" id="{8135BB4F-2706-8ECE-8EF5-ABBFBC4037FE}"/>
+                <a16:creationId xmlns:a16="http://schemas.microsoft.com/office/drawing/2014/main" id="{8135BB4F-2706-8ECE-8EF5-ABBFBC4037FE}"/>
               </a:ext>
             </a:extLst>
           </p:cNvPr>
@@ -1295,7 +1295,7 @@
           <a:p>
             <a:fld id="{EDA6FB6F-2AD8-4BD0-8A2C-0F89ADB074C9}" type="slidenum">
               <a:rPr lang="it-IT" smtClean="0"/>
-              <a:t>‹n.›</a:t>
+              <a:t>‹N›</a:t>
             </a:fld>
             <a:endParaRPr lang="it-IT"/>
           </a:p>
@@ -1336,7 +1336,7 @@
           <p:cNvPr id="2" name="Titolo 1">
             <a:extLst>
               <a:ext uri="{FF2B5EF4-FFF2-40B4-BE49-F238E27FC236}">
-                <a16:creationId xmlns:a16="http://schemas.microsoft.com/office/drawing/2014/main" xmlns="" id="{D565DFEE-8654-9A40-1C43-4EC1940B5F4B}"/>
+                <a16:creationId xmlns:a16="http://schemas.microsoft.com/office/drawing/2014/main" id="{D565DFEE-8654-9A40-1C43-4EC1940B5F4B}"/>
               </a:ext>
             </a:extLst>
           </p:cNvPr>
@@ -1373,7 +1373,7 @@
           <p:cNvPr id="3" name="Segnaposto testo 2">
             <a:extLst>
               <a:ext uri="{FF2B5EF4-FFF2-40B4-BE49-F238E27FC236}">
-                <a16:creationId xmlns:a16="http://schemas.microsoft.com/office/drawing/2014/main" xmlns="" id="{CFB3EF10-AAB5-6CC0-28D8-924C00EAB047}"/>
+                <a16:creationId xmlns:a16="http://schemas.microsoft.com/office/drawing/2014/main" id="{CFB3EF10-AAB5-6CC0-28D8-924C00EAB047}"/>
               </a:ext>
             </a:extLst>
           </p:cNvPr>
@@ -1498,7 +1498,7 @@
           <p:cNvPr id="4" name="Segnaposto data 3">
             <a:extLst>
               <a:ext uri="{FF2B5EF4-FFF2-40B4-BE49-F238E27FC236}">
-                <a16:creationId xmlns:a16="http://schemas.microsoft.com/office/drawing/2014/main" xmlns="" id="{957EB737-F017-7269-1C37-C690C23AD1C6}"/>
+                <a16:creationId xmlns:a16="http://schemas.microsoft.com/office/drawing/2014/main" id="{957EB737-F017-7269-1C37-C690C23AD1C6}"/>
               </a:ext>
             </a:extLst>
           </p:cNvPr>
@@ -1516,7 +1516,7 @@
           <a:p>
             <a:fld id="{4162ED4E-8BC0-4D11-A5C7-39002C316D74}" type="datetimeFigureOut">
               <a:rPr lang="it-IT" smtClean="0"/>
-              <a:t>09/01/23</a:t>
+              <a:t>10/01/2023</a:t>
             </a:fld>
             <a:endParaRPr lang="it-IT"/>
           </a:p>
@@ -1527,7 +1527,7 @@
           <p:cNvPr id="5" name="Segnaposto piè di pagina 4">
             <a:extLst>
               <a:ext uri="{FF2B5EF4-FFF2-40B4-BE49-F238E27FC236}">
-                <a16:creationId xmlns:a16="http://schemas.microsoft.com/office/drawing/2014/main" xmlns="" id="{B22E2177-5CBA-69A4-F167-105BE71D1297}"/>
+                <a16:creationId xmlns:a16="http://schemas.microsoft.com/office/drawing/2014/main" id="{B22E2177-5CBA-69A4-F167-105BE71D1297}"/>
               </a:ext>
             </a:extLst>
           </p:cNvPr>
@@ -1552,7 +1552,7 @@
           <p:cNvPr id="6" name="Segnaposto numero diapositiva 5">
             <a:extLst>
               <a:ext uri="{FF2B5EF4-FFF2-40B4-BE49-F238E27FC236}">
-                <a16:creationId xmlns:a16="http://schemas.microsoft.com/office/drawing/2014/main" xmlns="" id="{8E2FE18A-40FF-9E06-E4CF-EF5C3A6F0856}"/>
+                <a16:creationId xmlns:a16="http://schemas.microsoft.com/office/drawing/2014/main" id="{8E2FE18A-40FF-9E06-E4CF-EF5C3A6F0856}"/>
               </a:ext>
             </a:extLst>
           </p:cNvPr>
@@ -1570,7 +1570,7 @@
           <a:p>
             <a:fld id="{EDA6FB6F-2AD8-4BD0-8A2C-0F89ADB074C9}" type="slidenum">
               <a:rPr lang="it-IT" smtClean="0"/>
-              <a:t>‹n.›</a:t>
+              <a:t>‹N›</a:t>
             </a:fld>
             <a:endParaRPr lang="it-IT"/>
           </a:p>
@@ -1611,7 +1611,7 @@
           <p:cNvPr id="2" name="Titolo 1">
             <a:extLst>
               <a:ext uri="{FF2B5EF4-FFF2-40B4-BE49-F238E27FC236}">
-                <a16:creationId xmlns:a16="http://schemas.microsoft.com/office/drawing/2014/main" xmlns="" id="{E5D53DDF-CFDD-750E-6882-02BFD3525532}"/>
+                <a16:creationId xmlns:a16="http://schemas.microsoft.com/office/drawing/2014/main" id="{E5D53DDF-CFDD-750E-6882-02BFD3525532}"/>
               </a:ext>
             </a:extLst>
           </p:cNvPr>
@@ -1639,7 +1639,7 @@
           <p:cNvPr id="3" name="Segnaposto contenuto 2">
             <a:extLst>
               <a:ext uri="{FF2B5EF4-FFF2-40B4-BE49-F238E27FC236}">
-                <a16:creationId xmlns:a16="http://schemas.microsoft.com/office/drawing/2014/main" xmlns="" id="{CED89CBA-AAD3-9ED1-9F82-65BBE5BCD50B}"/>
+                <a16:creationId xmlns:a16="http://schemas.microsoft.com/office/drawing/2014/main" id="{CED89CBA-AAD3-9ED1-9F82-65BBE5BCD50B}"/>
               </a:ext>
             </a:extLst>
           </p:cNvPr>
@@ -1701,7 +1701,7 @@
           <p:cNvPr id="4" name="Segnaposto contenuto 3">
             <a:extLst>
               <a:ext uri="{FF2B5EF4-FFF2-40B4-BE49-F238E27FC236}">
-                <a16:creationId xmlns:a16="http://schemas.microsoft.com/office/drawing/2014/main" xmlns="" id="{A25E8015-87FC-A1B3-B088-CFA13E2D45F2}"/>
+                <a16:creationId xmlns:a16="http://schemas.microsoft.com/office/drawing/2014/main" id="{A25E8015-87FC-A1B3-B088-CFA13E2D45F2}"/>
               </a:ext>
             </a:extLst>
           </p:cNvPr>
@@ -1763,7 +1763,7 @@
           <p:cNvPr id="5" name="Segnaposto data 4">
             <a:extLst>
               <a:ext uri="{FF2B5EF4-FFF2-40B4-BE49-F238E27FC236}">
-                <a16:creationId xmlns:a16="http://schemas.microsoft.com/office/drawing/2014/main" xmlns="" id="{E9917C88-11CD-E2CD-F933-A59125E17088}"/>
+                <a16:creationId xmlns:a16="http://schemas.microsoft.com/office/drawing/2014/main" id="{E9917C88-11CD-E2CD-F933-A59125E17088}"/>
               </a:ext>
             </a:extLst>
           </p:cNvPr>
@@ -1781,7 +1781,7 @@
           <a:p>
             <a:fld id="{4162ED4E-8BC0-4D11-A5C7-39002C316D74}" type="datetimeFigureOut">
               <a:rPr lang="it-IT" smtClean="0"/>
-              <a:t>09/01/23</a:t>
+              <a:t>10/01/2023</a:t>
             </a:fld>
             <a:endParaRPr lang="it-IT"/>
           </a:p>
@@ -1792,7 +1792,7 @@
           <p:cNvPr id="6" name="Segnaposto piè di pagina 5">
             <a:extLst>
               <a:ext uri="{FF2B5EF4-FFF2-40B4-BE49-F238E27FC236}">
-                <a16:creationId xmlns:a16="http://schemas.microsoft.com/office/drawing/2014/main" xmlns="" id="{F29F936A-94A0-5B1B-976B-03C9596875A0}"/>
+                <a16:creationId xmlns:a16="http://schemas.microsoft.com/office/drawing/2014/main" id="{F29F936A-94A0-5B1B-976B-03C9596875A0}"/>
               </a:ext>
             </a:extLst>
           </p:cNvPr>
@@ -1817,7 +1817,7 @@
           <p:cNvPr id="7" name="Segnaposto numero diapositiva 6">
             <a:extLst>
               <a:ext uri="{FF2B5EF4-FFF2-40B4-BE49-F238E27FC236}">
-                <a16:creationId xmlns:a16="http://schemas.microsoft.com/office/drawing/2014/main" xmlns="" id="{29756D61-2B90-EF8D-14BB-106DF38247E8}"/>
+                <a16:creationId xmlns:a16="http://schemas.microsoft.com/office/drawing/2014/main" id="{29756D61-2B90-EF8D-14BB-106DF38247E8}"/>
               </a:ext>
             </a:extLst>
           </p:cNvPr>
@@ -1835,7 +1835,7 @@
           <a:p>
             <a:fld id="{EDA6FB6F-2AD8-4BD0-8A2C-0F89ADB074C9}" type="slidenum">
               <a:rPr lang="it-IT" smtClean="0"/>
-              <a:t>‹n.›</a:t>
+              <a:t>‹N›</a:t>
             </a:fld>
             <a:endParaRPr lang="it-IT"/>
           </a:p>
@@ -1876,7 +1876,7 @@
           <p:cNvPr id="2" name="Titolo 1">
             <a:extLst>
               <a:ext uri="{FF2B5EF4-FFF2-40B4-BE49-F238E27FC236}">
-                <a16:creationId xmlns:a16="http://schemas.microsoft.com/office/drawing/2014/main" xmlns="" id="{F303DD3F-20DE-450B-19E2-A36F792E7AB7}"/>
+                <a16:creationId xmlns:a16="http://schemas.microsoft.com/office/drawing/2014/main" id="{F303DD3F-20DE-450B-19E2-A36F792E7AB7}"/>
               </a:ext>
             </a:extLst>
           </p:cNvPr>
@@ -1909,7 +1909,7 @@
           <p:cNvPr id="3" name="Segnaposto testo 2">
             <a:extLst>
               <a:ext uri="{FF2B5EF4-FFF2-40B4-BE49-F238E27FC236}">
-                <a16:creationId xmlns:a16="http://schemas.microsoft.com/office/drawing/2014/main" xmlns="" id="{D984E972-9192-8B8E-856E-1F5D51B28D8D}"/>
+                <a16:creationId xmlns:a16="http://schemas.microsoft.com/office/drawing/2014/main" id="{D984E972-9192-8B8E-856E-1F5D51B28D8D}"/>
               </a:ext>
             </a:extLst>
           </p:cNvPr>
@@ -1980,7 +1980,7 @@
           <p:cNvPr id="4" name="Segnaposto contenuto 3">
             <a:extLst>
               <a:ext uri="{FF2B5EF4-FFF2-40B4-BE49-F238E27FC236}">
-                <a16:creationId xmlns:a16="http://schemas.microsoft.com/office/drawing/2014/main" xmlns="" id="{508ACB5C-80E9-5E5E-780E-8A79265CA19D}"/>
+                <a16:creationId xmlns:a16="http://schemas.microsoft.com/office/drawing/2014/main" id="{508ACB5C-80E9-5E5E-780E-8A79265CA19D}"/>
               </a:ext>
             </a:extLst>
           </p:cNvPr>
@@ -2042,7 +2042,7 @@
           <p:cNvPr id="5" name="Segnaposto testo 4">
             <a:extLst>
               <a:ext uri="{FF2B5EF4-FFF2-40B4-BE49-F238E27FC236}">
-                <a16:creationId xmlns:a16="http://schemas.microsoft.com/office/drawing/2014/main" xmlns="" id="{A6269D08-C49E-5CFB-51CA-CC56CF5DC7D0}"/>
+                <a16:creationId xmlns:a16="http://schemas.microsoft.com/office/drawing/2014/main" id="{A6269D08-C49E-5CFB-51CA-CC56CF5DC7D0}"/>
               </a:ext>
             </a:extLst>
           </p:cNvPr>
@@ -2113,7 +2113,7 @@
           <p:cNvPr id="6" name="Segnaposto contenuto 5">
             <a:extLst>
               <a:ext uri="{FF2B5EF4-FFF2-40B4-BE49-F238E27FC236}">
-                <a16:creationId xmlns:a16="http://schemas.microsoft.com/office/drawing/2014/main" xmlns="" id="{4F4D26A6-9C38-8CDB-939E-3D5284324660}"/>
+                <a16:creationId xmlns:a16="http://schemas.microsoft.com/office/drawing/2014/main" id="{4F4D26A6-9C38-8CDB-939E-3D5284324660}"/>
               </a:ext>
             </a:extLst>
           </p:cNvPr>
@@ -2175,7 +2175,7 @@
           <p:cNvPr id="7" name="Segnaposto data 6">
             <a:extLst>
               <a:ext uri="{FF2B5EF4-FFF2-40B4-BE49-F238E27FC236}">
-                <a16:creationId xmlns:a16="http://schemas.microsoft.com/office/drawing/2014/main" xmlns="" id="{12112E69-56B7-C34D-9ADE-232E049BB0D1}"/>
+                <a16:creationId xmlns:a16="http://schemas.microsoft.com/office/drawing/2014/main" id="{12112E69-56B7-C34D-9ADE-232E049BB0D1}"/>
               </a:ext>
             </a:extLst>
           </p:cNvPr>
@@ -2193,7 +2193,7 @@
           <a:p>
             <a:fld id="{4162ED4E-8BC0-4D11-A5C7-39002C316D74}" type="datetimeFigureOut">
               <a:rPr lang="it-IT" smtClean="0"/>
-              <a:t>09/01/23</a:t>
+              <a:t>10/01/2023</a:t>
             </a:fld>
             <a:endParaRPr lang="it-IT"/>
           </a:p>
@@ -2204,7 +2204,7 @@
           <p:cNvPr id="8" name="Segnaposto piè di pagina 7">
             <a:extLst>
               <a:ext uri="{FF2B5EF4-FFF2-40B4-BE49-F238E27FC236}">
-                <a16:creationId xmlns:a16="http://schemas.microsoft.com/office/drawing/2014/main" xmlns="" id="{BB7C400B-34D3-8449-F3FF-B871FCF5E0B9}"/>
+                <a16:creationId xmlns:a16="http://schemas.microsoft.com/office/drawing/2014/main" id="{BB7C400B-34D3-8449-F3FF-B871FCF5E0B9}"/>
               </a:ext>
             </a:extLst>
           </p:cNvPr>
@@ -2229,7 +2229,7 @@
           <p:cNvPr id="9" name="Segnaposto numero diapositiva 8">
             <a:extLst>
               <a:ext uri="{FF2B5EF4-FFF2-40B4-BE49-F238E27FC236}">
-                <a16:creationId xmlns:a16="http://schemas.microsoft.com/office/drawing/2014/main" xmlns="" id="{B17332FE-1DD1-761F-2E9D-C6F8FBF541D5}"/>
+                <a16:creationId xmlns:a16="http://schemas.microsoft.com/office/drawing/2014/main" id="{B17332FE-1DD1-761F-2E9D-C6F8FBF541D5}"/>
               </a:ext>
             </a:extLst>
           </p:cNvPr>
@@ -2247,7 +2247,7 @@
           <a:p>
             <a:fld id="{EDA6FB6F-2AD8-4BD0-8A2C-0F89ADB074C9}" type="slidenum">
               <a:rPr lang="it-IT" smtClean="0"/>
-              <a:t>‹n.›</a:t>
+              <a:t>‹N›</a:t>
             </a:fld>
             <a:endParaRPr lang="it-IT"/>
           </a:p>
@@ -2288,7 +2288,7 @@
           <p:cNvPr id="2" name="Titolo 1">
             <a:extLst>
               <a:ext uri="{FF2B5EF4-FFF2-40B4-BE49-F238E27FC236}">
-                <a16:creationId xmlns:a16="http://schemas.microsoft.com/office/drawing/2014/main" xmlns="" id="{762EF4AD-400F-7AA1-A6AB-1D85CD24F1B7}"/>
+                <a16:creationId xmlns:a16="http://schemas.microsoft.com/office/drawing/2014/main" id="{762EF4AD-400F-7AA1-A6AB-1D85CD24F1B7}"/>
               </a:ext>
             </a:extLst>
           </p:cNvPr>
@@ -2316,7 +2316,7 @@
           <p:cNvPr id="3" name="Segnaposto data 2">
             <a:extLst>
               <a:ext uri="{FF2B5EF4-FFF2-40B4-BE49-F238E27FC236}">
-                <a16:creationId xmlns:a16="http://schemas.microsoft.com/office/drawing/2014/main" xmlns="" id="{02FA8C93-ABF7-4F22-A69C-2F2736D58324}"/>
+                <a16:creationId xmlns:a16="http://schemas.microsoft.com/office/drawing/2014/main" id="{02FA8C93-ABF7-4F22-A69C-2F2736D58324}"/>
               </a:ext>
             </a:extLst>
           </p:cNvPr>
@@ -2334,7 +2334,7 @@
           <a:p>
             <a:fld id="{4162ED4E-8BC0-4D11-A5C7-39002C316D74}" type="datetimeFigureOut">
               <a:rPr lang="it-IT" smtClean="0"/>
-              <a:t>09/01/23</a:t>
+              <a:t>10/01/2023</a:t>
             </a:fld>
             <a:endParaRPr lang="it-IT"/>
           </a:p>
@@ -2345,7 +2345,7 @@
           <p:cNvPr id="4" name="Segnaposto piè di pagina 3">
             <a:extLst>
               <a:ext uri="{FF2B5EF4-FFF2-40B4-BE49-F238E27FC236}">
-                <a16:creationId xmlns:a16="http://schemas.microsoft.com/office/drawing/2014/main" xmlns="" id="{674D15FC-EDB3-6A97-1942-33FE191C14FA}"/>
+                <a16:creationId xmlns:a16="http://schemas.microsoft.com/office/drawing/2014/main" id="{674D15FC-EDB3-6A97-1942-33FE191C14FA}"/>
               </a:ext>
             </a:extLst>
           </p:cNvPr>
@@ -2370,7 +2370,7 @@
           <p:cNvPr id="5" name="Segnaposto numero diapositiva 4">
             <a:extLst>
               <a:ext uri="{FF2B5EF4-FFF2-40B4-BE49-F238E27FC236}">
-                <a16:creationId xmlns:a16="http://schemas.microsoft.com/office/drawing/2014/main" xmlns="" id="{1CC8A165-30A5-6703-E930-9CD8A0E2363C}"/>
+                <a16:creationId xmlns:a16="http://schemas.microsoft.com/office/drawing/2014/main" id="{1CC8A165-30A5-6703-E930-9CD8A0E2363C}"/>
               </a:ext>
             </a:extLst>
           </p:cNvPr>
@@ -2388,7 +2388,7 @@
           <a:p>
             <a:fld id="{EDA6FB6F-2AD8-4BD0-8A2C-0F89ADB074C9}" type="slidenum">
               <a:rPr lang="it-IT" smtClean="0"/>
-              <a:t>‹n.›</a:t>
+              <a:t>‹N›</a:t>
             </a:fld>
             <a:endParaRPr lang="it-IT"/>
           </a:p>
@@ -2429,7 +2429,7 @@
           <p:cNvPr id="2" name="Segnaposto data 1">
             <a:extLst>
               <a:ext uri="{FF2B5EF4-FFF2-40B4-BE49-F238E27FC236}">
-                <a16:creationId xmlns:a16="http://schemas.microsoft.com/office/drawing/2014/main" xmlns="" id="{E1840BEB-09AE-9C07-2CFC-578F0256FDA4}"/>
+                <a16:creationId xmlns:a16="http://schemas.microsoft.com/office/drawing/2014/main" id="{E1840BEB-09AE-9C07-2CFC-578F0256FDA4}"/>
               </a:ext>
             </a:extLst>
           </p:cNvPr>
@@ -2447,7 +2447,7 @@
           <a:p>
             <a:fld id="{4162ED4E-8BC0-4D11-A5C7-39002C316D74}" type="datetimeFigureOut">
               <a:rPr lang="it-IT" smtClean="0"/>
-              <a:t>09/01/23</a:t>
+              <a:t>10/01/2023</a:t>
             </a:fld>
             <a:endParaRPr lang="it-IT"/>
           </a:p>
@@ -2458,7 +2458,7 @@
           <p:cNvPr id="3" name="Segnaposto piè di pagina 2">
             <a:extLst>
               <a:ext uri="{FF2B5EF4-FFF2-40B4-BE49-F238E27FC236}">
-                <a16:creationId xmlns:a16="http://schemas.microsoft.com/office/drawing/2014/main" xmlns="" id="{8CB77F97-2D36-5EE4-674B-18E59C60A48E}"/>
+                <a16:creationId xmlns:a16="http://schemas.microsoft.com/office/drawing/2014/main" id="{8CB77F97-2D36-5EE4-674B-18E59C60A48E}"/>
               </a:ext>
             </a:extLst>
           </p:cNvPr>
@@ -2483,7 +2483,7 @@
           <p:cNvPr id="4" name="Segnaposto numero diapositiva 3">
             <a:extLst>
               <a:ext uri="{FF2B5EF4-FFF2-40B4-BE49-F238E27FC236}">
-                <a16:creationId xmlns:a16="http://schemas.microsoft.com/office/drawing/2014/main" xmlns="" id="{B37B2911-B6B5-F878-FBE1-D33C40F183CF}"/>
+                <a16:creationId xmlns:a16="http://schemas.microsoft.com/office/drawing/2014/main" id="{B37B2911-B6B5-F878-FBE1-D33C40F183CF}"/>
               </a:ext>
             </a:extLst>
           </p:cNvPr>
@@ -2501,7 +2501,7 @@
           <a:p>
             <a:fld id="{EDA6FB6F-2AD8-4BD0-8A2C-0F89ADB074C9}" type="slidenum">
               <a:rPr lang="it-IT" smtClean="0"/>
-              <a:t>‹n.›</a:t>
+              <a:t>‹N›</a:t>
             </a:fld>
             <a:endParaRPr lang="it-IT"/>
           </a:p>
@@ -2542,7 +2542,7 @@
           <p:cNvPr id="2" name="Titolo 1">
             <a:extLst>
               <a:ext uri="{FF2B5EF4-FFF2-40B4-BE49-F238E27FC236}">
-                <a16:creationId xmlns:a16="http://schemas.microsoft.com/office/drawing/2014/main" xmlns="" id="{27A3741C-3A8D-5D4A-4D4E-FC98140F3D93}"/>
+                <a16:creationId xmlns:a16="http://schemas.microsoft.com/office/drawing/2014/main" id="{27A3741C-3A8D-5D4A-4D4E-FC98140F3D93}"/>
               </a:ext>
             </a:extLst>
           </p:cNvPr>
@@ -2579,7 +2579,7 @@
           <p:cNvPr id="3" name="Segnaposto contenuto 2">
             <a:extLst>
               <a:ext uri="{FF2B5EF4-FFF2-40B4-BE49-F238E27FC236}">
-                <a16:creationId xmlns:a16="http://schemas.microsoft.com/office/drawing/2014/main" xmlns="" id="{7EADCA65-38E3-C1C5-9314-0BE69A5273F5}"/>
+                <a16:creationId xmlns:a16="http://schemas.microsoft.com/office/drawing/2014/main" id="{7EADCA65-38E3-C1C5-9314-0BE69A5273F5}"/>
               </a:ext>
             </a:extLst>
           </p:cNvPr>
@@ -2669,7 +2669,7 @@
           <p:cNvPr id="4" name="Segnaposto testo 3">
             <a:extLst>
               <a:ext uri="{FF2B5EF4-FFF2-40B4-BE49-F238E27FC236}">
-                <a16:creationId xmlns:a16="http://schemas.microsoft.com/office/drawing/2014/main" xmlns="" id="{4B27DA41-DC06-9781-37B7-13AB2EAD752A}"/>
+                <a16:creationId xmlns:a16="http://schemas.microsoft.com/office/drawing/2014/main" id="{4B27DA41-DC06-9781-37B7-13AB2EAD752A}"/>
               </a:ext>
             </a:extLst>
           </p:cNvPr>
@@ -2740,7 +2740,7 @@
           <p:cNvPr id="5" name="Segnaposto data 4">
             <a:extLst>
               <a:ext uri="{FF2B5EF4-FFF2-40B4-BE49-F238E27FC236}">
-                <a16:creationId xmlns:a16="http://schemas.microsoft.com/office/drawing/2014/main" xmlns="" id="{F9F16C9A-7A24-6881-C959-DC28A936A22A}"/>
+                <a16:creationId xmlns:a16="http://schemas.microsoft.com/office/drawing/2014/main" id="{F9F16C9A-7A24-6881-C959-DC28A936A22A}"/>
               </a:ext>
             </a:extLst>
           </p:cNvPr>
@@ -2758,7 +2758,7 @@
           <a:p>
             <a:fld id="{4162ED4E-8BC0-4D11-A5C7-39002C316D74}" type="datetimeFigureOut">
               <a:rPr lang="it-IT" smtClean="0"/>
-              <a:t>09/01/23</a:t>
+              <a:t>10/01/2023</a:t>
             </a:fld>
             <a:endParaRPr lang="it-IT"/>
           </a:p>
@@ -2769,7 +2769,7 @@
           <p:cNvPr id="6" name="Segnaposto piè di pagina 5">
             <a:extLst>
               <a:ext uri="{FF2B5EF4-FFF2-40B4-BE49-F238E27FC236}">
-                <a16:creationId xmlns:a16="http://schemas.microsoft.com/office/drawing/2014/main" xmlns="" id="{506EFBD4-83BF-6684-F277-7578AAF99380}"/>
+                <a16:creationId xmlns:a16="http://schemas.microsoft.com/office/drawing/2014/main" id="{506EFBD4-83BF-6684-F277-7578AAF99380}"/>
               </a:ext>
             </a:extLst>
           </p:cNvPr>
@@ -2794,7 +2794,7 @@
           <p:cNvPr id="7" name="Segnaposto numero diapositiva 6">
             <a:extLst>
               <a:ext uri="{FF2B5EF4-FFF2-40B4-BE49-F238E27FC236}">
-                <a16:creationId xmlns:a16="http://schemas.microsoft.com/office/drawing/2014/main" xmlns="" id="{541D3594-279B-9135-7EBC-E677E3AF66C0}"/>
+                <a16:creationId xmlns:a16="http://schemas.microsoft.com/office/drawing/2014/main" id="{541D3594-279B-9135-7EBC-E677E3AF66C0}"/>
               </a:ext>
             </a:extLst>
           </p:cNvPr>
@@ -2812,7 +2812,7 @@
           <a:p>
             <a:fld id="{EDA6FB6F-2AD8-4BD0-8A2C-0F89ADB074C9}" type="slidenum">
               <a:rPr lang="it-IT" smtClean="0"/>
-              <a:t>‹n.›</a:t>
+              <a:t>‹N›</a:t>
             </a:fld>
             <a:endParaRPr lang="it-IT"/>
           </a:p>
@@ -2853,7 +2853,7 @@
           <p:cNvPr id="2" name="Titolo 1">
             <a:extLst>
               <a:ext uri="{FF2B5EF4-FFF2-40B4-BE49-F238E27FC236}">
-                <a16:creationId xmlns:a16="http://schemas.microsoft.com/office/drawing/2014/main" xmlns="" id="{3DF18DCF-0239-20D4-3F6E-AEE2405FFAD3}"/>
+                <a16:creationId xmlns:a16="http://schemas.microsoft.com/office/drawing/2014/main" id="{3DF18DCF-0239-20D4-3F6E-AEE2405FFAD3}"/>
               </a:ext>
             </a:extLst>
           </p:cNvPr>
@@ -2890,7 +2890,7 @@
           <p:cNvPr id="3" name="Segnaposto immagine 2">
             <a:extLst>
               <a:ext uri="{FF2B5EF4-FFF2-40B4-BE49-F238E27FC236}">
-                <a16:creationId xmlns:a16="http://schemas.microsoft.com/office/drawing/2014/main" xmlns="" id="{3C900F63-B01B-6567-45F1-0087D880CCD1}"/>
+                <a16:creationId xmlns:a16="http://schemas.microsoft.com/office/drawing/2014/main" id="{3C900F63-B01B-6567-45F1-0087D880CCD1}"/>
               </a:ext>
             </a:extLst>
           </p:cNvPr>
@@ -2957,7 +2957,7 @@
           <p:cNvPr id="4" name="Segnaposto testo 3">
             <a:extLst>
               <a:ext uri="{FF2B5EF4-FFF2-40B4-BE49-F238E27FC236}">
-                <a16:creationId xmlns:a16="http://schemas.microsoft.com/office/drawing/2014/main" xmlns="" id="{D518E7FB-B3D9-6D10-FACE-94DC404B8BBA}"/>
+                <a16:creationId xmlns:a16="http://schemas.microsoft.com/office/drawing/2014/main" id="{D518E7FB-B3D9-6D10-FACE-94DC404B8BBA}"/>
               </a:ext>
             </a:extLst>
           </p:cNvPr>
@@ -3028,7 +3028,7 @@
           <p:cNvPr id="5" name="Segnaposto data 4">
             <a:extLst>
               <a:ext uri="{FF2B5EF4-FFF2-40B4-BE49-F238E27FC236}">
-                <a16:creationId xmlns:a16="http://schemas.microsoft.com/office/drawing/2014/main" xmlns="" id="{CF4212F1-AAE7-7FDA-EC82-6D2A7BF94086}"/>
+                <a16:creationId xmlns:a16="http://schemas.microsoft.com/office/drawing/2014/main" id="{CF4212F1-AAE7-7FDA-EC82-6D2A7BF94086}"/>
               </a:ext>
             </a:extLst>
           </p:cNvPr>
@@ -3046,7 +3046,7 @@
           <a:p>
             <a:fld id="{4162ED4E-8BC0-4D11-A5C7-39002C316D74}" type="datetimeFigureOut">
               <a:rPr lang="it-IT" smtClean="0"/>
-              <a:t>09/01/23</a:t>
+              <a:t>10/01/2023</a:t>
             </a:fld>
             <a:endParaRPr lang="it-IT"/>
           </a:p>
@@ -3057,7 +3057,7 @@
           <p:cNvPr id="6" name="Segnaposto piè di pagina 5">
             <a:extLst>
               <a:ext uri="{FF2B5EF4-FFF2-40B4-BE49-F238E27FC236}">
-                <a16:creationId xmlns:a16="http://schemas.microsoft.com/office/drawing/2014/main" xmlns="" id="{69789B94-7132-F7B8-D0DB-BFBDB22BBC53}"/>
+                <a16:creationId xmlns:a16="http://schemas.microsoft.com/office/drawing/2014/main" id="{69789B94-7132-F7B8-D0DB-BFBDB22BBC53}"/>
               </a:ext>
             </a:extLst>
           </p:cNvPr>
@@ -3082,7 +3082,7 @@
           <p:cNvPr id="7" name="Segnaposto numero diapositiva 6">
             <a:extLst>
               <a:ext uri="{FF2B5EF4-FFF2-40B4-BE49-F238E27FC236}">
-                <a16:creationId xmlns:a16="http://schemas.microsoft.com/office/drawing/2014/main" xmlns="" id="{FE0B3F6E-2424-3630-C9B4-A6863076DD27}"/>
+                <a16:creationId xmlns:a16="http://schemas.microsoft.com/office/drawing/2014/main" id="{FE0B3F6E-2424-3630-C9B4-A6863076DD27}"/>
               </a:ext>
             </a:extLst>
           </p:cNvPr>
@@ -3100,7 +3100,7 @@
           <a:p>
             <a:fld id="{EDA6FB6F-2AD8-4BD0-8A2C-0F89ADB074C9}" type="slidenum">
               <a:rPr lang="it-IT" smtClean="0"/>
-              <a:t>‹n.›</a:t>
+              <a:t>‹N›</a:t>
             </a:fld>
             <a:endParaRPr lang="it-IT"/>
           </a:p>
@@ -3152,7 +3152,7 @@
           <p:cNvPr id="2" name="Segnaposto titolo 1">
             <a:extLst>
               <a:ext uri="{FF2B5EF4-FFF2-40B4-BE49-F238E27FC236}">
-                <a16:creationId xmlns:a16="http://schemas.microsoft.com/office/drawing/2014/main" xmlns="" id="{0A2B70B3-ABF9-6094-CBF0-56EA7FECA422}"/>
+                <a16:creationId xmlns:a16="http://schemas.microsoft.com/office/drawing/2014/main" id="{0A2B70B3-ABF9-6094-CBF0-56EA7FECA422}"/>
               </a:ext>
             </a:extLst>
           </p:cNvPr>
@@ -3190,7 +3190,7 @@
           <p:cNvPr id="3" name="Segnaposto testo 2">
             <a:extLst>
               <a:ext uri="{FF2B5EF4-FFF2-40B4-BE49-F238E27FC236}">
-                <a16:creationId xmlns:a16="http://schemas.microsoft.com/office/drawing/2014/main" xmlns="" id="{F57AC799-A14E-22D4-6164-AC9D4AE20040}"/>
+                <a16:creationId xmlns:a16="http://schemas.microsoft.com/office/drawing/2014/main" id="{F57AC799-A14E-22D4-6164-AC9D4AE20040}"/>
               </a:ext>
             </a:extLst>
           </p:cNvPr>
@@ -3257,7 +3257,7 @@
           <p:cNvPr id="4" name="Segnaposto data 3">
             <a:extLst>
               <a:ext uri="{FF2B5EF4-FFF2-40B4-BE49-F238E27FC236}">
-                <a16:creationId xmlns:a16="http://schemas.microsoft.com/office/drawing/2014/main" xmlns="" id="{2B76CA5C-F317-F6EA-9896-EA9A62AD1745}"/>
+                <a16:creationId xmlns:a16="http://schemas.microsoft.com/office/drawing/2014/main" id="{2B76CA5C-F317-F6EA-9896-EA9A62AD1745}"/>
               </a:ext>
             </a:extLst>
           </p:cNvPr>
@@ -3293,7 +3293,7 @@
           <a:p>
             <a:fld id="{4162ED4E-8BC0-4D11-A5C7-39002C316D74}" type="datetimeFigureOut">
               <a:rPr lang="it-IT" smtClean="0"/>
-              <a:t>09/01/23</a:t>
+              <a:t>10/01/2023</a:t>
             </a:fld>
             <a:endParaRPr lang="it-IT"/>
           </a:p>
@@ -3304,7 +3304,7 @@
           <p:cNvPr id="5" name="Segnaposto piè di pagina 4">
             <a:extLst>
               <a:ext uri="{FF2B5EF4-FFF2-40B4-BE49-F238E27FC236}">
-                <a16:creationId xmlns:a16="http://schemas.microsoft.com/office/drawing/2014/main" xmlns="" id="{2752C927-DAA5-ACDA-A68C-CCC400FD3240}"/>
+                <a16:creationId xmlns:a16="http://schemas.microsoft.com/office/drawing/2014/main" id="{2752C927-DAA5-ACDA-A68C-CCC400FD3240}"/>
               </a:ext>
             </a:extLst>
           </p:cNvPr>
@@ -3347,7 +3347,7 @@
           <p:cNvPr id="6" name="Segnaposto numero diapositiva 5">
             <a:extLst>
               <a:ext uri="{FF2B5EF4-FFF2-40B4-BE49-F238E27FC236}">
-                <a16:creationId xmlns:a16="http://schemas.microsoft.com/office/drawing/2014/main" xmlns="" id="{00CF403D-700C-3154-4614-0E81EB1E48FD}"/>
+                <a16:creationId xmlns:a16="http://schemas.microsoft.com/office/drawing/2014/main" id="{00CF403D-700C-3154-4614-0E81EB1E48FD}"/>
               </a:ext>
             </a:extLst>
           </p:cNvPr>
@@ -3383,7 +3383,7 @@
           <a:p>
             <a:fld id="{EDA6FB6F-2AD8-4BD0-8A2C-0F89ADB074C9}" type="slidenum">
               <a:rPr lang="it-IT" smtClean="0"/>
-              <a:t>‹n.›</a:t>
+              <a:t>‹N›</a:t>
             </a:fld>
             <a:endParaRPr lang="it-IT"/>
           </a:p>
@@ -3715,7 +3715,7 @@
           <p:cNvPr id="2" name="Titolo 1">
             <a:extLst>
               <a:ext uri="{FF2B5EF4-FFF2-40B4-BE49-F238E27FC236}">
-                <a16:creationId xmlns:a16="http://schemas.microsoft.com/office/drawing/2014/main" xmlns="" id="{926F256F-EA2A-4D40-1644-C8837C345BBB}"/>
+                <a16:creationId xmlns:a16="http://schemas.microsoft.com/office/drawing/2014/main" id="{926F256F-EA2A-4D40-1644-C8837C345BBB}"/>
               </a:ext>
             </a:extLst>
           </p:cNvPr>
@@ -3751,15 +3751,6 @@
               </a:rPr>
               <a:t>Milestone 6: Monitoring</a:t>
             </a:r>
-            <a:r>
-              <a:rPr lang="en-US" b="1" i="0" dirty="0">
-                <a:effectLst/>
-                <a:latin typeface="Calibri" charset="0"/>
-                <a:ea typeface="Calibri" charset="0"/>
-                <a:cs typeface="Calibri" charset="0"/>
-              </a:rPr>
-              <a:t/>
-            </a:r>
             <a:br>
               <a:rPr lang="en-US" b="1" i="0" dirty="0">
                 <a:effectLst/>
@@ -3781,7 +3772,7 @@
           <p:cNvPr id="3" name="Sottotitolo 2">
             <a:extLst>
               <a:ext uri="{FF2B5EF4-FFF2-40B4-BE49-F238E27FC236}">
-                <a16:creationId xmlns:a16="http://schemas.microsoft.com/office/drawing/2014/main" xmlns="" id="{6C752F3B-C461-1F68-35A6-D85D34D4DCBC}"/>
+                <a16:creationId xmlns:a16="http://schemas.microsoft.com/office/drawing/2014/main" id="{6C752F3B-C461-1F68-35A6-D85D34D4DCBC}"/>
               </a:ext>
             </a:extLst>
           </p:cNvPr>
@@ -3891,10 +3882,10 @@
       </p:sp>
       <p:pic>
         <p:nvPicPr>
-          <p:cNvPr id="5" name="Immagine 4">
+          <p:cNvPr id="4" name="Immagine 3">
             <a:extLst>
               <a:ext uri="{FF2B5EF4-FFF2-40B4-BE49-F238E27FC236}">
-                <a16:creationId xmlns:a16="http://schemas.microsoft.com/office/drawing/2014/main" xmlns="" id="{17570CE4-C826-9688-0784-D218197D3D1B}"/>
+                <a16:creationId xmlns:a16="http://schemas.microsoft.com/office/drawing/2014/main" id="{1C269B45-8879-2518-C015-641305E9F0E4}"/>
               </a:ext>
             </a:extLst>
           </p:cNvPr>
@@ -3917,7 +3908,7 @@
         </p:blipFill>
         <p:spPr>
           <a:xfrm>
-            <a:off x="4911624" y="2875732"/>
+            <a:off x="4911623" y="2886242"/>
             <a:ext cx="2368751" cy="2387601"/>
           </a:xfrm>
           <a:prstGeom prst="rect">
@@ -3960,7 +3951,7 @@
           <p:cNvPr id="2" name="Titolo 1">
             <a:extLst>
               <a:ext uri="{FF2B5EF4-FFF2-40B4-BE49-F238E27FC236}">
-                <a16:creationId xmlns:a16="http://schemas.microsoft.com/office/drawing/2014/main" xmlns="" id="{E84D6F7A-C5C5-40C7-0FD8-F1C4CD4F3D65}"/>
+                <a16:creationId xmlns:a16="http://schemas.microsoft.com/office/drawing/2014/main" id="{E84D6F7A-C5C5-40C7-0FD8-F1C4CD4F3D65}"/>
               </a:ext>
             </a:extLst>
           </p:cNvPr>
@@ -4153,7 +4144,7 @@
           <p:cNvPr id="2" name="Titolo 1">
             <a:extLst>
               <a:ext uri="{FF2B5EF4-FFF2-40B4-BE49-F238E27FC236}">
-                <a16:creationId xmlns:a16="http://schemas.microsoft.com/office/drawing/2014/main" xmlns="" id="{E84D6F7A-C5C5-40C7-0FD8-F1C4CD4F3D65}"/>
+                <a16:creationId xmlns:a16="http://schemas.microsoft.com/office/drawing/2014/main" id="{E84D6F7A-C5C5-40C7-0FD8-F1C4CD4F3D65}"/>
               </a:ext>
             </a:extLst>
           </p:cNvPr>
@@ -4346,7 +4337,7 @@
           <p:cNvPr id="2" name="Titolo 1">
             <a:extLst>
               <a:ext uri="{FF2B5EF4-FFF2-40B4-BE49-F238E27FC236}">
-                <a16:creationId xmlns:a16="http://schemas.microsoft.com/office/drawing/2014/main" xmlns="" id="{E84D6F7A-C5C5-40C7-0FD8-F1C4CD4F3D65}"/>
+                <a16:creationId xmlns:a16="http://schemas.microsoft.com/office/drawing/2014/main" id="{E84D6F7A-C5C5-40C7-0FD8-F1C4CD4F3D65}"/>
               </a:ext>
             </a:extLst>
           </p:cNvPr>
@@ -4500,7 +4491,7 @@
           <p:cNvPr id="2" name="Titolo 1">
             <a:extLst>
               <a:ext uri="{FF2B5EF4-FFF2-40B4-BE49-F238E27FC236}">
-                <a16:creationId xmlns:a16="http://schemas.microsoft.com/office/drawing/2014/main" xmlns="" id="{E84D6F7A-C5C5-40C7-0FD8-F1C4CD4F3D65}"/>
+                <a16:creationId xmlns:a16="http://schemas.microsoft.com/office/drawing/2014/main" id="{E84D6F7A-C5C5-40C7-0FD8-F1C4CD4F3D65}"/>
               </a:ext>
             </a:extLst>
           </p:cNvPr>
@@ -4555,7 +4546,7 @@
           <p:cNvPr id="9" name="Segnaposto contenuto 2">
             <a:extLst>
               <a:ext uri="{FF2B5EF4-FFF2-40B4-BE49-F238E27FC236}">
-                <a16:creationId xmlns:a16="http://schemas.microsoft.com/office/drawing/2014/main" xmlns="" id="{8DF74287-8199-C54D-5B1C-6FF6A0E99B42}"/>
+                <a16:creationId xmlns:a16="http://schemas.microsoft.com/office/drawing/2014/main" id="{8DF74287-8199-C54D-5B1C-6FF6A0E99B42}"/>
               </a:ext>
             </a:extLst>
           </p:cNvPr>
@@ -4647,7 +4638,7 @@
           <p:cNvPr id="3" name="Rectangle 1">
             <a:extLst>
               <a:ext uri="{FF2B5EF4-FFF2-40B4-BE49-F238E27FC236}">
-                <a16:creationId xmlns:a16="http://schemas.microsoft.com/office/drawing/2014/main" xmlns="" id="{D0B8A63D-66FB-78CA-5452-631EA1C95E61}"/>
+                <a16:creationId xmlns:a16="http://schemas.microsoft.com/office/drawing/2014/main" id="{D0B8A63D-66FB-78CA-5452-631EA1C95E61}"/>
               </a:ext>
             </a:extLst>
           </p:cNvPr>
@@ -4933,7 +4924,7 @@
           <p:cNvPr id="5" name="CasellaDiTesto 4">
             <a:extLst>
               <a:ext uri="{FF2B5EF4-FFF2-40B4-BE49-F238E27FC236}">
-                <a16:creationId xmlns:a16="http://schemas.microsoft.com/office/drawing/2014/main" xmlns="" id="{E811C739-0698-972D-5E2A-D41A4C87AA25}"/>
+                <a16:creationId xmlns:a16="http://schemas.microsoft.com/office/drawing/2014/main" id="{E811C739-0698-972D-5E2A-D41A4C87AA25}"/>
               </a:ext>
             </a:extLst>
           </p:cNvPr>
@@ -5030,16 +5021,6 @@
                 <a:latin typeface="Consolas" panose="020B0609020204030204" pitchFamily="49" charset="0"/>
               </a:rPr>
               <a:t>Instrumentator</a:t>
-            </a:r>
-            <a:r>
-              <a:rPr lang="en-US" sz="2200" b="0">
-                <a:solidFill>
-                  <a:srgbClr val="D4D4D4"/>
-                </a:solidFill>
-                <a:effectLst/>
-                <a:latin typeface="Consolas" panose="020B0609020204030204" pitchFamily="49" charset="0"/>
-              </a:rPr>
-              <a:t/>
             </a:r>
             <a:br>
               <a:rPr lang="en-US" sz="2200" b="0">
@@ -5256,7 +5237,7 @@
           <p:cNvPr id="2" name="Titolo 1">
             <a:extLst>
               <a:ext uri="{FF2B5EF4-FFF2-40B4-BE49-F238E27FC236}">
-                <a16:creationId xmlns:a16="http://schemas.microsoft.com/office/drawing/2014/main" xmlns="" id="{E84D6F7A-C5C5-40C7-0FD8-F1C4CD4F3D65}"/>
+                <a16:creationId xmlns:a16="http://schemas.microsoft.com/office/drawing/2014/main" id="{E84D6F7A-C5C5-40C7-0FD8-F1C4CD4F3D65}"/>
               </a:ext>
             </a:extLst>
           </p:cNvPr>
@@ -5659,7 +5640,7 @@
           <p:cNvPr id="2" name="Titolo 1">
             <a:extLst>
               <a:ext uri="{FF2B5EF4-FFF2-40B4-BE49-F238E27FC236}">
-                <a16:creationId xmlns:a16="http://schemas.microsoft.com/office/drawing/2014/main" xmlns="" id="{E84D6F7A-C5C5-40C7-0FD8-F1C4CD4F3D65}"/>
+                <a16:creationId xmlns:a16="http://schemas.microsoft.com/office/drawing/2014/main" id="{E84D6F7A-C5C5-40C7-0FD8-F1C4CD4F3D65}"/>
               </a:ext>
             </a:extLst>
           </p:cNvPr>
@@ -6042,7 +6023,7 @@
           <p:cNvPr id="2" name="Titolo 1">
             <a:extLst>
               <a:ext uri="{FF2B5EF4-FFF2-40B4-BE49-F238E27FC236}">
-                <a16:creationId xmlns:a16="http://schemas.microsoft.com/office/drawing/2014/main" xmlns="" id="{E84D6F7A-C5C5-40C7-0FD8-F1C4CD4F3D65}"/>
+                <a16:creationId xmlns:a16="http://schemas.microsoft.com/office/drawing/2014/main" id="{E84D6F7A-C5C5-40C7-0FD8-F1C4CD4F3D65}"/>
               </a:ext>
             </a:extLst>
           </p:cNvPr>
@@ -6194,7 +6175,7 @@
           <p:cNvPr id="2" name="Titolo 1">
             <a:extLst>
               <a:ext uri="{FF2B5EF4-FFF2-40B4-BE49-F238E27FC236}">
-                <a16:creationId xmlns:a16="http://schemas.microsoft.com/office/drawing/2014/main" xmlns="" id="{E84D6F7A-C5C5-40C7-0FD8-F1C4CD4F3D65}"/>
+                <a16:creationId xmlns:a16="http://schemas.microsoft.com/office/drawing/2014/main" id="{E84D6F7A-C5C5-40C7-0FD8-F1C4CD4F3D65}"/>
               </a:ext>
             </a:extLst>
           </p:cNvPr>
@@ -6506,7 +6487,7 @@
           <p:cNvPr id="2" name="Titolo 1">
             <a:extLst>
               <a:ext uri="{FF2B5EF4-FFF2-40B4-BE49-F238E27FC236}">
-                <a16:creationId xmlns:a16="http://schemas.microsoft.com/office/drawing/2014/main" xmlns="" id="{E84D6F7A-C5C5-40C7-0FD8-F1C4CD4F3D65}"/>
+                <a16:creationId xmlns:a16="http://schemas.microsoft.com/office/drawing/2014/main" id="{E84D6F7A-C5C5-40C7-0FD8-F1C4CD4F3D65}"/>
               </a:ext>
             </a:extLst>
           </p:cNvPr>
@@ -6822,7 +6803,7 @@
           <p:cNvPr id="2" name="Titolo 1">
             <a:extLst>
               <a:ext uri="{FF2B5EF4-FFF2-40B4-BE49-F238E27FC236}">
-                <a16:creationId xmlns:a16="http://schemas.microsoft.com/office/drawing/2014/main" xmlns="" id="{E84D6F7A-C5C5-40C7-0FD8-F1C4CD4F3D65}"/>
+                <a16:creationId xmlns:a16="http://schemas.microsoft.com/office/drawing/2014/main" id="{E84D6F7A-C5C5-40C7-0FD8-F1C4CD4F3D65}"/>
               </a:ext>
             </a:extLst>
           </p:cNvPr>
@@ -7147,7 +7128,7 @@
           <p:cNvPr id="2" name="Titolo 1">
             <a:extLst>
               <a:ext uri="{FF2B5EF4-FFF2-40B4-BE49-F238E27FC236}">
-                <a16:creationId xmlns:a16="http://schemas.microsoft.com/office/drawing/2014/main" xmlns="" id="{E84D6F7A-C5C5-40C7-0FD8-F1C4CD4F3D65}"/>
+                <a16:creationId xmlns:a16="http://schemas.microsoft.com/office/drawing/2014/main" id="{E84D6F7A-C5C5-40C7-0FD8-F1C4CD4F3D65}"/>
               </a:ext>
             </a:extLst>
           </p:cNvPr>
@@ -7200,7 +7181,7 @@
           <p:cNvPr id="3" name="Segnaposto contenuto 2">
             <a:extLst>
               <a:ext uri="{FF2B5EF4-FFF2-40B4-BE49-F238E27FC236}">
-                <a16:creationId xmlns:a16="http://schemas.microsoft.com/office/drawing/2014/main" xmlns="" id="{BF6317FD-0060-35A3-A9F2-27B937DE131C}"/>
+                <a16:creationId xmlns:a16="http://schemas.microsoft.com/office/drawing/2014/main" id="{BF6317FD-0060-35A3-A9F2-27B937DE131C}"/>
               </a:ext>
             </a:extLst>
           </p:cNvPr>
@@ -7291,11 +7272,6 @@
               </a:rPr>
               <a:t>Locust</a:t>
             </a:r>
-            <a:endParaRPr lang="it-IT">
-              <a:latin typeface="Calibri" charset="0"/>
-              <a:ea typeface="Calibri" charset="0"/>
-              <a:cs typeface="Calibri" charset="0"/>
-            </a:endParaRPr>
           </a:p>
           <a:p>
             <a:pPr marL="514350" indent="-514350">
@@ -7367,7 +7343,7 @@
           <p:cNvPr id="2" name="Titolo 1">
             <a:extLst>
               <a:ext uri="{FF2B5EF4-FFF2-40B4-BE49-F238E27FC236}">
-                <a16:creationId xmlns:a16="http://schemas.microsoft.com/office/drawing/2014/main" xmlns="" id="{E84D6F7A-C5C5-40C7-0FD8-F1C4CD4F3D65}"/>
+                <a16:creationId xmlns:a16="http://schemas.microsoft.com/office/drawing/2014/main" id="{E84D6F7A-C5C5-40C7-0FD8-F1C4CD4F3D65}"/>
               </a:ext>
             </a:extLst>
           </p:cNvPr>
@@ -7509,7 +7485,7 @@
           <p:cNvPr id="2" name="Titolo 1">
             <a:extLst>
               <a:ext uri="{FF2B5EF4-FFF2-40B4-BE49-F238E27FC236}">
-                <a16:creationId xmlns:a16="http://schemas.microsoft.com/office/drawing/2014/main" xmlns="" id="{E84D6F7A-C5C5-40C7-0FD8-F1C4CD4F3D65}"/>
+                <a16:creationId xmlns:a16="http://schemas.microsoft.com/office/drawing/2014/main" id="{E84D6F7A-C5C5-40C7-0FD8-F1C4CD4F3D65}"/>
               </a:ext>
             </a:extLst>
           </p:cNvPr>
@@ -7564,7 +7540,7 @@
           <p:cNvPr id="8" name="Segnaposto contenuto 2">
             <a:extLst>
               <a:ext uri="{FF2B5EF4-FFF2-40B4-BE49-F238E27FC236}">
-                <a16:creationId xmlns:a16="http://schemas.microsoft.com/office/drawing/2014/main" xmlns="" id="{BDBB7D20-3AC2-51C8-AA8A-A5491FCD4726}"/>
+                <a16:creationId xmlns:a16="http://schemas.microsoft.com/office/drawing/2014/main" id="{BDBB7D20-3AC2-51C8-AA8A-A5491FCD4726}"/>
               </a:ext>
             </a:extLst>
           </p:cNvPr>
@@ -7759,48 +7735,12 @@
           </a:p>
         </p:txBody>
       </p:sp>
-      <p:pic>
-        <p:nvPicPr>
-          <p:cNvPr id="4" name="Immagine 3">
-            <a:extLst>
-              <a:ext uri="{FF2B5EF4-FFF2-40B4-BE49-F238E27FC236}">
-                <a16:creationId xmlns:a16="http://schemas.microsoft.com/office/drawing/2014/main" xmlns="" id="{803720C4-C405-5C45-E049-B36E21AE1D77}"/>
-              </a:ext>
-            </a:extLst>
-          </p:cNvPr>
-          <p:cNvPicPr>
-            <a:picLocks noChangeAspect="1"/>
-          </p:cNvPicPr>
-          <p:nvPr/>
-        </p:nvPicPr>
-        <p:blipFill>
-          <a:blip r:embed="rId2">
-            <a:extLst>
-              <a:ext uri="{28A0092B-C50C-407E-A947-70E740481C1C}">
-                <a14:useLocalDpi xmlns:a14="http://schemas.microsoft.com/office/drawing/2010/main" val="0"/>
-              </a:ext>
-            </a:extLst>
-          </a:blip>
-          <a:stretch>
-            <a:fillRect/>
-          </a:stretch>
-        </p:blipFill>
-        <p:spPr>
-          <a:xfrm>
-            <a:off x="795277" y="1258704"/>
-            <a:ext cx="3274036" cy="1380886"/>
-          </a:xfrm>
-          <a:prstGeom prst="rect">
-            <a:avLst/>
-          </a:prstGeom>
-        </p:spPr>
-      </p:pic>
       <p:sp>
         <p:nvSpPr>
           <p:cNvPr id="11" name="CasellaDiTesto 10">
             <a:extLst>
               <a:ext uri="{FF2B5EF4-FFF2-40B4-BE49-F238E27FC236}">
-                <a16:creationId xmlns:a16="http://schemas.microsoft.com/office/drawing/2014/main" xmlns="" id="{6EBF9A7B-45A4-D22B-1850-DC7B27412B96}"/>
+                <a16:creationId xmlns:a16="http://schemas.microsoft.com/office/drawing/2014/main" id="{6EBF9A7B-45A4-D22B-1850-DC7B27412B96}"/>
               </a:ext>
             </a:extLst>
           </p:cNvPr>
@@ -7835,7 +7775,7 @@
           <p:cNvPr id="12" name="CasellaDiTesto 11">
             <a:extLst>
               <a:ext uri="{FF2B5EF4-FFF2-40B4-BE49-F238E27FC236}">
-                <a16:creationId xmlns:a16="http://schemas.microsoft.com/office/drawing/2014/main" xmlns="" id="{D2A6240A-3722-BD96-28A7-B160162F0E76}"/>
+                <a16:creationId xmlns:a16="http://schemas.microsoft.com/office/drawing/2014/main" id="{D2A6240A-3722-BD96-28A7-B160162F0E76}"/>
               </a:ext>
             </a:extLst>
           </p:cNvPr>
@@ -7982,16 +7922,6 @@
             </a:endParaRPr>
           </a:p>
           <a:p>
-            <a:r>
-              <a:rPr lang="it-IT" sz="1600" b="0">
-                <a:solidFill>
-                  <a:srgbClr val="D4D4D4"/>
-                </a:solidFill>
-                <a:effectLst/>
-                <a:latin typeface="Consolas" panose="020B0609020204030204" pitchFamily="49" charset="0"/>
-              </a:rPr>
-              <a:t/>
-            </a:r>
             <a:br>
               <a:rPr lang="it-IT" sz="1600" b="0">
                 <a:solidFill>
@@ -8272,7 +8202,7 @@
           <p:cNvPr id="14" name="CasellaDiTesto 13">
             <a:extLst>
               <a:ext uri="{FF2B5EF4-FFF2-40B4-BE49-F238E27FC236}">
-                <a16:creationId xmlns:a16="http://schemas.microsoft.com/office/drawing/2014/main" xmlns="" id="{D0342880-C78A-F491-330A-C83E9BFA1ED6}"/>
+                <a16:creationId xmlns:a16="http://schemas.microsoft.com/office/drawing/2014/main" id="{D0342880-C78A-F491-330A-C83E9BFA1ED6}"/>
               </a:ext>
             </a:extLst>
           </p:cNvPr>
@@ -8404,7 +8334,7 @@
           <p:cNvPr id="15" name="CasellaDiTesto 14">
             <a:extLst>
               <a:ext uri="{FF2B5EF4-FFF2-40B4-BE49-F238E27FC236}">
-                <a16:creationId xmlns:a16="http://schemas.microsoft.com/office/drawing/2014/main" xmlns="" id="{B079CF19-44DB-C712-C30B-1B2518EEF825}"/>
+                <a16:creationId xmlns:a16="http://schemas.microsoft.com/office/drawing/2014/main" id="{B079CF19-44DB-C712-C30B-1B2518EEF825}"/>
               </a:ext>
             </a:extLst>
           </p:cNvPr>
@@ -8444,7 +8374,7 @@
           <p:cNvPr id="16" name="CasellaDiTesto 15">
             <a:extLst>
               <a:ext uri="{FF2B5EF4-FFF2-40B4-BE49-F238E27FC236}">
-                <a16:creationId xmlns:a16="http://schemas.microsoft.com/office/drawing/2014/main" xmlns="" id="{4F5F1B63-E38B-874A-39BB-B93C186D1564}"/>
+                <a16:creationId xmlns:a16="http://schemas.microsoft.com/office/drawing/2014/main" id="{4F5F1B63-E38B-874A-39BB-B93C186D1564}"/>
               </a:ext>
             </a:extLst>
           </p:cNvPr>
@@ -8479,7 +8409,7 @@
           <p:cNvPr id="18" name="Connettore curvo 17">
             <a:extLst>
               <a:ext uri="{FF2B5EF4-FFF2-40B4-BE49-F238E27FC236}">
-                <a16:creationId xmlns:a16="http://schemas.microsoft.com/office/drawing/2014/main" xmlns="" id="{96BE19F7-67A6-58E2-DD6A-754BB8D2A64C}"/>
+                <a16:creationId xmlns:a16="http://schemas.microsoft.com/office/drawing/2014/main" id="{96BE19F7-67A6-58E2-DD6A-754BB8D2A64C}"/>
               </a:ext>
             </a:extLst>
           </p:cNvPr>
@@ -8525,7 +8455,7 @@
           <p:cNvPr id="35" name="Connettore curvo 34">
             <a:extLst>
               <a:ext uri="{FF2B5EF4-FFF2-40B4-BE49-F238E27FC236}">
-                <a16:creationId xmlns:a16="http://schemas.microsoft.com/office/drawing/2014/main" xmlns="" id="{E468E31E-8BBF-D47B-AC60-C90E89D841C6}"/>
+                <a16:creationId xmlns:a16="http://schemas.microsoft.com/office/drawing/2014/main" id="{E468E31E-8BBF-D47B-AC60-C90E89D841C6}"/>
               </a:ext>
             </a:extLst>
           </p:cNvPr>
@@ -8566,6 +8496,42 @@
           </a:fontRef>
         </p:style>
       </p:cxnSp>
+      <p:pic>
+        <p:nvPicPr>
+          <p:cNvPr id="3" name="Immagine 2">
+            <a:extLst>
+              <a:ext uri="{FF2B5EF4-FFF2-40B4-BE49-F238E27FC236}">
+                <a16:creationId xmlns:a16="http://schemas.microsoft.com/office/drawing/2014/main" id="{44720D1E-3214-E7FE-6B70-BFEAE19E6436}"/>
+              </a:ext>
+            </a:extLst>
+          </p:cNvPr>
+          <p:cNvPicPr>
+            <a:picLocks noChangeAspect="1"/>
+          </p:cNvPicPr>
+          <p:nvPr/>
+        </p:nvPicPr>
+        <p:blipFill>
+          <a:blip r:embed="rId2">
+            <a:extLst>
+              <a:ext uri="{28A0092B-C50C-407E-A947-70E740481C1C}">
+                <a14:useLocalDpi xmlns:a14="http://schemas.microsoft.com/office/drawing/2010/main" val="0"/>
+              </a:ext>
+            </a:extLst>
+          </a:blip>
+          <a:stretch>
+            <a:fillRect/>
+          </a:stretch>
+        </p:blipFill>
+        <p:spPr>
+          <a:xfrm>
+            <a:off x="887422" y="1288567"/>
+            <a:ext cx="3274036" cy="1380886"/>
+          </a:xfrm>
+          <a:prstGeom prst="rect">
+            <a:avLst/>
+          </a:prstGeom>
+        </p:spPr>
+      </p:pic>
     </p:spTree>
     <p:extLst>
       <p:ext uri="{BB962C8B-B14F-4D97-AF65-F5344CB8AC3E}">
@@ -8601,7 +8567,7 @@
           <p:cNvPr id="2" name="Titolo 1">
             <a:extLst>
               <a:ext uri="{FF2B5EF4-FFF2-40B4-BE49-F238E27FC236}">
-                <a16:creationId xmlns:a16="http://schemas.microsoft.com/office/drawing/2014/main" xmlns="" id="{E84D6F7A-C5C5-40C7-0FD8-F1C4CD4F3D65}"/>
+                <a16:creationId xmlns:a16="http://schemas.microsoft.com/office/drawing/2014/main" id="{E84D6F7A-C5C5-40C7-0FD8-F1C4CD4F3D65}"/>
               </a:ext>
             </a:extLst>
           </p:cNvPr>
@@ -8656,7 +8622,7 @@
           <p:cNvPr id="8" name="Segnaposto contenuto 2">
             <a:extLst>
               <a:ext uri="{FF2B5EF4-FFF2-40B4-BE49-F238E27FC236}">
-                <a16:creationId xmlns:a16="http://schemas.microsoft.com/office/drawing/2014/main" xmlns="" id="{BDBB7D20-3AC2-51C8-AA8A-A5491FCD4726}"/>
+                <a16:creationId xmlns:a16="http://schemas.microsoft.com/office/drawing/2014/main" id="{BDBB7D20-3AC2-51C8-AA8A-A5491FCD4726}"/>
               </a:ext>
             </a:extLst>
           </p:cNvPr>
@@ -8851,12 +8817,119 @@
           </a:p>
         </p:txBody>
       </p:sp>
+      <p:sp>
+        <p:nvSpPr>
+          <p:cNvPr id="6" name="CasellaDiTesto 5">
+            <a:extLst>
+              <a:ext uri="{FF2B5EF4-FFF2-40B4-BE49-F238E27FC236}">
+                <a16:creationId xmlns:a16="http://schemas.microsoft.com/office/drawing/2014/main" id="{E9B6E659-DDA5-786D-0EE7-AFFC00C27981}"/>
+              </a:ext>
+            </a:extLst>
+          </p:cNvPr>
+          <p:cNvSpPr txBox="1"/>
+          <p:nvPr/>
+        </p:nvSpPr>
+        <p:spPr>
+          <a:xfrm>
+            <a:off x="3000527" y="3317994"/>
+            <a:ext cx="4510409" cy="369332"/>
+          </a:xfrm>
+          <a:prstGeom prst="rect">
+            <a:avLst/>
+          </a:prstGeom>
+          <a:noFill/>
+        </p:spPr>
+        <p:txBody>
+          <a:bodyPr wrap="square" rtlCol="0">
+            <a:spAutoFit/>
+          </a:bodyPr>
+          <a:lstStyle/>
+          <a:p>
+            <a:r>
+              <a:rPr lang="it-IT" b="1"/>
+              <a:t>&gt; docker pull grafana/grafana-oss: latest</a:t>
+            </a:r>
+          </a:p>
+        </p:txBody>
+      </p:sp>
+      <p:sp>
+        <p:nvSpPr>
+          <p:cNvPr id="7" name="CasellaDiTesto 6">
+            <a:extLst>
+              <a:ext uri="{FF2B5EF4-FFF2-40B4-BE49-F238E27FC236}">
+                <a16:creationId xmlns:a16="http://schemas.microsoft.com/office/drawing/2014/main" id="{66D98821-338C-4282-E3EE-7B053E8A6CB9}"/>
+              </a:ext>
+            </a:extLst>
+          </p:cNvPr>
+          <p:cNvSpPr txBox="1"/>
+          <p:nvPr/>
+        </p:nvSpPr>
+        <p:spPr>
+          <a:xfrm>
+            <a:off x="1321278" y="4329641"/>
+            <a:ext cx="9549440" cy="1477328"/>
+          </a:xfrm>
+          <a:prstGeom prst="rect">
+            <a:avLst/>
+          </a:prstGeom>
+          <a:noFill/>
+        </p:spPr>
+        <p:txBody>
+          <a:bodyPr wrap="square" rtlCol="0">
+            <a:spAutoFit/>
+          </a:bodyPr>
+          <a:lstStyle/>
+          <a:p>
+            <a:r>
+              <a:rPr lang="en-US" b="1" i="0">
+                <a:effectLst/>
+                <a:latin typeface="Calibri" charset="0"/>
+                <a:ea typeface="Calibri" charset="0"/>
+                <a:cs typeface="Calibri" charset="0"/>
+              </a:rPr>
+              <a:t>Grafana OSS </a:t>
+            </a:r>
+            <a:r>
+              <a:rPr lang="en-US" b="0" i="0">
+                <a:effectLst/>
+                <a:latin typeface="Calibri" charset="0"/>
+                <a:ea typeface="Calibri" charset="0"/>
+                <a:cs typeface="Calibri" charset="0"/>
+              </a:rPr>
+              <a:t>(Open Source Software) is the open-source version of Grafana, while Grafana is also available in a paid version called Grafana Enterprise. The Enterprise version offers some additional features compared to the OSS version, such as support for enterprise authentication and integration with other business intelligence tools. In general, </a:t>
+            </a:r>
+            <a:r>
+              <a:rPr lang="en-US" b="0" i="0" u="sng">
+                <a:effectLst/>
+                <a:latin typeface="Calibri" charset="0"/>
+                <a:ea typeface="Calibri" charset="0"/>
+                <a:cs typeface="Calibri" charset="0"/>
+              </a:rPr>
+              <a:t>Grafana OSS is used by organizations that want a advanced monitoring solution but do not need the features offered by the Enterprise version</a:t>
+            </a:r>
+            <a:r>
+              <a:rPr lang="en-US" b="0" i="0">
+                <a:effectLst/>
+                <a:latin typeface="Calibri" charset="0"/>
+                <a:ea typeface="Calibri" charset="0"/>
+                <a:cs typeface="Calibri" charset="0"/>
+              </a:rPr>
+              <a:t>.</a:t>
+            </a:r>
+            <a:endParaRPr lang="it-IT">
+              <a:latin typeface="Calibri" charset="0"/>
+              <a:ea typeface="Calibri" charset="0"/>
+              <a:cs typeface="Calibri" charset="0"/>
+            </a:endParaRPr>
+          </a:p>
+        </p:txBody>
+      </p:sp>
       <p:pic>
         <p:nvPicPr>
-          <p:cNvPr id="5" name="Immagine 4" descr="Immagine che contiene testo&#10;&#10;Descrizione generata automaticamente">
+          <p:cNvPr id="3" name="Immagine 2" descr="Immagine che contiene testo&#10;&#10;Descrizione generata automaticamente">
             <a:extLst>
               <a:ext uri="{FF2B5EF4-FFF2-40B4-BE49-F238E27FC236}">
-                <a16:creationId xmlns:a16="http://schemas.microsoft.com/office/drawing/2014/main" xmlns="" id="{37E5ADEB-7CB1-ED8C-D350-B03DA5240D1F}"/>
+                <a16:creationId xmlns:a16="http://schemas.microsoft.com/office/drawing/2014/main" id="{659E8EC2-1099-DFB8-DC3B-3EE9762B827B}"/>
               </a:ext>
             </a:extLst>
           </p:cNvPr>
@@ -8879,7 +8952,7 @@
         </p:blipFill>
         <p:spPr>
           <a:xfrm>
-            <a:off x="3000527" y="1700670"/>
+            <a:off x="2952266" y="1541669"/>
             <a:ext cx="6287463" cy="1617324"/>
           </a:xfrm>
           <a:prstGeom prst="rect">
@@ -8887,113 +8960,6 @@
           </a:prstGeom>
         </p:spPr>
       </p:pic>
-      <p:sp>
-        <p:nvSpPr>
-          <p:cNvPr id="6" name="CasellaDiTesto 5">
-            <a:extLst>
-              <a:ext uri="{FF2B5EF4-FFF2-40B4-BE49-F238E27FC236}">
-                <a16:creationId xmlns:a16="http://schemas.microsoft.com/office/drawing/2014/main" xmlns="" id="{E9B6E659-DDA5-786D-0EE7-AFFC00C27981}"/>
-              </a:ext>
-            </a:extLst>
-          </p:cNvPr>
-          <p:cNvSpPr txBox="1"/>
-          <p:nvPr/>
-        </p:nvSpPr>
-        <p:spPr>
-          <a:xfrm>
-            <a:off x="3000527" y="3317994"/>
-            <a:ext cx="4510409" cy="369332"/>
-          </a:xfrm>
-          <a:prstGeom prst="rect">
-            <a:avLst/>
-          </a:prstGeom>
-          <a:noFill/>
-        </p:spPr>
-        <p:txBody>
-          <a:bodyPr wrap="square" rtlCol="0">
-            <a:spAutoFit/>
-          </a:bodyPr>
-          <a:lstStyle/>
-          <a:p>
-            <a:r>
-              <a:rPr lang="it-IT" b="1"/>
-              <a:t>&gt; docker pull grafana/grafana-oss: latest</a:t>
-            </a:r>
-          </a:p>
-        </p:txBody>
-      </p:sp>
-      <p:sp>
-        <p:nvSpPr>
-          <p:cNvPr id="7" name="CasellaDiTesto 6">
-            <a:extLst>
-              <a:ext uri="{FF2B5EF4-FFF2-40B4-BE49-F238E27FC236}">
-                <a16:creationId xmlns:a16="http://schemas.microsoft.com/office/drawing/2014/main" xmlns="" id="{66D98821-338C-4282-E3EE-7B053E8A6CB9}"/>
-              </a:ext>
-            </a:extLst>
-          </p:cNvPr>
-          <p:cNvSpPr txBox="1"/>
-          <p:nvPr/>
-        </p:nvSpPr>
-        <p:spPr>
-          <a:xfrm>
-            <a:off x="1321278" y="4329641"/>
-            <a:ext cx="9549440" cy="1477328"/>
-          </a:xfrm>
-          <a:prstGeom prst="rect">
-            <a:avLst/>
-          </a:prstGeom>
-          <a:noFill/>
-        </p:spPr>
-        <p:txBody>
-          <a:bodyPr wrap="square" rtlCol="0">
-            <a:spAutoFit/>
-          </a:bodyPr>
-          <a:lstStyle/>
-          <a:p>
-            <a:r>
-              <a:rPr lang="en-US" b="1" i="0">
-                <a:effectLst/>
-                <a:latin typeface="Calibri" charset="0"/>
-                <a:ea typeface="Calibri" charset="0"/>
-                <a:cs typeface="Calibri" charset="0"/>
-              </a:rPr>
-              <a:t>Grafana OSS </a:t>
-            </a:r>
-            <a:r>
-              <a:rPr lang="en-US" b="0" i="0">
-                <a:effectLst/>
-                <a:latin typeface="Calibri" charset="0"/>
-                <a:ea typeface="Calibri" charset="0"/>
-                <a:cs typeface="Calibri" charset="0"/>
-              </a:rPr>
-              <a:t>(Open Source Software) is the open-source version of Grafana, while Grafana is also available in a paid version called Grafana Enterprise. The Enterprise version offers some additional features compared to the OSS version, such as support for enterprise authentication and integration with other business intelligence tools. In general, </a:t>
-            </a:r>
-            <a:r>
-              <a:rPr lang="en-US" b="0" i="0" u="sng">
-                <a:effectLst/>
-                <a:latin typeface="Calibri" charset="0"/>
-                <a:ea typeface="Calibri" charset="0"/>
-                <a:cs typeface="Calibri" charset="0"/>
-              </a:rPr>
-              <a:t>Grafana OSS is used by organizations that want a advanced monitoring solution but do not need the features offered by the Enterprise version</a:t>
-            </a:r>
-            <a:r>
-              <a:rPr lang="en-US" b="0" i="0">
-                <a:effectLst/>
-                <a:latin typeface="Calibri" charset="0"/>
-                <a:ea typeface="Calibri" charset="0"/>
-                <a:cs typeface="Calibri" charset="0"/>
-              </a:rPr>
-              <a:t>.</a:t>
-            </a:r>
-            <a:endParaRPr lang="it-IT">
-              <a:latin typeface="Calibri" charset="0"/>
-              <a:ea typeface="Calibri" charset="0"/>
-              <a:cs typeface="Calibri" charset="0"/>
-            </a:endParaRPr>
-          </a:p>
-        </p:txBody>
-      </p:sp>
     </p:spTree>
     <p:extLst>
       <p:ext uri="{BB962C8B-B14F-4D97-AF65-F5344CB8AC3E}">
@@ -9029,7 +8995,7 @@
           <p:cNvPr id="2" name="Titolo 1">
             <a:extLst>
               <a:ext uri="{FF2B5EF4-FFF2-40B4-BE49-F238E27FC236}">
-                <a16:creationId xmlns:a16="http://schemas.microsoft.com/office/drawing/2014/main" xmlns="" id="{E84D6F7A-C5C5-40C7-0FD8-F1C4CD4F3D65}"/>
+                <a16:creationId xmlns:a16="http://schemas.microsoft.com/office/drawing/2014/main" id="{E84D6F7A-C5C5-40C7-0FD8-F1C4CD4F3D65}"/>
               </a:ext>
             </a:extLst>
           </p:cNvPr>
@@ -9084,7 +9050,7 @@
           <p:cNvPr id="8" name="Segnaposto contenuto 2">
             <a:extLst>
               <a:ext uri="{FF2B5EF4-FFF2-40B4-BE49-F238E27FC236}">
-                <a16:creationId xmlns:a16="http://schemas.microsoft.com/office/drawing/2014/main" xmlns="" id="{BDBB7D20-3AC2-51C8-AA8A-A5491FCD4726}"/>
+                <a16:creationId xmlns:a16="http://schemas.microsoft.com/office/drawing/2014/main" id="{BDBB7D20-3AC2-51C8-AA8A-A5491FCD4726}"/>
               </a:ext>
             </a:extLst>
           </p:cNvPr>
@@ -9284,7 +9250,7 @@
           <p:cNvPr id="3" name="CasellaDiTesto 2">
             <a:extLst>
               <a:ext uri="{FF2B5EF4-FFF2-40B4-BE49-F238E27FC236}">
-                <a16:creationId xmlns:a16="http://schemas.microsoft.com/office/drawing/2014/main" xmlns="" id="{030A41CB-42A9-F076-CFD9-6A60618ECDBD}"/>
+                <a16:creationId xmlns:a16="http://schemas.microsoft.com/office/drawing/2014/main" id="{030A41CB-42A9-F076-CFD9-6A60618ECDBD}"/>
               </a:ext>
             </a:extLst>
           </p:cNvPr>
@@ -9336,7 +9302,7 @@
           <p:cNvPr id="9" name="CasellaDiTesto 8">
             <a:extLst>
               <a:ext uri="{FF2B5EF4-FFF2-40B4-BE49-F238E27FC236}">
-                <a16:creationId xmlns:a16="http://schemas.microsoft.com/office/drawing/2014/main" xmlns="" id="{476D823A-D27D-A1C3-9802-8B9638902132}"/>
+                <a16:creationId xmlns:a16="http://schemas.microsoft.com/office/drawing/2014/main" id="{476D823A-D27D-A1C3-9802-8B9638902132}"/>
               </a:ext>
             </a:extLst>
           </p:cNvPr>
@@ -9757,16 +9723,6 @@
               </a:rPr>
               <a:t>backend</a:t>
             </a:r>
-            <a:r>
-              <a:rPr lang="it-IT" b="0">
-                <a:solidFill>
-                  <a:srgbClr val="D4D4D4"/>
-                </a:solidFill>
-                <a:effectLst/>
-                <a:latin typeface="Consolas" panose="020B0609020204030204" pitchFamily="49" charset="0"/>
-              </a:rPr>
-              <a:t/>
-            </a:r>
             <a:br>
               <a:rPr lang="it-IT" b="0">
                 <a:solidFill>
@@ -9810,7 +9766,7 @@
           <p:cNvPr id="11" name="CasellaDiTesto 10">
             <a:extLst>
               <a:ext uri="{FF2B5EF4-FFF2-40B4-BE49-F238E27FC236}">
-                <a16:creationId xmlns:a16="http://schemas.microsoft.com/office/drawing/2014/main" xmlns="" id="{76CF8EA9-25A2-40E3-752A-6B7DBA9B03F1}"/>
+                <a16:creationId xmlns:a16="http://schemas.microsoft.com/office/drawing/2014/main" id="{76CF8EA9-25A2-40E3-752A-6B7DBA9B03F1}"/>
               </a:ext>
             </a:extLst>
           </p:cNvPr>
@@ -10229,7 +10185,7 @@
           <p:cNvPr id="12" name="CasellaDiTesto 11">
             <a:extLst>
               <a:ext uri="{FF2B5EF4-FFF2-40B4-BE49-F238E27FC236}">
-                <a16:creationId xmlns:a16="http://schemas.microsoft.com/office/drawing/2014/main" xmlns="" id="{178AB428-EAAC-B27F-9B2C-B7FE13A087A3}"/>
+                <a16:creationId xmlns:a16="http://schemas.microsoft.com/office/drawing/2014/main" id="{178AB428-EAAC-B27F-9B2C-B7FE13A087A3}"/>
               </a:ext>
             </a:extLst>
           </p:cNvPr>
@@ -10319,7 +10275,7 @@
           <p:cNvPr id="2" name="Titolo 1">
             <a:extLst>
               <a:ext uri="{FF2B5EF4-FFF2-40B4-BE49-F238E27FC236}">
-                <a16:creationId xmlns:a16="http://schemas.microsoft.com/office/drawing/2014/main" xmlns="" id="{E84D6F7A-C5C5-40C7-0FD8-F1C4CD4F3D65}"/>
+                <a16:creationId xmlns:a16="http://schemas.microsoft.com/office/drawing/2014/main" id="{E84D6F7A-C5C5-40C7-0FD8-F1C4CD4F3D65}"/>
               </a:ext>
             </a:extLst>
           </p:cNvPr>
@@ -10374,7 +10330,7 @@
           <p:cNvPr id="8" name="Segnaposto contenuto 2">
             <a:extLst>
               <a:ext uri="{FF2B5EF4-FFF2-40B4-BE49-F238E27FC236}">
-                <a16:creationId xmlns:a16="http://schemas.microsoft.com/office/drawing/2014/main" xmlns="" id="{BDBB7D20-3AC2-51C8-AA8A-A5491FCD4726}"/>
+                <a16:creationId xmlns:a16="http://schemas.microsoft.com/office/drawing/2014/main" id="{BDBB7D20-3AC2-51C8-AA8A-A5491FCD4726}"/>
               </a:ext>
             </a:extLst>
           </p:cNvPr>
@@ -10574,7 +10530,7 @@
           <p:cNvPr id="3" name="CasellaDiTesto 2">
             <a:extLst>
               <a:ext uri="{FF2B5EF4-FFF2-40B4-BE49-F238E27FC236}">
-                <a16:creationId xmlns:a16="http://schemas.microsoft.com/office/drawing/2014/main" xmlns="" id="{030A41CB-42A9-F076-CFD9-6A60618ECDBD}"/>
+                <a16:creationId xmlns:a16="http://schemas.microsoft.com/office/drawing/2014/main" id="{030A41CB-42A9-F076-CFD9-6A60618ECDBD}"/>
               </a:ext>
             </a:extLst>
           </p:cNvPr>
@@ -10618,7 +10574,7 @@
           <p:cNvPr id="12" name="CasellaDiTesto 11">
             <a:extLst>
               <a:ext uri="{FF2B5EF4-FFF2-40B4-BE49-F238E27FC236}">
-                <a16:creationId xmlns:a16="http://schemas.microsoft.com/office/drawing/2014/main" xmlns="" id="{178AB428-EAAC-B27F-9B2C-B7FE13A087A3}"/>
+                <a16:creationId xmlns:a16="http://schemas.microsoft.com/office/drawing/2014/main" id="{178AB428-EAAC-B27F-9B2C-B7FE13A087A3}"/>
               </a:ext>
             </a:extLst>
           </p:cNvPr>
@@ -10675,10 +10631,10 @@
       </p:sp>
       <p:pic>
         <p:nvPicPr>
-          <p:cNvPr id="5" name="Immagine 4">
+          <p:cNvPr id="4" name="Immagine 3">
             <a:extLst>
               <a:ext uri="{FF2B5EF4-FFF2-40B4-BE49-F238E27FC236}">
-                <a16:creationId xmlns:a16="http://schemas.microsoft.com/office/drawing/2014/main" xmlns="" id="{80BD50AA-3F2D-AB96-D553-88F601CFB7A2}"/>
+                <a16:creationId xmlns:a16="http://schemas.microsoft.com/office/drawing/2014/main" id="{BCEE6965-9DF2-DC6D-E4F0-E2DC540F79E5}"/>
               </a:ext>
             </a:extLst>
           </p:cNvPr>
@@ -10701,7 +10657,7 @@
         </p:blipFill>
         <p:spPr>
           <a:xfrm>
-            <a:off x="2266006" y="1967850"/>
+            <a:off x="2212965" y="1949530"/>
             <a:ext cx="7862588" cy="3633153"/>
           </a:xfrm>
           <a:prstGeom prst="rect">
@@ -10744,7 +10700,7 @@
           <p:cNvPr id="2" name="Titolo 1">
             <a:extLst>
               <a:ext uri="{FF2B5EF4-FFF2-40B4-BE49-F238E27FC236}">
-                <a16:creationId xmlns:a16="http://schemas.microsoft.com/office/drawing/2014/main" xmlns="" id="{E84D6F7A-C5C5-40C7-0FD8-F1C4CD4F3D65}"/>
+                <a16:creationId xmlns:a16="http://schemas.microsoft.com/office/drawing/2014/main" id="{E84D6F7A-C5C5-40C7-0FD8-F1C4CD4F3D65}"/>
               </a:ext>
             </a:extLst>
           </p:cNvPr>
@@ -10799,7 +10755,7 @@
           <p:cNvPr id="8" name="Segnaposto contenuto 2">
             <a:extLst>
               <a:ext uri="{FF2B5EF4-FFF2-40B4-BE49-F238E27FC236}">
-                <a16:creationId xmlns:a16="http://schemas.microsoft.com/office/drawing/2014/main" xmlns="" id="{BDBB7D20-3AC2-51C8-AA8A-A5491FCD4726}"/>
+                <a16:creationId xmlns:a16="http://schemas.microsoft.com/office/drawing/2014/main" id="{BDBB7D20-3AC2-51C8-AA8A-A5491FCD4726}"/>
               </a:ext>
             </a:extLst>
           </p:cNvPr>
@@ -10999,7 +10955,7 @@
           <p:cNvPr id="9" name="Segnaposto contenuto 2">
             <a:extLst>
               <a:ext uri="{FF2B5EF4-FFF2-40B4-BE49-F238E27FC236}">
-                <a16:creationId xmlns:a16="http://schemas.microsoft.com/office/drawing/2014/main" xmlns="" id="{8DF74287-8199-C54D-5B1C-6FF6A0E99B42}"/>
+                <a16:creationId xmlns:a16="http://schemas.microsoft.com/office/drawing/2014/main" id="{8DF74287-8199-C54D-5B1C-6FF6A0E99B42}"/>
               </a:ext>
             </a:extLst>
           </p:cNvPr>
@@ -11216,16 +11172,6 @@
             <a:pPr marL="0" indent="0">
               <a:buNone/>
             </a:pPr>
-            <a:r>
-              <a:rPr lang="en-US" sz="1600" b="0">
-                <a:solidFill>
-                  <a:srgbClr val="D4D4D4"/>
-                </a:solidFill>
-                <a:effectLst/>
-                <a:latin typeface="Consolas" panose="020B0609020204030204" pitchFamily="49" charset="0"/>
-              </a:rPr>
-              <a:t/>
-            </a:r>
             <a:br>
               <a:rPr lang="en-US" sz="1600" b="0">
                 <a:solidFill>
@@ -11362,16 +11308,6 @@
             <a:pPr marL="0" indent="0">
               <a:buNone/>
             </a:pPr>
-            <a:r>
-              <a:rPr lang="en-US" sz="1600" b="0">
-                <a:solidFill>
-                  <a:srgbClr val="D4D4D4"/>
-                </a:solidFill>
-                <a:effectLst/>
-                <a:latin typeface="Consolas" panose="020B0609020204030204" pitchFamily="49" charset="0"/>
-              </a:rPr>
-              <a:t/>
-            </a:r>
             <a:br>
               <a:rPr lang="en-US" sz="1600" b="0">
                 <a:solidFill>
@@ -11760,7 +11696,7 @@
           <p:cNvPr id="6" name="CasellaDiTesto 5">
             <a:extLst>
               <a:ext uri="{FF2B5EF4-FFF2-40B4-BE49-F238E27FC236}">
-                <a16:creationId xmlns:a16="http://schemas.microsoft.com/office/drawing/2014/main" xmlns="" id="{86AF5E20-32D7-E1E4-E32C-80FA0815CDC5}"/>
+                <a16:creationId xmlns:a16="http://schemas.microsoft.com/office/drawing/2014/main" id="{86AF5E20-32D7-E1E4-E32C-80FA0815CDC5}"/>
               </a:ext>
             </a:extLst>
           </p:cNvPr>
@@ -12178,7 +12114,7 @@
           <p:cNvPr id="2" name="Titolo 1">
             <a:extLst>
               <a:ext uri="{FF2B5EF4-FFF2-40B4-BE49-F238E27FC236}">
-                <a16:creationId xmlns:a16="http://schemas.microsoft.com/office/drawing/2014/main" xmlns="" id="{E84D6F7A-C5C5-40C7-0FD8-F1C4CD4F3D65}"/>
+                <a16:creationId xmlns:a16="http://schemas.microsoft.com/office/drawing/2014/main" id="{E84D6F7A-C5C5-40C7-0FD8-F1C4CD4F3D65}"/>
               </a:ext>
             </a:extLst>
           </p:cNvPr>
@@ -12634,7 +12570,7 @@
           <p:cNvPr id="2" name="Titolo 1">
             <a:extLst>
               <a:ext uri="{FF2B5EF4-FFF2-40B4-BE49-F238E27FC236}">
-                <a16:creationId xmlns:a16="http://schemas.microsoft.com/office/drawing/2014/main" xmlns="" id="{E84D6F7A-C5C5-40C7-0FD8-F1C4CD4F3D65}"/>
+                <a16:creationId xmlns:a16="http://schemas.microsoft.com/office/drawing/2014/main" id="{E84D6F7A-C5C5-40C7-0FD8-F1C4CD4F3D65}"/>
               </a:ext>
             </a:extLst>
           </p:cNvPr>
